--- a/slides/SLIDE 05 - NOCOES BASICAS PHP 03.pptx
+++ b/slides/SLIDE 05 - NOCOES BASICAS PHP 03.pptx
@@ -5,7 +5,7 @@
     <p:sldMasterId id="2147483660" r:id="rId1"/>
   </p:sldMasterIdLst>
   <p:notesMasterIdLst>
-    <p:notesMasterId r:id="rId52"/>
+    <p:notesMasterId r:id="rId53"/>
   </p:notesMasterIdLst>
   <p:sldIdLst>
     <p:sldId id="256" r:id="rId2"/>
@@ -17,47 +17,48 @@
     <p:sldId id="299" r:id="rId8"/>
     <p:sldId id="298" r:id="rId9"/>
     <p:sldId id="297" r:id="rId10"/>
-    <p:sldId id="296" r:id="rId11"/>
-    <p:sldId id="295" r:id="rId12"/>
-    <p:sldId id="294" r:id="rId13"/>
-    <p:sldId id="293" r:id="rId14"/>
-    <p:sldId id="292" r:id="rId15"/>
-    <p:sldId id="291" r:id="rId16"/>
-    <p:sldId id="290" r:id="rId17"/>
-    <p:sldId id="289" r:id="rId18"/>
-    <p:sldId id="288" r:id="rId19"/>
-    <p:sldId id="287" r:id="rId20"/>
-    <p:sldId id="286" r:id="rId21"/>
-    <p:sldId id="285" r:id="rId22"/>
-    <p:sldId id="284" r:id="rId23"/>
-    <p:sldId id="283" r:id="rId24"/>
-    <p:sldId id="282" r:id="rId25"/>
-    <p:sldId id="281" r:id="rId26"/>
-    <p:sldId id="280" r:id="rId27"/>
-    <p:sldId id="279" r:id="rId28"/>
-    <p:sldId id="278" r:id="rId29"/>
-    <p:sldId id="277" r:id="rId30"/>
-    <p:sldId id="276" r:id="rId31"/>
-    <p:sldId id="275" r:id="rId32"/>
-    <p:sldId id="274" r:id="rId33"/>
-    <p:sldId id="273" r:id="rId34"/>
-    <p:sldId id="272" r:id="rId35"/>
-    <p:sldId id="271" r:id="rId36"/>
-    <p:sldId id="270" r:id="rId37"/>
-    <p:sldId id="269" r:id="rId38"/>
-    <p:sldId id="268" r:id="rId39"/>
-    <p:sldId id="302" r:id="rId40"/>
-    <p:sldId id="303" r:id="rId41"/>
-    <p:sldId id="309" r:id="rId42"/>
-    <p:sldId id="308" r:id="rId43"/>
-    <p:sldId id="307" r:id="rId44"/>
-    <p:sldId id="306" r:id="rId45"/>
-    <p:sldId id="305" r:id="rId46"/>
-    <p:sldId id="304" r:id="rId47"/>
-    <p:sldId id="301" r:id="rId48"/>
-    <p:sldId id="310" r:id="rId49"/>
-    <p:sldId id="311" r:id="rId50"/>
-    <p:sldId id="260" r:id="rId51"/>
+    <p:sldId id="312" r:id="rId11"/>
+    <p:sldId id="296" r:id="rId12"/>
+    <p:sldId id="295" r:id="rId13"/>
+    <p:sldId id="294" r:id="rId14"/>
+    <p:sldId id="293" r:id="rId15"/>
+    <p:sldId id="292" r:id="rId16"/>
+    <p:sldId id="291" r:id="rId17"/>
+    <p:sldId id="290" r:id="rId18"/>
+    <p:sldId id="289" r:id="rId19"/>
+    <p:sldId id="288" r:id="rId20"/>
+    <p:sldId id="287" r:id="rId21"/>
+    <p:sldId id="286" r:id="rId22"/>
+    <p:sldId id="285" r:id="rId23"/>
+    <p:sldId id="284" r:id="rId24"/>
+    <p:sldId id="283" r:id="rId25"/>
+    <p:sldId id="282" r:id="rId26"/>
+    <p:sldId id="281" r:id="rId27"/>
+    <p:sldId id="280" r:id="rId28"/>
+    <p:sldId id="279" r:id="rId29"/>
+    <p:sldId id="278" r:id="rId30"/>
+    <p:sldId id="277" r:id="rId31"/>
+    <p:sldId id="276" r:id="rId32"/>
+    <p:sldId id="275" r:id="rId33"/>
+    <p:sldId id="274" r:id="rId34"/>
+    <p:sldId id="273" r:id="rId35"/>
+    <p:sldId id="272" r:id="rId36"/>
+    <p:sldId id="271" r:id="rId37"/>
+    <p:sldId id="270" r:id="rId38"/>
+    <p:sldId id="269" r:id="rId39"/>
+    <p:sldId id="268" r:id="rId40"/>
+    <p:sldId id="302" r:id="rId41"/>
+    <p:sldId id="303" r:id="rId42"/>
+    <p:sldId id="309" r:id="rId43"/>
+    <p:sldId id="308" r:id="rId44"/>
+    <p:sldId id="307" r:id="rId45"/>
+    <p:sldId id="306" r:id="rId46"/>
+    <p:sldId id="305" r:id="rId47"/>
+    <p:sldId id="304" r:id="rId48"/>
+    <p:sldId id="301" r:id="rId49"/>
+    <p:sldId id="310" r:id="rId50"/>
+    <p:sldId id="311" r:id="rId51"/>
+    <p:sldId id="260" r:id="rId52"/>
   </p:sldIdLst>
   <p:sldSz cx="9144000" cy="6858000" type="screen4x3"/>
   <p:notesSz cx="6858000" cy="9144000"/>
@@ -158,7 +159,18 @@
   </p:defaultTextStyle>
   <p:extLst>
     <p:ext uri="{EFAFB233-063F-42B5-8137-9DF3F51BA10A}">
-      <p15:sldGuideLst xmlns="" xmlns:p15="http://schemas.microsoft.com/office/powerpoint/2012/main"/>
+      <p15:sldGuideLst xmlns:p15="http://schemas.microsoft.com/office/powerpoint/2012/main">
+        <p15:guide id="1" orient="horz" pos="2160">
+          <p15:clr>
+            <a:srgbClr val="A4A3A4"/>
+          </p15:clr>
+        </p15:guide>
+        <p15:guide id="2" pos="2880">
+          <p15:clr>
+            <a:srgbClr val="A4A3A4"/>
+          </p15:clr>
+        </p15:guide>
+      </p15:sldGuideLst>
     </p:ext>
   </p:extLst>
 </p:presentation>
@@ -246,7 +258,7 @@
           <a:p>
             <a:fld id="{25F0AA79-4FCC-074F-85E0-CEE218925B64}" type="datetimeFigureOut">
               <a:rPr lang="pt-BR" smtClean="0"/>
-              <a:t>13/02/2022</a:t>
+              <a:t>07/08/2024</a:t>
             </a:fld>
             <a:endParaRPr lang="pt-BR"/>
           </a:p>
@@ -4180,7 +4192,7 @@
             <a:spLocks noGrp="1"/>
           </p:cNvSpPr>
           <p:nvPr>
-            <p:ph type="sldNum" sz="quarter" idx="5"/>
+            <p:ph type="sldNum" sz="quarter" idx="10"/>
           </p:nvPr>
         </p:nvSpPr>
         <p:spPr/>
@@ -4199,7 +4211,7 @@
     </p:spTree>
     <p:extLst>
       <p:ext uri="{BB962C8B-B14F-4D97-AF65-F5344CB8AC3E}">
-        <p14:creationId xmlns:p14="http://schemas.microsoft.com/office/powerpoint/2010/main" val="2932515428"/>
+        <p14:creationId xmlns:p14="http://schemas.microsoft.com/office/powerpoint/2010/main" val="3572812287"/>
       </p:ext>
     </p:extLst>
   </p:cSld>
@@ -4284,6 +4296,90 @@
     <p:extLst>
       <p:ext uri="{BB962C8B-B14F-4D97-AF65-F5344CB8AC3E}">
         <p14:creationId xmlns:p14="http://schemas.microsoft.com/office/powerpoint/2010/main" val="3572812287"/>
+      </p:ext>
+    </p:extLst>
+  </p:cSld>
+  <p:clrMapOvr>
+    <a:masterClrMapping/>
+  </p:clrMapOvr>
+</p:notes>
+</file>
+
+<file path=ppt/notesSlides/notesSlide50.xml><?xml version="1.0" encoding="utf-8"?>
+<p:notes xmlns:a="http://schemas.openxmlformats.org/drawingml/2006/main" xmlns:r="http://schemas.openxmlformats.org/officeDocument/2006/relationships" xmlns:p="http://schemas.openxmlformats.org/presentationml/2006/main">
+  <p:cSld>
+    <p:spTree>
+      <p:nvGrpSpPr>
+        <p:cNvPr id="1" name=""/>
+        <p:cNvGrpSpPr/>
+        <p:nvPr/>
+      </p:nvGrpSpPr>
+      <p:grpSpPr>
+        <a:xfrm>
+          <a:off x="0" y="0"/>
+          <a:ext cx="0" cy="0"/>
+          <a:chOff x="0" y="0"/>
+          <a:chExt cx="0" cy="0"/>
+        </a:xfrm>
+      </p:grpSpPr>
+      <p:sp>
+        <p:nvSpPr>
+          <p:cNvPr id="2" name="Espaço Reservado para Imagem de Slide 1"/>
+          <p:cNvSpPr>
+            <a:spLocks noGrp="1" noRot="1" noChangeAspect="1"/>
+          </p:cNvSpPr>
+          <p:nvPr>
+            <p:ph type="sldImg"/>
+          </p:nvPr>
+        </p:nvSpPr>
+        <p:spPr/>
+      </p:sp>
+      <p:sp>
+        <p:nvSpPr>
+          <p:cNvPr id="3" name="Espaço Reservado para Anotações 2"/>
+          <p:cNvSpPr>
+            <a:spLocks noGrp="1"/>
+          </p:cNvSpPr>
+          <p:nvPr>
+            <p:ph type="body" idx="1"/>
+          </p:nvPr>
+        </p:nvSpPr>
+        <p:spPr/>
+        <p:txBody>
+          <a:bodyPr/>
+          <a:lstStyle/>
+          <a:p>
+            <a:endParaRPr lang="pt-BR" dirty="0"/>
+          </a:p>
+        </p:txBody>
+      </p:sp>
+      <p:sp>
+        <p:nvSpPr>
+          <p:cNvPr id="4" name="Espaço Reservado para Número de Slide 3"/>
+          <p:cNvSpPr>
+            <a:spLocks noGrp="1"/>
+          </p:cNvSpPr>
+          <p:nvPr>
+            <p:ph type="sldNum" sz="quarter" idx="5"/>
+          </p:nvPr>
+        </p:nvSpPr>
+        <p:spPr/>
+        <p:txBody>
+          <a:bodyPr/>
+          <a:lstStyle/>
+          <a:p>
+            <a:fld id="{E4012006-13B0-9343-974D-D1B6F7856FE8}" type="slidenum">
+              <a:rPr lang="pt-BR" smtClean="0"/>
+              <a:t>51</a:t>
+            </a:fld>
+            <a:endParaRPr lang="pt-BR"/>
+          </a:p>
+        </p:txBody>
+      </p:sp>
+    </p:spTree>
+    <p:extLst>
+      <p:ext uri="{BB962C8B-B14F-4D97-AF65-F5344CB8AC3E}">
+        <p14:creationId xmlns:p14="http://schemas.microsoft.com/office/powerpoint/2010/main" val="2932515428"/>
       </p:ext>
     </p:extLst>
   </p:cSld>
@@ -4619,7 +4715,7 @@
     </p:spTree>
     <p:extLst>
       <p:ext uri="{BB962C8B-B14F-4D97-AF65-F5344CB8AC3E}">
-        <p14:creationId xmlns:p14="http://schemas.microsoft.com/office/powerpoint/2010/main" val="3572812287"/>
+        <p14:creationId xmlns:p14="http://schemas.microsoft.com/office/powerpoint/2010/main" val="3624458748"/>
       </p:ext>
     </p:extLst>
   </p:cSld>
@@ -4760,7 +4856,7 @@
           <a:p>
             <a:fld id="{5F9344B4-9850-F84E-AF53-CD3E9423C711}" type="datetimeFigureOut">
               <a:rPr lang="pt-BR" smtClean="0"/>
-              <a:t>13/02/2022</a:t>
+              <a:t>07/08/2024</a:t>
             </a:fld>
             <a:endParaRPr lang="pt-BR"/>
           </a:p>
@@ -4930,7 +5026,7 @@
           <a:p>
             <a:fld id="{5F9344B4-9850-F84E-AF53-CD3E9423C711}" type="datetimeFigureOut">
               <a:rPr lang="pt-BR" smtClean="0"/>
-              <a:t>13/02/2022</a:t>
+              <a:t>07/08/2024</a:t>
             </a:fld>
             <a:endParaRPr lang="pt-BR"/>
           </a:p>
@@ -5110,7 +5206,7 @@
           <a:p>
             <a:fld id="{5F9344B4-9850-F84E-AF53-CD3E9423C711}" type="datetimeFigureOut">
               <a:rPr lang="pt-BR" smtClean="0"/>
-              <a:t>13/02/2022</a:t>
+              <a:t>07/08/2024</a:t>
             </a:fld>
             <a:endParaRPr lang="pt-BR"/>
           </a:p>
@@ -5280,7 +5376,7 @@
           <a:p>
             <a:fld id="{5F9344B4-9850-F84E-AF53-CD3E9423C711}" type="datetimeFigureOut">
               <a:rPr lang="pt-BR" smtClean="0"/>
-              <a:t>13/02/2022</a:t>
+              <a:t>07/08/2024</a:t>
             </a:fld>
             <a:endParaRPr lang="pt-BR"/>
           </a:p>
@@ -5524,7 +5620,7 @@
           <a:p>
             <a:fld id="{5F9344B4-9850-F84E-AF53-CD3E9423C711}" type="datetimeFigureOut">
               <a:rPr lang="pt-BR" smtClean="0"/>
-              <a:t>13/02/2022</a:t>
+              <a:t>07/08/2024</a:t>
             </a:fld>
             <a:endParaRPr lang="pt-BR"/>
           </a:p>
@@ -5756,7 +5852,7 @@
           <a:p>
             <a:fld id="{5F9344B4-9850-F84E-AF53-CD3E9423C711}" type="datetimeFigureOut">
               <a:rPr lang="pt-BR" smtClean="0"/>
-              <a:t>13/02/2022</a:t>
+              <a:t>07/08/2024</a:t>
             </a:fld>
             <a:endParaRPr lang="pt-BR"/>
           </a:p>
@@ -6123,7 +6219,7 @@
           <a:p>
             <a:fld id="{5F9344B4-9850-F84E-AF53-CD3E9423C711}" type="datetimeFigureOut">
               <a:rPr lang="pt-BR" smtClean="0"/>
-              <a:t>13/02/2022</a:t>
+              <a:t>07/08/2024</a:t>
             </a:fld>
             <a:endParaRPr lang="pt-BR"/>
           </a:p>
@@ -6241,7 +6337,7 @@
           <a:p>
             <a:fld id="{5F9344B4-9850-F84E-AF53-CD3E9423C711}" type="datetimeFigureOut">
               <a:rPr lang="pt-BR" smtClean="0"/>
-              <a:t>13/02/2022</a:t>
+              <a:t>07/08/2024</a:t>
             </a:fld>
             <a:endParaRPr lang="pt-BR"/>
           </a:p>
@@ -6336,7 +6432,7 @@
           <a:p>
             <a:fld id="{5F9344B4-9850-F84E-AF53-CD3E9423C711}" type="datetimeFigureOut">
               <a:rPr lang="pt-BR" smtClean="0"/>
-              <a:t>13/02/2022</a:t>
+              <a:t>07/08/2024</a:t>
             </a:fld>
             <a:endParaRPr lang="pt-BR"/>
           </a:p>
@@ -6613,7 +6709,7 @@
           <a:p>
             <a:fld id="{5F9344B4-9850-F84E-AF53-CD3E9423C711}" type="datetimeFigureOut">
               <a:rPr lang="pt-BR" smtClean="0"/>
-              <a:t>13/02/2022</a:t>
+              <a:t>07/08/2024</a:t>
             </a:fld>
             <a:endParaRPr lang="pt-BR"/>
           </a:p>
@@ -6870,7 +6966,7 @@
           <a:p>
             <a:fld id="{5F9344B4-9850-F84E-AF53-CD3E9423C711}" type="datetimeFigureOut">
               <a:rPr lang="pt-BR" smtClean="0"/>
-              <a:t>13/02/2022</a:t>
+              <a:t>07/08/2024</a:t>
             </a:fld>
             <a:endParaRPr lang="pt-BR"/>
           </a:p>
@@ -7083,7 +7179,7 @@
           <a:p>
             <a:fld id="{5F9344B4-9850-F84E-AF53-CD3E9423C711}" type="datetimeFigureOut">
               <a:rPr lang="pt-BR" smtClean="0"/>
-              <a:t>13/02/2022</a:t>
+              <a:t>07/08/2024</a:t>
             </a:fld>
             <a:endParaRPr lang="pt-BR"/>
           </a:p>
@@ -7507,7 +7603,7 @@
           <p:cNvPr id="2" name="Título 1">
             <a:extLst>
               <a:ext uri="{FF2B5EF4-FFF2-40B4-BE49-F238E27FC236}">
-                <a16:creationId xmlns="" xmlns:a16="http://schemas.microsoft.com/office/drawing/2014/main" id="{0DFBF7E0-80B7-554A-B9CB-C075A8F357C4}"/>
+                <a16:creationId xmlns:a16="http://schemas.microsoft.com/office/drawing/2014/main" id="{0DFBF7E0-80B7-554A-B9CB-C075A8F357C4}"/>
               </a:ext>
             </a:extLst>
           </p:cNvPr>
@@ -7555,7 +7651,7 @@
           <p:cNvPr id="3" name="Subtítulo 2">
             <a:extLst>
               <a:ext uri="{FF2B5EF4-FFF2-40B4-BE49-F238E27FC236}">
-                <a16:creationId xmlns="" xmlns:a16="http://schemas.microsoft.com/office/drawing/2014/main" id="{97DB2D7A-5A1B-AA48-B60E-D084E6E3E84E}"/>
+                <a16:creationId xmlns:a16="http://schemas.microsoft.com/office/drawing/2014/main" id="{97DB2D7A-5A1B-AA48-B60E-D084E6E3E84E}"/>
               </a:ext>
             </a:extLst>
           </p:cNvPr>
@@ -7645,7 +7741,7 @@
           <p:cNvPr id="7" name="Título 1">
             <a:extLst>
               <a:ext uri="{FF2B5EF4-FFF2-40B4-BE49-F238E27FC236}">
-                <a16:creationId xmlns="" xmlns:a16="http://schemas.microsoft.com/office/drawing/2014/main" id="{489F5D36-DFC3-5141-9F8E-6FACABCF76D1}"/>
+                <a16:creationId xmlns:a16="http://schemas.microsoft.com/office/drawing/2014/main" id="{489F5D36-DFC3-5141-9F8E-6FACABCF76D1}"/>
               </a:ext>
             </a:extLst>
           </p:cNvPr>
@@ -7697,7 +7793,7 @@
                 <a:latin typeface="+mn-lt"/>
                 <a:cs typeface="Calibri" panose="020F0502020204030204" pitchFamily="34" charset="0"/>
               </a:rPr>
-              <a:t>PHP e formulários HTML</a:t>
+              <a:t>Atividades de Fixação</a:t>
             </a:r>
             <a:endParaRPr lang="pt-BR" sz="3600" b="1" dirty="0">
               <a:solidFill>
@@ -7731,33 +7827,66 @@
           <a:bodyPr/>
           <a:lstStyle/>
           <a:p>
-            <a:r>
-              <a:rPr lang="pt-BR" dirty="0" smtClean="0"/>
-              <a:t>Os dados incluídos em formulários HTML são submetidos para o servidor e no PHP são interpretados como variáveis</a:t>
-            </a:r>
-          </a:p>
-          <a:p>
-            <a:endParaRPr lang="pt-BR" dirty="0" smtClean="0"/>
-          </a:p>
-          <a:p>
-            <a:r>
-              <a:rPr lang="pt-BR" dirty="0" smtClean="0"/>
-              <a:t>Com isso, temos dois métodos de receber os dados:</a:t>
-            </a:r>
-          </a:p>
-          <a:p>
-            <a:pPr lvl="1"/>
-            <a:r>
-              <a:rPr lang="pt-BR" dirty="0" smtClean="0"/>
-              <a:t>Get: Dados vem pela URL</a:t>
-            </a:r>
-          </a:p>
-          <a:p>
-            <a:pPr lvl="1"/>
-            <a:r>
-              <a:rPr lang="pt-BR" dirty="0" smtClean="0"/>
-              <a:t>Post: Dados são enviados no corpo da requisição</a:t>
-            </a:r>
+            <a:pPr marL="0" indent="0">
+              <a:buNone/>
+            </a:pPr>
+            <a:r>
+              <a:rPr lang="pt-BR" b="1" dirty="0">
+                <a:solidFill>
+                  <a:schemeClr val="bg2">
+                    <a:lumMod val="75000"/>
+                  </a:schemeClr>
+                </a:solidFill>
+                <a:cs typeface="Calibri" panose="020F0502020204030204" pitchFamily="34" charset="0"/>
+              </a:rPr>
+              <a:t>Atividades de </a:t>
+            </a:r>
+            <a:r>
+              <a:rPr lang="pt-BR" b="1" dirty="0" smtClean="0">
+                <a:solidFill>
+                  <a:schemeClr val="bg2">
+                    <a:lumMod val="75000"/>
+                  </a:schemeClr>
+                </a:solidFill>
+                <a:cs typeface="Calibri" panose="020F0502020204030204" pitchFamily="34" charset="0"/>
+              </a:rPr>
+              <a:t>Fixação na pasta </a:t>
+            </a:r>
+            <a:r>
+              <a:rPr lang="pt-BR" b="1" dirty="0" err="1" smtClean="0">
+                <a:solidFill>
+                  <a:schemeClr val="bg2">
+                    <a:lumMod val="75000"/>
+                  </a:schemeClr>
+                </a:solidFill>
+                <a:cs typeface="Calibri" panose="020F0502020204030204" pitchFamily="34" charset="0"/>
+              </a:rPr>
+              <a:t>Exercicios</a:t>
+            </a:r>
+            <a:r>
+              <a:rPr lang="pt-BR" b="1" smtClean="0">
+                <a:solidFill>
+                  <a:schemeClr val="bg2">
+                    <a:lumMod val="75000"/>
+                  </a:schemeClr>
+                </a:solidFill>
+                <a:cs typeface="Calibri" panose="020F0502020204030204" pitchFamily="34" charset="0"/>
+              </a:rPr>
+              <a:t>.</a:t>
+            </a:r>
+            <a:endParaRPr lang="pt-BR" b="1" dirty="0">
+              <a:solidFill>
+                <a:schemeClr val="bg2">
+                  <a:lumMod val="75000"/>
+                </a:schemeClr>
+              </a:solidFill>
+              <a:cs typeface="Calibri" panose="020F0502020204030204" pitchFamily="34" charset="0"/>
+            </a:endParaRPr>
+          </a:p>
+          <a:p>
+            <a:pPr marL="0" indent="0">
+              <a:buNone/>
+            </a:pPr>
             <a:endParaRPr lang="pt-BR" dirty="0"/>
           </a:p>
         </p:txBody>
@@ -7765,7 +7894,7 @@
     </p:spTree>
     <p:extLst>
       <p:ext uri="{BB962C8B-B14F-4D97-AF65-F5344CB8AC3E}">
-        <p14:creationId xmlns:p14="http://schemas.microsoft.com/office/powerpoint/2010/main" val="3445244615"/>
+        <p14:creationId xmlns:p14="http://schemas.microsoft.com/office/powerpoint/2010/main" val="2556595918"/>
       </p:ext>
     </p:extLst>
   </p:cSld>
@@ -7818,7 +7947,7 @@
           <p:cNvPr id="7" name="Título 1">
             <a:extLst>
               <a:ext uri="{FF2B5EF4-FFF2-40B4-BE49-F238E27FC236}">
-                <a16:creationId xmlns="" xmlns:a16="http://schemas.microsoft.com/office/drawing/2014/main" id="{489F5D36-DFC3-5141-9F8E-6FACABCF76D1}"/>
+                <a16:creationId xmlns:a16="http://schemas.microsoft.com/office/drawing/2014/main" id="{489F5D36-DFC3-5141-9F8E-6FACABCF76D1}"/>
               </a:ext>
             </a:extLst>
           </p:cNvPr>
@@ -7906,134 +8035,39 @@
           <a:p>
             <a:r>
               <a:rPr lang="pt-BR" dirty="0" smtClean="0"/>
-              <a:t>Os dados enviados via GET podem ser acessados no PHP pela variável superglobal $_GET</a:t>
-            </a:r>
+              <a:t>Os dados incluídos em formulários HTML são submetidos para o servidor e no PHP são interpretados como variáveis</a:t>
+            </a:r>
+          </a:p>
+          <a:p>
+            <a:endParaRPr lang="pt-BR" dirty="0" smtClean="0"/>
           </a:p>
           <a:p>
             <a:r>
               <a:rPr lang="pt-BR" dirty="0" smtClean="0"/>
-              <a:t>Exemplo:</a:t>
-            </a:r>
-          </a:p>
-        </p:txBody>
-      </p:sp>
-      <p:graphicFrame>
-        <p:nvGraphicFramePr>
-          <p:cNvPr id="4" name="Tabela 3"/>
-          <p:cNvGraphicFramePr>
-            <a:graphicFrameLocks noGrp="1"/>
-          </p:cNvGraphicFramePr>
-          <p:nvPr>
-            <p:extLst>
-              <p:ext uri="{D42A27DB-BD31-4B8C-83A1-F6EECF244321}">
-                <p14:modId xmlns:p14="http://schemas.microsoft.com/office/powerpoint/2010/main" val="3533335747"/>
-              </p:ext>
-            </p:extLst>
-          </p:nvPr>
-        </p:nvGraphicFramePr>
-        <p:xfrm>
-          <a:off x="457200" y="3170219"/>
-          <a:ext cx="8329642" cy="2971800"/>
-        </p:xfrm>
-        <a:graphic>
-          <a:graphicData uri="http://schemas.openxmlformats.org/drawingml/2006/table">
-            <a:tbl>
-              <a:tblPr firstRow="1" bandRow="1">
-                <a:tableStyleId>{5C22544A-7EE6-4342-B048-85BDC9FD1C3A}</a:tableStyleId>
-              </a:tblPr>
-              <a:tblGrid>
-                <a:gridCol w="8329642"/>
-              </a:tblGrid>
-              <a:tr h="2928958">
-                <a:tc>
-                  <a:txBody>
-                    <a:bodyPr/>
-                    <a:lstStyle/>
-                    <a:p>
-                      <a:r>
-                        <a:rPr lang="en-US" sz="2100" dirty="0" smtClean="0"/>
-                        <a:t>//URL </a:t>
-                      </a:r>
-                      <a:r>
-                        <a:rPr lang="en-US" sz="2100" dirty="0" err="1" smtClean="0"/>
-                        <a:t>enviando</a:t>
-                      </a:r>
-                      <a:r>
-                        <a:rPr lang="en-US" sz="2100" dirty="0" smtClean="0"/>
-                        <a:t> dados via GET //http://127.0.0.1/mostraParametros.php?codigoPessoa=1&amp;codigoCidade=15</a:t>
-                      </a:r>
-                    </a:p>
-                    <a:p>
-                      <a:endParaRPr lang="en-US" sz="2100" dirty="0" smtClean="0"/>
-                    </a:p>
-                    <a:p>
-                      <a:r>
-                        <a:rPr lang="en-US" sz="2100" dirty="0" smtClean="0"/>
-                        <a:t>//mostraParametro.php</a:t>
-                      </a:r>
-                    </a:p>
-                    <a:p>
-                      <a:r>
-                        <a:rPr lang="en-US" sz="2100" dirty="0" smtClean="0"/>
-                        <a:t>&lt;?</a:t>
-                      </a:r>
-                      <a:r>
-                        <a:rPr lang="en-US" sz="2100" dirty="0" err="1" smtClean="0"/>
-                        <a:t>php</a:t>
-                      </a:r>
-                      <a:endParaRPr lang="en-US" sz="2100" dirty="0" smtClean="0"/>
-                    </a:p>
-                    <a:p>
-                      <a:r>
-                        <a:rPr lang="en-US" sz="2100" dirty="0" smtClean="0"/>
-                        <a:t>echo '&lt;pre&gt;'.</a:t>
-                      </a:r>
-                      <a:r>
-                        <a:rPr lang="en-US" sz="2100" dirty="0" err="1" smtClean="0"/>
-                        <a:t>print_r</a:t>
-                      </a:r>
-                      <a:r>
-                        <a:rPr lang="en-US" sz="2100" dirty="0" smtClean="0"/>
-                        <a:t>($_</a:t>
-                      </a:r>
-                      <a:r>
-                        <a:rPr lang="en-US" sz="2100" dirty="0" err="1" smtClean="0"/>
-                        <a:t>GET,true</a:t>
-                      </a:r>
-                      <a:r>
-                        <a:rPr lang="en-US" sz="2100" dirty="0" smtClean="0"/>
-                        <a:t>).'&lt;/pre&gt;' ;</a:t>
-                      </a:r>
-                    </a:p>
-                    <a:p>
-                      <a:r>
-                        <a:rPr lang="en-US" sz="2100" dirty="0" smtClean="0"/>
-                        <a:t>?&gt;</a:t>
-                      </a:r>
-                    </a:p>
-                    <a:p>
-                      <a:r>
-                        <a:rPr lang="en-US" sz="2100" dirty="0" smtClean="0"/>
-                        <a:t>//</a:t>
-                      </a:r>
-                      <a:r>
-                        <a:rPr lang="pt-BR" sz="2100" dirty="0" smtClean="0"/>
-                        <a:t>Array ( [codigoPessoa] =&gt; 1 [codigoCidade] =&gt; 15 );</a:t>
-                      </a:r>
-                      <a:endParaRPr lang="pt-BR" sz="2100" dirty="0"/>
-                    </a:p>
-                  </a:txBody>
-                  <a:tcPr/>
-                </a:tc>
-              </a:tr>
-            </a:tbl>
-          </a:graphicData>
-        </a:graphic>
-      </p:graphicFrame>
+              <a:t>Com isso, temos dois métodos de receber os dados:</a:t>
+            </a:r>
+          </a:p>
+          <a:p>
+            <a:pPr lvl="1"/>
+            <a:r>
+              <a:rPr lang="pt-BR" dirty="0" smtClean="0"/>
+              <a:t>Get: Dados vem pela URL</a:t>
+            </a:r>
+          </a:p>
+          <a:p>
+            <a:pPr lvl="1"/>
+            <a:r>
+              <a:rPr lang="pt-BR" dirty="0" smtClean="0"/>
+              <a:t>Post: Dados são enviados no corpo da requisição</a:t>
+            </a:r>
+            <a:endParaRPr lang="pt-BR" dirty="0"/>
+          </a:p>
+        </p:txBody>
+      </p:sp>
     </p:spTree>
     <p:extLst>
       <p:ext uri="{BB962C8B-B14F-4D97-AF65-F5344CB8AC3E}">
-        <p14:creationId xmlns:p14="http://schemas.microsoft.com/office/powerpoint/2010/main" val="1410939232"/>
+        <p14:creationId xmlns:p14="http://schemas.microsoft.com/office/powerpoint/2010/main" val="3445244615"/>
       </p:ext>
     </p:extLst>
   </p:cSld>
@@ -8086,7 +8120,7 @@
           <p:cNvPr id="7" name="Título 1">
             <a:extLst>
               <a:ext uri="{FF2B5EF4-FFF2-40B4-BE49-F238E27FC236}">
-                <a16:creationId xmlns="" xmlns:a16="http://schemas.microsoft.com/office/drawing/2014/main" id="{489F5D36-DFC3-5141-9F8E-6FACABCF76D1}"/>
+                <a16:creationId xmlns:a16="http://schemas.microsoft.com/office/drawing/2014/main" id="{489F5D36-DFC3-5141-9F8E-6FACABCF76D1}"/>
               </a:ext>
             </a:extLst>
           </p:cNvPr>
@@ -8174,11 +8208,14 @@
           <a:p>
             <a:r>
               <a:rPr lang="pt-BR" dirty="0" smtClean="0"/>
-              <a:t>Para os dados enviados via POST a leitura dos dados em PHP se dará pela variável superglobal $_POST</a:t>
-            </a:r>
-          </a:p>
-          <a:p>
-            <a:endParaRPr lang="pt-BR" dirty="0"/>
+              <a:t>Os dados enviados via GET podem ser acessados no PHP pela variável superglobal $_GET</a:t>
+            </a:r>
+          </a:p>
+          <a:p>
+            <a:r>
+              <a:rPr lang="pt-BR" dirty="0" smtClean="0"/>
+              <a:t>Exemplo:</a:t>
+            </a:r>
           </a:p>
         </p:txBody>
       </p:sp>
@@ -8191,14 +8228,14 @@
           <p:nvPr>
             <p:extLst>
               <p:ext uri="{D42A27DB-BD31-4B8C-83A1-F6EECF244321}">
-                <p14:modId xmlns:p14="http://schemas.microsoft.com/office/powerpoint/2010/main" val="3628279359"/>
+                <p14:modId xmlns:p14="http://schemas.microsoft.com/office/powerpoint/2010/main" val="3533335747"/>
               </p:ext>
             </p:extLst>
           </p:nvPr>
         </p:nvGraphicFramePr>
         <p:xfrm>
-          <a:off x="457200" y="2456267"/>
-          <a:ext cx="8038999" cy="3749040"/>
+          <a:off x="457200" y="3170219"/>
+          <a:ext cx="8329642" cy="2971800"/>
         </p:xfrm>
         <a:graphic>
           <a:graphicData uri="http://schemas.openxmlformats.org/drawingml/2006/table">
@@ -8207,108 +8244,100 @@
                 <a:tableStyleId>{5C22544A-7EE6-4342-B048-85BDC9FD1C3A}</a:tableStyleId>
               </a:tblPr>
               <a:tblGrid>
-                <a:gridCol w="8038999"/>
+                <a:gridCol w="8329642">
+                  <a:extLst>
+                    <a:ext uri="{9D8B030D-6E8A-4147-A177-3AD203B41FA5}">
+                      <a16:colId xmlns:a16="http://schemas.microsoft.com/office/drawing/2014/main" val="20000"/>
+                    </a:ext>
+                  </a:extLst>
+                </a:gridCol>
               </a:tblGrid>
-              <a:tr h="3286148">
+              <a:tr h="2928958">
                 <a:tc>
                   <a:txBody>
                     <a:bodyPr/>
                     <a:lstStyle/>
                     <a:p>
                       <a:r>
-                        <a:rPr lang="pt-BR" sz="2400" dirty="0" smtClean="0"/>
-                        <a:t>&lt;form method="post" action="mostraParametros.php"&gt;		</a:t>
+                        <a:rPr lang="en-US" sz="2100" dirty="0" smtClean="0"/>
+                        <a:t>//URL </a:t>
+                      </a:r>
+                      <a:r>
+                        <a:rPr lang="en-US" sz="2100" dirty="0" err="1" smtClean="0"/>
+                        <a:t>enviando</a:t>
+                      </a:r>
+                      <a:r>
+                        <a:rPr lang="en-US" sz="2100" dirty="0" smtClean="0"/>
+                        <a:t> dados via GET //http://127.0.0.1/mostraParametros.php?codigoPessoa=1&amp;codigoCidade=15</a:t>
                       </a:r>
                     </a:p>
                     <a:p>
-                      <a:r>
-                        <a:rPr lang="pt-BR" sz="2400" dirty="0" smtClean="0"/>
-                        <a:t>     &lt;label for='nome'&gt;Nome:&lt;/label&gt;</a:t>
-                      </a:r>
+                      <a:endParaRPr lang="en-US" sz="2100" dirty="0" smtClean="0"/>
                     </a:p>
                     <a:p>
                       <a:r>
-                        <a:rPr lang="pt-BR" sz="2400" dirty="0" smtClean="0"/>
-                        <a:t>     &lt;input type='text' name='nome'/ id='nome'&gt;</a:t>
+                        <a:rPr lang="en-US" sz="2100" dirty="0" smtClean="0"/>
+                        <a:t>//mostraParametro.php</a:t>
                       </a:r>
                     </a:p>
                     <a:p>
                       <a:r>
-                        <a:rPr lang="pt-BR" sz="2400" dirty="0" smtClean="0"/>
-                        <a:t>     &lt;br&gt;</a:t>
-                      </a:r>
+                        <a:rPr lang="en-US" sz="2100" dirty="0" smtClean="0"/>
+                        <a:t>&lt;?</a:t>
+                      </a:r>
+                      <a:r>
+                        <a:rPr lang="en-US" sz="2100" dirty="0" err="1" smtClean="0"/>
+                        <a:t>php</a:t>
+                      </a:r>
+                      <a:endParaRPr lang="en-US" sz="2100" dirty="0" smtClean="0"/>
                     </a:p>
                     <a:p>
                       <a:r>
-                        <a:rPr lang="pt-BR" sz="2400" dirty="0" smtClean="0"/>
-                        <a:t>     &lt;label for='sobrenome'&gt;Sobrenome:&lt;/label&gt;</a:t>
+                        <a:rPr lang="en-US" sz="2100" dirty="0" smtClean="0"/>
+                        <a:t>echo '&lt;pre&gt;'.</a:t>
+                      </a:r>
+                      <a:r>
+                        <a:rPr lang="en-US" sz="2100" dirty="0" err="1" smtClean="0"/>
+                        <a:t>print_r</a:t>
+                      </a:r>
+                      <a:r>
+                        <a:rPr lang="en-US" sz="2100" dirty="0" smtClean="0"/>
+                        <a:t>($_</a:t>
+                      </a:r>
+                      <a:r>
+                        <a:rPr lang="en-US" sz="2100" dirty="0" err="1" smtClean="0"/>
+                        <a:t>GET,true</a:t>
+                      </a:r>
+                      <a:r>
+                        <a:rPr lang="en-US" sz="2100" dirty="0" smtClean="0"/>
+                        <a:t>).'&lt;/pre&gt;' ;</a:t>
                       </a:r>
                     </a:p>
                     <a:p>
                       <a:r>
-                        <a:rPr lang="pt-BR" sz="2400" dirty="0" smtClean="0"/>
-                        <a:t>     &lt;input type='text' name='sobrenome'/ id='sobrenome'&gt;</a:t>
+                        <a:rPr lang="en-US" sz="2100" dirty="0" smtClean="0"/>
+                        <a:t>?&gt;</a:t>
                       </a:r>
                     </a:p>
                     <a:p>
                       <a:r>
-                        <a:rPr lang="pt-BR" sz="2400" dirty="0" smtClean="0"/>
-                        <a:t>     &lt;br&gt;		 </a:t>
-                      </a:r>
-                    </a:p>
-                    <a:p>
-                      <a:r>
-                        <a:rPr lang="pt-BR" sz="2400" dirty="0" smtClean="0"/>
-                        <a:t>     &lt;input type='submit' name='registra' value='Envia'/&gt;</a:t>
-                      </a:r>
-                    </a:p>
-                    <a:p>
-                      <a:r>
-                        <a:rPr lang="pt-BR" sz="2400" dirty="0" smtClean="0"/>
-                        <a:t>&lt;/form&gt;</a:t>
-                      </a:r>
-                      <a:endParaRPr lang="pt-BR" sz="2400" dirty="0"/>
+                        <a:rPr lang="en-US" sz="2100" dirty="0" smtClean="0"/>
+                        <a:t>//</a:t>
+                      </a:r>
+                      <a:r>
+                        <a:rPr lang="pt-BR" sz="2100" dirty="0" smtClean="0"/>
+                        <a:t>Array ( [codigoPessoa] =&gt; 1 [codigoCidade] =&gt; 15 );</a:t>
+                      </a:r>
+                      <a:endParaRPr lang="pt-BR" sz="2100" dirty="0"/>
                     </a:p>
                   </a:txBody>
-                  <a:tcPr>
-                    <a:lnL w="12700" cap="flat" cmpd="sng" algn="ctr">
-                      <a:solidFill>
-                        <a:schemeClr val="tx1"/>
-                      </a:solidFill>
-                      <a:prstDash val="solid"/>
-                      <a:round/>
-                      <a:headEnd type="none" w="med" len="med"/>
-                      <a:tailEnd type="none" w="med" len="med"/>
-                    </a:lnL>
-                    <a:lnR w="12700" cap="flat" cmpd="sng" algn="ctr">
-                      <a:solidFill>
-                        <a:schemeClr val="tx1"/>
-                      </a:solidFill>
-                      <a:prstDash val="solid"/>
-                      <a:round/>
-                      <a:headEnd type="none" w="med" len="med"/>
-                      <a:tailEnd type="none" w="med" len="med"/>
-                    </a:lnR>
-                    <a:lnT w="12700" cap="flat" cmpd="sng" algn="ctr">
-                      <a:solidFill>
-                        <a:schemeClr val="tx1"/>
-                      </a:solidFill>
-                      <a:prstDash val="solid"/>
-                      <a:round/>
-                      <a:headEnd type="none" w="med" len="med"/>
-                      <a:tailEnd type="none" w="med" len="med"/>
-                    </a:lnT>
-                    <a:lnB w="12700" cap="flat" cmpd="sng" algn="ctr">
-                      <a:solidFill>
-                        <a:schemeClr val="tx1"/>
-                      </a:solidFill>
-                      <a:prstDash val="solid"/>
-                      <a:round/>
-                      <a:headEnd type="none" w="med" len="med"/>
-                      <a:tailEnd type="none" w="med" len="med"/>
-                    </a:lnB>
-                  </a:tcPr>
+                  <a:tcPr/>
                 </a:tc>
+                <a:extLst>
+                  <a:ext uri="{0D108BD9-81ED-4DB2-BD59-A6C34878D82A}">
+                    <a16:rowId xmlns:a16="http://schemas.microsoft.com/office/drawing/2014/main" val="10000"/>
+                  </a:ext>
+                </a:extLst>
               </a:tr>
             </a:tbl>
           </a:graphicData>
@@ -8317,7 +8346,7 @@
     </p:spTree>
     <p:extLst>
       <p:ext uri="{BB962C8B-B14F-4D97-AF65-F5344CB8AC3E}">
-        <p14:creationId xmlns:p14="http://schemas.microsoft.com/office/powerpoint/2010/main" val="1084449216"/>
+        <p14:creationId xmlns:p14="http://schemas.microsoft.com/office/powerpoint/2010/main" val="1410939232"/>
       </p:ext>
     </p:extLst>
   </p:cSld>
@@ -8370,7 +8399,7 @@
           <p:cNvPr id="7" name="Título 1">
             <a:extLst>
               <a:ext uri="{FF2B5EF4-FFF2-40B4-BE49-F238E27FC236}">
-                <a16:creationId xmlns="" xmlns:a16="http://schemas.microsoft.com/office/drawing/2014/main" id="{489F5D36-DFC3-5141-9F8E-6FACABCF76D1}"/>
+                <a16:creationId xmlns:a16="http://schemas.microsoft.com/office/drawing/2014/main" id="{489F5D36-DFC3-5141-9F8E-6FACABCF76D1}"/>
               </a:ext>
             </a:extLst>
           </p:cNvPr>
@@ -8458,8 +8487,10 @@
           <a:p>
             <a:r>
               <a:rPr lang="pt-BR" dirty="0" smtClean="0"/>
-              <a:t>São levados como índices do array o que foi estabelecido no atributo name do campo</a:t>
-            </a:r>
+              <a:t>Para os dados enviados via POST a leitura dos dados em PHP se dará pela variável superglobal $_POST</a:t>
+            </a:r>
+          </a:p>
+          <a:p>
             <a:endParaRPr lang="pt-BR" dirty="0"/>
           </a:p>
         </p:txBody>
@@ -8473,14 +8504,14 @@
           <p:nvPr>
             <p:extLst>
               <p:ext uri="{D42A27DB-BD31-4B8C-83A1-F6EECF244321}">
-                <p14:modId xmlns:p14="http://schemas.microsoft.com/office/powerpoint/2010/main" val="4057134545"/>
+                <p14:modId xmlns:p14="http://schemas.microsoft.com/office/powerpoint/2010/main" val="3628279359"/>
               </p:ext>
             </p:extLst>
           </p:nvPr>
         </p:nvGraphicFramePr>
         <p:xfrm>
-          <a:off x="428596" y="2901860"/>
-          <a:ext cx="8258204" cy="3286148"/>
+          <a:off x="457200" y="2456267"/>
+          <a:ext cx="8038999" cy="3749040"/>
         </p:xfrm>
         <a:graphic>
           <a:graphicData uri="http://schemas.openxmlformats.org/drawingml/2006/table">
@@ -8489,7 +8520,13 @@
                 <a:tableStyleId>{5C22544A-7EE6-4342-B048-85BDC9FD1C3A}</a:tableStyleId>
               </a:tblPr>
               <a:tblGrid>
-                <a:gridCol w="8258204"/>
+                <a:gridCol w="8038999">
+                  <a:extLst>
+                    <a:ext uri="{9D8B030D-6E8A-4147-A177-3AD203B41FA5}">
+                      <a16:colId xmlns:a16="http://schemas.microsoft.com/office/drawing/2014/main" val="20000"/>
+                    </a:ext>
+                  </a:extLst>
+                </a:gridCol>
               </a:tblGrid>
               <a:tr h="3286148">
                 <a:tc>
@@ -8498,51 +8535,57 @@
                     <a:lstStyle/>
                     <a:p>
                       <a:r>
-                        <a:rPr lang="en-US" sz="2400" dirty="0" smtClean="0"/>
-                        <a:t>&lt;?</a:t>
-                      </a:r>
-                      <a:r>
-                        <a:rPr lang="en-US" sz="2400" dirty="0" err="1" smtClean="0"/>
-                        <a:t>php</a:t>
-                      </a:r>
-                      <a:endParaRPr lang="en-US" sz="2400" dirty="0" smtClean="0"/>
+                        <a:rPr lang="pt-BR" sz="2400" dirty="0" smtClean="0"/>
+                        <a:t>&lt;form method="post" action="mostraParametros.php"&gt;		</a:t>
+                      </a:r>
                     </a:p>
                     <a:p>
                       <a:r>
-                        <a:rPr lang="en-US" sz="2400" dirty="0" smtClean="0"/>
-                        <a:t>echo '&lt;pre&gt;'.</a:t>
-                      </a:r>
-                      <a:r>
-                        <a:rPr lang="en-US" sz="2400" dirty="0" err="1" smtClean="0"/>
-                        <a:t>print_r</a:t>
-                      </a:r>
-                      <a:r>
-                        <a:rPr lang="en-US" sz="2400" dirty="0" smtClean="0"/>
-                        <a:t>($_</a:t>
-                      </a:r>
-                      <a:r>
-                        <a:rPr lang="en-US" sz="2400" dirty="0" err="1" smtClean="0"/>
-                        <a:t>POST,true</a:t>
-                      </a:r>
-                      <a:r>
-                        <a:rPr lang="en-US" sz="2400" dirty="0" smtClean="0"/>
-                        <a:t>).'&lt;/pre&gt;' ;</a:t>
+                        <a:rPr lang="pt-BR" sz="2400" dirty="0" smtClean="0"/>
+                        <a:t>     &lt;label for='nome'&gt;Nome:&lt;/label&gt;</a:t>
                       </a:r>
                     </a:p>
                     <a:p>
                       <a:r>
-                        <a:rPr lang="en-US" sz="2400" dirty="0" smtClean="0"/>
-                        <a:t>?&gt;</a:t>
+                        <a:rPr lang="pt-BR" sz="2400" dirty="0" smtClean="0"/>
+                        <a:t>     &lt;input type='text' name='nome'/ id='nome'&gt;</a:t>
                       </a:r>
                     </a:p>
                     <a:p>
                       <a:r>
                         <a:rPr lang="pt-BR" sz="2400" dirty="0" smtClean="0"/>
-                        <a:t>Array ( [nome] =&gt; Glauco [sobrenome] =&gt; Laicht [registra] =&gt; Envia )</a:t>
-                      </a:r>
-                      <a:endParaRPr lang="en-US" sz="2400" dirty="0" smtClean="0"/>
+                        <a:t>     &lt;br&gt;</a:t>
+                      </a:r>
                     </a:p>
                     <a:p>
+                      <a:r>
+                        <a:rPr lang="pt-BR" sz="2400" dirty="0" smtClean="0"/>
+                        <a:t>     &lt;label for='sobrenome'&gt;Sobrenome:&lt;/label&gt;</a:t>
+                      </a:r>
+                    </a:p>
+                    <a:p>
+                      <a:r>
+                        <a:rPr lang="pt-BR" sz="2400" dirty="0" smtClean="0"/>
+                        <a:t>     &lt;input type='text' name='sobrenome'/ id='sobrenome'&gt;</a:t>
+                      </a:r>
+                    </a:p>
+                    <a:p>
+                      <a:r>
+                        <a:rPr lang="pt-BR" sz="2400" dirty="0" smtClean="0"/>
+                        <a:t>     &lt;br&gt;		 </a:t>
+                      </a:r>
+                    </a:p>
+                    <a:p>
+                      <a:r>
+                        <a:rPr lang="pt-BR" sz="2400" dirty="0" smtClean="0"/>
+                        <a:t>     &lt;input type='submit' name='registra' value='Envia'/&gt;</a:t>
+                      </a:r>
+                    </a:p>
+                    <a:p>
+                      <a:r>
+                        <a:rPr lang="pt-BR" sz="2400" dirty="0" smtClean="0"/>
+                        <a:t>&lt;/form&gt;</a:t>
+                      </a:r>
                       <a:endParaRPr lang="pt-BR" sz="2400" dirty="0"/>
                     </a:p>
                   </a:txBody>
@@ -8585,6 +8628,11 @@
                     </a:lnB>
                   </a:tcPr>
                 </a:tc>
+                <a:extLst>
+                  <a:ext uri="{0D108BD9-81ED-4DB2-BD59-A6C34878D82A}">
+                    <a16:rowId xmlns:a16="http://schemas.microsoft.com/office/drawing/2014/main" val="10000"/>
+                  </a:ext>
+                </a:extLst>
               </a:tr>
             </a:tbl>
           </a:graphicData>
@@ -8593,7 +8641,7 @@
     </p:spTree>
     <p:extLst>
       <p:ext uri="{BB962C8B-B14F-4D97-AF65-F5344CB8AC3E}">
-        <p14:creationId xmlns:p14="http://schemas.microsoft.com/office/powerpoint/2010/main" val="2100311363"/>
+        <p14:creationId xmlns:p14="http://schemas.microsoft.com/office/powerpoint/2010/main" val="1084449216"/>
       </p:ext>
     </p:extLst>
   </p:cSld>
@@ -8646,7 +8694,7 @@
           <p:cNvPr id="7" name="Título 1">
             <a:extLst>
               <a:ext uri="{FF2B5EF4-FFF2-40B4-BE49-F238E27FC236}">
-                <a16:creationId xmlns="" xmlns:a16="http://schemas.microsoft.com/office/drawing/2014/main" id="{489F5D36-DFC3-5141-9F8E-6FACABCF76D1}"/>
+                <a16:creationId xmlns:a16="http://schemas.microsoft.com/office/drawing/2014/main" id="{489F5D36-DFC3-5141-9F8E-6FACABCF76D1}"/>
               </a:ext>
             </a:extLst>
           </p:cNvPr>
@@ -8698,7 +8746,7 @@
                 <a:latin typeface="+mn-lt"/>
                 <a:cs typeface="Calibri" panose="020F0502020204030204" pitchFamily="34" charset="0"/>
               </a:rPr>
-              <a:t>Estruturas de Repetição</a:t>
+              <a:t>PHP e formulários HTML</a:t>
             </a:r>
             <a:endParaRPr lang="pt-BR" sz="3600" b="1" dirty="0">
               <a:solidFill>
@@ -8734,49 +8782,153 @@
           <a:p>
             <a:r>
               <a:rPr lang="pt-BR" dirty="0" smtClean="0"/>
-              <a:t>Estruturas de repetição executam determinado trecho de código N vezes até que uma condição seja satisfação para sua interrupção</a:t>
-            </a:r>
-          </a:p>
-          <a:p>
-            <a:pPr lvl="1"/>
-            <a:r>
-              <a:rPr lang="pt-BR" dirty="0" smtClean="0"/>
-              <a:t>While</a:t>
-            </a:r>
-          </a:p>
-          <a:p>
-            <a:pPr lvl="1"/>
-            <a:r>
-              <a:rPr lang="pt-BR" dirty="0" smtClean="0"/>
-              <a:t>Do..while</a:t>
-            </a:r>
-          </a:p>
-          <a:p>
-            <a:pPr lvl="1"/>
-            <a:r>
-              <a:rPr lang="pt-BR" dirty="0" smtClean="0"/>
-              <a:t>For</a:t>
-            </a:r>
-          </a:p>
-          <a:p>
-            <a:pPr lvl="1"/>
-            <a:r>
-              <a:rPr lang="pt-BR" dirty="0" smtClean="0"/>
-              <a:t>Foreach</a:t>
-            </a:r>
-          </a:p>
-          <a:p>
-            <a:pPr marL="457200" lvl="1" indent="0">
-              <a:buNone/>
-            </a:pPr>
+              <a:t>São levados como índices do array o que foi estabelecido no atributo name do campo</a:t>
+            </a:r>
             <a:endParaRPr lang="pt-BR" dirty="0"/>
           </a:p>
         </p:txBody>
       </p:sp>
+      <p:graphicFrame>
+        <p:nvGraphicFramePr>
+          <p:cNvPr id="4" name="Tabela 3"/>
+          <p:cNvGraphicFramePr>
+            <a:graphicFrameLocks noGrp="1"/>
+          </p:cNvGraphicFramePr>
+          <p:nvPr>
+            <p:extLst>
+              <p:ext uri="{D42A27DB-BD31-4B8C-83A1-F6EECF244321}">
+                <p14:modId xmlns:p14="http://schemas.microsoft.com/office/powerpoint/2010/main" val="4057134545"/>
+              </p:ext>
+            </p:extLst>
+          </p:nvPr>
+        </p:nvGraphicFramePr>
+        <p:xfrm>
+          <a:off x="428596" y="2901860"/>
+          <a:ext cx="8258204" cy="3286148"/>
+        </p:xfrm>
+        <a:graphic>
+          <a:graphicData uri="http://schemas.openxmlformats.org/drawingml/2006/table">
+            <a:tbl>
+              <a:tblPr firstRow="1" bandRow="1">
+                <a:tableStyleId>{5C22544A-7EE6-4342-B048-85BDC9FD1C3A}</a:tableStyleId>
+              </a:tblPr>
+              <a:tblGrid>
+                <a:gridCol w="8258204">
+                  <a:extLst>
+                    <a:ext uri="{9D8B030D-6E8A-4147-A177-3AD203B41FA5}">
+                      <a16:colId xmlns:a16="http://schemas.microsoft.com/office/drawing/2014/main" val="20000"/>
+                    </a:ext>
+                  </a:extLst>
+                </a:gridCol>
+              </a:tblGrid>
+              <a:tr h="3286148">
+                <a:tc>
+                  <a:txBody>
+                    <a:bodyPr/>
+                    <a:lstStyle/>
+                    <a:p>
+                      <a:r>
+                        <a:rPr lang="en-US" sz="2400" dirty="0" smtClean="0"/>
+                        <a:t>&lt;?</a:t>
+                      </a:r>
+                      <a:r>
+                        <a:rPr lang="en-US" sz="2400" dirty="0" err="1" smtClean="0"/>
+                        <a:t>php</a:t>
+                      </a:r>
+                      <a:endParaRPr lang="en-US" sz="2400" dirty="0" smtClean="0"/>
+                    </a:p>
+                    <a:p>
+                      <a:r>
+                        <a:rPr lang="en-US" sz="2400" dirty="0" smtClean="0"/>
+                        <a:t>echo '&lt;pre&gt;'.</a:t>
+                      </a:r>
+                      <a:r>
+                        <a:rPr lang="en-US" sz="2400" dirty="0" err="1" smtClean="0"/>
+                        <a:t>print_r</a:t>
+                      </a:r>
+                      <a:r>
+                        <a:rPr lang="en-US" sz="2400" dirty="0" smtClean="0"/>
+                        <a:t>($_</a:t>
+                      </a:r>
+                      <a:r>
+                        <a:rPr lang="en-US" sz="2400" dirty="0" err="1" smtClean="0"/>
+                        <a:t>POST,true</a:t>
+                      </a:r>
+                      <a:r>
+                        <a:rPr lang="en-US" sz="2400" dirty="0" smtClean="0"/>
+                        <a:t>).'&lt;/pre&gt;' ;</a:t>
+                      </a:r>
+                    </a:p>
+                    <a:p>
+                      <a:r>
+                        <a:rPr lang="en-US" sz="2400" dirty="0" smtClean="0"/>
+                        <a:t>?&gt;</a:t>
+                      </a:r>
+                    </a:p>
+                    <a:p>
+                      <a:r>
+                        <a:rPr lang="pt-BR" sz="2400" dirty="0" smtClean="0"/>
+                        <a:t>Array ( [nome] =&gt; Glauco [sobrenome] =&gt; Laicht [registra] =&gt; Envia )</a:t>
+                      </a:r>
+                      <a:endParaRPr lang="en-US" sz="2400" dirty="0" smtClean="0"/>
+                    </a:p>
+                    <a:p>
+                      <a:endParaRPr lang="pt-BR" sz="2400" dirty="0"/>
+                    </a:p>
+                  </a:txBody>
+                  <a:tcPr>
+                    <a:lnL w="12700" cap="flat" cmpd="sng" algn="ctr">
+                      <a:solidFill>
+                        <a:schemeClr val="tx1"/>
+                      </a:solidFill>
+                      <a:prstDash val="solid"/>
+                      <a:round/>
+                      <a:headEnd type="none" w="med" len="med"/>
+                      <a:tailEnd type="none" w="med" len="med"/>
+                    </a:lnL>
+                    <a:lnR w="12700" cap="flat" cmpd="sng" algn="ctr">
+                      <a:solidFill>
+                        <a:schemeClr val="tx1"/>
+                      </a:solidFill>
+                      <a:prstDash val="solid"/>
+                      <a:round/>
+                      <a:headEnd type="none" w="med" len="med"/>
+                      <a:tailEnd type="none" w="med" len="med"/>
+                    </a:lnR>
+                    <a:lnT w="12700" cap="flat" cmpd="sng" algn="ctr">
+                      <a:solidFill>
+                        <a:schemeClr val="tx1"/>
+                      </a:solidFill>
+                      <a:prstDash val="solid"/>
+                      <a:round/>
+                      <a:headEnd type="none" w="med" len="med"/>
+                      <a:tailEnd type="none" w="med" len="med"/>
+                    </a:lnT>
+                    <a:lnB w="12700" cap="flat" cmpd="sng" algn="ctr">
+                      <a:solidFill>
+                        <a:schemeClr val="tx1"/>
+                      </a:solidFill>
+                      <a:prstDash val="solid"/>
+                      <a:round/>
+                      <a:headEnd type="none" w="med" len="med"/>
+                      <a:tailEnd type="none" w="med" len="med"/>
+                    </a:lnB>
+                  </a:tcPr>
+                </a:tc>
+                <a:extLst>
+                  <a:ext uri="{0D108BD9-81ED-4DB2-BD59-A6C34878D82A}">
+                    <a16:rowId xmlns:a16="http://schemas.microsoft.com/office/drawing/2014/main" val="10000"/>
+                  </a:ext>
+                </a:extLst>
+              </a:tr>
+            </a:tbl>
+          </a:graphicData>
+        </a:graphic>
+      </p:graphicFrame>
     </p:spTree>
     <p:extLst>
       <p:ext uri="{BB962C8B-B14F-4D97-AF65-F5344CB8AC3E}">
-        <p14:creationId xmlns:p14="http://schemas.microsoft.com/office/powerpoint/2010/main" val="796812954"/>
+        <p14:creationId xmlns:p14="http://schemas.microsoft.com/office/powerpoint/2010/main" val="2100311363"/>
       </p:ext>
     </p:extLst>
   </p:cSld>
@@ -8826,10 +8978,10 @@
       </p:grpSpPr>
       <p:sp>
         <p:nvSpPr>
-          <p:cNvPr id="3" name="Título 1">
+          <p:cNvPr id="7" name="Título 1">
             <a:extLst>
               <a:ext uri="{FF2B5EF4-FFF2-40B4-BE49-F238E27FC236}">
-                <a16:creationId xmlns="" xmlns:a16="http://schemas.microsoft.com/office/drawing/2014/main" id="{489F5D36-DFC3-5141-9F8E-6FACABCF76D1}"/>
+                <a16:creationId xmlns:a16="http://schemas.microsoft.com/office/drawing/2014/main" id="{489F5D36-DFC3-5141-9F8E-6FACABCF76D1}"/>
               </a:ext>
             </a:extLst>
           </p:cNvPr>
@@ -8897,7 +9049,7 @@
       </p:sp>
       <p:sp>
         <p:nvSpPr>
-          <p:cNvPr id="4" name="Marcador de Posição de Conteúdo 2"/>
+          <p:cNvPr id="3" name="Marcador de Posição de Conteúdo 2"/>
           <p:cNvSpPr>
             <a:spLocks noGrp="1"/>
           </p:cNvSpPr>
@@ -8917,6 +9069,13 @@
           <a:p>
             <a:r>
               <a:rPr lang="pt-BR" dirty="0" smtClean="0"/>
+              <a:t>Estruturas de repetição executam determinado trecho de código N vezes até que uma condição seja satisfação para sua interrupção</a:t>
+            </a:r>
+          </a:p>
+          <a:p>
+            <a:pPr lvl="1"/>
+            <a:r>
+              <a:rPr lang="pt-BR" dirty="0" smtClean="0"/>
               <a:t>While</a:t>
             </a:r>
           </a:p>
@@ -8924,149 +9083,35 @@
             <a:pPr lvl="1"/>
             <a:r>
               <a:rPr lang="pt-BR" dirty="0" smtClean="0"/>
-              <a:t>Comando mais simples</a:t>
+              <a:t>Do..while</a:t>
             </a:r>
           </a:p>
           <a:p>
             <a:pPr lvl="1"/>
             <a:r>
               <a:rPr lang="pt-BR" dirty="0" smtClean="0"/>
-              <a:t>Executa um bloco até que a condição seja satisfeita</a:t>
-            </a:r>
+              <a:t>For</a:t>
+            </a:r>
+          </a:p>
+          <a:p>
+            <a:pPr lvl="1"/>
+            <a:r>
+              <a:rPr lang="pt-BR" dirty="0" smtClean="0"/>
+              <a:t>Foreach</a:t>
+            </a:r>
+          </a:p>
+          <a:p>
+            <a:pPr marL="457200" lvl="1" indent="0">
+              <a:buNone/>
+            </a:pPr>
             <a:endParaRPr lang="pt-BR" dirty="0"/>
           </a:p>
         </p:txBody>
       </p:sp>
-      <p:graphicFrame>
-        <p:nvGraphicFramePr>
-          <p:cNvPr id="5" name="Tabela 4"/>
-          <p:cNvGraphicFramePr>
-            <a:graphicFrameLocks noGrp="1"/>
-          </p:cNvGraphicFramePr>
-          <p:nvPr>
-            <p:extLst>
-              <p:ext uri="{D42A27DB-BD31-4B8C-83A1-F6EECF244321}">
-                <p14:modId xmlns:p14="http://schemas.microsoft.com/office/powerpoint/2010/main" val="2113314798"/>
-              </p:ext>
-            </p:extLst>
-          </p:nvPr>
-        </p:nvGraphicFramePr>
-        <p:xfrm>
-          <a:off x="928265" y="3140743"/>
-          <a:ext cx="7138496" cy="3017520"/>
-        </p:xfrm>
-        <a:graphic>
-          <a:graphicData uri="http://schemas.openxmlformats.org/drawingml/2006/table">
-            <a:tbl>
-              <a:tblPr firstRow="1" bandRow="1">
-                <a:tableStyleId>{5C22544A-7EE6-4342-B048-85BDC9FD1C3A}</a:tableStyleId>
-              </a:tblPr>
-              <a:tblGrid>
-                <a:gridCol w="7138496"/>
-              </a:tblGrid>
-              <a:tr h="2928958">
-                <a:tc>
-                  <a:txBody>
-                    <a:bodyPr/>
-                    <a:lstStyle/>
-                    <a:p>
-                      <a:r>
-                        <a:rPr lang="pt-BR" sz="2400" dirty="0" smtClean="0"/>
-                        <a:t>&lt;?php</a:t>
-                      </a:r>
-                    </a:p>
-                    <a:p>
-                      <a:r>
-                        <a:rPr lang="pt-BR" sz="2400" dirty="0" smtClean="0"/>
-                        <a:t>  $i = 0;</a:t>
-                      </a:r>
-                    </a:p>
-                    <a:p>
-                      <a:r>
-                        <a:rPr lang="pt-BR" sz="2400" dirty="0" smtClean="0"/>
-                        <a:t>  while($i &lt; 3){</a:t>
-                      </a:r>
-                    </a:p>
-                    <a:p>
-                      <a:r>
-                        <a:rPr lang="pt-BR" sz="2400" dirty="0" smtClean="0"/>
-                        <a:t>     $i++;</a:t>
-                      </a:r>
-                    </a:p>
-                    <a:p>
-                      <a:r>
-                        <a:rPr lang="pt-BR" sz="2400" dirty="0" smtClean="0"/>
-                        <a:t>     echo $i.'&lt;br&gt;';</a:t>
-                      </a:r>
-                    </a:p>
-                    <a:p>
-                      <a:r>
-                        <a:rPr lang="pt-BR" sz="2400" dirty="0" smtClean="0"/>
-                        <a:t>  }</a:t>
-                      </a:r>
-                    </a:p>
-                    <a:p>
-                      <a:r>
-                        <a:rPr lang="pt-BR" sz="2400" dirty="0" smtClean="0"/>
-                        <a:t>  echo 'Parou';	   </a:t>
-                      </a:r>
-                    </a:p>
-                    <a:p>
-                      <a:r>
-                        <a:rPr lang="pt-BR" sz="2400" dirty="0" smtClean="0"/>
-                        <a:t>?&gt;</a:t>
-                      </a:r>
-                      <a:endParaRPr lang="pt-BR" sz="2400" dirty="0"/>
-                    </a:p>
-                  </a:txBody>
-                  <a:tcPr>
-                    <a:lnL w="12700" cap="flat" cmpd="sng" algn="ctr">
-                      <a:solidFill>
-                        <a:schemeClr val="tx1"/>
-                      </a:solidFill>
-                      <a:prstDash val="solid"/>
-                      <a:round/>
-                      <a:headEnd type="none" w="med" len="med"/>
-                      <a:tailEnd type="none" w="med" len="med"/>
-                    </a:lnL>
-                    <a:lnR w="12700" cap="flat" cmpd="sng" algn="ctr">
-                      <a:solidFill>
-                        <a:schemeClr val="tx1"/>
-                      </a:solidFill>
-                      <a:prstDash val="solid"/>
-                      <a:round/>
-                      <a:headEnd type="none" w="med" len="med"/>
-                      <a:tailEnd type="none" w="med" len="med"/>
-                    </a:lnR>
-                    <a:lnT w="12700" cap="flat" cmpd="sng" algn="ctr">
-                      <a:solidFill>
-                        <a:schemeClr val="tx1"/>
-                      </a:solidFill>
-                      <a:prstDash val="solid"/>
-                      <a:round/>
-                      <a:headEnd type="none" w="med" len="med"/>
-                      <a:tailEnd type="none" w="med" len="med"/>
-                    </a:lnT>
-                    <a:lnB w="12700" cap="flat" cmpd="sng" algn="ctr">
-                      <a:solidFill>
-                        <a:schemeClr val="tx1"/>
-                      </a:solidFill>
-                      <a:prstDash val="solid"/>
-                      <a:round/>
-                      <a:headEnd type="none" w="med" len="med"/>
-                      <a:tailEnd type="none" w="med" len="med"/>
-                    </a:lnB>
-                  </a:tcPr>
-                </a:tc>
-              </a:tr>
-            </a:tbl>
-          </a:graphicData>
-        </a:graphic>
-      </p:graphicFrame>
     </p:spTree>
     <p:extLst>
       <p:ext uri="{BB962C8B-B14F-4D97-AF65-F5344CB8AC3E}">
-        <p14:creationId xmlns:p14="http://schemas.microsoft.com/office/powerpoint/2010/main" val="1972224301"/>
+        <p14:creationId xmlns:p14="http://schemas.microsoft.com/office/powerpoint/2010/main" val="796812954"/>
       </p:ext>
     </p:extLst>
   </p:cSld>
@@ -9119,7 +9164,7 @@
           <p:cNvPr id="3" name="Título 1">
             <a:extLst>
               <a:ext uri="{FF2B5EF4-FFF2-40B4-BE49-F238E27FC236}">
-                <a16:creationId xmlns="" xmlns:a16="http://schemas.microsoft.com/office/drawing/2014/main" id="{489F5D36-DFC3-5141-9F8E-6FACABCF76D1}"/>
+                <a16:creationId xmlns:a16="http://schemas.microsoft.com/office/drawing/2014/main" id="{489F5D36-DFC3-5141-9F8E-6FACABCF76D1}"/>
               </a:ext>
             </a:extLst>
           </p:cNvPr>
@@ -9207,14 +9252,21 @@
           <a:p>
             <a:r>
               <a:rPr lang="pt-BR" dirty="0" smtClean="0"/>
-              <a:t>Do..while</a:t>
+              <a:t>While</a:t>
             </a:r>
           </a:p>
           <a:p>
             <a:pPr lvl="1"/>
             <a:r>
               <a:rPr lang="pt-BR" dirty="0" smtClean="0"/>
-              <a:t>Muito semelhante ao while, porém, será executado ao menos uma vez</a:t>
+              <a:t>Comando mais simples</a:t>
+            </a:r>
+          </a:p>
+          <a:p>
+            <a:pPr lvl="1"/>
+            <a:r>
+              <a:rPr lang="pt-BR" dirty="0" smtClean="0"/>
+              <a:t>Executa um bloco até que a condição seja satisfeita</a:t>
             </a:r>
             <a:endParaRPr lang="pt-BR" dirty="0"/>
           </a:p>
@@ -9229,14 +9281,14 @@
           <p:nvPr>
             <p:extLst>
               <p:ext uri="{D42A27DB-BD31-4B8C-83A1-F6EECF244321}">
-                <p14:modId xmlns:p14="http://schemas.microsoft.com/office/powerpoint/2010/main" val="2085600457"/>
+                <p14:modId xmlns:p14="http://schemas.microsoft.com/office/powerpoint/2010/main" val="2113314798"/>
               </p:ext>
             </p:extLst>
           </p:nvPr>
         </p:nvGraphicFramePr>
         <p:xfrm>
-          <a:off x="1066051" y="2847713"/>
-          <a:ext cx="6900502" cy="3505200"/>
+          <a:off x="928265" y="3140743"/>
+          <a:ext cx="7138496" cy="3017520"/>
         </p:xfrm>
         <a:graphic>
           <a:graphicData uri="http://schemas.openxmlformats.org/drawingml/2006/table">
@@ -9245,61 +9297,67 @@
                 <a:tableStyleId>{5C22544A-7EE6-4342-B048-85BDC9FD1C3A}</a:tableStyleId>
               </a:tblPr>
               <a:tblGrid>
-                <a:gridCol w="6900502"/>
+                <a:gridCol w="7138496">
+                  <a:extLst>
+                    <a:ext uri="{9D8B030D-6E8A-4147-A177-3AD203B41FA5}">
+                      <a16:colId xmlns:a16="http://schemas.microsoft.com/office/drawing/2014/main" val="20000"/>
+                    </a:ext>
+                  </a:extLst>
+                </a:gridCol>
               </a:tblGrid>
-              <a:tr h="3286148">
+              <a:tr h="2928958">
                 <a:tc>
                   <a:txBody>
                     <a:bodyPr/>
                     <a:lstStyle/>
                     <a:p>
                       <a:r>
-                        <a:rPr lang="pt-BR" sz="2800" dirty="0" smtClean="0"/>
+                        <a:rPr lang="pt-BR" sz="2400" dirty="0" smtClean="0"/>
                         <a:t>&lt;?php</a:t>
                       </a:r>
                     </a:p>
                     <a:p>
                       <a:r>
-                        <a:rPr lang="pt-BR" sz="2800" dirty="0" smtClean="0"/>
+                        <a:rPr lang="pt-BR" sz="2400" dirty="0" smtClean="0"/>
                         <a:t>  $i = 0;</a:t>
                       </a:r>
                     </a:p>
                     <a:p>
                       <a:r>
-                        <a:rPr lang="pt-BR" sz="2800" dirty="0" smtClean="0"/>
-                        <a:t>  do{</a:t>
+                        <a:rPr lang="pt-BR" sz="2400" dirty="0" smtClean="0"/>
+                        <a:t>  while($i &lt; 3){</a:t>
                       </a:r>
                     </a:p>
                     <a:p>
                       <a:r>
-                        <a:rPr lang="pt-BR" sz="2800" dirty="0" smtClean="0"/>
+                        <a:rPr lang="pt-BR" sz="2400" dirty="0" smtClean="0"/>
                         <a:t>     $i++;</a:t>
                       </a:r>
                     </a:p>
                     <a:p>
                       <a:r>
-                        <a:rPr lang="pt-BR" sz="2800" dirty="0" smtClean="0"/>
+                        <a:rPr lang="pt-BR" sz="2400" dirty="0" smtClean="0"/>
                         <a:t>     echo $i.'&lt;br&gt;';</a:t>
                       </a:r>
                     </a:p>
                     <a:p>
                       <a:r>
-                        <a:rPr lang="pt-BR" sz="2800" dirty="0" smtClean="0"/>
-                        <a:t>  } while ($i &lt; 3);</a:t>
+                        <a:rPr lang="pt-BR" sz="2400" dirty="0" smtClean="0"/>
+                        <a:t>  }</a:t>
                       </a:r>
                     </a:p>
                     <a:p>
                       <a:r>
-                        <a:rPr lang="pt-BR" sz="2800" dirty="0" smtClean="0"/>
+                        <a:rPr lang="pt-BR" sz="2400" dirty="0" smtClean="0"/>
                         <a:t>  echo 'Parou';	   </a:t>
                       </a:r>
                     </a:p>
                     <a:p>
                       <a:r>
-                        <a:rPr lang="pt-BR" sz="2800" dirty="0" smtClean="0"/>
+                        <a:rPr lang="pt-BR" sz="2400" dirty="0" smtClean="0"/>
                         <a:t>?&gt;</a:t>
                       </a:r>
-                      <a:endParaRPr lang="pt-BR" sz="2800" dirty="0"/>
+                      <a:endParaRPr lang="pt-BR" sz="2400" dirty="0"/>
                     </a:p>
                   </a:txBody>
                   <a:tcPr>
@@ -9341,6 +9399,11 @@
                     </a:lnB>
                   </a:tcPr>
                 </a:tc>
+                <a:extLst>
+                  <a:ext uri="{0D108BD9-81ED-4DB2-BD59-A6C34878D82A}">
+                    <a16:rowId xmlns:a16="http://schemas.microsoft.com/office/drawing/2014/main" val="10000"/>
+                  </a:ext>
+                </a:extLst>
               </a:tr>
             </a:tbl>
           </a:graphicData>
@@ -9349,7 +9412,7 @@
     </p:spTree>
     <p:extLst>
       <p:ext uri="{BB962C8B-B14F-4D97-AF65-F5344CB8AC3E}">
-        <p14:creationId xmlns:p14="http://schemas.microsoft.com/office/powerpoint/2010/main" val="2661313714"/>
+        <p14:creationId xmlns:p14="http://schemas.microsoft.com/office/powerpoint/2010/main" val="1972224301"/>
       </p:ext>
     </p:extLst>
   </p:cSld>
@@ -9402,7 +9465,7 @@
           <p:cNvPr id="3" name="Título 1">
             <a:extLst>
               <a:ext uri="{FF2B5EF4-FFF2-40B4-BE49-F238E27FC236}">
-                <a16:creationId xmlns="" xmlns:a16="http://schemas.microsoft.com/office/drawing/2014/main" id="{489F5D36-DFC3-5141-9F8E-6FACABCF76D1}"/>
+                <a16:creationId xmlns:a16="http://schemas.microsoft.com/office/drawing/2014/main" id="{489F5D36-DFC3-5141-9F8E-6FACABCF76D1}"/>
               </a:ext>
             </a:extLst>
           </p:cNvPr>
@@ -9490,17 +9553,15 @@
           <a:p>
             <a:r>
               <a:rPr lang="pt-BR" dirty="0" smtClean="0"/>
-              <a:t>For</a:t>
+              <a:t>Do..while</a:t>
             </a:r>
           </a:p>
           <a:p>
             <a:pPr lvl="1"/>
             <a:r>
               <a:rPr lang="pt-BR" dirty="0" smtClean="0"/>
-              <a:t>Este comando já estabelece uma regra para o número de execução</a:t>
-            </a:r>
-          </a:p>
-          <a:p>
+              <a:t>Muito semelhante ao while, porém, será executado ao menos uma vez</a:t>
+            </a:r>
             <a:endParaRPr lang="pt-BR" dirty="0"/>
           </a:p>
         </p:txBody>
@@ -9514,14 +9575,14 @@
           <p:nvPr>
             <p:extLst>
               <p:ext uri="{D42A27DB-BD31-4B8C-83A1-F6EECF244321}">
-                <p14:modId xmlns:p14="http://schemas.microsoft.com/office/powerpoint/2010/main" val="3575376373"/>
+                <p14:modId xmlns:p14="http://schemas.microsoft.com/office/powerpoint/2010/main" val="2085600457"/>
               </p:ext>
             </p:extLst>
           </p:nvPr>
         </p:nvGraphicFramePr>
         <p:xfrm>
-          <a:off x="912021" y="2970952"/>
-          <a:ext cx="7330105" cy="3214710"/>
+          <a:off x="1066051" y="2847713"/>
+          <a:ext cx="6900502" cy="3505200"/>
         </p:xfrm>
         <a:graphic>
           <a:graphicData uri="http://schemas.openxmlformats.org/drawingml/2006/table">
@@ -9530,49 +9591,67 @@
                 <a:tableStyleId>{5C22544A-7EE6-4342-B048-85BDC9FD1C3A}</a:tableStyleId>
               </a:tblPr>
               <a:tblGrid>
-                <a:gridCol w="7330105"/>
+                <a:gridCol w="6900502">
+                  <a:extLst>
+                    <a:ext uri="{9D8B030D-6E8A-4147-A177-3AD203B41FA5}">
+                      <a16:colId xmlns:a16="http://schemas.microsoft.com/office/drawing/2014/main" val="20000"/>
+                    </a:ext>
+                  </a:extLst>
+                </a:gridCol>
               </a:tblGrid>
-              <a:tr h="3214710">
+              <a:tr h="3286148">
                 <a:tc>
                   <a:txBody>
                     <a:bodyPr/>
                     <a:lstStyle/>
                     <a:p>
                       <a:r>
-                        <a:rPr lang="pt-BR" sz="3200" dirty="0" smtClean="0"/>
+                        <a:rPr lang="pt-BR" sz="2800" dirty="0" smtClean="0"/>
                         <a:t>&lt;?php</a:t>
                       </a:r>
                     </a:p>
                     <a:p>
                       <a:r>
-                        <a:rPr lang="pt-BR" sz="3200" dirty="0" smtClean="0"/>
-                        <a:t>  for ($i = 0; $i &lt; 3; $i++){</a:t>
+                        <a:rPr lang="pt-BR" sz="2800" dirty="0" smtClean="0"/>
+                        <a:t>  $i = 0;</a:t>
                       </a:r>
                     </a:p>
                     <a:p>
                       <a:r>
-                        <a:rPr lang="pt-BR" sz="3200" dirty="0" smtClean="0"/>
-                        <a:t>      echo $i.'&lt;br&gt;';</a:t>
+                        <a:rPr lang="pt-BR" sz="2800" dirty="0" smtClean="0"/>
+                        <a:t>  do{</a:t>
                       </a:r>
                     </a:p>
                     <a:p>
                       <a:r>
-                        <a:rPr lang="pt-BR" sz="3200" dirty="0" smtClean="0"/>
-                        <a:t>  }</a:t>
+                        <a:rPr lang="pt-BR" sz="2800" dirty="0" smtClean="0"/>
+                        <a:t>     $i++;</a:t>
                       </a:r>
                     </a:p>
                     <a:p>
                       <a:r>
-                        <a:rPr lang="pt-BR" sz="3200" dirty="0" smtClean="0"/>
-                        <a:t>  echo 'Parou';</a:t>
+                        <a:rPr lang="pt-BR" sz="2800" dirty="0" smtClean="0"/>
+                        <a:t>     echo $i.'&lt;br&gt;';</a:t>
                       </a:r>
                     </a:p>
                     <a:p>
                       <a:r>
-                        <a:rPr lang="pt-BR" sz="3200" dirty="0" smtClean="0"/>
+                        <a:rPr lang="pt-BR" sz="2800" dirty="0" smtClean="0"/>
+                        <a:t>  } while ($i &lt; 3);</a:t>
+                      </a:r>
+                    </a:p>
+                    <a:p>
+                      <a:r>
+                        <a:rPr lang="pt-BR" sz="2800" dirty="0" smtClean="0"/>
+                        <a:t>  echo 'Parou';	   </a:t>
+                      </a:r>
+                    </a:p>
+                    <a:p>
+                      <a:r>
+                        <a:rPr lang="pt-BR" sz="2800" dirty="0" smtClean="0"/>
                         <a:t>?&gt;</a:t>
                       </a:r>
-                      <a:endParaRPr lang="pt-BR" sz="3200" dirty="0"/>
+                      <a:endParaRPr lang="pt-BR" sz="2800" dirty="0"/>
                     </a:p>
                   </a:txBody>
                   <a:tcPr>
@@ -9614,6 +9693,11 @@
                     </a:lnB>
                   </a:tcPr>
                 </a:tc>
+                <a:extLst>
+                  <a:ext uri="{0D108BD9-81ED-4DB2-BD59-A6C34878D82A}">
+                    <a16:rowId xmlns:a16="http://schemas.microsoft.com/office/drawing/2014/main" val="10000"/>
+                  </a:ext>
+                </a:extLst>
               </a:tr>
             </a:tbl>
           </a:graphicData>
@@ -9622,7 +9706,7 @@
     </p:spTree>
     <p:extLst>
       <p:ext uri="{BB962C8B-B14F-4D97-AF65-F5344CB8AC3E}">
-        <p14:creationId xmlns:p14="http://schemas.microsoft.com/office/powerpoint/2010/main" val="2874049575"/>
+        <p14:creationId xmlns:p14="http://schemas.microsoft.com/office/powerpoint/2010/main" val="2661313714"/>
       </p:ext>
     </p:extLst>
   </p:cSld>
@@ -9675,7 +9759,7 @@
           <p:cNvPr id="3" name="Título 1">
             <a:extLst>
               <a:ext uri="{FF2B5EF4-FFF2-40B4-BE49-F238E27FC236}">
-                <a16:creationId xmlns="" xmlns:a16="http://schemas.microsoft.com/office/drawing/2014/main" id="{489F5D36-DFC3-5141-9F8E-6FACABCF76D1}"/>
+                <a16:creationId xmlns:a16="http://schemas.microsoft.com/office/drawing/2014/main" id="{489F5D36-DFC3-5141-9F8E-6FACABCF76D1}"/>
               </a:ext>
             </a:extLst>
           </p:cNvPr>
@@ -9763,38 +9847,150 @@
           <a:p>
             <a:r>
               <a:rPr lang="pt-BR" dirty="0" smtClean="0"/>
-              <a:t>Foreach</a:t>
+              <a:t>For</a:t>
             </a:r>
           </a:p>
           <a:p>
             <a:pPr lvl="1"/>
             <a:r>
               <a:rPr lang="pt-BR" dirty="0" smtClean="0"/>
-              <a:t>Através desta função pode-se percorrer um array sem a necessidade de estabelecer regras para parada</a:t>
-            </a:r>
-          </a:p>
-          <a:p>
-            <a:pPr lvl="1"/>
-            <a:endParaRPr lang="pt-BR" dirty="0" smtClean="0"/>
-          </a:p>
-          <a:p>
-            <a:pPr lvl="1"/>
-            <a:endParaRPr lang="pt-BR" dirty="0" smtClean="0"/>
-          </a:p>
-          <a:p>
-            <a:pPr lvl="1"/>
-            <a:r>
-              <a:rPr lang="pt-BR" dirty="0" smtClean="0"/>
-              <a:t>Ele vai iterar sobre cada elemento do array até não existir mais valor</a:t>
-            </a:r>
+              <a:t>Este comando já estabelece uma regra para o número de execução</a:t>
+            </a:r>
+          </a:p>
+          <a:p>
             <a:endParaRPr lang="pt-BR" dirty="0"/>
           </a:p>
         </p:txBody>
       </p:sp>
+      <p:graphicFrame>
+        <p:nvGraphicFramePr>
+          <p:cNvPr id="5" name="Tabela 4"/>
+          <p:cNvGraphicFramePr>
+            <a:graphicFrameLocks noGrp="1"/>
+          </p:cNvGraphicFramePr>
+          <p:nvPr>
+            <p:extLst>
+              <p:ext uri="{D42A27DB-BD31-4B8C-83A1-F6EECF244321}">
+                <p14:modId xmlns:p14="http://schemas.microsoft.com/office/powerpoint/2010/main" val="3575376373"/>
+              </p:ext>
+            </p:extLst>
+          </p:nvPr>
+        </p:nvGraphicFramePr>
+        <p:xfrm>
+          <a:off x="912021" y="2970952"/>
+          <a:ext cx="7330105" cy="3214710"/>
+        </p:xfrm>
+        <a:graphic>
+          <a:graphicData uri="http://schemas.openxmlformats.org/drawingml/2006/table">
+            <a:tbl>
+              <a:tblPr firstRow="1" bandRow="1">
+                <a:tableStyleId>{5C22544A-7EE6-4342-B048-85BDC9FD1C3A}</a:tableStyleId>
+              </a:tblPr>
+              <a:tblGrid>
+                <a:gridCol w="7330105">
+                  <a:extLst>
+                    <a:ext uri="{9D8B030D-6E8A-4147-A177-3AD203B41FA5}">
+                      <a16:colId xmlns:a16="http://schemas.microsoft.com/office/drawing/2014/main" val="20000"/>
+                    </a:ext>
+                  </a:extLst>
+                </a:gridCol>
+              </a:tblGrid>
+              <a:tr h="3214710">
+                <a:tc>
+                  <a:txBody>
+                    <a:bodyPr/>
+                    <a:lstStyle/>
+                    <a:p>
+                      <a:r>
+                        <a:rPr lang="pt-BR" sz="3200" dirty="0" smtClean="0"/>
+                        <a:t>&lt;?php</a:t>
+                      </a:r>
+                    </a:p>
+                    <a:p>
+                      <a:r>
+                        <a:rPr lang="pt-BR" sz="3200" dirty="0" smtClean="0"/>
+                        <a:t>  for ($i = 0; $i &lt; 3; $i++){</a:t>
+                      </a:r>
+                    </a:p>
+                    <a:p>
+                      <a:r>
+                        <a:rPr lang="pt-BR" sz="3200" dirty="0" smtClean="0"/>
+                        <a:t>      echo $i.'&lt;br&gt;';</a:t>
+                      </a:r>
+                    </a:p>
+                    <a:p>
+                      <a:r>
+                        <a:rPr lang="pt-BR" sz="3200" dirty="0" smtClean="0"/>
+                        <a:t>  }</a:t>
+                      </a:r>
+                    </a:p>
+                    <a:p>
+                      <a:r>
+                        <a:rPr lang="pt-BR" sz="3200" dirty="0" smtClean="0"/>
+                        <a:t>  echo 'Parou';</a:t>
+                      </a:r>
+                    </a:p>
+                    <a:p>
+                      <a:r>
+                        <a:rPr lang="pt-BR" sz="3200" dirty="0" smtClean="0"/>
+                        <a:t>?&gt;</a:t>
+                      </a:r>
+                      <a:endParaRPr lang="pt-BR" sz="3200" dirty="0"/>
+                    </a:p>
+                  </a:txBody>
+                  <a:tcPr>
+                    <a:lnL w="12700" cap="flat" cmpd="sng" algn="ctr">
+                      <a:solidFill>
+                        <a:schemeClr val="tx1"/>
+                      </a:solidFill>
+                      <a:prstDash val="solid"/>
+                      <a:round/>
+                      <a:headEnd type="none" w="med" len="med"/>
+                      <a:tailEnd type="none" w="med" len="med"/>
+                    </a:lnL>
+                    <a:lnR w="12700" cap="flat" cmpd="sng" algn="ctr">
+                      <a:solidFill>
+                        <a:schemeClr val="tx1"/>
+                      </a:solidFill>
+                      <a:prstDash val="solid"/>
+                      <a:round/>
+                      <a:headEnd type="none" w="med" len="med"/>
+                      <a:tailEnd type="none" w="med" len="med"/>
+                    </a:lnR>
+                    <a:lnT w="12700" cap="flat" cmpd="sng" algn="ctr">
+                      <a:solidFill>
+                        <a:schemeClr val="tx1"/>
+                      </a:solidFill>
+                      <a:prstDash val="solid"/>
+                      <a:round/>
+                      <a:headEnd type="none" w="med" len="med"/>
+                      <a:tailEnd type="none" w="med" len="med"/>
+                    </a:lnT>
+                    <a:lnB w="12700" cap="flat" cmpd="sng" algn="ctr">
+                      <a:solidFill>
+                        <a:schemeClr val="tx1"/>
+                      </a:solidFill>
+                      <a:prstDash val="solid"/>
+                      <a:round/>
+                      <a:headEnd type="none" w="med" len="med"/>
+                      <a:tailEnd type="none" w="med" len="med"/>
+                    </a:lnB>
+                  </a:tcPr>
+                </a:tc>
+                <a:extLst>
+                  <a:ext uri="{0D108BD9-81ED-4DB2-BD59-A6C34878D82A}">
+                    <a16:rowId xmlns:a16="http://schemas.microsoft.com/office/drawing/2014/main" val="10000"/>
+                  </a:ext>
+                </a:extLst>
+              </a:tr>
+            </a:tbl>
+          </a:graphicData>
+        </a:graphic>
+      </p:graphicFrame>
     </p:spTree>
     <p:extLst>
       <p:ext uri="{BB962C8B-B14F-4D97-AF65-F5344CB8AC3E}">
-        <p14:creationId xmlns:p14="http://schemas.microsoft.com/office/powerpoint/2010/main" val="581839689"/>
+        <p14:creationId xmlns:p14="http://schemas.microsoft.com/office/powerpoint/2010/main" val="2874049575"/>
       </p:ext>
     </p:extLst>
   </p:cSld>
@@ -9847,7 +10043,7 @@
           <p:cNvPr id="3" name="Título 1">
             <a:extLst>
               <a:ext uri="{FF2B5EF4-FFF2-40B4-BE49-F238E27FC236}">
-                <a16:creationId xmlns="" xmlns:a16="http://schemas.microsoft.com/office/drawing/2014/main" id="{489F5D36-DFC3-5141-9F8E-6FACABCF76D1}"/>
+                <a16:creationId xmlns:a16="http://schemas.microsoft.com/office/drawing/2014/main" id="{489F5D36-DFC3-5141-9F8E-6FACABCF76D1}"/>
               </a:ext>
             </a:extLst>
           </p:cNvPr>
@@ -9913,149 +10109,60 @@
           </a:p>
         </p:txBody>
       </p:sp>
-      <p:graphicFrame>
-        <p:nvGraphicFramePr>
-          <p:cNvPr id="4" name="Marcador de Posição de Conteúdo 3"/>
-          <p:cNvGraphicFramePr>
-            <a:graphicFrameLocks noGrp="1"/>
-          </p:cNvGraphicFramePr>
+      <p:sp>
+        <p:nvSpPr>
+          <p:cNvPr id="4" name="Marcador de Posição de Conteúdo 2"/>
+          <p:cNvSpPr>
+            <a:spLocks noGrp="1"/>
+          </p:cNvSpPr>
           <p:nvPr>
             <p:ph idx="1"/>
-            <p:extLst>
-              <p:ext uri="{D42A27DB-BD31-4B8C-83A1-F6EECF244321}">
-                <p14:modId xmlns:p14="http://schemas.microsoft.com/office/powerpoint/2010/main" val="2702709717"/>
-              </p:ext>
-            </p:extLst>
-          </p:nvPr>
-        </p:nvGraphicFramePr>
-        <p:xfrm>
-          <a:off x="556203" y="1600200"/>
-          <a:ext cx="7974022" cy="4838178"/>
-        </p:xfrm>
-        <a:graphic>
-          <a:graphicData uri="http://schemas.openxmlformats.org/drawingml/2006/table">
-            <a:tbl>
-              <a:tblPr firstRow="1" bandRow="1">
-                <a:tableStyleId>{5C22544A-7EE6-4342-B048-85BDC9FD1C3A}</a:tableStyleId>
-              </a:tblPr>
-              <a:tblGrid>
-                <a:gridCol w="7974022"/>
-              </a:tblGrid>
-              <a:tr h="4838178">
-                <a:tc>
-                  <a:txBody>
-                    <a:bodyPr/>
-                    <a:lstStyle/>
-                    <a:p>
-                      <a:r>
-                        <a:rPr lang="pt-BR" sz="2800" dirty="0" smtClean="0"/>
-                        <a:t>&lt;?php</a:t>
-                      </a:r>
-                    </a:p>
-                    <a:p>
-                      <a:r>
-                        <a:rPr lang="pt-BR" sz="2800" dirty="0" smtClean="0"/>
-                        <a:t>  $cor = Array('Amarelo', 'Azul', 'Verde');</a:t>
-                      </a:r>
-                    </a:p>
-                    <a:p>
-                      <a:r>
-                        <a:rPr lang="pt-BR" sz="2800" dirty="0" smtClean="0"/>
-                        <a:t>  foreach ($cor as $valor){</a:t>
-                      </a:r>
-                    </a:p>
-                    <a:p>
-                      <a:r>
-                        <a:rPr lang="pt-BR" sz="2800" dirty="0" smtClean="0"/>
-                        <a:t>	  echo $valor.'&lt;br&gt;';</a:t>
-                      </a:r>
-                    </a:p>
-                    <a:p>
-                      <a:r>
-                        <a:rPr lang="pt-BR" sz="2800" dirty="0" smtClean="0"/>
-                        <a:t>  }</a:t>
-                      </a:r>
-                    </a:p>
-                    <a:p>
-                      <a:r>
-                        <a:rPr lang="pt-BR" sz="2800" dirty="0" smtClean="0"/>
-                        <a:t>  </a:t>
-                      </a:r>
-                    </a:p>
-                    <a:p>
-                      <a:r>
-                        <a:rPr lang="pt-BR" sz="2800" dirty="0" smtClean="0"/>
-                        <a:t>  foreach ($cor as $chave =&gt; $valor){</a:t>
-                      </a:r>
-                    </a:p>
-                    <a:p>
-                      <a:r>
-                        <a:rPr lang="pt-BR" sz="2800" dirty="0" smtClean="0"/>
-                        <a:t>	  echo $chave .' - '. $valor.'&lt;br&gt;';</a:t>
-                      </a:r>
-                    </a:p>
-                    <a:p>
-                      <a:r>
-                        <a:rPr lang="pt-BR" sz="2800" dirty="0" smtClean="0"/>
-                        <a:t>  }</a:t>
-                      </a:r>
-                    </a:p>
-                    <a:p>
-                      <a:r>
-                        <a:rPr lang="pt-BR" sz="2800" dirty="0" smtClean="0"/>
-                        <a:t>?&gt;</a:t>
-                      </a:r>
-                      <a:endParaRPr lang="pt-BR" sz="2800" dirty="0"/>
-                    </a:p>
-                  </a:txBody>
-                  <a:tcPr>
-                    <a:lnL w="12700" cap="flat" cmpd="sng" algn="ctr">
-                      <a:solidFill>
-                        <a:schemeClr val="tx1"/>
-                      </a:solidFill>
-                      <a:prstDash val="solid"/>
-                      <a:round/>
-                      <a:headEnd type="none" w="med" len="med"/>
-                      <a:tailEnd type="none" w="med" len="med"/>
-                    </a:lnL>
-                    <a:lnR w="12700" cap="flat" cmpd="sng" algn="ctr">
-                      <a:solidFill>
-                        <a:schemeClr val="tx1"/>
-                      </a:solidFill>
-                      <a:prstDash val="solid"/>
-                      <a:round/>
-                      <a:headEnd type="none" w="med" len="med"/>
-                      <a:tailEnd type="none" w="med" len="med"/>
-                    </a:lnR>
-                    <a:lnT w="12700" cap="flat" cmpd="sng" algn="ctr">
-                      <a:solidFill>
-                        <a:schemeClr val="tx1"/>
-                      </a:solidFill>
-                      <a:prstDash val="solid"/>
-                      <a:round/>
-                      <a:headEnd type="none" w="med" len="med"/>
-                      <a:tailEnd type="none" w="med" len="med"/>
-                    </a:lnT>
-                    <a:lnB w="12700" cap="flat" cmpd="sng" algn="ctr">
-                      <a:solidFill>
-                        <a:schemeClr val="tx1"/>
-                      </a:solidFill>
-                      <a:prstDash val="solid"/>
-                      <a:round/>
-                      <a:headEnd type="none" w="med" len="med"/>
-                      <a:tailEnd type="none" w="med" len="med"/>
-                    </a:lnB>
-                  </a:tcPr>
-                </a:tc>
-              </a:tr>
-            </a:tbl>
-          </a:graphicData>
-        </a:graphic>
-      </p:graphicFrame>
+          </p:nvPr>
+        </p:nvSpPr>
+        <p:spPr>
+          <a:xfrm>
+            <a:off x="457200" y="1600200"/>
+            <a:ext cx="8229600" cy="4525963"/>
+          </a:xfrm>
+        </p:spPr>
+        <p:txBody>
+          <a:bodyPr/>
+          <a:lstStyle/>
+          <a:p>
+            <a:r>
+              <a:rPr lang="pt-BR" dirty="0" smtClean="0"/>
+              <a:t>Foreach</a:t>
+            </a:r>
+          </a:p>
+          <a:p>
+            <a:pPr lvl="1"/>
+            <a:r>
+              <a:rPr lang="pt-BR" dirty="0" smtClean="0"/>
+              <a:t>Através desta função pode-se percorrer um array sem a necessidade de estabelecer regras para parada</a:t>
+            </a:r>
+          </a:p>
+          <a:p>
+            <a:pPr lvl="1"/>
+            <a:endParaRPr lang="pt-BR" dirty="0" smtClean="0"/>
+          </a:p>
+          <a:p>
+            <a:pPr lvl="1"/>
+            <a:endParaRPr lang="pt-BR" dirty="0" smtClean="0"/>
+          </a:p>
+          <a:p>
+            <a:pPr lvl="1"/>
+            <a:r>
+              <a:rPr lang="pt-BR" dirty="0" smtClean="0"/>
+              <a:t>Ele vai iterar sobre cada elemento do array até não existir mais valor</a:t>
+            </a:r>
+            <a:endParaRPr lang="pt-BR" dirty="0"/>
+          </a:p>
+        </p:txBody>
+      </p:sp>
     </p:spTree>
     <p:extLst>
       <p:ext uri="{BB962C8B-B14F-4D97-AF65-F5344CB8AC3E}">
-        <p14:creationId xmlns:p14="http://schemas.microsoft.com/office/powerpoint/2010/main" val="266903373"/>
+        <p14:creationId xmlns:p14="http://schemas.microsoft.com/office/powerpoint/2010/main" val="581839689"/>
       </p:ext>
     </p:extLst>
   </p:cSld>
@@ -10108,7 +10215,7 @@
           <p:cNvPr id="18" name="Título 1">
             <a:extLst>
               <a:ext uri="{FF2B5EF4-FFF2-40B4-BE49-F238E27FC236}">
-                <a16:creationId xmlns="" xmlns:a16="http://schemas.microsoft.com/office/drawing/2014/main" id="{301A74E7-A254-E346-85BC-EF9538AF4207}"/>
+                <a16:creationId xmlns:a16="http://schemas.microsoft.com/office/drawing/2014/main" id="{301A74E7-A254-E346-85BC-EF9538AF4207}"/>
               </a:ext>
             </a:extLst>
           </p:cNvPr>
@@ -10175,7 +10282,7 @@
           <p:cNvPr id="19" name="Subtítulo 2">
             <a:extLst>
               <a:ext uri="{FF2B5EF4-FFF2-40B4-BE49-F238E27FC236}">
-                <a16:creationId xmlns="" xmlns:a16="http://schemas.microsoft.com/office/drawing/2014/main" id="{7A0F443A-9CCE-F84C-85FF-FF1322180916}"/>
+                <a16:creationId xmlns:a16="http://schemas.microsoft.com/office/drawing/2014/main" id="{7A0F443A-9CCE-F84C-85FF-FF1322180916}"/>
               </a:ext>
             </a:extLst>
           </p:cNvPr>
@@ -10456,7 +10563,7 @@
           <p:cNvPr id="3" name="Título 1">
             <a:extLst>
               <a:ext uri="{FF2B5EF4-FFF2-40B4-BE49-F238E27FC236}">
-                <a16:creationId xmlns="" xmlns:a16="http://schemas.microsoft.com/office/drawing/2014/main" id="{489F5D36-DFC3-5141-9F8E-6FACABCF76D1}"/>
+                <a16:creationId xmlns:a16="http://schemas.microsoft.com/office/drawing/2014/main" id="{489F5D36-DFC3-5141-9F8E-6FACABCF76D1}"/>
               </a:ext>
             </a:extLst>
           </p:cNvPr>
@@ -10522,66 +10629,160 @@
           </a:p>
         </p:txBody>
       </p:sp>
-      <p:sp>
-        <p:nvSpPr>
-          <p:cNvPr id="4" name="Marcador de Posição de Conteúdo 2"/>
-          <p:cNvSpPr>
-            <a:spLocks noGrp="1"/>
-          </p:cNvSpPr>
+      <p:graphicFrame>
+        <p:nvGraphicFramePr>
+          <p:cNvPr id="4" name="Marcador de Posição de Conteúdo 3"/>
+          <p:cNvGraphicFramePr>
+            <a:graphicFrameLocks noGrp="1"/>
+          </p:cNvGraphicFramePr>
           <p:nvPr>
             <p:ph idx="1"/>
-          </p:nvPr>
-        </p:nvSpPr>
-        <p:spPr>
-          <a:xfrm>
-            <a:off x="457200" y="1600200"/>
-            <a:ext cx="8229600" cy="4525963"/>
-          </a:xfrm>
-        </p:spPr>
-        <p:txBody>
-          <a:bodyPr/>
-          <a:lstStyle/>
-          <a:p>
-            <a:r>
-              <a:rPr lang="pt-BR" dirty="0" smtClean="0"/>
-              <a:t>Quebra de fluxo</a:t>
-            </a:r>
-          </a:p>
-          <a:p>
-            <a:pPr lvl="1"/>
-            <a:r>
-              <a:rPr lang="pt-BR" dirty="0" smtClean="0"/>
-              <a:t>Break</a:t>
-            </a:r>
-          </a:p>
-          <a:p>
-            <a:pPr lvl="2"/>
-            <a:r>
-              <a:rPr lang="pt-BR" dirty="0" smtClean="0"/>
-              <a:t>Dentro de uma estrutura de repetição ao encontrar o comando break a execução do mesmo é interrompida imediatamente</a:t>
-            </a:r>
-          </a:p>
-          <a:p>
-            <a:pPr lvl="1"/>
-            <a:r>
-              <a:rPr lang="pt-BR" dirty="0" smtClean="0"/>
-              <a:t>Continue</a:t>
-            </a:r>
-          </a:p>
-          <a:p>
-            <a:pPr lvl="2"/>
-            <a:r>
-              <a:rPr lang="pt-BR" dirty="0" smtClean="0"/>
-              <a:t>A execução do laço volta para início do bloco não executando o conteúdo em sequência</a:t>
-            </a:r>
-            <a:endParaRPr lang="pt-BR" dirty="0"/>
-          </a:p>
-        </p:txBody>
-      </p:sp>
+            <p:extLst>
+              <p:ext uri="{D42A27DB-BD31-4B8C-83A1-F6EECF244321}">
+                <p14:modId xmlns:p14="http://schemas.microsoft.com/office/powerpoint/2010/main" val="2702709717"/>
+              </p:ext>
+            </p:extLst>
+          </p:nvPr>
+        </p:nvGraphicFramePr>
+        <p:xfrm>
+          <a:off x="556203" y="1600200"/>
+          <a:ext cx="7974022" cy="4838178"/>
+        </p:xfrm>
+        <a:graphic>
+          <a:graphicData uri="http://schemas.openxmlformats.org/drawingml/2006/table">
+            <a:tbl>
+              <a:tblPr firstRow="1" bandRow="1">
+                <a:tableStyleId>{5C22544A-7EE6-4342-B048-85BDC9FD1C3A}</a:tableStyleId>
+              </a:tblPr>
+              <a:tblGrid>
+                <a:gridCol w="7974022">
+                  <a:extLst>
+                    <a:ext uri="{9D8B030D-6E8A-4147-A177-3AD203B41FA5}">
+                      <a16:colId xmlns:a16="http://schemas.microsoft.com/office/drawing/2014/main" val="20000"/>
+                    </a:ext>
+                  </a:extLst>
+                </a:gridCol>
+              </a:tblGrid>
+              <a:tr h="4838178">
+                <a:tc>
+                  <a:txBody>
+                    <a:bodyPr/>
+                    <a:lstStyle/>
+                    <a:p>
+                      <a:r>
+                        <a:rPr lang="pt-BR" sz="2800" dirty="0" smtClean="0"/>
+                        <a:t>&lt;?php</a:t>
+                      </a:r>
+                    </a:p>
+                    <a:p>
+                      <a:r>
+                        <a:rPr lang="pt-BR" sz="2800" dirty="0" smtClean="0"/>
+                        <a:t>  $cor = Array('Amarelo', 'Azul', 'Verde');</a:t>
+                      </a:r>
+                    </a:p>
+                    <a:p>
+                      <a:r>
+                        <a:rPr lang="pt-BR" sz="2800" dirty="0" smtClean="0"/>
+                        <a:t>  foreach ($cor as $valor){</a:t>
+                      </a:r>
+                    </a:p>
+                    <a:p>
+                      <a:r>
+                        <a:rPr lang="pt-BR" sz="2800" dirty="0" smtClean="0"/>
+                        <a:t>	  echo $valor.'&lt;br&gt;';</a:t>
+                      </a:r>
+                    </a:p>
+                    <a:p>
+                      <a:r>
+                        <a:rPr lang="pt-BR" sz="2800" dirty="0" smtClean="0"/>
+                        <a:t>  }</a:t>
+                      </a:r>
+                    </a:p>
+                    <a:p>
+                      <a:r>
+                        <a:rPr lang="pt-BR" sz="2800" dirty="0" smtClean="0"/>
+                        <a:t>  </a:t>
+                      </a:r>
+                    </a:p>
+                    <a:p>
+                      <a:r>
+                        <a:rPr lang="pt-BR" sz="2800" dirty="0" smtClean="0"/>
+                        <a:t>  foreach ($cor as $chave =&gt; $valor){</a:t>
+                      </a:r>
+                    </a:p>
+                    <a:p>
+                      <a:r>
+                        <a:rPr lang="pt-BR" sz="2800" dirty="0" smtClean="0"/>
+                        <a:t>	  echo $chave .' - '. $valor.'&lt;br&gt;';</a:t>
+                      </a:r>
+                    </a:p>
+                    <a:p>
+                      <a:r>
+                        <a:rPr lang="pt-BR" sz="2800" dirty="0" smtClean="0"/>
+                        <a:t>  }</a:t>
+                      </a:r>
+                    </a:p>
+                    <a:p>
+                      <a:r>
+                        <a:rPr lang="pt-BR" sz="2800" dirty="0" smtClean="0"/>
+                        <a:t>?&gt;</a:t>
+                      </a:r>
+                      <a:endParaRPr lang="pt-BR" sz="2800" dirty="0"/>
+                    </a:p>
+                  </a:txBody>
+                  <a:tcPr>
+                    <a:lnL w="12700" cap="flat" cmpd="sng" algn="ctr">
+                      <a:solidFill>
+                        <a:schemeClr val="tx1"/>
+                      </a:solidFill>
+                      <a:prstDash val="solid"/>
+                      <a:round/>
+                      <a:headEnd type="none" w="med" len="med"/>
+                      <a:tailEnd type="none" w="med" len="med"/>
+                    </a:lnL>
+                    <a:lnR w="12700" cap="flat" cmpd="sng" algn="ctr">
+                      <a:solidFill>
+                        <a:schemeClr val="tx1"/>
+                      </a:solidFill>
+                      <a:prstDash val="solid"/>
+                      <a:round/>
+                      <a:headEnd type="none" w="med" len="med"/>
+                      <a:tailEnd type="none" w="med" len="med"/>
+                    </a:lnR>
+                    <a:lnT w="12700" cap="flat" cmpd="sng" algn="ctr">
+                      <a:solidFill>
+                        <a:schemeClr val="tx1"/>
+                      </a:solidFill>
+                      <a:prstDash val="solid"/>
+                      <a:round/>
+                      <a:headEnd type="none" w="med" len="med"/>
+                      <a:tailEnd type="none" w="med" len="med"/>
+                    </a:lnT>
+                    <a:lnB w="12700" cap="flat" cmpd="sng" algn="ctr">
+                      <a:solidFill>
+                        <a:schemeClr val="tx1"/>
+                      </a:solidFill>
+                      <a:prstDash val="solid"/>
+                      <a:round/>
+                      <a:headEnd type="none" w="med" len="med"/>
+                      <a:tailEnd type="none" w="med" len="med"/>
+                    </a:lnB>
+                  </a:tcPr>
+                </a:tc>
+                <a:extLst>
+                  <a:ext uri="{0D108BD9-81ED-4DB2-BD59-A6C34878D82A}">
+                    <a16:rowId xmlns:a16="http://schemas.microsoft.com/office/drawing/2014/main" val="10000"/>
+                  </a:ext>
+                </a:extLst>
+              </a:tr>
+            </a:tbl>
+          </a:graphicData>
+        </a:graphic>
+      </p:graphicFrame>
     </p:spTree>
     <p:extLst>
       <p:ext uri="{BB962C8B-B14F-4D97-AF65-F5344CB8AC3E}">
-        <p14:creationId xmlns:p14="http://schemas.microsoft.com/office/powerpoint/2010/main" val="2225173242"/>
+        <p14:creationId xmlns:p14="http://schemas.microsoft.com/office/powerpoint/2010/main" val="266903373"/>
       </p:ext>
     </p:extLst>
   </p:cSld>
@@ -10631,10 +10832,10 @@
       </p:grpSpPr>
       <p:sp>
         <p:nvSpPr>
-          <p:cNvPr id="7" name="Título 1">
+          <p:cNvPr id="3" name="Título 1">
             <a:extLst>
               <a:ext uri="{FF2B5EF4-FFF2-40B4-BE49-F238E27FC236}">
-                <a16:creationId xmlns="" xmlns:a16="http://schemas.microsoft.com/office/drawing/2014/main" id="{489F5D36-DFC3-5141-9F8E-6FACABCF76D1}"/>
+                <a16:creationId xmlns:a16="http://schemas.microsoft.com/office/drawing/2014/main" id="{489F5D36-DFC3-5141-9F8E-6FACABCF76D1}"/>
               </a:ext>
             </a:extLst>
           </p:cNvPr>
@@ -10677,7 +10878,7 @@
           </a:lstStyle>
           <a:p>
             <a:r>
-              <a:rPr lang="pt-BR" b="1" dirty="0" smtClean="0">
+              <a:rPr lang="pt-BR" sz="3600" b="1" dirty="0" smtClean="0">
                 <a:solidFill>
                   <a:schemeClr val="bg2">
                     <a:lumMod val="75000"/>
@@ -10686,9 +10887,9 @@
                 <a:latin typeface="+mn-lt"/>
                 <a:cs typeface="Calibri" panose="020F0502020204030204" pitchFamily="34" charset="0"/>
               </a:rPr>
-              <a:t>JSON</a:t>
-            </a:r>
-            <a:endParaRPr lang="pt-BR" b="1" dirty="0">
+              <a:t>Estruturas de Repetição</a:t>
+            </a:r>
+            <a:endParaRPr lang="pt-BR" sz="3600" b="1" dirty="0">
               <a:solidFill>
                 <a:schemeClr val="bg2">
                   <a:lumMod val="75000"/>
@@ -10702,7 +10903,7 @@
       </p:sp>
       <p:sp>
         <p:nvSpPr>
-          <p:cNvPr id="3" name="Marcador de Posição de Conteúdo 2"/>
+          <p:cNvPr id="4" name="Marcador de Posição de Conteúdo 2"/>
           <p:cNvSpPr>
             <a:spLocks noGrp="1"/>
           </p:cNvSpPr>
@@ -10712,7 +10913,7 @@
         </p:nvSpPr>
         <p:spPr>
           <a:xfrm>
-            <a:off x="457200" y="1474805"/>
+            <a:off x="457200" y="1600200"/>
             <a:ext cx="8229600" cy="4525963"/>
           </a:xfrm>
         </p:spPr>
@@ -10722,444 +10923,44 @@
           <a:p>
             <a:r>
               <a:rPr lang="pt-BR" dirty="0" smtClean="0"/>
-              <a:t>Java Script Object Notation</a:t>
+              <a:t>Quebra de fluxo</a:t>
             </a:r>
           </a:p>
           <a:p>
             <a:pPr lvl="1"/>
             <a:r>
               <a:rPr lang="pt-BR" dirty="0" smtClean="0"/>
-              <a:t>Permite representar de maneira simples e leve as informações</a:t>
+              <a:t>Break</a:t>
+            </a:r>
+          </a:p>
+          <a:p>
+            <a:pPr lvl="2"/>
+            <a:r>
+              <a:rPr lang="pt-BR" dirty="0" smtClean="0"/>
+              <a:t>Dentro de uma estrutura de repetição ao encontrar o comando break a execução do mesmo é interrompida imediatamente</a:t>
             </a:r>
           </a:p>
           <a:p>
             <a:pPr lvl="1"/>
             <a:r>
               <a:rPr lang="pt-BR" dirty="0" smtClean="0"/>
-              <a:t>É um objeto Javascript que pode facilmente ser acessado e manipulado</a:t>
+              <a:t>Continue</a:t>
+            </a:r>
+          </a:p>
+          <a:p>
+            <a:pPr lvl="2"/>
+            <a:r>
+              <a:rPr lang="pt-BR" dirty="0" smtClean="0"/>
+              <a:t>A execução do laço volta para início do bloco não executando o conteúdo em sequência</a:t>
             </a:r>
             <a:endParaRPr lang="pt-BR" dirty="0"/>
           </a:p>
         </p:txBody>
       </p:sp>
-      <p:graphicFrame>
-        <p:nvGraphicFramePr>
-          <p:cNvPr id="4" name="Tabela 3"/>
-          <p:cNvGraphicFramePr>
-            <a:graphicFrameLocks noGrp="1"/>
-          </p:cNvGraphicFramePr>
-          <p:nvPr>
-            <p:extLst>
-              <p:ext uri="{D42A27DB-BD31-4B8C-83A1-F6EECF244321}">
-                <p14:modId xmlns:p14="http://schemas.microsoft.com/office/powerpoint/2010/main" val="908314842"/>
-              </p:ext>
-            </p:extLst>
-          </p:nvPr>
-        </p:nvGraphicFramePr>
-        <p:xfrm>
-          <a:off x="571472" y="3599671"/>
-          <a:ext cx="7858180" cy="2651760"/>
-        </p:xfrm>
-        <a:graphic>
-          <a:graphicData uri="http://schemas.openxmlformats.org/drawingml/2006/table">
-            <a:tbl>
-              <a:tblPr firstRow="1" bandRow="1">
-                <a:tableStyleId>{5C22544A-7EE6-4342-B048-85BDC9FD1C3A}</a:tableStyleId>
-              </a:tblPr>
-              <a:tblGrid>
-                <a:gridCol w="7858180"/>
-              </a:tblGrid>
-              <a:tr h="2500330">
-                <a:tc>
-                  <a:txBody>
-                    <a:bodyPr/>
-                    <a:lstStyle/>
-                    <a:p>
-                      <a:r>
-                        <a:rPr lang="pt-BR" sz="2800" dirty="0" smtClean="0"/>
-                        <a:t>{ </a:t>
-                      </a:r>
-                      <a:r>
-                        <a:rPr lang="pt-BR" sz="2800" b="1" kern="1200" dirty="0" smtClean="0">
-                          <a:solidFill>
-                            <a:schemeClr val="lt1"/>
-                          </a:solidFill>
-                          <a:latin typeface="+mn-lt"/>
-                          <a:ea typeface="+mn-ea"/>
-                          <a:cs typeface="+mn-cs"/>
-                        </a:rPr>
-                        <a:t>"Alunos"</a:t>
-                      </a:r>
-                      <a:r>
-                        <a:rPr lang="pt-BR" sz="2800" dirty="0" smtClean="0"/>
-                        <a:t> </a:t>
-                      </a:r>
-                      <a:r>
-                        <a:rPr lang="pt-BR" sz="2800" b="1" kern="1200" dirty="0" smtClean="0">
-                          <a:solidFill>
-                            <a:schemeClr val="lt1"/>
-                          </a:solidFill>
-                          <a:latin typeface="+mn-lt"/>
-                          <a:ea typeface="+mn-ea"/>
-                          <a:cs typeface="+mn-cs"/>
-                        </a:rPr>
-                        <a:t>:</a:t>
-                      </a:r>
-                      <a:r>
-                        <a:rPr lang="pt-BR" sz="2800" dirty="0" smtClean="0"/>
-                        <a:t> [</a:t>
-                      </a:r>
-                    </a:p>
-                    <a:p>
-                      <a:r>
-                        <a:rPr lang="pt-BR" sz="2800" dirty="0" smtClean="0"/>
-                        <a:t>     { </a:t>
-                      </a:r>
-                      <a:r>
-                        <a:rPr lang="pt-BR" sz="2800" b="1" kern="1200" dirty="0" smtClean="0">
-                          <a:solidFill>
-                            <a:schemeClr val="lt1"/>
-                          </a:solidFill>
-                          <a:latin typeface="+mn-lt"/>
-                          <a:ea typeface="+mn-ea"/>
-                          <a:cs typeface="+mn-cs"/>
-                        </a:rPr>
-                        <a:t>"nome":</a:t>
-                      </a:r>
-                      <a:r>
-                        <a:rPr lang="pt-BR" sz="2800" dirty="0" smtClean="0"/>
-                        <a:t> </a:t>
-                      </a:r>
-                      <a:r>
-                        <a:rPr lang="pt-BR" sz="2800" b="1" kern="1200" dirty="0" smtClean="0">
-                          <a:solidFill>
-                            <a:schemeClr val="lt1"/>
-                          </a:solidFill>
-                          <a:latin typeface="+mn-lt"/>
-                          <a:ea typeface="+mn-ea"/>
-                          <a:cs typeface="+mn-cs"/>
-                        </a:rPr>
-                        <a:t>"João"</a:t>
-                      </a:r>
-                      <a:r>
-                        <a:rPr lang="pt-BR" sz="2800" dirty="0" smtClean="0"/>
-                        <a:t>, </a:t>
-                      </a:r>
-                      <a:r>
-                        <a:rPr lang="pt-BR" sz="2800" b="1" kern="1200" dirty="0" smtClean="0">
-                          <a:solidFill>
-                            <a:schemeClr val="lt1"/>
-                          </a:solidFill>
-                          <a:latin typeface="+mn-lt"/>
-                          <a:ea typeface="+mn-ea"/>
-                          <a:cs typeface="+mn-cs"/>
-                        </a:rPr>
-                        <a:t>"notas":</a:t>
-                      </a:r>
-                      <a:r>
-                        <a:rPr lang="pt-BR" sz="2800" dirty="0" smtClean="0"/>
-                        <a:t> [ </a:t>
-                      </a:r>
-                      <a:r>
-                        <a:rPr lang="pt-BR" sz="2800" b="1" kern="1200" dirty="0" smtClean="0">
-                          <a:solidFill>
-                            <a:schemeClr val="lt1"/>
-                          </a:solidFill>
-                          <a:latin typeface="+mn-lt"/>
-                          <a:ea typeface="+mn-ea"/>
-                          <a:cs typeface="+mn-cs"/>
-                        </a:rPr>
-                        <a:t>8</a:t>
-                      </a:r>
-                      <a:r>
-                        <a:rPr lang="pt-BR" sz="2800" dirty="0" smtClean="0"/>
-                        <a:t>, </a:t>
-                      </a:r>
-                      <a:r>
-                        <a:rPr lang="pt-BR" sz="2800" b="1" kern="1200" dirty="0" smtClean="0">
-                          <a:solidFill>
-                            <a:schemeClr val="lt1"/>
-                          </a:solidFill>
-                          <a:latin typeface="+mn-lt"/>
-                          <a:ea typeface="+mn-ea"/>
-                          <a:cs typeface="+mn-cs"/>
-                        </a:rPr>
-                        <a:t>9</a:t>
-                      </a:r>
-                      <a:r>
-                        <a:rPr lang="pt-BR" sz="2800" dirty="0" smtClean="0"/>
-                        <a:t>, </a:t>
-                      </a:r>
-                      <a:r>
-                        <a:rPr lang="pt-BR" sz="2800" b="1" kern="1200" dirty="0" smtClean="0">
-                          <a:solidFill>
-                            <a:schemeClr val="lt1"/>
-                          </a:solidFill>
-                          <a:latin typeface="+mn-lt"/>
-                          <a:ea typeface="+mn-ea"/>
-                          <a:cs typeface="+mn-cs"/>
-                        </a:rPr>
-                        <a:t>7</a:t>
-                      </a:r>
-                      <a:r>
-                        <a:rPr lang="pt-BR" sz="2800" dirty="0" smtClean="0"/>
-                        <a:t> ] }, </a:t>
-                      </a:r>
-                    </a:p>
-                    <a:p>
-                      <a:r>
-                        <a:rPr lang="pt-BR" sz="2800" dirty="0" smtClean="0"/>
-                        <a:t>     { </a:t>
-                      </a:r>
-                      <a:r>
-                        <a:rPr lang="pt-BR" sz="2800" b="1" kern="1200" dirty="0" smtClean="0">
-                          <a:solidFill>
-                            <a:schemeClr val="lt1"/>
-                          </a:solidFill>
-                          <a:latin typeface="+mn-lt"/>
-                          <a:ea typeface="+mn-ea"/>
-                          <a:cs typeface="+mn-cs"/>
-                        </a:rPr>
-                        <a:t>"nome":</a:t>
-                      </a:r>
-                      <a:r>
-                        <a:rPr lang="pt-BR" sz="2800" dirty="0" smtClean="0"/>
-                        <a:t> </a:t>
-                      </a:r>
-                      <a:r>
-                        <a:rPr lang="pt-BR" sz="2800" b="1" kern="1200" dirty="0" smtClean="0">
-                          <a:solidFill>
-                            <a:schemeClr val="lt1"/>
-                          </a:solidFill>
-                          <a:latin typeface="+mn-lt"/>
-                          <a:ea typeface="+mn-ea"/>
-                          <a:cs typeface="+mn-cs"/>
-                        </a:rPr>
-                        <a:t>"Maria"</a:t>
-                      </a:r>
-                      <a:r>
-                        <a:rPr lang="pt-BR" sz="2800" dirty="0" smtClean="0"/>
-                        <a:t>, </a:t>
-                      </a:r>
-                      <a:r>
-                        <a:rPr lang="pt-BR" sz="2800" b="1" kern="1200" dirty="0" smtClean="0">
-                          <a:solidFill>
-                            <a:schemeClr val="lt1"/>
-                          </a:solidFill>
-                          <a:latin typeface="+mn-lt"/>
-                          <a:ea typeface="+mn-ea"/>
-                          <a:cs typeface="+mn-cs"/>
-                        </a:rPr>
-                        <a:t>"notas":</a:t>
-                      </a:r>
-                      <a:r>
-                        <a:rPr lang="pt-BR" sz="2800" dirty="0" smtClean="0"/>
-                        <a:t> [ </a:t>
-                      </a:r>
-                      <a:r>
-                        <a:rPr lang="pt-BR" sz="2800" b="1" kern="1200" dirty="0" smtClean="0">
-                          <a:solidFill>
-                            <a:schemeClr val="lt1"/>
-                          </a:solidFill>
-                          <a:latin typeface="+mn-lt"/>
-                          <a:ea typeface="+mn-ea"/>
-                          <a:cs typeface="+mn-cs"/>
-                        </a:rPr>
-                        <a:t>8</a:t>
-                      </a:r>
-                      <a:r>
-                        <a:rPr lang="pt-BR" sz="2800" dirty="0" smtClean="0"/>
-                        <a:t>, </a:t>
-                      </a:r>
-                      <a:r>
-                        <a:rPr lang="pt-BR" sz="2800" b="1" kern="1200" dirty="0" smtClean="0">
-                          <a:solidFill>
-                            <a:schemeClr val="lt1"/>
-                          </a:solidFill>
-                          <a:latin typeface="+mn-lt"/>
-                          <a:ea typeface="+mn-ea"/>
-                          <a:cs typeface="+mn-cs"/>
-                        </a:rPr>
-                        <a:t>10</a:t>
-                      </a:r>
-                      <a:r>
-                        <a:rPr lang="pt-BR" sz="2800" dirty="0" smtClean="0"/>
-                        <a:t>, </a:t>
-                      </a:r>
-                      <a:r>
-                        <a:rPr lang="pt-BR" sz="2800" b="1" kern="1200" dirty="0" smtClean="0">
-                          <a:solidFill>
-                            <a:schemeClr val="lt1"/>
-                          </a:solidFill>
-                          <a:latin typeface="+mn-lt"/>
-                          <a:ea typeface="+mn-ea"/>
-                          <a:cs typeface="+mn-cs"/>
-                        </a:rPr>
-                        <a:t>7</a:t>
-                      </a:r>
-                      <a:r>
-                        <a:rPr lang="pt-BR" sz="2800" dirty="0" smtClean="0"/>
-                        <a:t> ] }, </a:t>
-                      </a:r>
-                    </a:p>
-                    <a:p>
-                      <a:r>
-                        <a:rPr lang="pt-BR" sz="2800" dirty="0" smtClean="0"/>
-                        <a:t>     { </a:t>
-                      </a:r>
-                      <a:r>
-                        <a:rPr lang="pt-BR" sz="2800" b="1" kern="1200" dirty="0" smtClean="0">
-                          <a:solidFill>
-                            <a:schemeClr val="lt1"/>
-                          </a:solidFill>
-                          <a:latin typeface="+mn-lt"/>
-                          <a:ea typeface="+mn-ea"/>
-                          <a:cs typeface="+mn-cs"/>
-                        </a:rPr>
-                        <a:t>"nome":</a:t>
-                      </a:r>
-                      <a:r>
-                        <a:rPr lang="pt-BR" sz="2800" dirty="0" smtClean="0"/>
-                        <a:t> </a:t>
-                      </a:r>
-                      <a:r>
-                        <a:rPr lang="pt-BR" sz="2800" b="1" kern="1200" dirty="0" smtClean="0">
-                          <a:solidFill>
-                            <a:schemeClr val="lt1"/>
-                          </a:solidFill>
-                          <a:latin typeface="+mn-lt"/>
-                          <a:ea typeface="+mn-ea"/>
-                          <a:cs typeface="+mn-cs"/>
-                        </a:rPr>
-                        <a:t>"Pedro"</a:t>
-                      </a:r>
-                      <a:r>
-                        <a:rPr lang="pt-BR" sz="2800" dirty="0" smtClean="0"/>
-                        <a:t>, </a:t>
-                      </a:r>
-                      <a:r>
-                        <a:rPr lang="pt-BR" sz="2800" b="1" kern="1200" dirty="0" smtClean="0">
-                          <a:solidFill>
-                            <a:schemeClr val="lt1"/>
-                          </a:solidFill>
-                          <a:latin typeface="+mn-lt"/>
-                          <a:ea typeface="+mn-ea"/>
-                          <a:cs typeface="+mn-cs"/>
-                        </a:rPr>
-                        <a:t>"notas":</a:t>
-                      </a:r>
-                      <a:r>
-                        <a:rPr lang="pt-BR" sz="2800" dirty="0" smtClean="0"/>
-                        <a:t> [ </a:t>
-                      </a:r>
-                      <a:r>
-                        <a:rPr lang="pt-BR" sz="2800" b="1" kern="1200" dirty="0" smtClean="0">
-                          <a:solidFill>
-                            <a:schemeClr val="lt1"/>
-                          </a:solidFill>
-                          <a:latin typeface="+mn-lt"/>
-                          <a:ea typeface="+mn-ea"/>
-                          <a:cs typeface="+mn-cs"/>
-                        </a:rPr>
-                        <a:t>10</a:t>
-                      </a:r>
-                      <a:r>
-                        <a:rPr lang="pt-BR" sz="2800" dirty="0" smtClean="0"/>
-                        <a:t>, </a:t>
-                      </a:r>
-                      <a:r>
-                        <a:rPr lang="pt-BR" sz="2800" b="1" kern="1200" dirty="0" smtClean="0">
-                          <a:solidFill>
-                            <a:schemeClr val="lt1"/>
-                          </a:solidFill>
-                          <a:latin typeface="+mn-lt"/>
-                          <a:ea typeface="+mn-ea"/>
-                          <a:cs typeface="+mn-cs"/>
-                        </a:rPr>
-                        <a:t>10</a:t>
-                      </a:r>
-                      <a:r>
-                        <a:rPr lang="pt-BR" sz="2800" dirty="0" smtClean="0"/>
-                        <a:t>, </a:t>
-                      </a:r>
-                      <a:r>
-                        <a:rPr lang="pt-BR" sz="2800" b="1" kern="1200" dirty="0" smtClean="0">
-                          <a:solidFill>
-                            <a:schemeClr val="lt1"/>
-                          </a:solidFill>
-                          <a:latin typeface="+mn-lt"/>
-                          <a:ea typeface="+mn-ea"/>
-                          <a:cs typeface="+mn-cs"/>
-                        </a:rPr>
-                        <a:t>9</a:t>
-                      </a:r>
-                      <a:r>
-                        <a:rPr lang="pt-BR" sz="2800" dirty="0" smtClean="0"/>
-                        <a:t> ] } </a:t>
-                      </a:r>
-                    </a:p>
-                    <a:p>
-                      <a:r>
-                        <a:rPr lang="pt-BR" sz="2800" dirty="0" smtClean="0"/>
-                        <a:t>    ] </a:t>
-                      </a:r>
-                    </a:p>
-                    <a:p>
-                      <a:r>
-                        <a:rPr lang="pt-BR" sz="2800" dirty="0" smtClean="0"/>
-                        <a:t>}</a:t>
-                      </a:r>
-                      <a:endParaRPr lang="pt-BR" sz="2800" dirty="0"/>
-                    </a:p>
-                  </a:txBody>
-                  <a:tcPr>
-                    <a:lnL w="12700" cap="flat" cmpd="sng" algn="ctr">
-                      <a:solidFill>
-                        <a:schemeClr val="tx1"/>
-                      </a:solidFill>
-                      <a:prstDash val="solid"/>
-                      <a:round/>
-                      <a:headEnd type="none" w="med" len="med"/>
-                      <a:tailEnd type="none" w="med" len="med"/>
-                    </a:lnL>
-                    <a:lnR w="12700" cap="flat" cmpd="sng" algn="ctr">
-                      <a:solidFill>
-                        <a:schemeClr val="tx1"/>
-                      </a:solidFill>
-                      <a:prstDash val="solid"/>
-                      <a:round/>
-                      <a:headEnd type="none" w="med" len="med"/>
-                      <a:tailEnd type="none" w="med" len="med"/>
-                    </a:lnR>
-                    <a:lnT w="12700" cap="flat" cmpd="sng" algn="ctr">
-                      <a:solidFill>
-                        <a:schemeClr val="tx1"/>
-                      </a:solidFill>
-                      <a:prstDash val="solid"/>
-                      <a:round/>
-                      <a:headEnd type="none" w="med" len="med"/>
-                      <a:tailEnd type="none" w="med" len="med"/>
-                    </a:lnT>
-                    <a:lnB w="12700" cap="flat" cmpd="sng" algn="ctr">
-                      <a:solidFill>
-                        <a:schemeClr val="tx1"/>
-                      </a:solidFill>
-                      <a:prstDash val="solid"/>
-                      <a:round/>
-                      <a:headEnd type="none" w="med" len="med"/>
-                      <a:tailEnd type="none" w="med" len="med"/>
-                    </a:lnB>
-                  </a:tcPr>
-                </a:tc>
-              </a:tr>
-            </a:tbl>
-          </a:graphicData>
-        </a:graphic>
-      </p:graphicFrame>
     </p:spTree>
     <p:extLst>
       <p:ext uri="{BB962C8B-B14F-4D97-AF65-F5344CB8AC3E}">
-        <p14:creationId xmlns:p14="http://schemas.microsoft.com/office/powerpoint/2010/main" val="2930317749"/>
+        <p14:creationId xmlns:p14="http://schemas.microsoft.com/office/powerpoint/2010/main" val="2225173242"/>
       </p:ext>
     </p:extLst>
   </p:cSld>
@@ -11209,10 +11010,10 @@
       </p:grpSpPr>
       <p:sp>
         <p:nvSpPr>
-          <p:cNvPr id="3" name="Título 1">
+          <p:cNvPr id="7" name="Título 1">
             <a:extLst>
               <a:ext uri="{FF2B5EF4-FFF2-40B4-BE49-F238E27FC236}">
-                <a16:creationId xmlns="" xmlns:a16="http://schemas.microsoft.com/office/drawing/2014/main" id="{489F5D36-DFC3-5141-9F8E-6FACABCF76D1}"/>
+                <a16:creationId xmlns:a16="http://schemas.microsoft.com/office/drawing/2014/main" id="{489F5D36-DFC3-5141-9F8E-6FACABCF76D1}"/>
               </a:ext>
             </a:extLst>
           </p:cNvPr>
@@ -11280,7 +11081,7 @@
       </p:sp>
       <p:sp>
         <p:nvSpPr>
-          <p:cNvPr id="4" name="Marcador de Posição de Conteúdo 2"/>
+          <p:cNvPr id="3" name="Marcador de Posição de Conteúdo 2"/>
           <p:cNvSpPr>
             <a:spLocks noGrp="1"/>
           </p:cNvSpPr>
@@ -11290,7 +11091,7 @@
         </p:nvSpPr>
         <p:spPr>
           <a:xfrm>
-            <a:off x="457200" y="1600200"/>
+            <a:off x="457200" y="1474805"/>
             <a:ext cx="8229600" cy="4525963"/>
           </a:xfrm>
         </p:spPr>
@@ -11300,32 +11101,43 @@
           <a:p>
             <a:r>
               <a:rPr lang="pt-BR" dirty="0" smtClean="0"/>
-              <a:t>PHP</a:t>
+              <a:t>Java Script Object Notation</a:t>
             </a:r>
           </a:p>
           <a:p>
             <a:pPr lvl="1"/>
+            <a:r>
+              <a:rPr lang="pt-BR" dirty="0" smtClean="0"/>
+              <a:t>Permite representar de maneira simples e leve as informações</a:t>
+            </a:r>
+          </a:p>
+          <a:p>
+            <a:pPr lvl="1"/>
+            <a:r>
+              <a:rPr lang="pt-BR" dirty="0" smtClean="0"/>
+              <a:t>É um objeto Javascript que pode facilmente ser acessado e manipulado</a:t>
+            </a:r>
             <a:endParaRPr lang="pt-BR" dirty="0"/>
           </a:p>
         </p:txBody>
       </p:sp>
       <p:graphicFrame>
         <p:nvGraphicFramePr>
-          <p:cNvPr id="5" name="Tabela 4"/>
+          <p:cNvPr id="4" name="Tabela 3"/>
           <p:cNvGraphicFramePr>
             <a:graphicFrameLocks noGrp="1"/>
           </p:cNvGraphicFramePr>
           <p:nvPr>
             <p:extLst>
               <p:ext uri="{D42A27DB-BD31-4B8C-83A1-F6EECF244321}">
-                <p14:modId xmlns:p14="http://schemas.microsoft.com/office/powerpoint/2010/main" val="4212421528"/>
+                <p14:modId xmlns:p14="http://schemas.microsoft.com/office/powerpoint/2010/main" val="908314842"/>
               </p:ext>
             </p:extLst>
           </p:nvPr>
         </p:nvGraphicFramePr>
         <p:xfrm>
-          <a:off x="408435" y="2169333"/>
-          <a:ext cx="8278365" cy="3983047"/>
+          <a:off x="571472" y="3599671"/>
+          <a:ext cx="7858180" cy="2651760"/>
         </p:xfrm>
         <a:graphic>
           <a:graphicData uri="http://schemas.openxmlformats.org/drawingml/2006/table">
@@ -11334,76 +11146,26 @@
                 <a:tableStyleId>{5C22544A-7EE6-4342-B048-85BDC9FD1C3A}</a:tableStyleId>
               </a:tblPr>
               <a:tblGrid>
-                <a:gridCol w="8278365"/>
+                <a:gridCol w="7858180">
+                  <a:extLst>
+                    <a:ext uri="{9D8B030D-6E8A-4147-A177-3AD203B41FA5}">
+                      <a16:colId xmlns:a16="http://schemas.microsoft.com/office/drawing/2014/main" val="20000"/>
+                    </a:ext>
+                  </a:extLst>
+                </a:gridCol>
               </a:tblGrid>
-              <a:tr h="3983047">
+              <a:tr h="2500330">
                 <a:tc>
                   <a:txBody>
                     <a:bodyPr/>
                     <a:lstStyle/>
                     <a:p>
                       <a:r>
-                        <a:rPr lang="pt-BR" sz="2000" dirty="0" smtClean="0"/>
-                        <a:t>&lt;?php</a:t>
-                      </a:r>
-                    </a:p>
-                    <a:p>
-                      <a:r>
-                        <a:rPr lang="pt-BR" sz="2000" dirty="0" smtClean="0"/>
-                        <a:t>    $aAlunos = Array(</a:t>
-                      </a:r>
-                    </a:p>
-                    <a:p>
-                      <a:r>
-                        <a:rPr lang="pt-BR" sz="2000" dirty="0" smtClean="0"/>
-                        <a:t>		   Array('nome'=&gt;'Marcos','notas'=&gt;Array(8,9,7)),</a:t>
-                      </a:r>
-                    </a:p>
-                    <a:p>
-                      <a:r>
-                        <a:rPr lang="pt-BR" sz="2000" dirty="0" smtClean="0"/>
-                        <a:t>		   Array('nome'=&gt;'Maria','notas'=&gt;Array(8,10,7))</a:t>
-                      </a:r>
-                    </a:p>
-                    <a:p>
-                      <a:r>
-                        <a:rPr lang="pt-BR" sz="2000" dirty="0" smtClean="0"/>
-                        <a:t>		);</a:t>
-                      </a:r>
-                    </a:p>
-                    <a:p>
-                      <a:r>
-                        <a:rPr lang="pt-BR" sz="2000" dirty="0" smtClean="0"/>
-                        <a:t>    $sJSON = </a:t>
-                      </a:r>
-                      <a:r>
-                        <a:rPr lang="pt-BR" sz="2000" u="sng" dirty="0" smtClean="0"/>
-                        <a:t>JSON_ENCODE</a:t>
-                      </a:r>
-                      <a:r>
-                        <a:rPr lang="pt-BR" sz="2000" dirty="0" smtClean="0"/>
-                        <a:t>($aAlunos);</a:t>
-                      </a:r>
-                    </a:p>
-                    <a:p>
-                      <a:r>
-                        <a:rPr lang="pt-BR" sz="2000" dirty="0" smtClean="0"/>
-                        <a:t>    echo $sJSON; </a:t>
-                      </a:r>
-                    </a:p>
-                    <a:p>
-                      <a:r>
-                        <a:rPr lang="pt-BR" sz="2000" dirty="0" smtClean="0"/>
-                        <a:t>?&gt;</a:t>
-                      </a:r>
-                    </a:p>
-                    <a:p>
-                      <a:r>
-                        <a:rPr lang="pt-BR" sz="2000" b="1" dirty="0" smtClean="0"/>
-                        <a:t>//</a:t>
-                      </a:r>
-                      <a:r>
-                        <a:rPr lang="pt-BR" sz="2000" b="1" i="0" kern="1200" dirty="0" smtClean="0">
+                        <a:rPr lang="pt-BR" sz="2800" dirty="0" smtClean="0"/>
+                        <a:t>{ </a:t>
+                      </a:r>
+                      <a:r>
+                        <a:rPr lang="pt-BR" sz="2800" b="1" kern="1200" dirty="0" smtClean="0">
                           <a:solidFill>
                             <a:schemeClr val="lt1"/>
                           </a:solidFill>
@@ -11411,16 +11173,374 @@
                           <a:ea typeface="+mn-ea"/>
                           <a:cs typeface="+mn-cs"/>
                         </a:rPr>
-                        <a:t>[{"nome":"Marcos","notas":[8,9,7]},{"nome":"Maria","notas":[8,10,7]}]</a:t>
-                      </a:r>
-                      <a:endParaRPr lang="pt-BR" sz="2000" b="1" dirty="0" smtClean="0"/>
+                        <a:t>"Alunos"</a:t>
+                      </a:r>
+                      <a:r>
+                        <a:rPr lang="pt-BR" sz="2800" dirty="0" smtClean="0"/>
+                        <a:t> </a:t>
+                      </a:r>
+                      <a:r>
+                        <a:rPr lang="pt-BR" sz="2800" b="1" kern="1200" dirty="0" smtClean="0">
+                          <a:solidFill>
+                            <a:schemeClr val="lt1"/>
+                          </a:solidFill>
+                          <a:latin typeface="+mn-lt"/>
+                          <a:ea typeface="+mn-ea"/>
+                          <a:cs typeface="+mn-cs"/>
+                        </a:rPr>
+                        <a:t>:</a:t>
+                      </a:r>
+                      <a:r>
+                        <a:rPr lang="pt-BR" sz="2800" dirty="0" smtClean="0"/>
+                        <a:t> [</a:t>
+                      </a:r>
                     </a:p>
                     <a:p>
-                      <a:endParaRPr lang="pt-BR" dirty="0"/>
+                      <a:r>
+                        <a:rPr lang="pt-BR" sz="2800" dirty="0" smtClean="0"/>
+                        <a:t>     { </a:t>
+                      </a:r>
+                      <a:r>
+                        <a:rPr lang="pt-BR" sz="2800" b="1" kern="1200" dirty="0" smtClean="0">
+                          <a:solidFill>
+                            <a:schemeClr val="lt1"/>
+                          </a:solidFill>
+                          <a:latin typeface="+mn-lt"/>
+                          <a:ea typeface="+mn-ea"/>
+                          <a:cs typeface="+mn-cs"/>
+                        </a:rPr>
+                        <a:t>"nome":</a:t>
+                      </a:r>
+                      <a:r>
+                        <a:rPr lang="pt-BR" sz="2800" dirty="0" smtClean="0"/>
+                        <a:t> </a:t>
+                      </a:r>
+                      <a:r>
+                        <a:rPr lang="pt-BR" sz="2800" b="1" kern="1200" dirty="0" smtClean="0">
+                          <a:solidFill>
+                            <a:schemeClr val="lt1"/>
+                          </a:solidFill>
+                          <a:latin typeface="+mn-lt"/>
+                          <a:ea typeface="+mn-ea"/>
+                          <a:cs typeface="+mn-cs"/>
+                        </a:rPr>
+                        <a:t>"João"</a:t>
+                      </a:r>
+                      <a:r>
+                        <a:rPr lang="pt-BR" sz="2800" dirty="0" smtClean="0"/>
+                        <a:t>, </a:t>
+                      </a:r>
+                      <a:r>
+                        <a:rPr lang="pt-BR" sz="2800" b="1" kern="1200" dirty="0" smtClean="0">
+                          <a:solidFill>
+                            <a:schemeClr val="lt1"/>
+                          </a:solidFill>
+                          <a:latin typeface="+mn-lt"/>
+                          <a:ea typeface="+mn-ea"/>
+                          <a:cs typeface="+mn-cs"/>
+                        </a:rPr>
+                        <a:t>"notas":</a:t>
+                      </a:r>
+                      <a:r>
+                        <a:rPr lang="pt-BR" sz="2800" dirty="0" smtClean="0"/>
+                        <a:t> [ </a:t>
+                      </a:r>
+                      <a:r>
+                        <a:rPr lang="pt-BR" sz="2800" b="1" kern="1200" dirty="0" smtClean="0">
+                          <a:solidFill>
+                            <a:schemeClr val="lt1"/>
+                          </a:solidFill>
+                          <a:latin typeface="+mn-lt"/>
+                          <a:ea typeface="+mn-ea"/>
+                          <a:cs typeface="+mn-cs"/>
+                        </a:rPr>
+                        <a:t>8</a:t>
+                      </a:r>
+                      <a:r>
+                        <a:rPr lang="pt-BR" sz="2800" dirty="0" smtClean="0"/>
+                        <a:t>, </a:t>
+                      </a:r>
+                      <a:r>
+                        <a:rPr lang="pt-BR" sz="2800" b="1" kern="1200" dirty="0" smtClean="0">
+                          <a:solidFill>
+                            <a:schemeClr val="lt1"/>
+                          </a:solidFill>
+                          <a:latin typeface="+mn-lt"/>
+                          <a:ea typeface="+mn-ea"/>
+                          <a:cs typeface="+mn-cs"/>
+                        </a:rPr>
+                        <a:t>9</a:t>
+                      </a:r>
+                      <a:r>
+                        <a:rPr lang="pt-BR" sz="2800" dirty="0" smtClean="0"/>
+                        <a:t>, </a:t>
+                      </a:r>
+                      <a:r>
+                        <a:rPr lang="pt-BR" sz="2800" b="1" kern="1200" dirty="0" smtClean="0">
+                          <a:solidFill>
+                            <a:schemeClr val="lt1"/>
+                          </a:solidFill>
+                          <a:latin typeface="+mn-lt"/>
+                          <a:ea typeface="+mn-ea"/>
+                          <a:cs typeface="+mn-cs"/>
+                        </a:rPr>
+                        <a:t>7</a:t>
+                      </a:r>
+                      <a:r>
+                        <a:rPr lang="pt-BR" sz="2800" dirty="0" smtClean="0"/>
+                        <a:t> ] }, </a:t>
+                      </a:r>
+                    </a:p>
+                    <a:p>
+                      <a:r>
+                        <a:rPr lang="pt-BR" sz="2800" dirty="0" smtClean="0"/>
+                        <a:t>     { </a:t>
+                      </a:r>
+                      <a:r>
+                        <a:rPr lang="pt-BR" sz="2800" b="1" kern="1200" dirty="0" smtClean="0">
+                          <a:solidFill>
+                            <a:schemeClr val="lt1"/>
+                          </a:solidFill>
+                          <a:latin typeface="+mn-lt"/>
+                          <a:ea typeface="+mn-ea"/>
+                          <a:cs typeface="+mn-cs"/>
+                        </a:rPr>
+                        <a:t>"nome":</a:t>
+                      </a:r>
+                      <a:r>
+                        <a:rPr lang="pt-BR" sz="2800" dirty="0" smtClean="0"/>
+                        <a:t> </a:t>
+                      </a:r>
+                      <a:r>
+                        <a:rPr lang="pt-BR" sz="2800" b="1" kern="1200" dirty="0" smtClean="0">
+                          <a:solidFill>
+                            <a:schemeClr val="lt1"/>
+                          </a:solidFill>
+                          <a:latin typeface="+mn-lt"/>
+                          <a:ea typeface="+mn-ea"/>
+                          <a:cs typeface="+mn-cs"/>
+                        </a:rPr>
+                        <a:t>"Maria"</a:t>
+                      </a:r>
+                      <a:r>
+                        <a:rPr lang="pt-BR" sz="2800" dirty="0" smtClean="0"/>
+                        <a:t>, </a:t>
+                      </a:r>
+                      <a:r>
+                        <a:rPr lang="pt-BR" sz="2800" b="1" kern="1200" dirty="0" smtClean="0">
+                          <a:solidFill>
+                            <a:schemeClr val="lt1"/>
+                          </a:solidFill>
+                          <a:latin typeface="+mn-lt"/>
+                          <a:ea typeface="+mn-ea"/>
+                          <a:cs typeface="+mn-cs"/>
+                        </a:rPr>
+                        <a:t>"notas":</a:t>
+                      </a:r>
+                      <a:r>
+                        <a:rPr lang="pt-BR" sz="2800" dirty="0" smtClean="0"/>
+                        <a:t> [ </a:t>
+                      </a:r>
+                      <a:r>
+                        <a:rPr lang="pt-BR" sz="2800" b="1" kern="1200" dirty="0" smtClean="0">
+                          <a:solidFill>
+                            <a:schemeClr val="lt1"/>
+                          </a:solidFill>
+                          <a:latin typeface="+mn-lt"/>
+                          <a:ea typeface="+mn-ea"/>
+                          <a:cs typeface="+mn-cs"/>
+                        </a:rPr>
+                        <a:t>8</a:t>
+                      </a:r>
+                      <a:r>
+                        <a:rPr lang="pt-BR" sz="2800" dirty="0" smtClean="0"/>
+                        <a:t>, </a:t>
+                      </a:r>
+                      <a:r>
+                        <a:rPr lang="pt-BR" sz="2800" b="1" kern="1200" dirty="0" smtClean="0">
+                          <a:solidFill>
+                            <a:schemeClr val="lt1"/>
+                          </a:solidFill>
+                          <a:latin typeface="+mn-lt"/>
+                          <a:ea typeface="+mn-ea"/>
+                          <a:cs typeface="+mn-cs"/>
+                        </a:rPr>
+                        <a:t>10</a:t>
+                      </a:r>
+                      <a:r>
+                        <a:rPr lang="pt-BR" sz="2800" dirty="0" smtClean="0"/>
+                        <a:t>, </a:t>
+                      </a:r>
+                      <a:r>
+                        <a:rPr lang="pt-BR" sz="2800" b="1" kern="1200" dirty="0" smtClean="0">
+                          <a:solidFill>
+                            <a:schemeClr val="lt1"/>
+                          </a:solidFill>
+                          <a:latin typeface="+mn-lt"/>
+                          <a:ea typeface="+mn-ea"/>
+                          <a:cs typeface="+mn-cs"/>
+                        </a:rPr>
+                        <a:t>7</a:t>
+                      </a:r>
+                      <a:r>
+                        <a:rPr lang="pt-BR" sz="2800" dirty="0" smtClean="0"/>
+                        <a:t> ] }, </a:t>
+                      </a:r>
+                    </a:p>
+                    <a:p>
+                      <a:r>
+                        <a:rPr lang="pt-BR" sz="2800" dirty="0" smtClean="0"/>
+                        <a:t>     { </a:t>
+                      </a:r>
+                      <a:r>
+                        <a:rPr lang="pt-BR" sz="2800" b="1" kern="1200" dirty="0" smtClean="0">
+                          <a:solidFill>
+                            <a:schemeClr val="lt1"/>
+                          </a:solidFill>
+                          <a:latin typeface="+mn-lt"/>
+                          <a:ea typeface="+mn-ea"/>
+                          <a:cs typeface="+mn-cs"/>
+                        </a:rPr>
+                        <a:t>"nome":</a:t>
+                      </a:r>
+                      <a:r>
+                        <a:rPr lang="pt-BR" sz="2800" dirty="0" smtClean="0"/>
+                        <a:t> </a:t>
+                      </a:r>
+                      <a:r>
+                        <a:rPr lang="pt-BR" sz="2800" b="1" kern="1200" dirty="0" smtClean="0">
+                          <a:solidFill>
+                            <a:schemeClr val="lt1"/>
+                          </a:solidFill>
+                          <a:latin typeface="+mn-lt"/>
+                          <a:ea typeface="+mn-ea"/>
+                          <a:cs typeface="+mn-cs"/>
+                        </a:rPr>
+                        <a:t>"Pedro"</a:t>
+                      </a:r>
+                      <a:r>
+                        <a:rPr lang="pt-BR" sz="2800" dirty="0" smtClean="0"/>
+                        <a:t>, </a:t>
+                      </a:r>
+                      <a:r>
+                        <a:rPr lang="pt-BR" sz="2800" b="1" kern="1200" dirty="0" smtClean="0">
+                          <a:solidFill>
+                            <a:schemeClr val="lt1"/>
+                          </a:solidFill>
+                          <a:latin typeface="+mn-lt"/>
+                          <a:ea typeface="+mn-ea"/>
+                          <a:cs typeface="+mn-cs"/>
+                        </a:rPr>
+                        <a:t>"notas":</a:t>
+                      </a:r>
+                      <a:r>
+                        <a:rPr lang="pt-BR" sz="2800" dirty="0" smtClean="0"/>
+                        <a:t> [ </a:t>
+                      </a:r>
+                      <a:r>
+                        <a:rPr lang="pt-BR" sz="2800" b="1" kern="1200" dirty="0" smtClean="0">
+                          <a:solidFill>
+                            <a:schemeClr val="lt1"/>
+                          </a:solidFill>
+                          <a:latin typeface="+mn-lt"/>
+                          <a:ea typeface="+mn-ea"/>
+                          <a:cs typeface="+mn-cs"/>
+                        </a:rPr>
+                        <a:t>10</a:t>
+                      </a:r>
+                      <a:r>
+                        <a:rPr lang="pt-BR" sz="2800" dirty="0" smtClean="0"/>
+                        <a:t>, </a:t>
+                      </a:r>
+                      <a:r>
+                        <a:rPr lang="pt-BR" sz="2800" b="1" kern="1200" dirty="0" smtClean="0">
+                          <a:solidFill>
+                            <a:schemeClr val="lt1"/>
+                          </a:solidFill>
+                          <a:latin typeface="+mn-lt"/>
+                          <a:ea typeface="+mn-ea"/>
+                          <a:cs typeface="+mn-cs"/>
+                        </a:rPr>
+                        <a:t>10</a:t>
+                      </a:r>
+                      <a:r>
+                        <a:rPr lang="pt-BR" sz="2800" dirty="0" smtClean="0"/>
+                        <a:t>, </a:t>
+                      </a:r>
+                      <a:r>
+                        <a:rPr lang="pt-BR" sz="2800" b="1" kern="1200" dirty="0" smtClean="0">
+                          <a:solidFill>
+                            <a:schemeClr val="lt1"/>
+                          </a:solidFill>
+                          <a:latin typeface="+mn-lt"/>
+                          <a:ea typeface="+mn-ea"/>
+                          <a:cs typeface="+mn-cs"/>
+                        </a:rPr>
+                        <a:t>9</a:t>
+                      </a:r>
+                      <a:r>
+                        <a:rPr lang="pt-BR" sz="2800" dirty="0" smtClean="0"/>
+                        <a:t> ] } </a:t>
+                      </a:r>
+                    </a:p>
+                    <a:p>
+                      <a:r>
+                        <a:rPr lang="pt-BR" sz="2800" dirty="0" smtClean="0"/>
+                        <a:t>    ] </a:t>
+                      </a:r>
+                    </a:p>
+                    <a:p>
+                      <a:r>
+                        <a:rPr lang="pt-BR" sz="2800" dirty="0" smtClean="0"/>
+                        <a:t>}</a:t>
+                      </a:r>
+                      <a:endParaRPr lang="pt-BR" sz="2800" dirty="0"/>
                     </a:p>
                   </a:txBody>
-                  <a:tcPr/>
+                  <a:tcPr>
+                    <a:lnL w="12700" cap="flat" cmpd="sng" algn="ctr">
+                      <a:solidFill>
+                        <a:schemeClr val="tx1"/>
+                      </a:solidFill>
+                      <a:prstDash val="solid"/>
+                      <a:round/>
+                      <a:headEnd type="none" w="med" len="med"/>
+                      <a:tailEnd type="none" w="med" len="med"/>
+                    </a:lnL>
+                    <a:lnR w="12700" cap="flat" cmpd="sng" algn="ctr">
+                      <a:solidFill>
+                        <a:schemeClr val="tx1"/>
+                      </a:solidFill>
+                      <a:prstDash val="solid"/>
+                      <a:round/>
+                      <a:headEnd type="none" w="med" len="med"/>
+                      <a:tailEnd type="none" w="med" len="med"/>
+                    </a:lnR>
+                    <a:lnT w="12700" cap="flat" cmpd="sng" algn="ctr">
+                      <a:solidFill>
+                        <a:schemeClr val="tx1"/>
+                      </a:solidFill>
+                      <a:prstDash val="solid"/>
+                      <a:round/>
+                      <a:headEnd type="none" w="med" len="med"/>
+                      <a:tailEnd type="none" w="med" len="med"/>
+                    </a:lnT>
+                    <a:lnB w="12700" cap="flat" cmpd="sng" algn="ctr">
+                      <a:solidFill>
+                        <a:schemeClr val="tx1"/>
+                      </a:solidFill>
+                      <a:prstDash val="solid"/>
+                      <a:round/>
+                      <a:headEnd type="none" w="med" len="med"/>
+                      <a:tailEnd type="none" w="med" len="med"/>
+                    </a:lnB>
+                  </a:tcPr>
                 </a:tc>
+                <a:extLst>
+                  <a:ext uri="{0D108BD9-81ED-4DB2-BD59-A6C34878D82A}">
+                    <a16:rowId xmlns:a16="http://schemas.microsoft.com/office/drawing/2014/main" val="10000"/>
+                  </a:ext>
+                </a:extLst>
               </a:tr>
             </a:tbl>
           </a:graphicData>
@@ -11429,7 +11549,7 @@
     </p:spTree>
     <p:extLst>
       <p:ext uri="{BB962C8B-B14F-4D97-AF65-F5344CB8AC3E}">
-        <p14:creationId xmlns:p14="http://schemas.microsoft.com/office/powerpoint/2010/main" val="586985454"/>
+        <p14:creationId xmlns:p14="http://schemas.microsoft.com/office/powerpoint/2010/main" val="2930317749"/>
       </p:ext>
     </p:extLst>
   </p:cSld>
@@ -11482,7 +11602,7 @@
           <p:cNvPr id="3" name="Título 1">
             <a:extLst>
               <a:ext uri="{FF2B5EF4-FFF2-40B4-BE49-F238E27FC236}">
-                <a16:creationId xmlns="" xmlns:a16="http://schemas.microsoft.com/office/drawing/2014/main" id="{489F5D36-DFC3-5141-9F8E-6FACABCF76D1}"/>
+                <a16:creationId xmlns:a16="http://schemas.microsoft.com/office/drawing/2014/main" id="{489F5D36-DFC3-5141-9F8E-6FACABCF76D1}"/>
               </a:ext>
             </a:extLst>
           </p:cNvPr>
@@ -11588,14 +11708,14 @@
           <p:nvPr>
             <p:extLst>
               <p:ext uri="{D42A27DB-BD31-4B8C-83A1-F6EECF244321}">
-                <p14:modId xmlns:p14="http://schemas.microsoft.com/office/powerpoint/2010/main" val="1923298457"/>
+                <p14:modId xmlns:p14="http://schemas.microsoft.com/office/powerpoint/2010/main" val="4212421528"/>
               </p:ext>
             </p:extLst>
           </p:nvPr>
         </p:nvGraphicFramePr>
         <p:xfrm>
-          <a:off x="327016" y="2214554"/>
-          <a:ext cx="8472518" cy="3911609"/>
+          <a:off x="408435" y="2169333"/>
+          <a:ext cx="8278365" cy="3983047"/>
         </p:xfrm>
         <a:graphic>
           <a:graphicData uri="http://schemas.openxmlformats.org/drawingml/2006/table">
@@ -11604,73 +11724,104 @@
                 <a:tableStyleId>{5C22544A-7EE6-4342-B048-85BDC9FD1C3A}</a:tableStyleId>
               </a:tblPr>
               <a:tblGrid>
-                <a:gridCol w="8472518"/>
+                <a:gridCol w="8278365">
+                  <a:extLst>
+                    <a:ext uri="{9D8B030D-6E8A-4147-A177-3AD203B41FA5}">
+                      <a16:colId xmlns:a16="http://schemas.microsoft.com/office/drawing/2014/main" val="20000"/>
+                    </a:ext>
+                  </a:extLst>
+                </a:gridCol>
               </a:tblGrid>
-              <a:tr h="3911609">
+              <a:tr h="3983047">
                 <a:tc>
                   <a:txBody>
                     <a:bodyPr/>
                     <a:lstStyle/>
                     <a:p>
                       <a:r>
-                        <a:rPr lang="pt-BR" sz="2400" dirty="0" smtClean="0"/>
-                        <a:t>&lt;?php </a:t>
+                        <a:rPr lang="pt-BR" sz="2000" dirty="0" smtClean="0"/>
+                        <a:t>&lt;?php</a:t>
                       </a:r>
                     </a:p>
                     <a:p>
                       <a:r>
-                        <a:rPr lang="pt-BR" sz="2400" dirty="0" smtClean="0"/>
-                        <a:t> $sJSON   = '[{"nome":"Marcos","notas":[8,9,7]},{"nome":"Maria","notas":[8,10,7]}] ';</a:t>
+                        <a:rPr lang="pt-BR" sz="2000" dirty="0" smtClean="0"/>
+                        <a:t>    $aAlunos = Array(</a:t>
                       </a:r>
                     </a:p>
                     <a:p>
                       <a:r>
-                        <a:rPr lang="pt-BR" sz="2400" dirty="0" smtClean="0"/>
-                        <a:t> $aAlunos = </a:t>
-                      </a:r>
-                      <a:r>
-                        <a:rPr lang="pt-BR" sz="2400" u="sng" dirty="0" smtClean="0"/>
-                        <a:t>JSON_DECODE</a:t>
-                      </a:r>
-                      <a:r>
-                        <a:rPr lang="pt-BR" sz="2400" dirty="0" smtClean="0"/>
-                        <a:t>($sJSON,true); </a:t>
+                        <a:rPr lang="pt-BR" sz="2000" dirty="0" smtClean="0"/>
+                        <a:t>		   Array('nome'=&gt;'Marcos','notas'=&gt;Array(8,9,7)),</a:t>
                       </a:r>
                     </a:p>
                     <a:p>
                       <a:r>
-                        <a:rPr lang="pt-BR" sz="2400" dirty="0" smtClean="0"/>
-                        <a:t> foreach($aAlunos as $valor){</a:t>
+                        <a:rPr lang="pt-BR" sz="2000" dirty="0" smtClean="0"/>
+                        <a:t>		   Array('nome'=&gt;'Maria','notas'=&gt;Array(8,10,7))</a:t>
                       </a:r>
                     </a:p>
                     <a:p>
                       <a:r>
-                        <a:rPr lang="pt-BR" sz="2400" dirty="0" smtClean="0"/>
-                        <a:t>	 echo $valor['nome'].':';</a:t>
+                        <a:rPr lang="pt-BR" sz="2000" dirty="0" smtClean="0"/>
+                        <a:t>		);</a:t>
                       </a:r>
                     </a:p>
                     <a:p>
                       <a:r>
-                        <a:rPr lang="pt-BR" sz="2400" dirty="0" smtClean="0"/>
-                        <a:t>	 echo implode($valor['notas'],',').'&lt;br&gt;';</a:t>
+                        <a:rPr lang="pt-BR" sz="2000" dirty="0" smtClean="0"/>
+                        <a:t>    $sJSON = </a:t>
+                      </a:r>
+                      <a:r>
+                        <a:rPr lang="pt-BR" sz="2000" u="sng" dirty="0" smtClean="0"/>
+                        <a:t>JSON_ENCODE</a:t>
+                      </a:r>
+                      <a:r>
+                        <a:rPr lang="pt-BR" sz="2000" dirty="0" smtClean="0"/>
+                        <a:t>($aAlunos);</a:t>
                       </a:r>
                     </a:p>
                     <a:p>
                       <a:r>
-                        <a:rPr lang="pt-BR" sz="2400" dirty="0" smtClean="0"/>
-                        <a:t> } </a:t>
+                        <a:rPr lang="pt-BR" sz="2000" dirty="0" smtClean="0"/>
+                        <a:t>    echo $sJSON; </a:t>
                       </a:r>
                     </a:p>
                     <a:p>
                       <a:r>
-                        <a:rPr lang="pt-BR" sz="2400" dirty="0" smtClean="0"/>
+                        <a:rPr lang="pt-BR" sz="2000" dirty="0" smtClean="0"/>
                         <a:t>?&gt;</a:t>
                       </a:r>
-                      <a:endParaRPr lang="pt-BR" sz="2400" dirty="0"/>
+                    </a:p>
+                    <a:p>
+                      <a:r>
+                        <a:rPr lang="pt-BR" sz="2000" b="1" dirty="0" smtClean="0"/>
+                        <a:t>//</a:t>
+                      </a:r>
+                      <a:r>
+                        <a:rPr lang="pt-BR" sz="2000" b="1" i="0" kern="1200" dirty="0" smtClean="0">
+                          <a:solidFill>
+                            <a:schemeClr val="lt1"/>
+                          </a:solidFill>
+                          <a:latin typeface="+mn-lt"/>
+                          <a:ea typeface="+mn-ea"/>
+                          <a:cs typeface="+mn-cs"/>
+                        </a:rPr>
+                        <a:t>[{"nome":"Marcos","notas":[8,9,7]},{"nome":"Maria","notas":[8,10,7]}]</a:t>
+                      </a:r>
+                      <a:endParaRPr lang="pt-BR" sz="2000" b="1" dirty="0" smtClean="0"/>
+                    </a:p>
+                    <a:p>
+                      <a:endParaRPr lang="pt-BR" dirty="0"/>
                     </a:p>
                   </a:txBody>
                   <a:tcPr/>
                 </a:tc>
+                <a:extLst>
+                  <a:ext uri="{0D108BD9-81ED-4DB2-BD59-A6C34878D82A}">
+                    <a16:rowId xmlns:a16="http://schemas.microsoft.com/office/drawing/2014/main" val="10000"/>
+                  </a:ext>
+                </a:extLst>
               </a:tr>
             </a:tbl>
           </a:graphicData>
@@ -11679,7 +11830,7 @@
     </p:spTree>
     <p:extLst>
       <p:ext uri="{BB962C8B-B14F-4D97-AF65-F5344CB8AC3E}">
-        <p14:creationId xmlns:p14="http://schemas.microsoft.com/office/powerpoint/2010/main" val="961147220"/>
+        <p14:creationId xmlns:p14="http://schemas.microsoft.com/office/powerpoint/2010/main" val="586985454"/>
       </p:ext>
     </p:extLst>
   </p:cSld>
@@ -11732,7 +11883,7 @@
           <p:cNvPr id="3" name="Título 1">
             <a:extLst>
               <a:ext uri="{FF2B5EF4-FFF2-40B4-BE49-F238E27FC236}">
-                <a16:creationId xmlns="" xmlns:a16="http://schemas.microsoft.com/office/drawing/2014/main" id="{489F5D36-DFC3-5141-9F8E-6FACABCF76D1}"/>
+                <a16:creationId xmlns:a16="http://schemas.microsoft.com/office/drawing/2014/main" id="{489F5D36-DFC3-5141-9F8E-6FACABCF76D1}"/>
               </a:ext>
             </a:extLst>
           </p:cNvPr>
@@ -11810,7 +11961,7 @@
         </p:nvSpPr>
         <p:spPr>
           <a:xfrm>
-            <a:off x="457200" y="1214422"/>
+            <a:off x="457200" y="1600200"/>
             <a:ext cx="8229600" cy="4525963"/>
           </a:xfrm>
         </p:spPr>
@@ -11820,7 +11971,7 @@
           <a:p>
             <a:r>
               <a:rPr lang="pt-BR" dirty="0" smtClean="0"/>
-              <a:t>JavaScript</a:t>
+              <a:t>PHP</a:t>
             </a:r>
           </a:p>
           <a:p>
@@ -11838,14 +11989,14 @@
           <p:nvPr>
             <p:extLst>
               <p:ext uri="{D42A27DB-BD31-4B8C-83A1-F6EECF244321}">
-                <p14:modId xmlns:p14="http://schemas.microsoft.com/office/powerpoint/2010/main" val="2576352763"/>
+                <p14:modId xmlns:p14="http://schemas.microsoft.com/office/powerpoint/2010/main" val="1923298457"/>
               </p:ext>
             </p:extLst>
           </p:nvPr>
         </p:nvGraphicFramePr>
         <p:xfrm>
-          <a:off x="457200" y="2003752"/>
-          <a:ext cx="8153104" cy="4033587"/>
+          <a:off x="327016" y="2214554"/>
+          <a:ext cx="8472518" cy="3911609"/>
         </p:xfrm>
         <a:graphic>
           <a:graphicData uri="http://schemas.openxmlformats.org/drawingml/2006/table">
@@ -11854,126 +12005,84 @@
                 <a:tableStyleId>{5C22544A-7EE6-4342-B048-85BDC9FD1C3A}</a:tableStyleId>
               </a:tblPr>
               <a:tblGrid>
-                <a:gridCol w="8153104"/>
+                <a:gridCol w="8472518">
+                  <a:extLst>
+                    <a:ext uri="{9D8B030D-6E8A-4147-A177-3AD203B41FA5}">
+                      <a16:colId xmlns:a16="http://schemas.microsoft.com/office/drawing/2014/main" val="20000"/>
+                    </a:ext>
+                  </a:extLst>
+                </a:gridCol>
               </a:tblGrid>
-              <a:tr h="4033587">
+              <a:tr h="3911609">
                 <a:tc>
                   <a:txBody>
                     <a:bodyPr/>
                     <a:lstStyle/>
                     <a:p>
                       <a:r>
-                        <a:rPr lang="pt-BR" sz="2000" dirty="0" smtClean="0"/>
-                        <a:t>var aAlunos = [];		   </a:t>
+                        <a:rPr lang="pt-BR" sz="2400" dirty="0" smtClean="0"/>
+                        <a:t>&lt;?php </a:t>
                       </a:r>
                     </a:p>
                     <a:p>
                       <a:r>
-                        <a:rPr lang="pt-BR" sz="2000" dirty="0" smtClean="0"/>
-                        <a:t>var oAluno1 = Object();</a:t>
+                        <a:rPr lang="pt-BR" sz="2400" dirty="0" smtClean="0"/>
+                        <a:t> $sJSON   = '[{"nome":"Marcos","notas":[8,9,7]},{"nome":"Maria","notas":[8,10,7]}] ';</a:t>
                       </a:r>
                     </a:p>
                     <a:p>
                       <a:r>
-                        <a:rPr lang="pt-BR" sz="2000" dirty="0" smtClean="0"/>
-                        <a:t>      oAluno1.nome  = 'Marcos';</a:t>
+                        <a:rPr lang="pt-BR" sz="2400" dirty="0" smtClean="0"/>
+                        <a:t> $aAlunos = </a:t>
+                      </a:r>
+                      <a:r>
+                        <a:rPr lang="pt-BR" sz="2400" u="sng" dirty="0" smtClean="0"/>
+                        <a:t>JSON_DECODE</a:t>
+                      </a:r>
+                      <a:r>
+                        <a:rPr lang="pt-BR" sz="2400" dirty="0" smtClean="0"/>
+                        <a:t>($sJSON,true); </a:t>
                       </a:r>
                     </a:p>
                     <a:p>
                       <a:r>
-                        <a:rPr lang="pt-BR" sz="2000" dirty="0" smtClean="0"/>
-                        <a:t>      oAluno1.notas = [8,9,7];			   </a:t>
+                        <a:rPr lang="pt-BR" sz="2400" dirty="0" smtClean="0"/>
+                        <a:t> foreach($aAlunos as $valor){</a:t>
                       </a:r>
                     </a:p>
                     <a:p>
                       <a:r>
-                        <a:rPr lang="pt-BR" sz="2000" dirty="0" smtClean="0"/>
-                        <a:t>      aAlunos.push(oAluno1);			   </a:t>
+                        <a:rPr lang="pt-BR" sz="2400" dirty="0" smtClean="0"/>
+                        <a:t>	 echo $valor['nome'].':';</a:t>
                       </a:r>
                     </a:p>
                     <a:p>
                       <a:r>
-                        <a:rPr lang="pt-BR" sz="2000" dirty="0" smtClean="0"/>
-                        <a:t>var oAluno2 = Object();</a:t>
+                        <a:rPr lang="pt-BR" sz="2400" dirty="0" smtClean="0"/>
+                        <a:t>	 echo implode($valor['notas'],',').'&lt;br&gt;';</a:t>
                       </a:r>
                     </a:p>
                     <a:p>
                       <a:r>
-                        <a:rPr lang="pt-BR" sz="2000" dirty="0" smtClean="0"/>
-                        <a:t>       oAluno2.nome  = 'Maria';</a:t>
+                        <a:rPr lang="pt-BR" sz="2400" dirty="0" smtClean="0"/>
+                        <a:t> } </a:t>
                       </a:r>
                     </a:p>
                     <a:p>
                       <a:r>
-                        <a:rPr lang="pt-BR" sz="2000" dirty="0" smtClean="0"/>
-                        <a:t>      oAluno2.notas = [8,10,7];			   </a:t>
-                      </a:r>
-                    </a:p>
-                    <a:p>
-                      <a:r>
-                        <a:rPr lang="pt-BR" sz="2000" dirty="0" smtClean="0"/>
-                        <a:t>      aAlunos.push(oAluno2);			   </a:t>
-                      </a:r>
-                    </a:p>
-                    <a:p>
-                      <a:r>
-                        <a:rPr lang="pt-BR" sz="2000" dirty="0" smtClean="0"/>
-                        <a:t>var oJSON = JSON.stringify(aAlunos);</a:t>
-                      </a:r>
-                    </a:p>
-                    <a:p>
-                      <a:r>
-                        <a:rPr lang="pt-BR" sz="2000" dirty="0" smtClean="0"/>
-                        <a:t>console.log(oJSON);</a:t>
-                      </a:r>
-                    </a:p>
-                    <a:p>
-                      <a:r>
-                        <a:rPr lang="pt-BR" sz="2000" dirty="0" smtClean="0"/>
-                        <a:t>//[{"nome":"Marcos","notas":[8,9,7]},{"nome":"Maria","notas":[8,10,7]}]</a:t>
-                      </a:r>
-                      <a:endParaRPr lang="pt-BR" sz="2000" dirty="0"/>
+                        <a:rPr lang="pt-BR" sz="2400" dirty="0" smtClean="0"/>
+                        <a:t>?&gt;</a:t>
+                      </a:r>
+                      <a:endParaRPr lang="pt-BR" sz="2400" dirty="0"/>
                     </a:p>
                   </a:txBody>
-                  <a:tcPr>
-                    <a:lnL w="12700" cap="flat" cmpd="sng" algn="ctr">
-                      <a:solidFill>
-                        <a:schemeClr val="tx1"/>
-                      </a:solidFill>
-                      <a:prstDash val="solid"/>
-                      <a:round/>
-                      <a:headEnd type="none" w="med" len="med"/>
-                      <a:tailEnd type="none" w="med" len="med"/>
-                    </a:lnL>
-                    <a:lnR w="12700" cap="flat" cmpd="sng" algn="ctr">
-                      <a:solidFill>
-                        <a:schemeClr val="tx1"/>
-                      </a:solidFill>
-                      <a:prstDash val="solid"/>
-                      <a:round/>
-                      <a:headEnd type="none" w="med" len="med"/>
-                      <a:tailEnd type="none" w="med" len="med"/>
-                    </a:lnR>
-                    <a:lnT w="12700" cap="flat" cmpd="sng" algn="ctr">
-                      <a:solidFill>
-                        <a:schemeClr val="tx1"/>
-                      </a:solidFill>
-                      <a:prstDash val="solid"/>
-                      <a:round/>
-                      <a:headEnd type="none" w="med" len="med"/>
-                      <a:tailEnd type="none" w="med" len="med"/>
-                    </a:lnT>
-                    <a:lnB w="12700" cap="flat" cmpd="sng" algn="ctr">
-                      <a:solidFill>
-                        <a:schemeClr val="tx1"/>
-                      </a:solidFill>
-                      <a:prstDash val="solid"/>
-                      <a:round/>
-                      <a:headEnd type="none" w="med" len="med"/>
-                      <a:tailEnd type="none" w="med" len="med"/>
-                    </a:lnB>
-                  </a:tcPr>
+                  <a:tcPr/>
                 </a:tc>
+                <a:extLst>
+                  <a:ext uri="{0D108BD9-81ED-4DB2-BD59-A6C34878D82A}">
+                    <a16:rowId xmlns:a16="http://schemas.microsoft.com/office/drawing/2014/main" val="10000"/>
+                  </a:ext>
+                </a:extLst>
               </a:tr>
             </a:tbl>
           </a:graphicData>
@@ -11982,7 +12091,7 @@
     </p:spTree>
     <p:extLst>
       <p:ext uri="{BB962C8B-B14F-4D97-AF65-F5344CB8AC3E}">
-        <p14:creationId xmlns:p14="http://schemas.microsoft.com/office/powerpoint/2010/main" val="1463897890"/>
+        <p14:creationId xmlns:p14="http://schemas.microsoft.com/office/powerpoint/2010/main" val="961147220"/>
       </p:ext>
     </p:extLst>
   </p:cSld>
@@ -12035,7 +12144,7 @@
           <p:cNvPr id="3" name="Título 1">
             <a:extLst>
               <a:ext uri="{FF2B5EF4-FFF2-40B4-BE49-F238E27FC236}">
-                <a16:creationId xmlns="" xmlns:a16="http://schemas.microsoft.com/office/drawing/2014/main" id="{489F5D36-DFC3-5141-9F8E-6FACABCF76D1}"/>
+                <a16:creationId xmlns:a16="http://schemas.microsoft.com/office/drawing/2014/main" id="{489F5D36-DFC3-5141-9F8E-6FACABCF76D1}"/>
               </a:ext>
             </a:extLst>
           </p:cNvPr>
@@ -12113,7 +12222,7 @@
         </p:nvSpPr>
         <p:spPr>
           <a:xfrm>
-            <a:off x="457200" y="1600200"/>
+            <a:off x="457200" y="1214422"/>
             <a:ext cx="8229600" cy="4525963"/>
           </a:xfrm>
         </p:spPr>
@@ -12141,14 +12250,14 @@
           <p:nvPr>
             <p:extLst>
               <p:ext uri="{D42A27DB-BD31-4B8C-83A1-F6EECF244321}">
-                <p14:modId xmlns:p14="http://schemas.microsoft.com/office/powerpoint/2010/main" val="2937019190"/>
+                <p14:modId xmlns:p14="http://schemas.microsoft.com/office/powerpoint/2010/main" val="2576352763"/>
               </p:ext>
             </p:extLst>
           </p:nvPr>
         </p:nvGraphicFramePr>
         <p:xfrm>
-          <a:off x="457200" y="2249579"/>
-          <a:ext cx="8228260" cy="3911609"/>
+          <a:off x="457200" y="2003752"/>
+          <a:ext cx="8153104" cy="4033587"/>
         </p:xfrm>
         <a:graphic>
           <a:graphicData uri="http://schemas.openxmlformats.org/drawingml/2006/table">
@@ -12157,73 +12266,137 @@
                 <a:tableStyleId>{5C22544A-7EE6-4342-B048-85BDC9FD1C3A}</a:tableStyleId>
               </a:tblPr>
               <a:tblGrid>
-                <a:gridCol w="8228260"/>
+                <a:gridCol w="8153104">
+                  <a:extLst>
+                    <a:ext uri="{9D8B030D-6E8A-4147-A177-3AD203B41FA5}">
+                      <a16:colId xmlns:a16="http://schemas.microsoft.com/office/drawing/2014/main" val="20000"/>
+                    </a:ext>
+                  </a:extLst>
+                </a:gridCol>
               </a:tblGrid>
-              <a:tr h="3911609">
+              <a:tr h="4033587">
                 <a:tc>
                   <a:txBody>
                     <a:bodyPr/>
                     <a:lstStyle/>
                     <a:p>
                       <a:r>
-                        <a:rPr lang="pt-BR" sz="2400" dirty="0" smtClean="0"/>
-                        <a:t>var sJSON   = '[{"nome":"Marcos","notas":[8,9,7]},{"nome":"Maria","notas</a:t>
-                      </a:r>
-                      <a:r>
-                        <a:rPr lang="pt-BR" sz="2400" dirty="0" smtClean="0"/>
-                        <a:t>":</a:t>
+                        <a:rPr lang="pt-BR" sz="2000" dirty="0" smtClean="0"/>
+                        <a:t>var aAlunos = [];		   </a:t>
                       </a:r>
                     </a:p>
                     <a:p>
                       <a:r>
-                        <a:rPr lang="pt-BR" sz="2400" dirty="0" smtClean="0"/>
-                        <a:t>[</a:t>
-                      </a:r>
-                      <a:r>
-                        <a:rPr lang="pt-BR" sz="2400" dirty="0" smtClean="0"/>
-                        <a:t>8,10,7]}]';</a:t>
+                        <a:rPr lang="pt-BR" sz="2000" dirty="0" smtClean="0"/>
+                        <a:t>var oAluno1 = Object();</a:t>
                       </a:r>
                     </a:p>
                     <a:p>
-                      <a:endParaRPr lang="pt-BR" sz="2400" dirty="0" smtClean="0"/>
+                      <a:r>
+                        <a:rPr lang="pt-BR" sz="2000" dirty="0" smtClean="0"/>
+                        <a:t>      oAluno1.nome  = 'Marcos';</a:t>
+                      </a:r>
                     </a:p>
                     <a:p>
                       <a:r>
-                        <a:rPr lang="pt-BR" sz="2400" dirty="0" smtClean="0"/>
-                        <a:t>var aAlunos = JSON.parse(sJSON);</a:t>
+                        <a:rPr lang="pt-BR" sz="2000" dirty="0" smtClean="0"/>
+                        <a:t>      oAluno1.notas = [8,9,7];			   </a:t>
                       </a:r>
                     </a:p>
                     <a:p>
-                      <a:endParaRPr lang="pt-BR" sz="2400" dirty="0" smtClean="0"/>
+                      <a:r>
+                        <a:rPr lang="pt-BR" sz="2000" dirty="0" smtClean="0"/>
+                        <a:t>      aAlunos.push(oAluno1);			   </a:t>
+                      </a:r>
                     </a:p>
                     <a:p>
                       <a:r>
-                        <a:rPr lang="pt-BR" sz="2400" dirty="0" smtClean="0"/>
-                        <a:t>for(var i = 0; i &lt; aAlunos.length; i++){</a:t>
+                        <a:rPr lang="pt-BR" sz="2000" dirty="0" smtClean="0"/>
+                        <a:t>var oAluno2 = Object();</a:t>
                       </a:r>
                     </a:p>
                     <a:p>
                       <a:r>
-                        <a:rPr lang="pt-BR" sz="2400" dirty="0" smtClean="0"/>
-                        <a:t>   document.write(aAlunos[i].nome + ' ');			   </a:t>
+                        <a:rPr lang="pt-BR" sz="2000" dirty="0" smtClean="0"/>
+                        <a:t>       oAluno2.nome  = 'Maria';</a:t>
                       </a:r>
                     </a:p>
                     <a:p>
                       <a:r>
-                        <a:rPr lang="pt-BR" sz="2400" dirty="0" smtClean="0"/>
-                        <a:t>   document.write(aAlunos[i].notas.toString() + '&lt;br&gt;');</a:t>
+                        <a:rPr lang="pt-BR" sz="2000" dirty="0" smtClean="0"/>
+                        <a:t>      oAluno2.notas = [8,10,7];			   </a:t>
                       </a:r>
                     </a:p>
                     <a:p>
                       <a:r>
-                        <a:rPr lang="pt-BR" sz="2400" dirty="0" smtClean="0"/>
-                        <a:t>}</a:t>
-                      </a:r>
-                      <a:endParaRPr lang="pt-BR" sz="2400" dirty="0"/>
+                        <a:rPr lang="pt-BR" sz="2000" dirty="0" smtClean="0"/>
+                        <a:t>      aAlunos.push(oAluno2);			   </a:t>
+                      </a:r>
+                    </a:p>
+                    <a:p>
+                      <a:r>
+                        <a:rPr lang="pt-BR" sz="2000" dirty="0" smtClean="0"/>
+                        <a:t>var oJSON = JSON.stringify(aAlunos);</a:t>
+                      </a:r>
+                    </a:p>
+                    <a:p>
+                      <a:r>
+                        <a:rPr lang="pt-BR" sz="2000" dirty="0" smtClean="0"/>
+                        <a:t>console.log(oJSON);</a:t>
+                      </a:r>
+                    </a:p>
+                    <a:p>
+                      <a:r>
+                        <a:rPr lang="pt-BR" sz="2000" dirty="0" smtClean="0"/>
+                        <a:t>//[{"nome":"Marcos","notas":[8,9,7]},{"nome":"Maria","notas":[8,10,7]}]</a:t>
+                      </a:r>
+                      <a:endParaRPr lang="pt-BR" sz="2000" dirty="0"/>
                     </a:p>
                   </a:txBody>
-                  <a:tcPr/>
+                  <a:tcPr>
+                    <a:lnL w="12700" cap="flat" cmpd="sng" algn="ctr">
+                      <a:solidFill>
+                        <a:schemeClr val="tx1"/>
+                      </a:solidFill>
+                      <a:prstDash val="solid"/>
+                      <a:round/>
+                      <a:headEnd type="none" w="med" len="med"/>
+                      <a:tailEnd type="none" w="med" len="med"/>
+                    </a:lnL>
+                    <a:lnR w="12700" cap="flat" cmpd="sng" algn="ctr">
+                      <a:solidFill>
+                        <a:schemeClr val="tx1"/>
+                      </a:solidFill>
+                      <a:prstDash val="solid"/>
+                      <a:round/>
+                      <a:headEnd type="none" w="med" len="med"/>
+                      <a:tailEnd type="none" w="med" len="med"/>
+                    </a:lnR>
+                    <a:lnT w="12700" cap="flat" cmpd="sng" algn="ctr">
+                      <a:solidFill>
+                        <a:schemeClr val="tx1"/>
+                      </a:solidFill>
+                      <a:prstDash val="solid"/>
+                      <a:round/>
+                      <a:headEnd type="none" w="med" len="med"/>
+                      <a:tailEnd type="none" w="med" len="med"/>
+                    </a:lnT>
+                    <a:lnB w="12700" cap="flat" cmpd="sng" algn="ctr">
+                      <a:solidFill>
+                        <a:schemeClr val="tx1"/>
+                      </a:solidFill>
+                      <a:prstDash val="solid"/>
+                      <a:round/>
+                      <a:headEnd type="none" w="med" len="med"/>
+                      <a:tailEnd type="none" w="med" len="med"/>
+                    </a:lnB>
+                  </a:tcPr>
                 </a:tc>
+                <a:extLst>
+                  <a:ext uri="{0D108BD9-81ED-4DB2-BD59-A6C34878D82A}">
+                    <a16:rowId xmlns:a16="http://schemas.microsoft.com/office/drawing/2014/main" val="10000"/>
+                  </a:ext>
+                </a:extLst>
               </a:tr>
             </a:tbl>
           </a:graphicData>
@@ -12232,7 +12405,7 @@
     </p:spTree>
     <p:extLst>
       <p:ext uri="{BB962C8B-B14F-4D97-AF65-F5344CB8AC3E}">
-        <p14:creationId xmlns:p14="http://schemas.microsoft.com/office/powerpoint/2010/main" val="991636638"/>
+        <p14:creationId xmlns:p14="http://schemas.microsoft.com/office/powerpoint/2010/main" val="1463897890"/>
       </p:ext>
     </p:extLst>
   </p:cSld>
@@ -12282,10 +12455,10 @@
       </p:grpSpPr>
       <p:sp>
         <p:nvSpPr>
-          <p:cNvPr id="7" name="Título 1">
+          <p:cNvPr id="3" name="Título 1">
             <a:extLst>
               <a:ext uri="{FF2B5EF4-FFF2-40B4-BE49-F238E27FC236}">
-                <a16:creationId xmlns="" xmlns:a16="http://schemas.microsoft.com/office/drawing/2014/main" id="{489F5D36-DFC3-5141-9F8E-6FACABCF76D1}"/>
+                <a16:creationId xmlns:a16="http://schemas.microsoft.com/office/drawing/2014/main" id="{489F5D36-DFC3-5141-9F8E-6FACABCF76D1}"/>
               </a:ext>
             </a:extLst>
           </p:cNvPr>
@@ -12328,7 +12501,7 @@
           </a:lstStyle>
           <a:p>
             <a:r>
-              <a:rPr lang="pt-BR" sz="3600" b="1" dirty="0" smtClean="0">
+              <a:rPr lang="pt-BR" b="1" dirty="0" smtClean="0">
                 <a:solidFill>
                   <a:schemeClr val="bg2">
                     <a:lumMod val="75000"/>
@@ -12337,9 +12510,9 @@
                 <a:latin typeface="+mn-lt"/>
                 <a:cs typeface="Calibri" panose="020F0502020204030204" pitchFamily="34" charset="0"/>
               </a:rPr>
-              <a:t>Gravando em Arquivos</a:t>
-            </a:r>
-            <a:endParaRPr lang="pt-BR" sz="3600" b="1" dirty="0">
+              <a:t>JSON</a:t>
+            </a:r>
+            <a:endParaRPr lang="pt-BR" b="1" dirty="0">
               <a:solidFill>
                 <a:schemeClr val="bg2">
                   <a:lumMod val="75000"/>
@@ -12353,7 +12526,7 @@
       </p:sp>
       <p:sp>
         <p:nvSpPr>
-          <p:cNvPr id="3" name="Marcador de Posição de Conteúdo 2"/>
+          <p:cNvPr id="4" name="Marcador de Posição de Conteúdo 2"/>
           <p:cNvSpPr>
             <a:spLocks noGrp="1"/>
           </p:cNvSpPr>
@@ -12373,30 +12546,119 @@
           <a:p>
             <a:r>
               <a:rPr lang="pt-BR" dirty="0" smtClean="0"/>
-              <a:t>PHP oferece algumas funções para gravação de dados em arquivos</a:t>
+              <a:t>JavaScript</a:t>
             </a:r>
           </a:p>
           <a:p>
             <a:pPr lvl="1"/>
-            <a:r>
-              <a:rPr lang="pt-BR" dirty="0" smtClean="0"/>
-              <a:t>File_put_contents;</a:t>
-            </a:r>
-          </a:p>
-          <a:p>
-            <a:pPr lvl="1"/>
-            <a:r>
-              <a:rPr lang="pt-BR" dirty="0" smtClean="0"/>
-              <a:t>File_get_contents;</a:t>
-            </a:r>
             <a:endParaRPr lang="pt-BR" dirty="0"/>
           </a:p>
         </p:txBody>
       </p:sp>
+      <p:graphicFrame>
+        <p:nvGraphicFramePr>
+          <p:cNvPr id="5" name="Tabela 4"/>
+          <p:cNvGraphicFramePr>
+            <a:graphicFrameLocks noGrp="1"/>
+          </p:cNvGraphicFramePr>
+          <p:nvPr>
+            <p:extLst>
+              <p:ext uri="{D42A27DB-BD31-4B8C-83A1-F6EECF244321}">
+                <p14:modId xmlns:p14="http://schemas.microsoft.com/office/powerpoint/2010/main" val="2937019190"/>
+              </p:ext>
+            </p:extLst>
+          </p:nvPr>
+        </p:nvGraphicFramePr>
+        <p:xfrm>
+          <a:off x="457200" y="2249579"/>
+          <a:ext cx="8228260" cy="3911609"/>
+        </p:xfrm>
+        <a:graphic>
+          <a:graphicData uri="http://schemas.openxmlformats.org/drawingml/2006/table">
+            <a:tbl>
+              <a:tblPr firstRow="1" bandRow="1">
+                <a:tableStyleId>{5C22544A-7EE6-4342-B048-85BDC9FD1C3A}</a:tableStyleId>
+              </a:tblPr>
+              <a:tblGrid>
+                <a:gridCol w="8228260">
+                  <a:extLst>
+                    <a:ext uri="{9D8B030D-6E8A-4147-A177-3AD203B41FA5}">
+                      <a16:colId xmlns:a16="http://schemas.microsoft.com/office/drawing/2014/main" val="20000"/>
+                    </a:ext>
+                  </a:extLst>
+                </a:gridCol>
+              </a:tblGrid>
+              <a:tr h="3911609">
+                <a:tc>
+                  <a:txBody>
+                    <a:bodyPr/>
+                    <a:lstStyle/>
+                    <a:p>
+                      <a:r>
+                        <a:rPr lang="pt-BR" sz="2400" dirty="0" smtClean="0"/>
+                        <a:t>var sJSON   = '[{"nome":"Marcos","notas":[8,9,7]},{"nome":"Maria","notas":</a:t>
+                      </a:r>
+                    </a:p>
+                    <a:p>
+                      <a:r>
+                        <a:rPr lang="pt-BR" sz="2400" dirty="0" smtClean="0"/>
+                        <a:t>[8,10,7]}]';</a:t>
+                      </a:r>
+                    </a:p>
+                    <a:p>
+                      <a:endParaRPr lang="pt-BR" sz="2400" dirty="0" smtClean="0"/>
+                    </a:p>
+                    <a:p>
+                      <a:r>
+                        <a:rPr lang="pt-BR" sz="2400" dirty="0" smtClean="0"/>
+                        <a:t>var aAlunos = JSON.parse(sJSON);</a:t>
+                      </a:r>
+                    </a:p>
+                    <a:p>
+                      <a:endParaRPr lang="pt-BR" sz="2400" dirty="0" smtClean="0"/>
+                    </a:p>
+                    <a:p>
+                      <a:r>
+                        <a:rPr lang="pt-BR" sz="2400" dirty="0" smtClean="0"/>
+                        <a:t>for(var i = 0; i &lt; aAlunos.length; i++){</a:t>
+                      </a:r>
+                    </a:p>
+                    <a:p>
+                      <a:r>
+                        <a:rPr lang="pt-BR" sz="2400" dirty="0" smtClean="0"/>
+                        <a:t>   document.write(aAlunos[i].nome + ' ');			   </a:t>
+                      </a:r>
+                    </a:p>
+                    <a:p>
+                      <a:r>
+                        <a:rPr lang="pt-BR" sz="2400" dirty="0" smtClean="0"/>
+                        <a:t>   document.write(aAlunos[i].notas.toString() + '&lt;br&gt;');</a:t>
+                      </a:r>
+                    </a:p>
+                    <a:p>
+                      <a:r>
+                        <a:rPr lang="pt-BR" sz="2400" dirty="0" smtClean="0"/>
+                        <a:t>}</a:t>
+                      </a:r>
+                      <a:endParaRPr lang="pt-BR" sz="2400" dirty="0"/>
+                    </a:p>
+                  </a:txBody>
+                  <a:tcPr/>
+                </a:tc>
+                <a:extLst>
+                  <a:ext uri="{0D108BD9-81ED-4DB2-BD59-A6C34878D82A}">
+                    <a16:rowId xmlns:a16="http://schemas.microsoft.com/office/drawing/2014/main" val="10000"/>
+                  </a:ext>
+                </a:extLst>
+              </a:tr>
+            </a:tbl>
+          </a:graphicData>
+        </a:graphic>
+      </p:graphicFrame>
     </p:spTree>
     <p:extLst>
       <p:ext uri="{BB962C8B-B14F-4D97-AF65-F5344CB8AC3E}">
-        <p14:creationId xmlns:p14="http://schemas.microsoft.com/office/powerpoint/2010/main" val="3476044938"/>
+        <p14:creationId xmlns:p14="http://schemas.microsoft.com/office/powerpoint/2010/main" val="991636638"/>
       </p:ext>
     </p:extLst>
   </p:cSld>
@@ -12446,10 +12708,10 @@
       </p:grpSpPr>
       <p:sp>
         <p:nvSpPr>
-          <p:cNvPr id="3" name="Título 1">
+          <p:cNvPr id="7" name="Título 1">
             <a:extLst>
               <a:ext uri="{FF2B5EF4-FFF2-40B4-BE49-F238E27FC236}">
-                <a16:creationId xmlns="" xmlns:a16="http://schemas.microsoft.com/office/drawing/2014/main" id="{489F5D36-DFC3-5141-9F8E-6FACABCF76D1}"/>
+                <a16:creationId xmlns:a16="http://schemas.microsoft.com/office/drawing/2014/main" id="{489F5D36-DFC3-5141-9F8E-6FACABCF76D1}"/>
               </a:ext>
             </a:extLst>
           </p:cNvPr>
@@ -12517,7 +12779,7 @@
       </p:sp>
       <p:sp>
         <p:nvSpPr>
-          <p:cNvPr id="4" name="Marcador de Posição de Conteúdo 2"/>
+          <p:cNvPr id="3" name="Marcador de Posição de Conteúdo 2"/>
           <p:cNvSpPr>
             <a:spLocks noGrp="1"/>
           </p:cNvSpPr>
@@ -12537,57 +12799,21 @@
           <a:p>
             <a:r>
               <a:rPr lang="pt-BR" dirty="0" smtClean="0"/>
-              <a:t>file_put_contents</a:t>
+              <a:t>PHP oferece algumas funções para gravação de dados em arquivos</a:t>
             </a:r>
           </a:p>
           <a:p>
             <a:pPr lvl="1"/>
             <a:r>
               <a:rPr lang="pt-BR" dirty="0" smtClean="0"/>
-              <a:t>Argumentos</a:t>
-            </a:r>
-          </a:p>
-          <a:p>
-            <a:pPr lvl="2"/>
+              <a:t>File_put_contents;</a:t>
+            </a:r>
+          </a:p>
+          <a:p>
+            <a:pPr lvl="1"/>
             <a:r>
               <a:rPr lang="pt-BR" dirty="0" smtClean="0"/>
-              <a:t>Nome do arquivo (diretório para criação + nome);</a:t>
-            </a:r>
-          </a:p>
-          <a:p>
-            <a:pPr lvl="2"/>
-            <a:r>
-              <a:rPr lang="pt-BR" dirty="0" smtClean="0"/>
-              <a:t>Texto</a:t>
-            </a:r>
-          </a:p>
-          <a:p>
-            <a:pPr lvl="2"/>
-            <a:r>
-              <a:rPr lang="pt-BR" dirty="0" smtClean="0"/>
-              <a:t>Opções</a:t>
-            </a:r>
-          </a:p>
-          <a:p>
-            <a:pPr lvl="3"/>
-            <a:r>
-              <a:rPr lang="pt-BR" b="1" dirty="0" smtClean="0"/>
-              <a:t>FILE_APPEND</a:t>
-            </a:r>
-          </a:p>
-          <a:p>
-            <a:pPr lvl="4"/>
-            <a:r>
-              <a:rPr lang="pt-BR" b="1" dirty="0" smtClean="0"/>
-              <a:t>Se o arquivo já existir joga o conteúdo no final</a:t>
-            </a:r>
-            <a:endParaRPr lang="pt-BR" dirty="0" smtClean="0"/>
-          </a:p>
-          <a:p>
-            <a:pPr lvl="2"/>
-            <a:r>
-              <a:rPr lang="pt-BR" dirty="0" smtClean="0"/>
-              <a:t>Recursos</a:t>
+              <a:t>File_get_contents;</a:t>
             </a:r>
             <a:endParaRPr lang="pt-BR" dirty="0"/>
           </a:p>
@@ -12596,7 +12822,7 @@
     </p:spTree>
     <p:extLst>
       <p:ext uri="{BB962C8B-B14F-4D97-AF65-F5344CB8AC3E}">
-        <p14:creationId xmlns:p14="http://schemas.microsoft.com/office/powerpoint/2010/main" val="2769498148"/>
+        <p14:creationId xmlns:p14="http://schemas.microsoft.com/office/powerpoint/2010/main" val="3476044938"/>
       </p:ext>
     </p:extLst>
   </p:cSld>
@@ -12649,7 +12875,7 @@
           <p:cNvPr id="3" name="Título 1">
             <a:extLst>
               <a:ext uri="{FF2B5EF4-FFF2-40B4-BE49-F238E27FC236}">
-                <a16:creationId xmlns="" xmlns:a16="http://schemas.microsoft.com/office/drawing/2014/main" id="{489F5D36-DFC3-5141-9F8E-6FACABCF76D1}"/>
+                <a16:creationId xmlns:a16="http://schemas.microsoft.com/office/drawing/2014/main" id="{489F5D36-DFC3-5141-9F8E-6FACABCF76D1}"/>
               </a:ext>
             </a:extLst>
           </p:cNvPr>
@@ -12715,139 +12941,88 @@
           </a:p>
         </p:txBody>
       </p:sp>
-      <p:graphicFrame>
-        <p:nvGraphicFramePr>
-          <p:cNvPr id="4" name="Marcador de Posição de Conteúdo 3"/>
-          <p:cNvGraphicFramePr>
-            <a:graphicFrameLocks noGrp="1"/>
-          </p:cNvGraphicFramePr>
+      <p:sp>
+        <p:nvSpPr>
+          <p:cNvPr id="4" name="Marcador de Posição de Conteúdo 2"/>
+          <p:cNvSpPr>
+            <a:spLocks noGrp="1"/>
+          </p:cNvSpPr>
           <p:nvPr>
             <p:ph idx="1"/>
-            <p:extLst>
-              <p:ext uri="{D42A27DB-BD31-4B8C-83A1-F6EECF244321}">
-                <p14:modId xmlns:p14="http://schemas.microsoft.com/office/powerpoint/2010/main" val="2482306112"/>
-              </p:ext>
-            </p:extLst>
-          </p:nvPr>
-        </p:nvGraphicFramePr>
-        <p:xfrm>
-          <a:off x="518625" y="2144091"/>
-          <a:ext cx="8136860" cy="3000396"/>
-        </p:xfrm>
-        <a:graphic>
-          <a:graphicData uri="http://schemas.openxmlformats.org/drawingml/2006/table">
-            <a:tbl>
-              <a:tblPr firstRow="1" bandRow="1">
-                <a:tableStyleId>{5C22544A-7EE6-4342-B048-85BDC9FD1C3A}</a:tableStyleId>
-              </a:tblPr>
-              <a:tblGrid>
-                <a:gridCol w="8136860"/>
-              </a:tblGrid>
-              <a:tr h="3000396">
-                <a:tc>
-                  <a:txBody>
-                    <a:bodyPr/>
-                    <a:lstStyle/>
-                    <a:p>
-                      <a:r>
-                        <a:rPr lang="pt-BR" sz="2000" dirty="0" smtClean="0"/>
-                        <a:t>&lt;?php </a:t>
-                      </a:r>
-                    </a:p>
-                    <a:p>
-                      <a:r>
-                        <a:rPr lang="pt-BR" sz="2000" dirty="0" smtClean="0"/>
-                        <a:t>define('ENTER', '</a:t>
-                      </a:r>
-                    </a:p>
-                    <a:p>
-                      <a:r>
-                        <a:rPr lang="pt-BR" sz="2000" dirty="0" smtClean="0"/>
-                        <a:t>');</a:t>
-                      </a:r>
-                    </a:p>
-                    <a:p>
-                      <a:endParaRPr lang="pt-BR" sz="2000" dirty="0" smtClean="0"/>
-                    </a:p>
-                    <a:p>
-                      <a:r>
-                        <a:rPr lang="pt-BR" sz="2000" dirty="0" smtClean="0"/>
-                        <a:t> $sJSON   = '[{"nome":"Marcos","notas":[8,9,7]},{"nome":"Maria","notas":[8,10,7]}] ';</a:t>
-                      </a:r>
-                    </a:p>
-                    <a:p>
-                      <a:endParaRPr lang="pt-BR" sz="2000" dirty="0" smtClean="0"/>
-                    </a:p>
-                    <a:p>
-                      <a:r>
-                        <a:rPr lang="pt-BR" sz="2000" dirty="0" smtClean="0"/>
-                        <a:t> </a:t>
-                      </a:r>
-                      <a:r>
-                        <a:rPr lang="pt-BR" sz="2000" u="sng" dirty="0" smtClean="0"/>
-                        <a:t>FILE_PUT_CONTENTS</a:t>
-                      </a:r>
-                      <a:r>
-                        <a:rPr lang="pt-BR" sz="2000" dirty="0" smtClean="0"/>
-                        <a:t>('arquivo.txt',$sJSON . ENTER,FILE_APPEND); </a:t>
-                      </a:r>
-                    </a:p>
-                    <a:p>
-                      <a:r>
-                        <a:rPr lang="pt-BR" sz="2000" dirty="0" smtClean="0"/>
-                        <a:t>?&gt;</a:t>
-                      </a:r>
-                      <a:endParaRPr lang="pt-BR" sz="2000" dirty="0"/>
-                    </a:p>
-                  </a:txBody>
-                  <a:tcPr>
-                    <a:lnL w="12700" cap="flat" cmpd="sng" algn="ctr">
-                      <a:solidFill>
-                        <a:schemeClr val="tx1"/>
-                      </a:solidFill>
-                      <a:prstDash val="solid"/>
-                      <a:round/>
-                      <a:headEnd type="none" w="med" len="med"/>
-                      <a:tailEnd type="none" w="med" len="med"/>
-                    </a:lnL>
-                    <a:lnR w="12700" cap="flat" cmpd="sng" algn="ctr">
-                      <a:solidFill>
-                        <a:schemeClr val="tx1"/>
-                      </a:solidFill>
-                      <a:prstDash val="solid"/>
-                      <a:round/>
-                      <a:headEnd type="none" w="med" len="med"/>
-                      <a:tailEnd type="none" w="med" len="med"/>
-                    </a:lnR>
-                    <a:lnT w="12700" cap="flat" cmpd="sng" algn="ctr">
-                      <a:solidFill>
-                        <a:schemeClr val="tx1"/>
-                      </a:solidFill>
-                      <a:prstDash val="solid"/>
-                      <a:round/>
-                      <a:headEnd type="none" w="med" len="med"/>
-                      <a:tailEnd type="none" w="med" len="med"/>
-                    </a:lnT>
-                    <a:lnB w="12700" cap="flat" cmpd="sng" algn="ctr">
-                      <a:solidFill>
-                        <a:schemeClr val="tx1"/>
-                      </a:solidFill>
-                      <a:prstDash val="solid"/>
-                      <a:round/>
-                      <a:headEnd type="none" w="med" len="med"/>
-                      <a:tailEnd type="none" w="med" len="med"/>
-                    </a:lnB>
-                  </a:tcPr>
-                </a:tc>
-              </a:tr>
-            </a:tbl>
-          </a:graphicData>
-        </a:graphic>
-      </p:graphicFrame>
+          </p:nvPr>
+        </p:nvSpPr>
+        <p:spPr>
+          <a:xfrm>
+            <a:off x="457200" y="1600200"/>
+            <a:ext cx="8229600" cy="4525963"/>
+          </a:xfrm>
+        </p:spPr>
+        <p:txBody>
+          <a:bodyPr/>
+          <a:lstStyle/>
+          <a:p>
+            <a:r>
+              <a:rPr lang="pt-BR" dirty="0" smtClean="0"/>
+              <a:t>file_put_contents</a:t>
+            </a:r>
+          </a:p>
+          <a:p>
+            <a:pPr lvl="1"/>
+            <a:r>
+              <a:rPr lang="pt-BR" dirty="0" smtClean="0"/>
+              <a:t>Argumentos</a:t>
+            </a:r>
+          </a:p>
+          <a:p>
+            <a:pPr lvl="2"/>
+            <a:r>
+              <a:rPr lang="pt-BR" dirty="0" smtClean="0"/>
+              <a:t>Nome do arquivo (diretório para criação + nome);</a:t>
+            </a:r>
+          </a:p>
+          <a:p>
+            <a:pPr lvl="2"/>
+            <a:r>
+              <a:rPr lang="pt-BR" dirty="0" smtClean="0"/>
+              <a:t>Texto</a:t>
+            </a:r>
+          </a:p>
+          <a:p>
+            <a:pPr lvl="2"/>
+            <a:r>
+              <a:rPr lang="pt-BR" dirty="0" smtClean="0"/>
+              <a:t>Opções</a:t>
+            </a:r>
+          </a:p>
+          <a:p>
+            <a:pPr lvl="3"/>
+            <a:r>
+              <a:rPr lang="pt-BR" b="1" dirty="0" smtClean="0"/>
+              <a:t>FILE_APPEND</a:t>
+            </a:r>
+          </a:p>
+          <a:p>
+            <a:pPr lvl="4"/>
+            <a:r>
+              <a:rPr lang="pt-BR" b="1" dirty="0" smtClean="0"/>
+              <a:t>Se o arquivo já existir joga o conteúdo no final</a:t>
+            </a:r>
+            <a:endParaRPr lang="pt-BR" dirty="0" smtClean="0"/>
+          </a:p>
+          <a:p>
+            <a:pPr lvl="2"/>
+            <a:r>
+              <a:rPr lang="pt-BR" dirty="0" smtClean="0"/>
+              <a:t>Recursos</a:t>
+            </a:r>
+            <a:endParaRPr lang="pt-BR" dirty="0"/>
+          </a:p>
+        </p:txBody>
+      </p:sp>
     </p:spTree>
     <p:extLst>
       <p:ext uri="{BB962C8B-B14F-4D97-AF65-F5344CB8AC3E}">
-        <p14:creationId xmlns:p14="http://schemas.microsoft.com/office/powerpoint/2010/main" val="732873841"/>
+        <p14:creationId xmlns:p14="http://schemas.microsoft.com/office/powerpoint/2010/main" val="2769498148"/>
       </p:ext>
     </p:extLst>
   </p:cSld>
@@ -12900,7 +13075,448 @@
           <p:cNvPr id="3" name="Título 1">
             <a:extLst>
               <a:ext uri="{FF2B5EF4-FFF2-40B4-BE49-F238E27FC236}">
-                <a16:creationId xmlns="" xmlns:a16="http://schemas.microsoft.com/office/drawing/2014/main" id="{489F5D36-DFC3-5141-9F8E-6FACABCF76D1}"/>
+                <a16:creationId xmlns:a16="http://schemas.microsoft.com/office/drawing/2014/main" id="{489F5D36-DFC3-5141-9F8E-6FACABCF76D1}"/>
+              </a:ext>
+            </a:extLst>
+          </p:cNvPr>
+          <p:cNvSpPr txBox="1">
+            <a:spLocks/>
+          </p:cNvSpPr>
+          <p:nvPr/>
+        </p:nvSpPr>
+        <p:spPr>
+          <a:xfrm>
+            <a:off x="796637" y="471050"/>
+            <a:ext cx="6089071" cy="692729"/>
+          </a:xfrm>
+          <a:prstGeom prst="rect">
+            <a:avLst/>
+          </a:prstGeom>
+        </p:spPr>
+        <p:txBody>
+          <a:bodyPr vert="horz" lIns="91440" tIns="45720" rIns="91440" bIns="45720" rtlCol="0" anchor="ctr">
+            <a:noAutofit/>
+          </a:bodyPr>
+          <a:lstStyle>
+            <a:lvl1pPr algn="l" defTabSz="914400" rtl="0" eaLnBrk="1" latinLnBrk="0" hangingPunct="1">
+              <a:lnSpc>
+                <a:spcPct val="90000"/>
+              </a:lnSpc>
+              <a:spcBef>
+                <a:spcPct val="0"/>
+              </a:spcBef>
+              <a:buNone/>
+              <a:defRPr sz="4400" kern="1200">
+                <a:solidFill>
+                  <a:schemeClr val="tx1"/>
+                </a:solidFill>
+                <a:latin typeface="+mj-lt"/>
+                <a:ea typeface="+mj-ea"/>
+                <a:cs typeface="+mj-cs"/>
+              </a:defRPr>
+            </a:lvl1pPr>
+          </a:lstStyle>
+          <a:p>
+            <a:r>
+              <a:rPr lang="pt-BR" sz="3600" b="1" dirty="0" smtClean="0">
+                <a:solidFill>
+                  <a:schemeClr val="bg2">
+                    <a:lumMod val="75000"/>
+                  </a:schemeClr>
+                </a:solidFill>
+                <a:latin typeface="+mn-lt"/>
+                <a:cs typeface="Calibri" panose="020F0502020204030204" pitchFamily="34" charset="0"/>
+              </a:rPr>
+              <a:t>Gravando em Arquivos</a:t>
+            </a:r>
+            <a:endParaRPr lang="pt-BR" sz="3600" b="1" dirty="0">
+              <a:solidFill>
+                <a:schemeClr val="bg2">
+                  <a:lumMod val="75000"/>
+                </a:schemeClr>
+              </a:solidFill>
+              <a:latin typeface="+mn-lt"/>
+              <a:cs typeface="Calibri" panose="020F0502020204030204" pitchFamily="34" charset="0"/>
+            </a:endParaRPr>
+          </a:p>
+        </p:txBody>
+      </p:sp>
+      <p:graphicFrame>
+        <p:nvGraphicFramePr>
+          <p:cNvPr id="4" name="Marcador de Posição de Conteúdo 3"/>
+          <p:cNvGraphicFramePr>
+            <a:graphicFrameLocks noGrp="1"/>
+          </p:cNvGraphicFramePr>
+          <p:nvPr>
+            <p:ph idx="1"/>
+            <p:extLst>
+              <p:ext uri="{D42A27DB-BD31-4B8C-83A1-F6EECF244321}">
+                <p14:modId xmlns:p14="http://schemas.microsoft.com/office/powerpoint/2010/main" val="2482306112"/>
+              </p:ext>
+            </p:extLst>
+          </p:nvPr>
+        </p:nvGraphicFramePr>
+        <p:xfrm>
+          <a:off x="518625" y="2144091"/>
+          <a:ext cx="8136860" cy="3000396"/>
+        </p:xfrm>
+        <a:graphic>
+          <a:graphicData uri="http://schemas.openxmlformats.org/drawingml/2006/table">
+            <a:tbl>
+              <a:tblPr firstRow="1" bandRow="1">
+                <a:tableStyleId>{5C22544A-7EE6-4342-B048-85BDC9FD1C3A}</a:tableStyleId>
+              </a:tblPr>
+              <a:tblGrid>
+                <a:gridCol w="8136860">
+                  <a:extLst>
+                    <a:ext uri="{9D8B030D-6E8A-4147-A177-3AD203B41FA5}">
+                      <a16:colId xmlns:a16="http://schemas.microsoft.com/office/drawing/2014/main" val="20000"/>
+                    </a:ext>
+                  </a:extLst>
+                </a:gridCol>
+              </a:tblGrid>
+              <a:tr h="3000396">
+                <a:tc>
+                  <a:txBody>
+                    <a:bodyPr/>
+                    <a:lstStyle/>
+                    <a:p>
+                      <a:r>
+                        <a:rPr lang="pt-BR" sz="2000" dirty="0" smtClean="0"/>
+                        <a:t>&lt;?php </a:t>
+                      </a:r>
+                    </a:p>
+                    <a:p>
+                      <a:r>
+                        <a:rPr lang="pt-BR" sz="2000" dirty="0" smtClean="0"/>
+                        <a:t>define('ENTER', '</a:t>
+                      </a:r>
+                    </a:p>
+                    <a:p>
+                      <a:r>
+                        <a:rPr lang="pt-BR" sz="2000" dirty="0" smtClean="0"/>
+                        <a:t>');</a:t>
+                      </a:r>
+                    </a:p>
+                    <a:p>
+                      <a:endParaRPr lang="pt-BR" sz="2000" dirty="0" smtClean="0"/>
+                    </a:p>
+                    <a:p>
+                      <a:r>
+                        <a:rPr lang="pt-BR" sz="2000" dirty="0" smtClean="0"/>
+                        <a:t> $sJSON   = '[{"nome":"Marcos","notas":[8,9,7]},{"nome":"Maria","notas":[8,10,7]}] ';</a:t>
+                      </a:r>
+                    </a:p>
+                    <a:p>
+                      <a:endParaRPr lang="pt-BR" sz="2000" dirty="0" smtClean="0"/>
+                    </a:p>
+                    <a:p>
+                      <a:r>
+                        <a:rPr lang="pt-BR" sz="2000" dirty="0" smtClean="0"/>
+                        <a:t> </a:t>
+                      </a:r>
+                      <a:r>
+                        <a:rPr lang="pt-BR" sz="2000" u="sng" dirty="0" smtClean="0"/>
+                        <a:t>FILE_PUT_CONTENTS</a:t>
+                      </a:r>
+                      <a:r>
+                        <a:rPr lang="pt-BR" sz="2000" dirty="0" smtClean="0"/>
+                        <a:t>('arquivo.txt',$sJSON . ENTER,FILE_APPEND); </a:t>
+                      </a:r>
+                    </a:p>
+                    <a:p>
+                      <a:r>
+                        <a:rPr lang="pt-BR" sz="2000" dirty="0" smtClean="0"/>
+                        <a:t>?&gt;</a:t>
+                      </a:r>
+                      <a:endParaRPr lang="pt-BR" sz="2000" dirty="0"/>
+                    </a:p>
+                  </a:txBody>
+                  <a:tcPr>
+                    <a:lnL w="12700" cap="flat" cmpd="sng" algn="ctr">
+                      <a:solidFill>
+                        <a:schemeClr val="tx1"/>
+                      </a:solidFill>
+                      <a:prstDash val="solid"/>
+                      <a:round/>
+                      <a:headEnd type="none" w="med" len="med"/>
+                      <a:tailEnd type="none" w="med" len="med"/>
+                    </a:lnL>
+                    <a:lnR w="12700" cap="flat" cmpd="sng" algn="ctr">
+                      <a:solidFill>
+                        <a:schemeClr val="tx1"/>
+                      </a:solidFill>
+                      <a:prstDash val="solid"/>
+                      <a:round/>
+                      <a:headEnd type="none" w="med" len="med"/>
+                      <a:tailEnd type="none" w="med" len="med"/>
+                    </a:lnR>
+                    <a:lnT w="12700" cap="flat" cmpd="sng" algn="ctr">
+                      <a:solidFill>
+                        <a:schemeClr val="tx1"/>
+                      </a:solidFill>
+                      <a:prstDash val="solid"/>
+                      <a:round/>
+                      <a:headEnd type="none" w="med" len="med"/>
+                      <a:tailEnd type="none" w="med" len="med"/>
+                    </a:lnT>
+                    <a:lnB w="12700" cap="flat" cmpd="sng" algn="ctr">
+                      <a:solidFill>
+                        <a:schemeClr val="tx1"/>
+                      </a:solidFill>
+                      <a:prstDash val="solid"/>
+                      <a:round/>
+                      <a:headEnd type="none" w="med" len="med"/>
+                      <a:tailEnd type="none" w="med" len="med"/>
+                    </a:lnB>
+                  </a:tcPr>
+                </a:tc>
+                <a:extLst>
+                  <a:ext uri="{0D108BD9-81ED-4DB2-BD59-A6C34878D82A}">
+                    <a16:rowId xmlns:a16="http://schemas.microsoft.com/office/drawing/2014/main" val="10000"/>
+                  </a:ext>
+                </a:extLst>
+              </a:tr>
+            </a:tbl>
+          </a:graphicData>
+        </a:graphic>
+      </p:graphicFrame>
+    </p:spTree>
+    <p:extLst>
+      <p:ext uri="{BB962C8B-B14F-4D97-AF65-F5344CB8AC3E}">
+        <p14:creationId xmlns:p14="http://schemas.microsoft.com/office/powerpoint/2010/main" val="732873841"/>
+      </p:ext>
+    </p:extLst>
+  </p:cSld>
+  <p:clrMapOvr>
+    <a:masterClrMapping/>
+  </p:clrMapOvr>
+  <p:timing>
+    <p:tnLst>
+      <p:par>
+        <p:cTn id="1" dur="indefinite" restart="never" nodeType="tmRoot"/>
+      </p:par>
+    </p:tnLst>
+  </p:timing>
+</p:sld>
+</file>
+
+<file path=ppt/slides/slide3.xml><?xml version="1.0" encoding="utf-8"?>
+<p:sld xmlns:a="http://schemas.openxmlformats.org/drawingml/2006/main" xmlns:r="http://schemas.openxmlformats.org/officeDocument/2006/relationships" xmlns:p="http://schemas.openxmlformats.org/presentationml/2006/main">
+  <p:cSld>
+    <p:bg>
+      <p:bgPr>
+        <a:blipFill dpi="0" rotWithShape="1">
+          <a:blip r:embed="rId3">
+            <a:lum/>
+          </a:blip>
+          <a:srcRect/>
+          <a:stretch>
+            <a:fillRect/>
+          </a:stretch>
+        </a:blipFill>
+        <a:effectLst/>
+      </p:bgPr>
+    </p:bg>
+    <p:spTree>
+      <p:nvGrpSpPr>
+        <p:cNvPr id="1" name=""/>
+        <p:cNvGrpSpPr/>
+        <p:nvPr/>
+      </p:nvGrpSpPr>
+      <p:grpSpPr>
+        <a:xfrm>
+          <a:off x="0" y="0"/>
+          <a:ext cx="0" cy="0"/>
+          <a:chOff x="0" y="0"/>
+          <a:chExt cx="0" cy="0"/>
+        </a:xfrm>
+      </p:grpSpPr>
+      <p:sp>
+        <p:nvSpPr>
+          <p:cNvPr id="7" name="Título 1">
+            <a:extLst>
+              <a:ext uri="{FF2B5EF4-FFF2-40B4-BE49-F238E27FC236}">
+                <a16:creationId xmlns:a16="http://schemas.microsoft.com/office/drawing/2014/main" id="{489F5D36-DFC3-5141-9F8E-6FACABCF76D1}"/>
+              </a:ext>
+            </a:extLst>
+          </p:cNvPr>
+          <p:cNvSpPr txBox="1">
+            <a:spLocks/>
+          </p:cNvSpPr>
+          <p:nvPr/>
+        </p:nvSpPr>
+        <p:spPr>
+          <a:xfrm>
+            <a:off x="796637" y="471050"/>
+            <a:ext cx="6089071" cy="692729"/>
+          </a:xfrm>
+          <a:prstGeom prst="rect">
+            <a:avLst/>
+          </a:prstGeom>
+        </p:spPr>
+        <p:txBody>
+          <a:bodyPr vert="horz" lIns="91440" tIns="45720" rIns="91440" bIns="45720" rtlCol="0" anchor="ctr">
+            <a:noAutofit/>
+          </a:bodyPr>
+          <a:lstStyle>
+            <a:lvl1pPr algn="l" defTabSz="914400" rtl="0" eaLnBrk="1" latinLnBrk="0" hangingPunct="1">
+              <a:lnSpc>
+                <a:spcPct val="90000"/>
+              </a:lnSpc>
+              <a:spcBef>
+                <a:spcPct val="0"/>
+              </a:spcBef>
+              <a:buNone/>
+              <a:defRPr sz="4400" kern="1200">
+                <a:solidFill>
+                  <a:schemeClr val="tx1"/>
+                </a:solidFill>
+                <a:latin typeface="+mj-lt"/>
+                <a:ea typeface="+mj-ea"/>
+                <a:cs typeface="+mj-cs"/>
+              </a:defRPr>
+            </a:lvl1pPr>
+          </a:lstStyle>
+          <a:p>
+            <a:r>
+              <a:rPr lang="pt-BR" b="1" dirty="0" smtClean="0">
+                <a:solidFill>
+                  <a:schemeClr val="bg2">
+                    <a:lumMod val="75000"/>
+                  </a:schemeClr>
+                </a:solidFill>
+                <a:latin typeface="+mn-lt"/>
+                <a:cs typeface="Calibri" panose="020F0502020204030204" pitchFamily="34" charset="0"/>
+              </a:rPr>
+              <a:t>Tópicos</a:t>
+            </a:r>
+            <a:endParaRPr lang="pt-BR" b="1" dirty="0">
+              <a:solidFill>
+                <a:schemeClr val="bg2">
+                  <a:lumMod val="75000"/>
+                </a:schemeClr>
+              </a:solidFill>
+              <a:latin typeface="+mn-lt"/>
+              <a:cs typeface="Calibri" panose="020F0502020204030204" pitchFamily="34" charset="0"/>
+            </a:endParaRPr>
+          </a:p>
+        </p:txBody>
+      </p:sp>
+      <p:sp>
+        <p:nvSpPr>
+          <p:cNvPr id="4" name="Marcador de Posição de Conteúdo 2"/>
+          <p:cNvSpPr>
+            <a:spLocks noGrp="1"/>
+          </p:cNvSpPr>
+          <p:nvPr>
+            <p:ph idx="1"/>
+          </p:nvPr>
+        </p:nvSpPr>
+        <p:spPr>
+          <a:xfrm>
+            <a:off x="796637" y="1600200"/>
+            <a:ext cx="7545697" cy="4525963"/>
+          </a:xfrm>
+        </p:spPr>
+        <p:txBody>
+          <a:bodyPr/>
+          <a:lstStyle/>
+          <a:p>
+            <a:r>
+              <a:rPr lang="pt-BR" dirty="0" smtClean="0"/>
+              <a:t>Utilização de includes/requires</a:t>
+            </a:r>
+          </a:p>
+          <a:p>
+            <a:r>
+              <a:rPr lang="pt-BR" dirty="0" smtClean="0"/>
+              <a:t>PHP e formulários HTML</a:t>
+            </a:r>
+          </a:p>
+          <a:p>
+            <a:r>
+              <a:rPr lang="pt-BR" dirty="0" smtClean="0"/>
+              <a:t>Estrutura de repetição</a:t>
+            </a:r>
+          </a:p>
+          <a:p>
+            <a:r>
+              <a:rPr lang="pt-BR" dirty="0" smtClean="0"/>
+              <a:t>JSON</a:t>
+            </a:r>
+          </a:p>
+          <a:p>
+            <a:r>
+              <a:rPr lang="pt-BR" dirty="0" smtClean="0"/>
+              <a:t>Gravando em arquivos</a:t>
+            </a:r>
+          </a:p>
+          <a:p>
+            <a:r>
+              <a:rPr lang="pt-BR" dirty="0" smtClean="0"/>
+              <a:t>Trabalhando com datas</a:t>
+            </a:r>
+          </a:p>
+        </p:txBody>
+      </p:sp>
+    </p:spTree>
+    <p:extLst>
+      <p:ext uri="{BB962C8B-B14F-4D97-AF65-F5344CB8AC3E}">
+        <p14:creationId xmlns:p14="http://schemas.microsoft.com/office/powerpoint/2010/main" val="4167269810"/>
+      </p:ext>
+    </p:extLst>
+  </p:cSld>
+  <p:clrMapOvr>
+    <a:masterClrMapping/>
+  </p:clrMapOvr>
+  <p:timing>
+    <p:tnLst>
+      <p:par>
+        <p:cTn id="1" dur="indefinite" restart="never" nodeType="tmRoot"/>
+      </p:par>
+    </p:tnLst>
+  </p:timing>
+</p:sld>
+</file>
+
+<file path=ppt/slides/slide30.xml><?xml version="1.0" encoding="utf-8"?>
+<p:sld xmlns:a="http://schemas.openxmlformats.org/drawingml/2006/main" xmlns:r="http://schemas.openxmlformats.org/officeDocument/2006/relationships" xmlns:p="http://schemas.openxmlformats.org/presentationml/2006/main">
+  <p:cSld>
+    <p:bg>
+      <p:bgPr>
+        <a:blipFill dpi="0" rotWithShape="1">
+          <a:blip r:embed="rId3">
+            <a:lum/>
+          </a:blip>
+          <a:srcRect/>
+          <a:stretch>
+            <a:fillRect/>
+          </a:stretch>
+        </a:blipFill>
+        <a:effectLst/>
+      </p:bgPr>
+    </p:bg>
+    <p:spTree>
+      <p:nvGrpSpPr>
+        <p:cNvPr id="1" name=""/>
+        <p:cNvGrpSpPr/>
+        <p:nvPr/>
+      </p:nvGrpSpPr>
+      <p:grpSpPr>
+        <a:xfrm>
+          <a:off x="0" y="0"/>
+          <a:ext cx="0" cy="0"/>
+          <a:chOff x="0" y="0"/>
+          <a:chExt cx="0" cy="0"/>
+        </a:xfrm>
+      </p:grpSpPr>
+      <p:sp>
+        <p:nvSpPr>
+          <p:cNvPr id="3" name="Título 1">
+            <a:extLst>
+              <a:ext uri="{FF2B5EF4-FFF2-40B4-BE49-F238E27FC236}">
+                <a16:creationId xmlns:a16="http://schemas.microsoft.com/office/drawing/2014/main" id="{489F5D36-DFC3-5141-9F8E-6FACABCF76D1}"/>
               </a:ext>
             </a:extLst>
           </p:cNvPr>
@@ -13222,7 +13838,7 @@
 </p:sld>
 </file>
 
-<file path=ppt/slides/slide3.xml><?xml version="1.0" encoding="utf-8"?>
+<file path=ppt/slides/slide31.xml><?xml version="1.0" encoding="utf-8"?>
 <p:sld xmlns:a="http://schemas.openxmlformats.org/drawingml/2006/main" xmlns:r="http://schemas.openxmlformats.org/officeDocument/2006/relationships" xmlns:p="http://schemas.openxmlformats.org/presentationml/2006/main">
   <p:cSld>
     <p:bg>
@@ -13255,10 +13871,10 @@
       </p:grpSpPr>
       <p:sp>
         <p:nvSpPr>
-          <p:cNvPr id="7" name="Título 1">
+          <p:cNvPr id="3" name="Título 1">
             <a:extLst>
               <a:ext uri="{FF2B5EF4-FFF2-40B4-BE49-F238E27FC236}">
-                <a16:creationId xmlns="" xmlns:a16="http://schemas.microsoft.com/office/drawing/2014/main" id="{489F5D36-DFC3-5141-9F8E-6FACABCF76D1}"/>
+                <a16:creationId xmlns:a16="http://schemas.microsoft.com/office/drawing/2014/main" id="{489F5D36-DFC3-5141-9F8E-6FACABCF76D1}"/>
               </a:ext>
             </a:extLst>
           </p:cNvPr>
@@ -13301,185 +13917,6 @@
           </a:lstStyle>
           <a:p>
             <a:r>
-              <a:rPr lang="pt-BR" b="1" dirty="0" smtClean="0">
-                <a:solidFill>
-                  <a:schemeClr val="bg2">
-                    <a:lumMod val="75000"/>
-                  </a:schemeClr>
-                </a:solidFill>
-                <a:latin typeface="+mn-lt"/>
-                <a:cs typeface="Calibri" panose="020F0502020204030204" pitchFamily="34" charset="0"/>
-              </a:rPr>
-              <a:t>Tópicos</a:t>
-            </a:r>
-            <a:endParaRPr lang="pt-BR" b="1" dirty="0">
-              <a:solidFill>
-                <a:schemeClr val="bg2">
-                  <a:lumMod val="75000"/>
-                </a:schemeClr>
-              </a:solidFill>
-              <a:latin typeface="+mn-lt"/>
-              <a:cs typeface="Calibri" panose="020F0502020204030204" pitchFamily="34" charset="0"/>
-            </a:endParaRPr>
-          </a:p>
-        </p:txBody>
-      </p:sp>
-      <p:sp>
-        <p:nvSpPr>
-          <p:cNvPr id="4" name="Marcador de Posição de Conteúdo 2"/>
-          <p:cNvSpPr>
-            <a:spLocks noGrp="1"/>
-          </p:cNvSpPr>
-          <p:nvPr>
-            <p:ph idx="1"/>
-          </p:nvPr>
-        </p:nvSpPr>
-        <p:spPr>
-          <a:xfrm>
-            <a:off x="796637" y="1600200"/>
-            <a:ext cx="7545697" cy="4525963"/>
-          </a:xfrm>
-        </p:spPr>
-        <p:txBody>
-          <a:bodyPr/>
-          <a:lstStyle/>
-          <a:p>
-            <a:r>
-              <a:rPr lang="pt-BR" dirty="0" smtClean="0"/>
-              <a:t>Utilização de includes/requires</a:t>
-            </a:r>
-          </a:p>
-          <a:p>
-            <a:r>
-              <a:rPr lang="pt-BR" dirty="0" smtClean="0"/>
-              <a:t>PHP e formulários HTML</a:t>
-            </a:r>
-          </a:p>
-          <a:p>
-            <a:r>
-              <a:rPr lang="pt-BR" dirty="0" smtClean="0"/>
-              <a:t>Estrutura de repetição</a:t>
-            </a:r>
-          </a:p>
-          <a:p>
-            <a:r>
-              <a:rPr lang="pt-BR" dirty="0" smtClean="0"/>
-              <a:t>JSON</a:t>
-            </a:r>
-          </a:p>
-          <a:p>
-            <a:r>
-              <a:rPr lang="pt-BR" dirty="0" smtClean="0"/>
-              <a:t>Gravando em arquivos</a:t>
-            </a:r>
-          </a:p>
-          <a:p>
-            <a:r>
-              <a:rPr lang="pt-BR" dirty="0" smtClean="0"/>
-              <a:t>Trabalhando com datas</a:t>
-            </a:r>
-          </a:p>
-        </p:txBody>
-      </p:sp>
-    </p:spTree>
-    <p:extLst>
-      <p:ext uri="{BB962C8B-B14F-4D97-AF65-F5344CB8AC3E}">
-        <p14:creationId xmlns:p14="http://schemas.microsoft.com/office/powerpoint/2010/main" val="4167269810"/>
-      </p:ext>
-    </p:extLst>
-  </p:cSld>
-  <p:clrMapOvr>
-    <a:masterClrMapping/>
-  </p:clrMapOvr>
-  <p:timing>
-    <p:tnLst>
-      <p:par>
-        <p:cTn id="1" dur="indefinite" restart="never" nodeType="tmRoot"/>
-      </p:par>
-    </p:tnLst>
-  </p:timing>
-</p:sld>
-</file>
-
-<file path=ppt/slides/slide30.xml><?xml version="1.0" encoding="utf-8"?>
-<p:sld xmlns:a="http://schemas.openxmlformats.org/drawingml/2006/main" xmlns:r="http://schemas.openxmlformats.org/officeDocument/2006/relationships" xmlns:p="http://schemas.openxmlformats.org/presentationml/2006/main">
-  <p:cSld>
-    <p:bg>
-      <p:bgPr>
-        <a:blipFill dpi="0" rotWithShape="1">
-          <a:blip r:embed="rId3">
-            <a:lum/>
-          </a:blip>
-          <a:srcRect/>
-          <a:stretch>
-            <a:fillRect/>
-          </a:stretch>
-        </a:blipFill>
-        <a:effectLst/>
-      </p:bgPr>
-    </p:bg>
-    <p:spTree>
-      <p:nvGrpSpPr>
-        <p:cNvPr id="1" name=""/>
-        <p:cNvGrpSpPr/>
-        <p:nvPr/>
-      </p:nvGrpSpPr>
-      <p:grpSpPr>
-        <a:xfrm>
-          <a:off x="0" y="0"/>
-          <a:ext cx="0" cy="0"/>
-          <a:chOff x="0" y="0"/>
-          <a:chExt cx="0" cy="0"/>
-        </a:xfrm>
-      </p:grpSpPr>
-      <p:sp>
-        <p:nvSpPr>
-          <p:cNvPr id="3" name="Título 1">
-            <a:extLst>
-              <a:ext uri="{FF2B5EF4-FFF2-40B4-BE49-F238E27FC236}">
-                <a16:creationId xmlns="" xmlns:a16="http://schemas.microsoft.com/office/drawing/2014/main" id="{489F5D36-DFC3-5141-9F8E-6FACABCF76D1}"/>
-              </a:ext>
-            </a:extLst>
-          </p:cNvPr>
-          <p:cNvSpPr txBox="1">
-            <a:spLocks/>
-          </p:cNvSpPr>
-          <p:nvPr/>
-        </p:nvSpPr>
-        <p:spPr>
-          <a:xfrm>
-            <a:off x="796637" y="471050"/>
-            <a:ext cx="6089071" cy="692729"/>
-          </a:xfrm>
-          <a:prstGeom prst="rect">
-            <a:avLst/>
-          </a:prstGeom>
-        </p:spPr>
-        <p:txBody>
-          <a:bodyPr vert="horz" lIns="91440" tIns="45720" rIns="91440" bIns="45720" rtlCol="0" anchor="ctr">
-            <a:noAutofit/>
-          </a:bodyPr>
-          <a:lstStyle>
-            <a:lvl1pPr algn="l" defTabSz="914400" rtl="0" eaLnBrk="1" latinLnBrk="0" hangingPunct="1">
-              <a:lnSpc>
-                <a:spcPct val="90000"/>
-              </a:lnSpc>
-              <a:spcBef>
-                <a:spcPct val="0"/>
-              </a:spcBef>
-              <a:buNone/>
-              <a:defRPr sz="4400" kern="1200">
-                <a:solidFill>
-                  <a:schemeClr val="tx1"/>
-                </a:solidFill>
-                <a:latin typeface="+mj-lt"/>
-                <a:ea typeface="+mj-ea"/>
-                <a:cs typeface="+mj-cs"/>
-              </a:defRPr>
-            </a:lvl1pPr>
-          </a:lstStyle>
-          <a:p>
-            <a:r>
               <a:rPr lang="pt-BR" sz="3600" b="1" dirty="0" smtClean="0">
                 <a:solidFill>
                   <a:schemeClr val="bg2">
@@ -13529,7 +13966,13 @@
                 <a:tableStyleId>{5C22544A-7EE6-4342-B048-85BDC9FD1C3A}</a:tableStyleId>
               </a:tblPr>
               <a:tblGrid>
-                <a:gridCol w="8337277"/>
+                <a:gridCol w="8337277">
+                  <a:extLst>
+                    <a:ext uri="{9D8B030D-6E8A-4147-A177-3AD203B41FA5}">
+                      <a16:colId xmlns:a16="http://schemas.microsoft.com/office/drawing/2014/main" val="20000"/>
+                    </a:ext>
+                  </a:extLst>
+                </a:gridCol>
               </a:tblGrid>
               <a:tr h="3357586">
                 <a:tc>
@@ -13642,6 +14085,11 @@
                     </a:lnB>
                   </a:tcPr>
                 </a:tc>
+                <a:extLst>
+                  <a:ext uri="{0D108BD9-81ED-4DB2-BD59-A6C34878D82A}">
+                    <a16:rowId xmlns:a16="http://schemas.microsoft.com/office/drawing/2014/main" val="10000"/>
+                  </a:ext>
+                </a:extLst>
               </a:tr>
             </a:tbl>
           </a:graphicData>
@@ -13651,176 +14099,6 @@
     <p:extLst>
       <p:ext uri="{BB962C8B-B14F-4D97-AF65-F5344CB8AC3E}">
         <p14:creationId xmlns:p14="http://schemas.microsoft.com/office/powerpoint/2010/main" val="1370431826"/>
-      </p:ext>
-    </p:extLst>
-  </p:cSld>
-  <p:clrMapOvr>
-    <a:masterClrMapping/>
-  </p:clrMapOvr>
-  <p:timing>
-    <p:tnLst>
-      <p:par>
-        <p:cTn id="1" dur="indefinite" restart="never" nodeType="tmRoot"/>
-      </p:par>
-    </p:tnLst>
-  </p:timing>
-</p:sld>
-</file>
-
-<file path=ppt/slides/slide31.xml><?xml version="1.0" encoding="utf-8"?>
-<p:sld xmlns:a="http://schemas.openxmlformats.org/drawingml/2006/main" xmlns:r="http://schemas.openxmlformats.org/officeDocument/2006/relationships" xmlns:p="http://schemas.openxmlformats.org/presentationml/2006/main">
-  <p:cSld>
-    <p:bg>
-      <p:bgPr>
-        <a:blipFill dpi="0" rotWithShape="1">
-          <a:blip r:embed="rId3">
-            <a:lum/>
-          </a:blip>
-          <a:srcRect/>
-          <a:stretch>
-            <a:fillRect/>
-          </a:stretch>
-        </a:blipFill>
-        <a:effectLst/>
-      </p:bgPr>
-    </p:bg>
-    <p:spTree>
-      <p:nvGrpSpPr>
-        <p:cNvPr id="1" name=""/>
-        <p:cNvGrpSpPr/>
-        <p:nvPr/>
-      </p:nvGrpSpPr>
-      <p:grpSpPr>
-        <a:xfrm>
-          <a:off x="0" y="0"/>
-          <a:ext cx="0" cy="0"/>
-          <a:chOff x="0" y="0"/>
-          <a:chExt cx="0" cy="0"/>
-        </a:xfrm>
-      </p:grpSpPr>
-      <p:sp>
-        <p:nvSpPr>
-          <p:cNvPr id="7" name="Título 1">
-            <a:extLst>
-              <a:ext uri="{FF2B5EF4-FFF2-40B4-BE49-F238E27FC236}">
-                <a16:creationId xmlns="" xmlns:a16="http://schemas.microsoft.com/office/drawing/2014/main" id="{489F5D36-DFC3-5141-9F8E-6FACABCF76D1}"/>
-              </a:ext>
-            </a:extLst>
-          </p:cNvPr>
-          <p:cNvSpPr txBox="1">
-            <a:spLocks/>
-          </p:cNvSpPr>
-          <p:nvPr/>
-        </p:nvSpPr>
-        <p:spPr>
-          <a:xfrm>
-            <a:off x="796637" y="471050"/>
-            <a:ext cx="6089071" cy="692729"/>
-          </a:xfrm>
-          <a:prstGeom prst="rect">
-            <a:avLst/>
-          </a:prstGeom>
-        </p:spPr>
-        <p:txBody>
-          <a:bodyPr vert="horz" lIns="91440" tIns="45720" rIns="91440" bIns="45720" rtlCol="0" anchor="ctr">
-            <a:noAutofit/>
-          </a:bodyPr>
-          <a:lstStyle>
-            <a:lvl1pPr algn="l" defTabSz="914400" rtl="0" eaLnBrk="1" latinLnBrk="0" hangingPunct="1">
-              <a:lnSpc>
-                <a:spcPct val="90000"/>
-              </a:lnSpc>
-              <a:spcBef>
-                <a:spcPct val="0"/>
-              </a:spcBef>
-              <a:buNone/>
-              <a:defRPr sz="4400" kern="1200">
-                <a:solidFill>
-                  <a:schemeClr val="tx1"/>
-                </a:solidFill>
-                <a:latin typeface="+mj-lt"/>
-                <a:ea typeface="+mj-ea"/>
-                <a:cs typeface="+mj-cs"/>
-              </a:defRPr>
-            </a:lvl1pPr>
-          </a:lstStyle>
-          <a:p>
-            <a:r>
-              <a:rPr lang="pt-BR" sz="3600" b="1" dirty="0" smtClean="0">
-                <a:solidFill>
-                  <a:schemeClr val="bg2">
-                    <a:lumMod val="75000"/>
-                  </a:schemeClr>
-                </a:solidFill>
-                <a:latin typeface="+mn-lt"/>
-                <a:cs typeface="Calibri" panose="020F0502020204030204" pitchFamily="34" charset="0"/>
-              </a:rPr>
-              <a:t>Funções com datas</a:t>
-            </a:r>
-            <a:endParaRPr lang="pt-BR" sz="3600" b="1" dirty="0">
-              <a:solidFill>
-                <a:schemeClr val="bg2">
-                  <a:lumMod val="75000"/>
-                </a:schemeClr>
-              </a:solidFill>
-              <a:latin typeface="+mn-lt"/>
-              <a:cs typeface="Calibri" panose="020F0502020204030204" pitchFamily="34" charset="0"/>
-            </a:endParaRPr>
-          </a:p>
-        </p:txBody>
-      </p:sp>
-      <p:sp>
-        <p:nvSpPr>
-          <p:cNvPr id="3" name="Marcador de Posição de Conteúdo 2"/>
-          <p:cNvSpPr>
-            <a:spLocks noGrp="1"/>
-          </p:cNvSpPr>
-          <p:nvPr>
-            <p:ph idx="1"/>
-          </p:nvPr>
-        </p:nvSpPr>
-        <p:spPr>
-          <a:xfrm>
-            <a:off x="457200" y="1600200"/>
-            <a:ext cx="8229600" cy="4525963"/>
-          </a:xfrm>
-        </p:spPr>
-        <p:txBody>
-          <a:bodyPr/>
-          <a:lstStyle/>
-          <a:p>
-            <a:r>
-              <a:rPr lang="pt-BR" dirty="0" smtClean="0"/>
-              <a:t>PHP oferece algumas funções para trabalhar com datas</a:t>
-            </a:r>
-          </a:p>
-          <a:p>
-            <a:pPr lvl="1"/>
-            <a:r>
-              <a:rPr lang="pt-BR" dirty="0" smtClean="0"/>
-              <a:t>Date</a:t>
-            </a:r>
-          </a:p>
-          <a:p>
-            <a:pPr lvl="1"/>
-            <a:r>
-              <a:rPr lang="pt-BR" dirty="0" smtClean="0"/>
-              <a:t>Time</a:t>
-            </a:r>
-          </a:p>
-          <a:p>
-            <a:pPr lvl="1"/>
-            <a:r>
-              <a:rPr lang="pt-BR" dirty="0" smtClean="0"/>
-              <a:t>Mktime</a:t>
-            </a:r>
-          </a:p>
-        </p:txBody>
-      </p:sp>
-    </p:spTree>
-    <p:extLst>
-      <p:ext uri="{BB962C8B-B14F-4D97-AF65-F5344CB8AC3E}">
-        <p14:creationId xmlns:p14="http://schemas.microsoft.com/office/powerpoint/2010/main" val="644789442"/>
       </p:ext>
     </p:extLst>
   </p:cSld>
@@ -13870,10 +14148,10 @@
       </p:grpSpPr>
       <p:sp>
         <p:nvSpPr>
-          <p:cNvPr id="3" name="Título 1">
+          <p:cNvPr id="7" name="Título 1">
             <a:extLst>
               <a:ext uri="{FF2B5EF4-FFF2-40B4-BE49-F238E27FC236}">
-                <a16:creationId xmlns="" xmlns:a16="http://schemas.microsoft.com/office/drawing/2014/main" id="{489F5D36-DFC3-5141-9F8E-6FACABCF76D1}"/>
+                <a16:creationId xmlns:a16="http://schemas.microsoft.com/office/drawing/2014/main" id="{489F5D36-DFC3-5141-9F8E-6FACABCF76D1}"/>
               </a:ext>
             </a:extLst>
           </p:cNvPr>
@@ -13941,7 +14219,7 @@
       </p:sp>
       <p:sp>
         <p:nvSpPr>
-          <p:cNvPr id="4" name="Marcador de Posição de Conteúdo 2"/>
+          <p:cNvPr id="3" name="Marcador de Posição de Conteúdo 2"/>
           <p:cNvSpPr>
             <a:spLocks noGrp="1"/>
           </p:cNvSpPr>
@@ -13961,6 +14239,13 @@
           <a:p>
             <a:r>
               <a:rPr lang="pt-BR" dirty="0" smtClean="0"/>
+              <a:t>PHP oferece algumas funções para trabalhar com datas</a:t>
+            </a:r>
+          </a:p>
+          <a:p>
+            <a:pPr lvl="1"/>
+            <a:r>
+              <a:rPr lang="pt-BR" dirty="0" smtClean="0"/>
               <a:t>Date</a:t>
             </a:r>
           </a:p>
@@ -13968,145 +14253,22 @@
             <a:pPr lvl="1"/>
             <a:r>
               <a:rPr lang="pt-BR" dirty="0" smtClean="0"/>
-              <a:t>A função date retorna uma string, conforme a formatação passada por parâmetro</a:t>
-            </a:r>
-            <a:br>
+              <a:t>Time</a:t>
+            </a:r>
+          </a:p>
+          <a:p>
+            <a:pPr lvl="1"/>
+            <a:r>
               <a:rPr lang="pt-BR" dirty="0" smtClean="0"/>
-            </a:br>
-            <a:endParaRPr lang="pt-BR" dirty="0"/>
-          </a:p>
-        </p:txBody>
-      </p:sp>
-      <p:graphicFrame>
-        <p:nvGraphicFramePr>
-          <p:cNvPr id="5" name="Tabela 4"/>
-          <p:cNvGraphicFramePr>
-            <a:graphicFrameLocks noGrp="1"/>
-          </p:cNvGraphicFramePr>
-          <p:nvPr>
-            <p:extLst>
-              <p:ext uri="{D42A27DB-BD31-4B8C-83A1-F6EECF244321}">
-                <p14:modId xmlns:p14="http://schemas.microsoft.com/office/powerpoint/2010/main" val="430978768"/>
-              </p:ext>
-            </p:extLst>
-          </p:nvPr>
-        </p:nvGraphicFramePr>
-        <p:xfrm>
-          <a:off x="457200" y="2926587"/>
-          <a:ext cx="8257031" cy="3505200"/>
-        </p:xfrm>
-        <a:graphic>
-          <a:graphicData uri="http://schemas.openxmlformats.org/drawingml/2006/table">
-            <a:tbl>
-              <a:tblPr firstRow="1" bandRow="1">
-                <a:tableStyleId>{5C22544A-7EE6-4342-B048-85BDC9FD1C3A}</a:tableStyleId>
-              </a:tblPr>
-              <a:tblGrid>
-                <a:gridCol w="8257031"/>
-              </a:tblGrid>
-              <a:tr h="3357586">
-                <a:tc>
-                  <a:txBody>
-                    <a:bodyPr/>
-                    <a:lstStyle/>
-                    <a:p>
-                      <a:r>
-                        <a:rPr lang="pt-BR" sz="2800" dirty="0" smtClean="0"/>
-                        <a:t>&lt;?php </a:t>
-                      </a:r>
-                    </a:p>
-                    <a:p>
-                      <a:r>
-                        <a:rPr lang="pt-BR" sz="2800" dirty="0" smtClean="0"/>
-                        <a:t>    echo date('d/m/Y');</a:t>
-                      </a:r>
-                    </a:p>
-                    <a:p>
-                      <a:r>
-                        <a:rPr lang="pt-BR" sz="2800" dirty="0" smtClean="0"/>
-                        <a:t>    // Data Atual: DD/MM/AAAA</a:t>
-                      </a:r>
-                    </a:p>
-                    <a:p>
-                      <a:r>
-                        <a:rPr lang="pt-BR" sz="2800" dirty="0" smtClean="0"/>
-                        <a:t>    echo date('H:i:s');</a:t>
-                      </a:r>
-                    </a:p>
-                    <a:p>
-                      <a:r>
-                        <a:rPr lang="pt-BR" sz="2800" dirty="0" smtClean="0"/>
-                        <a:t>    // Hora Atual: HH:MM:SS</a:t>
-                      </a:r>
-                    </a:p>
-                    <a:p>
-                      <a:r>
-                        <a:rPr lang="pt-BR" sz="2800" dirty="0" smtClean="0"/>
-                        <a:t>    echo date('Y-m-d H:i:s');</a:t>
-                      </a:r>
-                    </a:p>
-                    <a:p>
-                      <a:r>
-                        <a:rPr lang="pt-BR" sz="2800" dirty="0" smtClean="0"/>
-                        <a:t>    // Data + Hora Atual: AAAA-MM-DD HH:MM:SS</a:t>
-                      </a:r>
-                    </a:p>
-                    <a:p>
-                      <a:r>
-                        <a:rPr lang="pt-BR" sz="2800" dirty="0" smtClean="0"/>
-                        <a:t>?&gt;</a:t>
-                      </a:r>
-                      <a:endParaRPr lang="pt-BR" sz="2800" dirty="0"/>
-                    </a:p>
-                  </a:txBody>
-                  <a:tcPr>
-                    <a:lnL w="12700" cap="flat" cmpd="sng" algn="ctr">
-                      <a:solidFill>
-                        <a:schemeClr val="tx1"/>
-                      </a:solidFill>
-                      <a:prstDash val="solid"/>
-                      <a:round/>
-                      <a:headEnd type="none" w="med" len="med"/>
-                      <a:tailEnd type="none" w="med" len="med"/>
-                    </a:lnL>
-                    <a:lnR w="12700" cap="flat" cmpd="sng" algn="ctr">
-                      <a:solidFill>
-                        <a:schemeClr val="tx1"/>
-                      </a:solidFill>
-                      <a:prstDash val="solid"/>
-                      <a:round/>
-                      <a:headEnd type="none" w="med" len="med"/>
-                      <a:tailEnd type="none" w="med" len="med"/>
-                    </a:lnR>
-                    <a:lnT w="12700" cap="flat" cmpd="sng" algn="ctr">
-                      <a:solidFill>
-                        <a:schemeClr val="tx1"/>
-                      </a:solidFill>
-                      <a:prstDash val="solid"/>
-                      <a:round/>
-                      <a:headEnd type="none" w="med" len="med"/>
-                      <a:tailEnd type="none" w="med" len="med"/>
-                    </a:lnT>
-                    <a:lnB w="12700" cap="flat" cmpd="sng" algn="ctr">
-                      <a:solidFill>
-                        <a:schemeClr val="tx1"/>
-                      </a:solidFill>
-                      <a:prstDash val="solid"/>
-                      <a:round/>
-                      <a:headEnd type="none" w="med" len="med"/>
-                      <a:tailEnd type="none" w="med" len="med"/>
-                    </a:lnB>
-                  </a:tcPr>
-                </a:tc>
-              </a:tr>
-            </a:tbl>
-          </a:graphicData>
-        </a:graphic>
-      </p:graphicFrame>
+              <a:t>Mktime</a:t>
+            </a:r>
+          </a:p>
+        </p:txBody>
+      </p:sp>
     </p:spTree>
     <p:extLst>
       <p:ext uri="{BB962C8B-B14F-4D97-AF65-F5344CB8AC3E}">
-        <p14:creationId xmlns:p14="http://schemas.microsoft.com/office/powerpoint/2010/main" val="615392837"/>
+        <p14:creationId xmlns:p14="http://schemas.microsoft.com/office/powerpoint/2010/main" val="644789442"/>
       </p:ext>
     </p:extLst>
   </p:cSld>
@@ -14159,7 +14321,7 @@
           <p:cNvPr id="3" name="Título 1">
             <a:extLst>
               <a:ext uri="{FF2B5EF4-FFF2-40B4-BE49-F238E27FC236}">
-                <a16:creationId xmlns="" xmlns:a16="http://schemas.microsoft.com/office/drawing/2014/main" id="{489F5D36-DFC3-5141-9F8E-6FACABCF76D1}"/>
+                <a16:creationId xmlns:a16="http://schemas.microsoft.com/office/drawing/2014/main" id="{489F5D36-DFC3-5141-9F8E-6FACABCF76D1}"/>
               </a:ext>
             </a:extLst>
           </p:cNvPr>
@@ -14247,6 +14409,303 @@
           <a:p>
             <a:r>
               <a:rPr lang="pt-BR" dirty="0" smtClean="0"/>
+              <a:t>Date</a:t>
+            </a:r>
+          </a:p>
+          <a:p>
+            <a:pPr lvl="1"/>
+            <a:r>
+              <a:rPr lang="pt-BR" dirty="0" smtClean="0"/>
+              <a:t>A função date retorna uma string, conforme a formatação passada por parâmetro</a:t>
+            </a:r>
+            <a:br>
+              <a:rPr lang="pt-BR" dirty="0" smtClean="0"/>
+            </a:br>
+            <a:endParaRPr lang="pt-BR" dirty="0"/>
+          </a:p>
+        </p:txBody>
+      </p:sp>
+      <p:graphicFrame>
+        <p:nvGraphicFramePr>
+          <p:cNvPr id="5" name="Tabela 4"/>
+          <p:cNvGraphicFramePr>
+            <a:graphicFrameLocks noGrp="1"/>
+          </p:cNvGraphicFramePr>
+          <p:nvPr>
+            <p:extLst>
+              <p:ext uri="{D42A27DB-BD31-4B8C-83A1-F6EECF244321}">
+                <p14:modId xmlns:p14="http://schemas.microsoft.com/office/powerpoint/2010/main" val="430978768"/>
+              </p:ext>
+            </p:extLst>
+          </p:nvPr>
+        </p:nvGraphicFramePr>
+        <p:xfrm>
+          <a:off x="457200" y="2926587"/>
+          <a:ext cx="8257031" cy="3505200"/>
+        </p:xfrm>
+        <a:graphic>
+          <a:graphicData uri="http://schemas.openxmlformats.org/drawingml/2006/table">
+            <a:tbl>
+              <a:tblPr firstRow="1" bandRow="1">
+                <a:tableStyleId>{5C22544A-7EE6-4342-B048-85BDC9FD1C3A}</a:tableStyleId>
+              </a:tblPr>
+              <a:tblGrid>
+                <a:gridCol w="8257031">
+                  <a:extLst>
+                    <a:ext uri="{9D8B030D-6E8A-4147-A177-3AD203B41FA5}">
+                      <a16:colId xmlns:a16="http://schemas.microsoft.com/office/drawing/2014/main" val="20000"/>
+                    </a:ext>
+                  </a:extLst>
+                </a:gridCol>
+              </a:tblGrid>
+              <a:tr h="3357586">
+                <a:tc>
+                  <a:txBody>
+                    <a:bodyPr/>
+                    <a:lstStyle/>
+                    <a:p>
+                      <a:r>
+                        <a:rPr lang="pt-BR" sz="2800" dirty="0" smtClean="0"/>
+                        <a:t>&lt;?php </a:t>
+                      </a:r>
+                    </a:p>
+                    <a:p>
+                      <a:r>
+                        <a:rPr lang="pt-BR" sz="2800" dirty="0" smtClean="0"/>
+                        <a:t>    echo date('d/m/Y');</a:t>
+                      </a:r>
+                    </a:p>
+                    <a:p>
+                      <a:r>
+                        <a:rPr lang="pt-BR" sz="2800" dirty="0" smtClean="0"/>
+                        <a:t>    // Data Atual: DD/MM/AAAA</a:t>
+                      </a:r>
+                    </a:p>
+                    <a:p>
+                      <a:r>
+                        <a:rPr lang="pt-BR" sz="2800" dirty="0" smtClean="0"/>
+                        <a:t>    echo date('H:i:s');</a:t>
+                      </a:r>
+                    </a:p>
+                    <a:p>
+                      <a:r>
+                        <a:rPr lang="pt-BR" sz="2800" dirty="0" smtClean="0"/>
+                        <a:t>    // Hora Atual: HH:MM:SS</a:t>
+                      </a:r>
+                    </a:p>
+                    <a:p>
+                      <a:r>
+                        <a:rPr lang="pt-BR" sz="2800" dirty="0" smtClean="0"/>
+                        <a:t>    echo date('Y-m-d H:i:s');</a:t>
+                      </a:r>
+                    </a:p>
+                    <a:p>
+                      <a:r>
+                        <a:rPr lang="pt-BR" sz="2800" dirty="0" smtClean="0"/>
+                        <a:t>    // Data + Hora Atual: AAAA-MM-DD HH:MM:SS</a:t>
+                      </a:r>
+                    </a:p>
+                    <a:p>
+                      <a:r>
+                        <a:rPr lang="pt-BR" sz="2800" dirty="0" smtClean="0"/>
+                        <a:t>?&gt;</a:t>
+                      </a:r>
+                      <a:endParaRPr lang="pt-BR" sz="2800" dirty="0"/>
+                    </a:p>
+                  </a:txBody>
+                  <a:tcPr>
+                    <a:lnL w="12700" cap="flat" cmpd="sng" algn="ctr">
+                      <a:solidFill>
+                        <a:schemeClr val="tx1"/>
+                      </a:solidFill>
+                      <a:prstDash val="solid"/>
+                      <a:round/>
+                      <a:headEnd type="none" w="med" len="med"/>
+                      <a:tailEnd type="none" w="med" len="med"/>
+                    </a:lnL>
+                    <a:lnR w="12700" cap="flat" cmpd="sng" algn="ctr">
+                      <a:solidFill>
+                        <a:schemeClr val="tx1"/>
+                      </a:solidFill>
+                      <a:prstDash val="solid"/>
+                      <a:round/>
+                      <a:headEnd type="none" w="med" len="med"/>
+                      <a:tailEnd type="none" w="med" len="med"/>
+                    </a:lnR>
+                    <a:lnT w="12700" cap="flat" cmpd="sng" algn="ctr">
+                      <a:solidFill>
+                        <a:schemeClr val="tx1"/>
+                      </a:solidFill>
+                      <a:prstDash val="solid"/>
+                      <a:round/>
+                      <a:headEnd type="none" w="med" len="med"/>
+                      <a:tailEnd type="none" w="med" len="med"/>
+                    </a:lnT>
+                    <a:lnB w="12700" cap="flat" cmpd="sng" algn="ctr">
+                      <a:solidFill>
+                        <a:schemeClr val="tx1"/>
+                      </a:solidFill>
+                      <a:prstDash val="solid"/>
+                      <a:round/>
+                      <a:headEnd type="none" w="med" len="med"/>
+                      <a:tailEnd type="none" w="med" len="med"/>
+                    </a:lnB>
+                  </a:tcPr>
+                </a:tc>
+                <a:extLst>
+                  <a:ext uri="{0D108BD9-81ED-4DB2-BD59-A6C34878D82A}">
+                    <a16:rowId xmlns:a16="http://schemas.microsoft.com/office/drawing/2014/main" val="10000"/>
+                  </a:ext>
+                </a:extLst>
+              </a:tr>
+            </a:tbl>
+          </a:graphicData>
+        </a:graphic>
+      </p:graphicFrame>
+    </p:spTree>
+    <p:extLst>
+      <p:ext uri="{BB962C8B-B14F-4D97-AF65-F5344CB8AC3E}">
+        <p14:creationId xmlns:p14="http://schemas.microsoft.com/office/powerpoint/2010/main" val="615392837"/>
+      </p:ext>
+    </p:extLst>
+  </p:cSld>
+  <p:clrMapOvr>
+    <a:masterClrMapping/>
+  </p:clrMapOvr>
+  <p:timing>
+    <p:tnLst>
+      <p:par>
+        <p:cTn id="1" dur="indefinite" restart="never" nodeType="tmRoot"/>
+      </p:par>
+    </p:tnLst>
+  </p:timing>
+</p:sld>
+</file>
+
+<file path=ppt/slides/slide34.xml><?xml version="1.0" encoding="utf-8"?>
+<p:sld xmlns:a="http://schemas.openxmlformats.org/drawingml/2006/main" xmlns:r="http://schemas.openxmlformats.org/officeDocument/2006/relationships" xmlns:p="http://schemas.openxmlformats.org/presentationml/2006/main">
+  <p:cSld>
+    <p:bg>
+      <p:bgPr>
+        <a:blipFill dpi="0" rotWithShape="1">
+          <a:blip r:embed="rId3">
+            <a:lum/>
+          </a:blip>
+          <a:srcRect/>
+          <a:stretch>
+            <a:fillRect/>
+          </a:stretch>
+        </a:blipFill>
+        <a:effectLst/>
+      </p:bgPr>
+    </p:bg>
+    <p:spTree>
+      <p:nvGrpSpPr>
+        <p:cNvPr id="1" name=""/>
+        <p:cNvGrpSpPr/>
+        <p:nvPr/>
+      </p:nvGrpSpPr>
+      <p:grpSpPr>
+        <a:xfrm>
+          <a:off x="0" y="0"/>
+          <a:ext cx="0" cy="0"/>
+          <a:chOff x="0" y="0"/>
+          <a:chExt cx="0" cy="0"/>
+        </a:xfrm>
+      </p:grpSpPr>
+      <p:sp>
+        <p:nvSpPr>
+          <p:cNvPr id="3" name="Título 1">
+            <a:extLst>
+              <a:ext uri="{FF2B5EF4-FFF2-40B4-BE49-F238E27FC236}">
+                <a16:creationId xmlns:a16="http://schemas.microsoft.com/office/drawing/2014/main" id="{489F5D36-DFC3-5141-9F8E-6FACABCF76D1}"/>
+              </a:ext>
+            </a:extLst>
+          </p:cNvPr>
+          <p:cNvSpPr txBox="1">
+            <a:spLocks/>
+          </p:cNvSpPr>
+          <p:nvPr/>
+        </p:nvSpPr>
+        <p:spPr>
+          <a:xfrm>
+            <a:off x="796637" y="471050"/>
+            <a:ext cx="6089071" cy="692729"/>
+          </a:xfrm>
+          <a:prstGeom prst="rect">
+            <a:avLst/>
+          </a:prstGeom>
+        </p:spPr>
+        <p:txBody>
+          <a:bodyPr vert="horz" lIns="91440" tIns="45720" rIns="91440" bIns="45720" rtlCol="0" anchor="ctr">
+            <a:noAutofit/>
+          </a:bodyPr>
+          <a:lstStyle>
+            <a:lvl1pPr algn="l" defTabSz="914400" rtl="0" eaLnBrk="1" latinLnBrk="0" hangingPunct="1">
+              <a:lnSpc>
+                <a:spcPct val="90000"/>
+              </a:lnSpc>
+              <a:spcBef>
+                <a:spcPct val="0"/>
+              </a:spcBef>
+              <a:buNone/>
+              <a:defRPr sz="4400" kern="1200">
+                <a:solidFill>
+                  <a:schemeClr val="tx1"/>
+                </a:solidFill>
+                <a:latin typeface="+mj-lt"/>
+                <a:ea typeface="+mj-ea"/>
+                <a:cs typeface="+mj-cs"/>
+              </a:defRPr>
+            </a:lvl1pPr>
+          </a:lstStyle>
+          <a:p>
+            <a:r>
+              <a:rPr lang="pt-BR" sz="3600" b="1" dirty="0" smtClean="0">
+                <a:solidFill>
+                  <a:schemeClr val="bg2">
+                    <a:lumMod val="75000"/>
+                  </a:schemeClr>
+                </a:solidFill>
+                <a:latin typeface="+mn-lt"/>
+                <a:cs typeface="Calibri" panose="020F0502020204030204" pitchFamily="34" charset="0"/>
+              </a:rPr>
+              <a:t>Funções com datas</a:t>
+            </a:r>
+            <a:endParaRPr lang="pt-BR" sz="3600" b="1" dirty="0">
+              <a:solidFill>
+                <a:schemeClr val="bg2">
+                  <a:lumMod val="75000"/>
+                </a:schemeClr>
+              </a:solidFill>
+              <a:latin typeface="+mn-lt"/>
+              <a:cs typeface="Calibri" panose="020F0502020204030204" pitchFamily="34" charset="0"/>
+            </a:endParaRPr>
+          </a:p>
+        </p:txBody>
+      </p:sp>
+      <p:sp>
+        <p:nvSpPr>
+          <p:cNvPr id="4" name="Marcador de Posição de Conteúdo 2"/>
+          <p:cNvSpPr>
+            <a:spLocks noGrp="1"/>
+          </p:cNvSpPr>
+          <p:nvPr>
+            <p:ph idx="1"/>
+          </p:nvPr>
+        </p:nvSpPr>
+        <p:spPr>
+          <a:xfrm>
+            <a:off x="457200" y="1600200"/>
+            <a:ext cx="8229600" cy="4525963"/>
+          </a:xfrm>
+        </p:spPr>
+        <p:txBody>
+          <a:bodyPr/>
+          <a:lstStyle/>
+          <a:p>
+            <a:r>
+              <a:rPr lang="pt-BR" dirty="0" smtClean="0"/>
               <a:t>Principais opções de formatação de data</a:t>
             </a:r>
           </a:p>
@@ -14280,10 +14739,34 @@
                 <a:tableStyleId>{5C22544A-7EE6-4342-B048-85BDC9FD1C3A}</a:tableStyleId>
               </a:tblPr>
               <a:tblGrid>
-                <a:gridCol w="980604"/>
-                <a:gridCol w="3292025"/>
-                <a:gridCol w="1024017"/>
-                <a:gridCol w="3039424"/>
+                <a:gridCol w="980604">
+                  <a:extLst>
+                    <a:ext uri="{9D8B030D-6E8A-4147-A177-3AD203B41FA5}">
+                      <a16:colId xmlns:a16="http://schemas.microsoft.com/office/drawing/2014/main" val="20000"/>
+                    </a:ext>
+                  </a:extLst>
+                </a:gridCol>
+                <a:gridCol w="3292025">
+                  <a:extLst>
+                    <a:ext uri="{9D8B030D-6E8A-4147-A177-3AD203B41FA5}">
+                      <a16:colId xmlns:a16="http://schemas.microsoft.com/office/drawing/2014/main" val="20001"/>
+                    </a:ext>
+                  </a:extLst>
+                </a:gridCol>
+                <a:gridCol w="1024017">
+                  <a:extLst>
+                    <a:ext uri="{9D8B030D-6E8A-4147-A177-3AD203B41FA5}">
+                      <a16:colId xmlns:a16="http://schemas.microsoft.com/office/drawing/2014/main" val="20002"/>
+                    </a:ext>
+                  </a:extLst>
+                </a:gridCol>
+                <a:gridCol w="3039424">
+                  <a:extLst>
+                    <a:ext uri="{9D8B030D-6E8A-4147-A177-3AD203B41FA5}">
+                      <a16:colId xmlns:a16="http://schemas.microsoft.com/office/drawing/2014/main" val="20003"/>
+                    </a:ext>
+                  </a:extLst>
+                </a:gridCol>
               </a:tblGrid>
               <a:tr h="370840">
                 <a:tc>
@@ -14490,6 +14973,11 @@
                     </a:lnB>
                   </a:tcPr>
                 </a:tc>
+                <a:extLst>
+                  <a:ext uri="{0D108BD9-81ED-4DB2-BD59-A6C34878D82A}">
+                    <a16:rowId xmlns:a16="http://schemas.microsoft.com/office/drawing/2014/main" val="10000"/>
+                  </a:ext>
+                </a:extLst>
               </a:tr>
               <a:tr h="370840">
                 <a:tc>
@@ -14714,6 +15202,11 @@
                     </a:lnB>
                   </a:tcPr>
                 </a:tc>
+                <a:extLst>
+                  <a:ext uri="{0D108BD9-81ED-4DB2-BD59-A6C34878D82A}">
+                    <a16:rowId xmlns:a16="http://schemas.microsoft.com/office/drawing/2014/main" val="10001"/>
+                  </a:ext>
+                </a:extLst>
               </a:tr>
               <a:tr h="370840">
                 <a:tc>
@@ -14938,6 +15431,11 @@
                     </a:lnB>
                   </a:tcPr>
                 </a:tc>
+                <a:extLst>
+                  <a:ext uri="{0D108BD9-81ED-4DB2-BD59-A6C34878D82A}">
+                    <a16:rowId xmlns:a16="http://schemas.microsoft.com/office/drawing/2014/main" val="10002"/>
+                  </a:ext>
+                </a:extLst>
               </a:tr>
               <a:tr h="370840">
                 <a:tc>
@@ -15166,6 +15664,11 @@
                     </a:lnB>
                   </a:tcPr>
                 </a:tc>
+                <a:extLst>
+                  <a:ext uri="{0D108BD9-81ED-4DB2-BD59-A6C34878D82A}">
+                    <a16:rowId xmlns:a16="http://schemas.microsoft.com/office/drawing/2014/main" val="10003"/>
+                  </a:ext>
+                </a:extLst>
               </a:tr>
               <a:tr h="370840">
                 <a:tc>
@@ -15376,6 +15879,11 @@
                     </a:lnB>
                   </a:tcPr>
                 </a:tc>
+                <a:extLst>
+                  <a:ext uri="{0D108BD9-81ED-4DB2-BD59-A6C34878D82A}">
+                    <a16:rowId xmlns:a16="http://schemas.microsoft.com/office/drawing/2014/main" val="10004"/>
+                  </a:ext>
+                </a:extLst>
               </a:tr>
               <a:tr h="370840">
                 <a:tc>
@@ -15586,6 +16094,11 @@
                     </a:lnB>
                   </a:tcPr>
                 </a:tc>
+                <a:extLst>
+                  <a:ext uri="{0D108BD9-81ED-4DB2-BD59-A6C34878D82A}">
+                    <a16:rowId xmlns:a16="http://schemas.microsoft.com/office/drawing/2014/main" val="10005"/>
+                  </a:ext>
+                </a:extLst>
               </a:tr>
               <a:tr h="370840">
                 <a:tc>
@@ -15792,6 +16305,11 @@
                     </a:lnB>
                   </a:tcPr>
                 </a:tc>
+                <a:extLst>
+                  <a:ext uri="{0D108BD9-81ED-4DB2-BD59-A6C34878D82A}">
+                    <a16:rowId xmlns:a16="http://schemas.microsoft.com/office/drawing/2014/main" val="10006"/>
+                  </a:ext>
+                </a:extLst>
               </a:tr>
               <a:tr h="370840">
                 <a:tc>
@@ -15990,6 +16508,11 @@
                     </a:lnB>
                   </a:tcPr>
                 </a:tc>
+                <a:extLst>
+                  <a:ext uri="{0D108BD9-81ED-4DB2-BD59-A6C34878D82A}">
+                    <a16:rowId xmlns:a16="http://schemas.microsoft.com/office/drawing/2014/main" val="10007"/>
+                  </a:ext>
+                </a:extLst>
               </a:tr>
             </a:tbl>
           </a:graphicData>
@@ -15999,283 +16522,6 @@
     <p:extLst>
       <p:ext uri="{BB962C8B-B14F-4D97-AF65-F5344CB8AC3E}">
         <p14:creationId xmlns:p14="http://schemas.microsoft.com/office/powerpoint/2010/main" val="2633192863"/>
-      </p:ext>
-    </p:extLst>
-  </p:cSld>
-  <p:clrMapOvr>
-    <a:masterClrMapping/>
-  </p:clrMapOvr>
-  <p:timing>
-    <p:tnLst>
-      <p:par>
-        <p:cTn id="1" dur="indefinite" restart="never" nodeType="tmRoot"/>
-      </p:par>
-    </p:tnLst>
-  </p:timing>
-</p:sld>
-</file>
-
-<file path=ppt/slides/slide34.xml><?xml version="1.0" encoding="utf-8"?>
-<p:sld xmlns:a="http://schemas.openxmlformats.org/drawingml/2006/main" xmlns:r="http://schemas.openxmlformats.org/officeDocument/2006/relationships" xmlns:p="http://schemas.openxmlformats.org/presentationml/2006/main">
-  <p:cSld>
-    <p:bg>
-      <p:bgPr>
-        <a:blipFill dpi="0" rotWithShape="1">
-          <a:blip r:embed="rId3">
-            <a:lum/>
-          </a:blip>
-          <a:srcRect/>
-          <a:stretch>
-            <a:fillRect/>
-          </a:stretch>
-        </a:blipFill>
-        <a:effectLst/>
-      </p:bgPr>
-    </p:bg>
-    <p:spTree>
-      <p:nvGrpSpPr>
-        <p:cNvPr id="1" name=""/>
-        <p:cNvGrpSpPr/>
-        <p:nvPr/>
-      </p:nvGrpSpPr>
-      <p:grpSpPr>
-        <a:xfrm>
-          <a:off x="0" y="0"/>
-          <a:ext cx="0" cy="0"/>
-          <a:chOff x="0" y="0"/>
-          <a:chExt cx="0" cy="0"/>
-        </a:xfrm>
-      </p:grpSpPr>
-      <p:sp>
-        <p:nvSpPr>
-          <p:cNvPr id="3" name="Título 1">
-            <a:extLst>
-              <a:ext uri="{FF2B5EF4-FFF2-40B4-BE49-F238E27FC236}">
-                <a16:creationId xmlns="" xmlns:a16="http://schemas.microsoft.com/office/drawing/2014/main" id="{489F5D36-DFC3-5141-9F8E-6FACABCF76D1}"/>
-              </a:ext>
-            </a:extLst>
-          </p:cNvPr>
-          <p:cNvSpPr txBox="1">
-            <a:spLocks/>
-          </p:cNvSpPr>
-          <p:nvPr/>
-        </p:nvSpPr>
-        <p:spPr>
-          <a:xfrm>
-            <a:off x="796637" y="471050"/>
-            <a:ext cx="6089071" cy="692729"/>
-          </a:xfrm>
-          <a:prstGeom prst="rect">
-            <a:avLst/>
-          </a:prstGeom>
-        </p:spPr>
-        <p:txBody>
-          <a:bodyPr vert="horz" lIns="91440" tIns="45720" rIns="91440" bIns="45720" rtlCol="0" anchor="ctr">
-            <a:noAutofit/>
-          </a:bodyPr>
-          <a:lstStyle>
-            <a:lvl1pPr algn="l" defTabSz="914400" rtl="0" eaLnBrk="1" latinLnBrk="0" hangingPunct="1">
-              <a:lnSpc>
-                <a:spcPct val="90000"/>
-              </a:lnSpc>
-              <a:spcBef>
-                <a:spcPct val="0"/>
-              </a:spcBef>
-              <a:buNone/>
-              <a:defRPr sz="4400" kern="1200">
-                <a:solidFill>
-                  <a:schemeClr val="tx1"/>
-                </a:solidFill>
-                <a:latin typeface="+mj-lt"/>
-                <a:ea typeface="+mj-ea"/>
-                <a:cs typeface="+mj-cs"/>
-              </a:defRPr>
-            </a:lvl1pPr>
-          </a:lstStyle>
-          <a:p>
-            <a:r>
-              <a:rPr lang="pt-BR" sz="3600" b="1" dirty="0" smtClean="0">
-                <a:solidFill>
-                  <a:schemeClr val="bg2">
-                    <a:lumMod val="75000"/>
-                  </a:schemeClr>
-                </a:solidFill>
-                <a:latin typeface="+mn-lt"/>
-                <a:cs typeface="Calibri" panose="020F0502020204030204" pitchFamily="34" charset="0"/>
-              </a:rPr>
-              <a:t>Funções com datas</a:t>
-            </a:r>
-            <a:endParaRPr lang="pt-BR" sz="3600" b="1" dirty="0">
-              <a:solidFill>
-                <a:schemeClr val="bg2">
-                  <a:lumMod val="75000"/>
-                </a:schemeClr>
-              </a:solidFill>
-              <a:latin typeface="+mn-lt"/>
-              <a:cs typeface="Calibri" panose="020F0502020204030204" pitchFamily="34" charset="0"/>
-            </a:endParaRPr>
-          </a:p>
-        </p:txBody>
-      </p:sp>
-      <p:sp>
-        <p:nvSpPr>
-          <p:cNvPr id="4" name="Marcador de Posição de Conteúdo 2"/>
-          <p:cNvSpPr>
-            <a:spLocks noGrp="1"/>
-          </p:cNvSpPr>
-          <p:nvPr>
-            <p:ph idx="1"/>
-          </p:nvPr>
-        </p:nvSpPr>
-        <p:spPr>
-          <a:xfrm>
-            <a:off x="457200" y="1600200"/>
-            <a:ext cx="8229600" cy="4525963"/>
-          </a:xfrm>
-        </p:spPr>
-        <p:txBody>
-          <a:bodyPr/>
-          <a:lstStyle/>
-          <a:p>
-            <a:r>
-              <a:rPr lang="pt-BR" dirty="0" smtClean="0"/>
-              <a:t>Time</a:t>
-            </a:r>
-          </a:p>
-          <a:p>
-            <a:pPr lvl="1"/>
-            <a:r>
-              <a:rPr lang="pt-BR" dirty="0" smtClean="0"/>
-              <a:t>Retorna o timestamp Unix atual</a:t>
-            </a:r>
-          </a:p>
-          <a:p>
-            <a:pPr lvl="1"/>
-            <a:endParaRPr lang="pt-BR" dirty="0" smtClean="0"/>
-          </a:p>
-          <a:p>
-            <a:endParaRPr lang="pt-BR" dirty="0" smtClean="0"/>
-          </a:p>
-        </p:txBody>
-      </p:sp>
-      <p:graphicFrame>
-        <p:nvGraphicFramePr>
-          <p:cNvPr id="5" name="Tabela 4"/>
-          <p:cNvGraphicFramePr>
-            <a:graphicFrameLocks noGrp="1"/>
-          </p:cNvGraphicFramePr>
-          <p:nvPr>
-            <p:extLst>
-              <p:ext uri="{D42A27DB-BD31-4B8C-83A1-F6EECF244321}">
-                <p14:modId xmlns:p14="http://schemas.microsoft.com/office/powerpoint/2010/main" val="592837641"/>
-              </p:ext>
-            </p:extLst>
-          </p:nvPr>
-        </p:nvGraphicFramePr>
-        <p:xfrm>
-          <a:off x="433487" y="2585642"/>
-          <a:ext cx="8253313" cy="3786214"/>
-        </p:xfrm>
-        <a:graphic>
-          <a:graphicData uri="http://schemas.openxmlformats.org/drawingml/2006/table">
-            <a:tbl>
-              <a:tblPr firstRow="1" bandRow="1">
-                <a:tableStyleId>{5C22544A-7EE6-4342-B048-85BDC9FD1C3A}</a:tableStyleId>
-              </a:tblPr>
-              <a:tblGrid>
-                <a:gridCol w="8253313"/>
-              </a:tblGrid>
-              <a:tr h="3786214">
-                <a:tc>
-                  <a:txBody>
-                    <a:bodyPr/>
-                    <a:lstStyle/>
-                    <a:p>
-                      <a:r>
-                        <a:rPr lang="pt-BR" sz="2800" dirty="0" smtClean="0"/>
-                        <a:t>&lt;?php </a:t>
-                      </a:r>
-                    </a:p>
-                    <a:p>
-                      <a:r>
-                        <a:rPr lang="pt-BR" sz="2800" dirty="0" smtClean="0"/>
-                        <a:t>$timestamp = time();</a:t>
-                      </a:r>
-                    </a:p>
-                    <a:p>
-                      <a:r>
-                        <a:rPr lang="pt-BR" sz="2800" dirty="0" smtClean="0"/>
-                        <a:t>// Retorna a representação timestamp atual. Ex.: 1452857315</a:t>
-                      </a:r>
-                    </a:p>
-                    <a:p>
-                      <a:r>
-                        <a:rPr lang="pt-BR" sz="2800" dirty="0" smtClean="0"/>
-                        <a:t>echo date('d/m/Y H:i:s', $timestamp);</a:t>
-                      </a:r>
-                    </a:p>
-                    <a:p>
-                      <a:r>
-                        <a:rPr lang="pt-BR" sz="2800" dirty="0" smtClean="0"/>
-                        <a:t>// Formata a representação timestamp: 09/06/2012 23:21:27</a:t>
-                      </a:r>
-                    </a:p>
-                    <a:p>
-                      <a:r>
-                        <a:rPr lang="pt-BR" sz="2800" dirty="0" smtClean="0"/>
-                        <a:t>?&gt;</a:t>
-                      </a:r>
-                      <a:endParaRPr lang="pt-BR" sz="2800" dirty="0"/>
-                    </a:p>
-                  </a:txBody>
-                  <a:tcPr>
-                    <a:lnL w="12700" cap="flat" cmpd="sng" algn="ctr">
-                      <a:solidFill>
-                        <a:schemeClr val="tx1"/>
-                      </a:solidFill>
-                      <a:prstDash val="solid"/>
-                      <a:round/>
-                      <a:headEnd type="none" w="med" len="med"/>
-                      <a:tailEnd type="none" w="med" len="med"/>
-                    </a:lnL>
-                    <a:lnR w="12700" cap="flat" cmpd="sng" algn="ctr">
-                      <a:solidFill>
-                        <a:schemeClr val="tx1"/>
-                      </a:solidFill>
-                      <a:prstDash val="solid"/>
-                      <a:round/>
-                      <a:headEnd type="none" w="med" len="med"/>
-                      <a:tailEnd type="none" w="med" len="med"/>
-                    </a:lnR>
-                    <a:lnT w="12700" cap="flat" cmpd="sng" algn="ctr">
-                      <a:solidFill>
-                        <a:schemeClr val="tx1"/>
-                      </a:solidFill>
-                      <a:prstDash val="solid"/>
-                      <a:round/>
-                      <a:headEnd type="none" w="med" len="med"/>
-                      <a:tailEnd type="none" w="med" len="med"/>
-                    </a:lnT>
-                    <a:lnB w="12700" cap="flat" cmpd="sng" algn="ctr">
-                      <a:solidFill>
-                        <a:schemeClr val="tx1"/>
-                      </a:solidFill>
-                      <a:prstDash val="solid"/>
-                      <a:round/>
-                      <a:headEnd type="none" w="med" len="med"/>
-                      <a:tailEnd type="none" w="med" len="med"/>
-                    </a:lnB>
-                  </a:tcPr>
-                </a:tc>
-              </a:tr>
-            </a:tbl>
-          </a:graphicData>
-        </a:graphic>
-      </p:graphicFrame>
-    </p:spTree>
-    <p:extLst>
-      <p:ext uri="{BB962C8B-B14F-4D97-AF65-F5344CB8AC3E}">
-        <p14:creationId xmlns:p14="http://schemas.microsoft.com/office/powerpoint/2010/main" val="3001115698"/>
       </p:ext>
     </p:extLst>
   </p:cSld>
@@ -16328,7 +16574,7 @@
           <p:cNvPr id="3" name="Título 1">
             <a:extLst>
               <a:ext uri="{FF2B5EF4-FFF2-40B4-BE49-F238E27FC236}">
-                <a16:creationId xmlns="" xmlns:a16="http://schemas.microsoft.com/office/drawing/2014/main" id="{489F5D36-DFC3-5141-9F8E-6FACABCF76D1}"/>
+                <a16:creationId xmlns:a16="http://schemas.microsoft.com/office/drawing/2014/main" id="{489F5D36-DFC3-5141-9F8E-6FACABCF76D1}"/>
               </a:ext>
             </a:extLst>
           </p:cNvPr>
@@ -16406,98 +16652,164 @@
         </p:nvSpPr>
         <p:spPr>
           <a:xfrm>
-            <a:off x="450936" y="1285860"/>
-            <a:ext cx="8091815" cy="5286412"/>
+            <a:off x="457200" y="1600200"/>
+            <a:ext cx="8229600" cy="4525963"/>
           </a:xfrm>
         </p:spPr>
         <p:txBody>
-          <a:bodyPr>
-            <a:normAutofit/>
-          </a:bodyPr>
+          <a:bodyPr/>
           <a:lstStyle/>
           <a:p>
             <a:r>
-              <a:rPr lang="pt-BR" i="1" dirty="0" smtClean="0"/>
-              <a:t>mktime</a:t>
+              <a:rPr lang="pt-BR" dirty="0" smtClean="0"/>
+              <a:t>Time</a:t>
             </a:r>
           </a:p>
           <a:p>
             <a:pPr lvl="1"/>
             <a:r>
               <a:rPr lang="pt-BR" dirty="0" smtClean="0"/>
-              <a:t>Retorna o time stamp de uma data específica</a:t>
+              <a:t>Retorna o timestamp Unix atual</a:t>
             </a:r>
           </a:p>
           <a:p>
             <a:pPr lvl="1"/>
-            <a:r>
-              <a:rPr lang="pt-BR" dirty="0" smtClean="0"/>
-              <a:t>Argumentos</a:t>
-            </a:r>
-          </a:p>
-          <a:p>
-            <a:pPr lvl="2"/>
-            <a:r>
-              <a:rPr lang="pt-BR" dirty="0" smtClean="0"/>
-              <a:t>int mktime ([ int $hora [, int $minuto [, int $second [, int $mes [, int $dia [, int $ano [, int $is_dst ]]]]]]] )</a:t>
-            </a:r>
-          </a:p>
-          <a:p>
-            <a:pPr lvl="2"/>
-            <a:r>
-              <a:rPr lang="pt-BR" dirty="0" smtClean="0"/>
-              <a:t>Hora</a:t>
-            </a:r>
-          </a:p>
-          <a:p>
-            <a:pPr lvl="2"/>
-            <a:r>
-              <a:rPr lang="pt-BR" dirty="0" smtClean="0"/>
-              <a:t>Minuto</a:t>
-            </a:r>
-          </a:p>
-          <a:p>
-            <a:pPr lvl="2"/>
-            <a:r>
-              <a:rPr lang="pt-BR" dirty="0" smtClean="0"/>
-              <a:t>Segundos</a:t>
-            </a:r>
-          </a:p>
-          <a:p>
-            <a:pPr lvl="2"/>
-            <a:r>
-              <a:rPr lang="pt-BR" dirty="0" smtClean="0"/>
-              <a:t>Mês</a:t>
-            </a:r>
-          </a:p>
-          <a:p>
-            <a:pPr lvl="2"/>
-            <a:r>
-              <a:rPr lang="pt-BR" dirty="0" smtClean="0"/>
-              <a:t>Dia</a:t>
-            </a:r>
-          </a:p>
-          <a:p>
-            <a:pPr lvl="2"/>
-            <a:r>
-              <a:rPr lang="pt-BR" dirty="0" smtClean="0"/>
-              <a:t>Ano</a:t>
-            </a:r>
-          </a:p>
-          <a:p>
-            <a:pPr lvl="2"/>
-            <a:r>
-              <a:rPr lang="pt-BR" dirty="0" smtClean="0"/>
-              <a:t>Is_dst (Horário de verão)</a:t>
-            </a:r>
-            <a:endParaRPr lang="pt-BR" dirty="0"/>
-          </a:p>
-        </p:txBody>
-      </p:sp>
+            <a:endParaRPr lang="pt-BR" dirty="0" smtClean="0"/>
+          </a:p>
+          <a:p>
+            <a:endParaRPr lang="pt-BR" dirty="0" smtClean="0"/>
+          </a:p>
+        </p:txBody>
+      </p:sp>
+      <p:graphicFrame>
+        <p:nvGraphicFramePr>
+          <p:cNvPr id="5" name="Tabela 4"/>
+          <p:cNvGraphicFramePr>
+            <a:graphicFrameLocks noGrp="1"/>
+          </p:cNvGraphicFramePr>
+          <p:nvPr>
+            <p:extLst>
+              <p:ext uri="{D42A27DB-BD31-4B8C-83A1-F6EECF244321}">
+                <p14:modId xmlns:p14="http://schemas.microsoft.com/office/powerpoint/2010/main" val="592837641"/>
+              </p:ext>
+            </p:extLst>
+          </p:nvPr>
+        </p:nvGraphicFramePr>
+        <p:xfrm>
+          <a:off x="433487" y="2585642"/>
+          <a:ext cx="8253313" cy="3786214"/>
+        </p:xfrm>
+        <a:graphic>
+          <a:graphicData uri="http://schemas.openxmlformats.org/drawingml/2006/table">
+            <a:tbl>
+              <a:tblPr firstRow="1" bandRow="1">
+                <a:tableStyleId>{5C22544A-7EE6-4342-B048-85BDC9FD1C3A}</a:tableStyleId>
+              </a:tblPr>
+              <a:tblGrid>
+                <a:gridCol w="8253313">
+                  <a:extLst>
+                    <a:ext uri="{9D8B030D-6E8A-4147-A177-3AD203B41FA5}">
+                      <a16:colId xmlns:a16="http://schemas.microsoft.com/office/drawing/2014/main" val="20000"/>
+                    </a:ext>
+                  </a:extLst>
+                </a:gridCol>
+              </a:tblGrid>
+              <a:tr h="3786214">
+                <a:tc>
+                  <a:txBody>
+                    <a:bodyPr/>
+                    <a:lstStyle/>
+                    <a:p>
+                      <a:r>
+                        <a:rPr lang="pt-BR" sz="2800" dirty="0" smtClean="0"/>
+                        <a:t>&lt;?php </a:t>
+                      </a:r>
+                    </a:p>
+                    <a:p>
+                      <a:r>
+                        <a:rPr lang="pt-BR" sz="2800" dirty="0" smtClean="0"/>
+                        <a:t>$timestamp = time();</a:t>
+                      </a:r>
+                    </a:p>
+                    <a:p>
+                      <a:r>
+                        <a:rPr lang="pt-BR" sz="2800" dirty="0" smtClean="0"/>
+                        <a:t>// Retorna a representação timestamp atual. Ex.: 1452857315</a:t>
+                      </a:r>
+                    </a:p>
+                    <a:p>
+                      <a:r>
+                        <a:rPr lang="pt-BR" sz="2800" dirty="0" smtClean="0"/>
+                        <a:t>echo date('d/m/Y H:i:s', $timestamp);</a:t>
+                      </a:r>
+                    </a:p>
+                    <a:p>
+                      <a:r>
+                        <a:rPr lang="pt-BR" sz="2800" dirty="0" smtClean="0"/>
+                        <a:t>// Formata a representação timestamp: 09/06/2012 23:21:27</a:t>
+                      </a:r>
+                    </a:p>
+                    <a:p>
+                      <a:r>
+                        <a:rPr lang="pt-BR" sz="2800" dirty="0" smtClean="0"/>
+                        <a:t>?&gt;</a:t>
+                      </a:r>
+                      <a:endParaRPr lang="pt-BR" sz="2800" dirty="0"/>
+                    </a:p>
+                  </a:txBody>
+                  <a:tcPr>
+                    <a:lnL w="12700" cap="flat" cmpd="sng" algn="ctr">
+                      <a:solidFill>
+                        <a:schemeClr val="tx1"/>
+                      </a:solidFill>
+                      <a:prstDash val="solid"/>
+                      <a:round/>
+                      <a:headEnd type="none" w="med" len="med"/>
+                      <a:tailEnd type="none" w="med" len="med"/>
+                    </a:lnL>
+                    <a:lnR w="12700" cap="flat" cmpd="sng" algn="ctr">
+                      <a:solidFill>
+                        <a:schemeClr val="tx1"/>
+                      </a:solidFill>
+                      <a:prstDash val="solid"/>
+                      <a:round/>
+                      <a:headEnd type="none" w="med" len="med"/>
+                      <a:tailEnd type="none" w="med" len="med"/>
+                    </a:lnR>
+                    <a:lnT w="12700" cap="flat" cmpd="sng" algn="ctr">
+                      <a:solidFill>
+                        <a:schemeClr val="tx1"/>
+                      </a:solidFill>
+                      <a:prstDash val="solid"/>
+                      <a:round/>
+                      <a:headEnd type="none" w="med" len="med"/>
+                      <a:tailEnd type="none" w="med" len="med"/>
+                    </a:lnT>
+                    <a:lnB w="12700" cap="flat" cmpd="sng" algn="ctr">
+                      <a:solidFill>
+                        <a:schemeClr val="tx1"/>
+                      </a:solidFill>
+                      <a:prstDash val="solid"/>
+                      <a:round/>
+                      <a:headEnd type="none" w="med" len="med"/>
+                      <a:tailEnd type="none" w="med" len="med"/>
+                    </a:lnB>
+                  </a:tcPr>
+                </a:tc>
+                <a:extLst>
+                  <a:ext uri="{0D108BD9-81ED-4DB2-BD59-A6C34878D82A}">
+                    <a16:rowId xmlns:a16="http://schemas.microsoft.com/office/drawing/2014/main" val="10000"/>
+                  </a:ext>
+                </a:extLst>
+              </a:tr>
+            </a:tbl>
+          </a:graphicData>
+        </a:graphic>
+      </p:graphicFrame>
     </p:spTree>
     <p:extLst>
       <p:ext uri="{BB962C8B-B14F-4D97-AF65-F5344CB8AC3E}">
-        <p14:creationId xmlns:p14="http://schemas.microsoft.com/office/powerpoint/2010/main" val="214518945"/>
+        <p14:creationId xmlns:p14="http://schemas.microsoft.com/office/powerpoint/2010/main" val="3001115698"/>
       </p:ext>
     </p:extLst>
   </p:cSld>
@@ -16550,7 +16862,7 @@
           <p:cNvPr id="3" name="Título 1">
             <a:extLst>
               <a:ext uri="{FF2B5EF4-FFF2-40B4-BE49-F238E27FC236}">
-                <a16:creationId xmlns="" xmlns:a16="http://schemas.microsoft.com/office/drawing/2014/main" id="{489F5D36-DFC3-5141-9F8E-6FACABCF76D1}"/>
+                <a16:creationId xmlns:a16="http://schemas.microsoft.com/office/drawing/2014/main" id="{489F5D36-DFC3-5141-9F8E-6FACABCF76D1}"/>
               </a:ext>
             </a:extLst>
           </p:cNvPr>
@@ -16616,125 +16928,110 @@
           </a:p>
         </p:txBody>
       </p:sp>
-      <p:graphicFrame>
-        <p:nvGraphicFramePr>
-          <p:cNvPr id="4" name="Marcador de Posição de Conteúdo 3"/>
-          <p:cNvGraphicFramePr>
-            <a:graphicFrameLocks noGrp="1"/>
-          </p:cNvGraphicFramePr>
+      <p:sp>
+        <p:nvSpPr>
+          <p:cNvPr id="4" name="Marcador de Posição de Conteúdo 2"/>
+          <p:cNvSpPr>
+            <a:spLocks noGrp="1"/>
+          </p:cNvSpPr>
           <p:nvPr>
             <p:ph idx="1"/>
-            <p:extLst>
-              <p:ext uri="{D42A27DB-BD31-4B8C-83A1-F6EECF244321}">
-                <p14:modId xmlns:p14="http://schemas.microsoft.com/office/powerpoint/2010/main" val="3119140584"/>
-              </p:ext>
-            </p:extLst>
-          </p:nvPr>
-        </p:nvGraphicFramePr>
-        <p:xfrm>
-          <a:off x="546087" y="2188860"/>
-          <a:ext cx="7946559" cy="3357586"/>
-        </p:xfrm>
-        <a:graphic>
-          <a:graphicData uri="http://schemas.openxmlformats.org/drawingml/2006/table">
-            <a:tbl>
-              <a:tblPr firstRow="1" bandRow="1">
-                <a:tableStyleId>{5C22544A-7EE6-4342-B048-85BDC9FD1C3A}</a:tableStyleId>
-              </a:tblPr>
-              <a:tblGrid>
-                <a:gridCol w="7946559"/>
-              </a:tblGrid>
-              <a:tr h="3357586">
-                <a:tc>
-                  <a:txBody>
-                    <a:bodyPr/>
-                    <a:lstStyle/>
-                    <a:p>
-                      <a:r>
-                        <a:rPr lang="pt-BR" sz="3200" dirty="0" smtClean="0"/>
-                        <a:t>&lt;?php</a:t>
-                      </a:r>
-                    </a:p>
-                    <a:p>
-                      <a:r>
-                        <a:rPr lang="pt-BR" sz="3200" dirty="0" smtClean="0"/>
-                        <a:t>    $timestamp = mktime(0, 0, 0, 1, 31, 2016);</a:t>
-                      </a:r>
-                    </a:p>
-                    <a:p>
-                      <a:r>
-                        <a:rPr lang="pt-BR" sz="3200" dirty="0" smtClean="0"/>
-                        <a:t>    //Retorna o timestamp para a data</a:t>
-                      </a:r>
-                    </a:p>
-                    <a:p>
-                      <a:r>
-                        <a:rPr lang="pt-BR" sz="3200" dirty="0" smtClean="0"/>
-                        <a:t>    echo date('d/m/Y H:i:s', $timestamp);</a:t>
-                      </a:r>
-                    </a:p>
-                    <a:p>
-                      <a:r>
-                        <a:rPr lang="pt-BR" sz="3200" dirty="0" smtClean="0"/>
-                        <a:t>    //Formata a representação timestamp</a:t>
-                      </a:r>
-                    </a:p>
-                    <a:p>
-                      <a:r>
-                        <a:rPr lang="pt-BR" sz="3200" dirty="0" smtClean="0"/>
-                        <a:t>?&gt;</a:t>
-                      </a:r>
-                      <a:endParaRPr lang="pt-BR" sz="3200" dirty="0"/>
-                    </a:p>
-                  </a:txBody>
-                  <a:tcPr>
-                    <a:lnL w="12700" cap="flat" cmpd="sng" algn="ctr">
-                      <a:solidFill>
-                        <a:schemeClr val="tx1"/>
-                      </a:solidFill>
-                      <a:prstDash val="solid"/>
-                      <a:round/>
-                      <a:headEnd type="none" w="med" len="med"/>
-                      <a:tailEnd type="none" w="med" len="med"/>
-                    </a:lnL>
-                    <a:lnR w="12700" cap="flat" cmpd="sng" algn="ctr">
-                      <a:solidFill>
-                        <a:schemeClr val="tx1"/>
-                      </a:solidFill>
-                      <a:prstDash val="solid"/>
-                      <a:round/>
-                      <a:headEnd type="none" w="med" len="med"/>
-                      <a:tailEnd type="none" w="med" len="med"/>
-                    </a:lnR>
-                    <a:lnT w="12700" cap="flat" cmpd="sng" algn="ctr">
-                      <a:solidFill>
-                        <a:schemeClr val="tx1"/>
-                      </a:solidFill>
-                      <a:prstDash val="solid"/>
-                      <a:round/>
-                      <a:headEnd type="none" w="med" len="med"/>
-                      <a:tailEnd type="none" w="med" len="med"/>
-                    </a:lnT>
-                    <a:lnB w="12700" cap="flat" cmpd="sng" algn="ctr">
-                      <a:solidFill>
-                        <a:schemeClr val="tx1"/>
-                      </a:solidFill>
-                      <a:prstDash val="solid"/>
-                      <a:round/>
-                      <a:headEnd type="none" w="med" len="med"/>
-                      <a:tailEnd type="none" w="med" len="med"/>
-                    </a:lnB>
-                  </a:tcPr>
-                </a:tc>
-              </a:tr>
-            </a:tbl>
-          </a:graphicData>
-        </a:graphic>
-      </p:graphicFrame>
+          </p:nvPr>
+        </p:nvSpPr>
+        <p:spPr>
+          <a:xfrm>
+            <a:off x="450936" y="1285860"/>
+            <a:ext cx="8091815" cy="5286412"/>
+          </a:xfrm>
+        </p:spPr>
+        <p:txBody>
+          <a:bodyPr>
+            <a:normAutofit/>
+          </a:bodyPr>
+          <a:lstStyle/>
+          <a:p>
+            <a:r>
+              <a:rPr lang="pt-BR" i="1" dirty="0" smtClean="0"/>
+              <a:t>mktime</a:t>
+            </a:r>
+          </a:p>
+          <a:p>
+            <a:pPr lvl="1"/>
+            <a:r>
+              <a:rPr lang="pt-BR" dirty="0" smtClean="0"/>
+              <a:t>Retorna o time stamp de uma data específica</a:t>
+            </a:r>
+          </a:p>
+          <a:p>
+            <a:pPr lvl="1"/>
+            <a:r>
+              <a:rPr lang="pt-BR" dirty="0" smtClean="0"/>
+              <a:t>Argumentos</a:t>
+            </a:r>
+          </a:p>
+          <a:p>
+            <a:pPr lvl="2"/>
+            <a:r>
+              <a:rPr lang="pt-BR" dirty="0" smtClean="0"/>
+              <a:t>int mktime ([ int $hora [, int $minuto [, int $second [, int $mes [, int $dia [, int $ano [, int $is_dst ]]]]]]] )</a:t>
+            </a:r>
+          </a:p>
+          <a:p>
+            <a:pPr lvl="2"/>
+            <a:r>
+              <a:rPr lang="pt-BR" dirty="0" smtClean="0"/>
+              <a:t>Hora</a:t>
+            </a:r>
+          </a:p>
+          <a:p>
+            <a:pPr lvl="2"/>
+            <a:r>
+              <a:rPr lang="pt-BR" dirty="0" smtClean="0"/>
+              <a:t>Minuto</a:t>
+            </a:r>
+          </a:p>
+          <a:p>
+            <a:pPr lvl="2"/>
+            <a:r>
+              <a:rPr lang="pt-BR" dirty="0" smtClean="0"/>
+              <a:t>Segundos</a:t>
+            </a:r>
+          </a:p>
+          <a:p>
+            <a:pPr lvl="2"/>
+            <a:r>
+              <a:rPr lang="pt-BR" dirty="0" smtClean="0"/>
+              <a:t>Mês</a:t>
+            </a:r>
+          </a:p>
+          <a:p>
+            <a:pPr lvl="2"/>
+            <a:r>
+              <a:rPr lang="pt-BR" dirty="0" smtClean="0"/>
+              <a:t>Dia</a:t>
+            </a:r>
+          </a:p>
+          <a:p>
+            <a:pPr lvl="2"/>
+            <a:r>
+              <a:rPr lang="pt-BR" dirty="0" smtClean="0"/>
+              <a:t>Ano</a:t>
+            </a:r>
+          </a:p>
+          <a:p>
+            <a:pPr lvl="2"/>
+            <a:r>
+              <a:rPr lang="pt-BR" dirty="0" smtClean="0"/>
+              <a:t>Is_dst (Horário de verão)</a:t>
+            </a:r>
+            <a:endParaRPr lang="pt-BR" dirty="0"/>
+          </a:p>
+        </p:txBody>
+      </p:sp>
     </p:spTree>
     <p:extLst>
       <p:ext uri="{BB962C8B-B14F-4D97-AF65-F5344CB8AC3E}">
-        <p14:creationId xmlns:p14="http://schemas.microsoft.com/office/powerpoint/2010/main" val="1309023542"/>
+        <p14:creationId xmlns:p14="http://schemas.microsoft.com/office/powerpoint/2010/main" val="214518945"/>
       </p:ext>
     </p:extLst>
   </p:cSld>
@@ -16784,10 +17081,258 @@
       </p:grpSpPr>
       <p:sp>
         <p:nvSpPr>
+          <p:cNvPr id="3" name="Título 1">
+            <a:extLst>
+              <a:ext uri="{FF2B5EF4-FFF2-40B4-BE49-F238E27FC236}">
+                <a16:creationId xmlns:a16="http://schemas.microsoft.com/office/drawing/2014/main" id="{489F5D36-DFC3-5141-9F8E-6FACABCF76D1}"/>
+              </a:ext>
+            </a:extLst>
+          </p:cNvPr>
+          <p:cNvSpPr txBox="1">
+            <a:spLocks/>
+          </p:cNvSpPr>
+          <p:nvPr/>
+        </p:nvSpPr>
+        <p:spPr>
+          <a:xfrm>
+            <a:off x="796637" y="471050"/>
+            <a:ext cx="6089071" cy="692729"/>
+          </a:xfrm>
+          <a:prstGeom prst="rect">
+            <a:avLst/>
+          </a:prstGeom>
+        </p:spPr>
+        <p:txBody>
+          <a:bodyPr vert="horz" lIns="91440" tIns="45720" rIns="91440" bIns="45720" rtlCol="0" anchor="ctr">
+            <a:noAutofit/>
+          </a:bodyPr>
+          <a:lstStyle>
+            <a:lvl1pPr algn="l" defTabSz="914400" rtl="0" eaLnBrk="1" latinLnBrk="0" hangingPunct="1">
+              <a:lnSpc>
+                <a:spcPct val="90000"/>
+              </a:lnSpc>
+              <a:spcBef>
+                <a:spcPct val="0"/>
+              </a:spcBef>
+              <a:buNone/>
+              <a:defRPr sz="4400" kern="1200">
+                <a:solidFill>
+                  <a:schemeClr val="tx1"/>
+                </a:solidFill>
+                <a:latin typeface="+mj-lt"/>
+                <a:ea typeface="+mj-ea"/>
+                <a:cs typeface="+mj-cs"/>
+              </a:defRPr>
+            </a:lvl1pPr>
+          </a:lstStyle>
+          <a:p>
+            <a:r>
+              <a:rPr lang="pt-BR" sz="3600" b="1" dirty="0" smtClean="0">
+                <a:solidFill>
+                  <a:schemeClr val="bg2">
+                    <a:lumMod val="75000"/>
+                  </a:schemeClr>
+                </a:solidFill>
+                <a:latin typeface="+mn-lt"/>
+                <a:cs typeface="Calibri" panose="020F0502020204030204" pitchFamily="34" charset="0"/>
+              </a:rPr>
+              <a:t>Funções com datas</a:t>
+            </a:r>
+            <a:endParaRPr lang="pt-BR" sz="3600" b="1" dirty="0">
+              <a:solidFill>
+                <a:schemeClr val="bg2">
+                  <a:lumMod val="75000"/>
+                </a:schemeClr>
+              </a:solidFill>
+              <a:latin typeface="+mn-lt"/>
+              <a:cs typeface="Calibri" panose="020F0502020204030204" pitchFamily="34" charset="0"/>
+            </a:endParaRPr>
+          </a:p>
+        </p:txBody>
+      </p:sp>
+      <p:graphicFrame>
+        <p:nvGraphicFramePr>
+          <p:cNvPr id="4" name="Marcador de Posição de Conteúdo 3"/>
+          <p:cNvGraphicFramePr>
+            <a:graphicFrameLocks noGrp="1"/>
+          </p:cNvGraphicFramePr>
+          <p:nvPr>
+            <p:ph idx="1"/>
+            <p:extLst>
+              <p:ext uri="{D42A27DB-BD31-4B8C-83A1-F6EECF244321}">
+                <p14:modId xmlns:p14="http://schemas.microsoft.com/office/powerpoint/2010/main" val="3119140584"/>
+              </p:ext>
+            </p:extLst>
+          </p:nvPr>
+        </p:nvGraphicFramePr>
+        <p:xfrm>
+          <a:off x="546087" y="2188860"/>
+          <a:ext cx="7946559" cy="3357586"/>
+        </p:xfrm>
+        <a:graphic>
+          <a:graphicData uri="http://schemas.openxmlformats.org/drawingml/2006/table">
+            <a:tbl>
+              <a:tblPr firstRow="1" bandRow="1">
+                <a:tableStyleId>{5C22544A-7EE6-4342-B048-85BDC9FD1C3A}</a:tableStyleId>
+              </a:tblPr>
+              <a:tblGrid>
+                <a:gridCol w="7946559">
+                  <a:extLst>
+                    <a:ext uri="{9D8B030D-6E8A-4147-A177-3AD203B41FA5}">
+                      <a16:colId xmlns:a16="http://schemas.microsoft.com/office/drawing/2014/main" val="20000"/>
+                    </a:ext>
+                  </a:extLst>
+                </a:gridCol>
+              </a:tblGrid>
+              <a:tr h="3357586">
+                <a:tc>
+                  <a:txBody>
+                    <a:bodyPr/>
+                    <a:lstStyle/>
+                    <a:p>
+                      <a:r>
+                        <a:rPr lang="pt-BR" sz="3200" dirty="0" smtClean="0"/>
+                        <a:t>&lt;?php</a:t>
+                      </a:r>
+                    </a:p>
+                    <a:p>
+                      <a:r>
+                        <a:rPr lang="pt-BR" sz="3200" dirty="0" smtClean="0"/>
+                        <a:t>    $timestamp = mktime(0, 0, 0, 1, 31, 2016);</a:t>
+                      </a:r>
+                    </a:p>
+                    <a:p>
+                      <a:r>
+                        <a:rPr lang="pt-BR" sz="3200" dirty="0" smtClean="0"/>
+                        <a:t>    //Retorna o timestamp para a data</a:t>
+                      </a:r>
+                    </a:p>
+                    <a:p>
+                      <a:r>
+                        <a:rPr lang="pt-BR" sz="3200" dirty="0" smtClean="0"/>
+                        <a:t>    echo date('d/m/Y H:i:s', $timestamp);</a:t>
+                      </a:r>
+                    </a:p>
+                    <a:p>
+                      <a:r>
+                        <a:rPr lang="pt-BR" sz="3200" dirty="0" smtClean="0"/>
+                        <a:t>    //Formata a representação timestamp</a:t>
+                      </a:r>
+                    </a:p>
+                    <a:p>
+                      <a:r>
+                        <a:rPr lang="pt-BR" sz="3200" dirty="0" smtClean="0"/>
+                        <a:t>?&gt;</a:t>
+                      </a:r>
+                      <a:endParaRPr lang="pt-BR" sz="3200" dirty="0"/>
+                    </a:p>
+                  </a:txBody>
+                  <a:tcPr>
+                    <a:lnL w="12700" cap="flat" cmpd="sng" algn="ctr">
+                      <a:solidFill>
+                        <a:schemeClr val="tx1"/>
+                      </a:solidFill>
+                      <a:prstDash val="solid"/>
+                      <a:round/>
+                      <a:headEnd type="none" w="med" len="med"/>
+                      <a:tailEnd type="none" w="med" len="med"/>
+                    </a:lnL>
+                    <a:lnR w="12700" cap="flat" cmpd="sng" algn="ctr">
+                      <a:solidFill>
+                        <a:schemeClr val="tx1"/>
+                      </a:solidFill>
+                      <a:prstDash val="solid"/>
+                      <a:round/>
+                      <a:headEnd type="none" w="med" len="med"/>
+                      <a:tailEnd type="none" w="med" len="med"/>
+                    </a:lnR>
+                    <a:lnT w="12700" cap="flat" cmpd="sng" algn="ctr">
+                      <a:solidFill>
+                        <a:schemeClr val="tx1"/>
+                      </a:solidFill>
+                      <a:prstDash val="solid"/>
+                      <a:round/>
+                      <a:headEnd type="none" w="med" len="med"/>
+                      <a:tailEnd type="none" w="med" len="med"/>
+                    </a:lnT>
+                    <a:lnB w="12700" cap="flat" cmpd="sng" algn="ctr">
+                      <a:solidFill>
+                        <a:schemeClr val="tx1"/>
+                      </a:solidFill>
+                      <a:prstDash val="solid"/>
+                      <a:round/>
+                      <a:headEnd type="none" w="med" len="med"/>
+                      <a:tailEnd type="none" w="med" len="med"/>
+                    </a:lnB>
+                  </a:tcPr>
+                </a:tc>
+                <a:extLst>
+                  <a:ext uri="{0D108BD9-81ED-4DB2-BD59-A6C34878D82A}">
+                    <a16:rowId xmlns:a16="http://schemas.microsoft.com/office/drawing/2014/main" val="10000"/>
+                  </a:ext>
+                </a:extLst>
+              </a:tr>
+            </a:tbl>
+          </a:graphicData>
+        </a:graphic>
+      </p:graphicFrame>
+    </p:spTree>
+    <p:extLst>
+      <p:ext uri="{BB962C8B-B14F-4D97-AF65-F5344CB8AC3E}">
+        <p14:creationId xmlns:p14="http://schemas.microsoft.com/office/powerpoint/2010/main" val="1309023542"/>
+      </p:ext>
+    </p:extLst>
+  </p:cSld>
+  <p:clrMapOvr>
+    <a:masterClrMapping/>
+  </p:clrMapOvr>
+  <p:timing>
+    <p:tnLst>
+      <p:par>
+        <p:cTn id="1" dur="indefinite" restart="never" nodeType="tmRoot"/>
+      </p:par>
+    </p:tnLst>
+  </p:timing>
+</p:sld>
+</file>
+
+<file path=ppt/slides/slide38.xml><?xml version="1.0" encoding="utf-8"?>
+<p:sld xmlns:a="http://schemas.openxmlformats.org/drawingml/2006/main" xmlns:r="http://schemas.openxmlformats.org/officeDocument/2006/relationships" xmlns:p="http://schemas.openxmlformats.org/presentationml/2006/main">
+  <p:cSld>
+    <p:bg>
+      <p:bgPr>
+        <a:blipFill dpi="0" rotWithShape="1">
+          <a:blip r:embed="rId3">
+            <a:lum/>
+          </a:blip>
+          <a:srcRect/>
+          <a:stretch>
+            <a:fillRect/>
+          </a:stretch>
+        </a:blipFill>
+        <a:effectLst/>
+      </p:bgPr>
+    </p:bg>
+    <p:spTree>
+      <p:nvGrpSpPr>
+        <p:cNvPr id="1" name=""/>
+        <p:cNvGrpSpPr/>
+        <p:nvPr/>
+      </p:nvGrpSpPr>
+      <p:grpSpPr>
+        <a:xfrm>
+          <a:off x="0" y="0"/>
+          <a:ext cx="0" cy="0"/>
+          <a:chOff x="0" y="0"/>
+          <a:chExt cx="0" cy="0"/>
+        </a:xfrm>
+      </p:grpSpPr>
+      <p:sp>
+        <p:nvSpPr>
           <p:cNvPr id="7" name="Título 1">
             <a:extLst>
               <a:ext uri="{FF2B5EF4-FFF2-40B4-BE49-F238E27FC236}">
-                <a16:creationId xmlns="" xmlns:a16="http://schemas.microsoft.com/office/drawing/2014/main" id="{489F5D36-DFC3-5141-9F8E-6FACABCF76D1}"/>
+                <a16:creationId xmlns:a16="http://schemas.microsoft.com/office/drawing/2014/main" id="{489F5D36-DFC3-5141-9F8E-6FACABCF76D1}"/>
               </a:ext>
             </a:extLst>
           </p:cNvPr>
@@ -16904,156 +17449,6 @@
 </p:sld>
 </file>
 
-<file path=ppt/slides/slide38.xml><?xml version="1.0" encoding="utf-8"?>
-<p:sld xmlns:a="http://schemas.openxmlformats.org/drawingml/2006/main" xmlns:r="http://schemas.openxmlformats.org/officeDocument/2006/relationships" xmlns:p="http://schemas.openxmlformats.org/presentationml/2006/main">
-  <p:cSld>
-    <p:bg>
-      <p:bgPr>
-        <a:blipFill dpi="0" rotWithShape="1">
-          <a:blip r:embed="rId3">
-            <a:lum/>
-          </a:blip>
-          <a:srcRect/>
-          <a:stretch>
-            <a:fillRect/>
-          </a:stretch>
-        </a:blipFill>
-        <a:effectLst/>
-      </p:bgPr>
-    </p:bg>
-    <p:spTree>
-      <p:nvGrpSpPr>
-        <p:cNvPr id="1" name=""/>
-        <p:cNvGrpSpPr/>
-        <p:nvPr/>
-      </p:nvGrpSpPr>
-      <p:grpSpPr>
-        <a:xfrm>
-          <a:off x="0" y="0"/>
-          <a:ext cx="0" cy="0"/>
-          <a:chOff x="0" y="0"/>
-          <a:chExt cx="0" cy="0"/>
-        </a:xfrm>
-      </p:grpSpPr>
-      <p:sp>
-        <p:nvSpPr>
-          <p:cNvPr id="7" name="Título 1">
-            <a:extLst>
-              <a:ext uri="{FF2B5EF4-FFF2-40B4-BE49-F238E27FC236}">
-                <a16:creationId xmlns="" xmlns:a16="http://schemas.microsoft.com/office/drawing/2014/main" id="{489F5D36-DFC3-5141-9F8E-6FACABCF76D1}"/>
-              </a:ext>
-            </a:extLst>
-          </p:cNvPr>
-          <p:cNvSpPr txBox="1">
-            <a:spLocks/>
-          </p:cNvSpPr>
-          <p:nvPr/>
-        </p:nvSpPr>
-        <p:spPr>
-          <a:xfrm>
-            <a:off x="796637" y="471050"/>
-            <a:ext cx="6089071" cy="692729"/>
-          </a:xfrm>
-          <a:prstGeom prst="rect">
-            <a:avLst/>
-          </a:prstGeom>
-        </p:spPr>
-        <p:txBody>
-          <a:bodyPr vert="horz" lIns="91440" tIns="45720" rIns="91440" bIns="45720" rtlCol="0" anchor="ctr">
-            <a:noAutofit/>
-          </a:bodyPr>
-          <a:lstStyle>
-            <a:lvl1pPr algn="l" defTabSz="914400" rtl="0" eaLnBrk="1" latinLnBrk="0" hangingPunct="1">
-              <a:lnSpc>
-                <a:spcPct val="90000"/>
-              </a:lnSpc>
-              <a:spcBef>
-                <a:spcPct val="0"/>
-              </a:spcBef>
-              <a:buNone/>
-              <a:defRPr sz="4400" kern="1200">
-                <a:solidFill>
-                  <a:schemeClr val="tx1"/>
-                </a:solidFill>
-                <a:latin typeface="+mj-lt"/>
-                <a:ea typeface="+mj-ea"/>
-                <a:cs typeface="+mj-cs"/>
-              </a:defRPr>
-            </a:lvl1pPr>
-          </a:lstStyle>
-          <a:p>
-            <a:r>
-              <a:rPr lang="pt-BR" sz="3600" b="1" dirty="0" smtClean="0">
-                <a:solidFill>
-                  <a:schemeClr val="bg2">
-                    <a:lumMod val="75000"/>
-                  </a:schemeClr>
-                </a:solidFill>
-                <a:latin typeface="+mn-lt"/>
-                <a:cs typeface="Calibri" panose="020F0502020204030204" pitchFamily="34" charset="0"/>
-              </a:rPr>
-              <a:t>Exercício 01 </a:t>
-            </a:r>
-            <a:endParaRPr lang="pt-BR" sz="3600" b="1" dirty="0">
-              <a:solidFill>
-                <a:schemeClr val="bg2">
-                  <a:lumMod val="75000"/>
-                </a:schemeClr>
-              </a:solidFill>
-              <a:latin typeface="+mn-lt"/>
-              <a:cs typeface="Calibri" panose="020F0502020204030204" pitchFamily="34" charset="0"/>
-            </a:endParaRPr>
-          </a:p>
-        </p:txBody>
-      </p:sp>
-      <p:sp>
-        <p:nvSpPr>
-          <p:cNvPr id="4" name="Retângulo 3"/>
-          <p:cNvSpPr/>
-          <p:nvPr/>
-        </p:nvSpPr>
-        <p:spPr>
-          <a:xfrm>
-            <a:off x="526093" y="1853851"/>
-            <a:ext cx="7979080" cy="2677656"/>
-          </a:xfrm>
-          <a:prstGeom prst="rect">
-            <a:avLst/>
-          </a:prstGeom>
-        </p:spPr>
-        <p:txBody>
-          <a:bodyPr wrap="square">
-            <a:spAutoFit/>
-          </a:bodyPr>
-          <a:lstStyle/>
-          <a:p>
-            <a:r>
-              <a:rPr lang="pt-BR" sz="2800" dirty="0"/>
-              <a:t>1. Crie um arquivo chamado funcao.php. Neste arquivo implemente uma função que calcule uma potenciação. Serão passados como parâmetros: a base e o expoente. Feito isso, crie o arquivo potenciacao.php, inclua o arquivo função.php e realize chamadas para a sua função</a:t>
-            </a:r>
-          </a:p>
-        </p:txBody>
-      </p:sp>
-    </p:spTree>
-    <p:extLst>
-      <p:ext uri="{BB962C8B-B14F-4D97-AF65-F5344CB8AC3E}">
-        <p14:creationId xmlns:p14="http://schemas.microsoft.com/office/powerpoint/2010/main" val="2229845613"/>
-      </p:ext>
-    </p:extLst>
-  </p:cSld>
-  <p:clrMapOvr>
-    <a:masterClrMapping/>
-  </p:clrMapOvr>
-  <p:timing>
-    <p:tnLst>
-      <p:par>
-        <p:cTn id="1" dur="indefinite" restart="never" nodeType="tmRoot"/>
-      </p:par>
-    </p:tnLst>
-  </p:timing>
-</p:sld>
-</file>
-
 <file path=ppt/slides/slide39.xml><?xml version="1.0" encoding="utf-8"?>
 <p:sld xmlns:a="http://schemas.openxmlformats.org/drawingml/2006/main" xmlns:r="http://schemas.openxmlformats.org/officeDocument/2006/relationships" xmlns:p="http://schemas.openxmlformats.org/presentationml/2006/main">
   <p:cSld>
@@ -17090,7 +17485,7 @@
           <p:cNvPr id="7" name="Título 1">
             <a:extLst>
               <a:ext uri="{FF2B5EF4-FFF2-40B4-BE49-F238E27FC236}">
-                <a16:creationId xmlns="" xmlns:a16="http://schemas.microsoft.com/office/drawing/2014/main" id="{489F5D36-DFC3-5141-9F8E-6FACABCF76D1}"/>
+                <a16:creationId xmlns:a16="http://schemas.microsoft.com/office/drawing/2014/main" id="{489F5D36-DFC3-5141-9F8E-6FACABCF76D1}"/>
               </a:ext>
             </a:extLst>
           </p:cNvPr>
@@ -17142,7 +17537,7 @@
                 <a:latin typeface="+mn-lt"/>
                 <a:cs typeface="Calibri" panose="020F0502020204030204" pitchFamily="34" charset="0"/>
               </a:rPr>
-              <a:t>Exercício 02 </a:t>
+              <a:t>Exercício 01 </a:t>
             </a:r>
             <a:endParaRPr lang="pt-BR" sz="3600" b="1" dirty="0">
               <a:solidFill>
@@ -17158,14 +17553,14 @@
       </p:sp>
       <p:sp>
         <p:nvSpPr>
-          <p:cNvPr id="2" name="Retângulo 1"/>
+          <p:cNvPr id="4" name="Retângulo 3"/>
           <p:cNvSpPr/>
           <p:nvPr/>
         </p:nvSpPr>
         <p:spPr>
           <a:xfrm>
-            <a:off x="901873" y="2176769"/>
-            <a:ext cx="7290148" cy="2246769"/>
+            <a:off x="526093" y="1853851"/>
+            <a:ext cx="7979080" cy="2677656"/>
           </a:xfrm>
           <a:prstGeom prst="rect">
             <a:avLst/>
@@ -17179,7 +17574,7 @@
           <a:p>
             <a:r>
               <a:rPr lang="pt-BR" sz="2800" dirty="0"/>
-              <a:t>2. Crie um formulário HTML que contenha um campo para informação de um nome. Este nome deverá ser submetido para o PHP, que deverá imprimir: Boa noite, $nome! Realizar a submissão utilizando GET e depois POST.</a:t>
+              <a:t>1. Crie um arquivo chamado funcao.php. Neste arquivo implemente uma função que calcule uma potenciação. Serão passados como parâmetros: a base e o expoente. Feito isso, crie o arquivo potenciacao.php, inclua o arquivo função.php e realize chamadas para a sua função</a:t>
             </a:r>
           </a:p>
         </p:txBody>
@@ -17187,7 +17582,7 @@
     </p:spTree>
     <p:extLst>
       <p:ext uri="{BB962C8B-B14F-4D97-AF65-F5344CB8AC3E}">
-        <p14:creationId xmlns:p14="http://schemas.microsoft.com/office/powerpoint/2010/main" val="3933247708"/>
+        <p14:creationId xmlns:p14="http://schemas.microsoft.com/office/powerpoint/2010/main" val="2229845613"/>
       </p:ext>
     </p:extLst>
   </p:cSld>
@@ -17240,7 +17635,7 @@
           <p:cNvPr id="7" name="Título 1">
             <a:extLst>
               <a:ext uri="{FF2B5EF4-FFF2-40B4-BE49-F238E27FC236}">
-                <a16:creationId xmlns="" xmlns:a16="http://schemas.microsoft.com/office/drawing/2014/main" id="{489F5D36-DFC3-5141-9F8E-6FACABCF76D1}"/>
+                <a16:creationId xmlns:a16="http://schemas.microsoft.com/office/drawing/2014/main" id="{489F5D36-DFC3-5141-9F8E-6FACABCF76D1}"/>
               </a:ext>
             </a:extLst>
           </p:cNvPr>
@@ -17399,7 +17794,7 @@
           <p:cNvPr id="7" name="Título 1">
             <a:extLst>
               <a:ext uri="{FF2B5EF4-FFF2-40B4-BE49-F238E27FC236}">
-                <a16:creationId xmlns="" xmlns:a16="http://schemas.microsoft.com/office/drawing/2014/main" id="{489F5D36-DFC3-5141-9F8E-6FACABCF76D1}"/>
+                <a16:creationId xmlns:a16="http://schemas.microsoft.com/office/drawing/2014/main" id="{489F5D36-DFC3-5141-9F8E-6FACABCF76D1}"/>
               </a:ext>
             </a:extLst>
           </p:cNvPr>
@@ -17451,7 +17846,7 @@
                 <a:latin typeface="+mn-lt"/>
                 <a:cs typeface="Calibri" panose="020F0502020204030204" pitchFamily="34" charset="0"/>
               </a:rPr>
-              <a:t>Exercício 03</a:t>
+              <a:t>Exercício 02 </a:t>
             </a:r>
             <a:endParaRPr lang="pt-BR" sz="3600" b="1" dirty="0">
               <a:solidFill>
@@ -17473,8 +17868,8 @@
         </p:nvSpPr>
         <p:spPr>
           <a:xfrm>
-            <a:off x="1039661" y="2179529"/>
-            <a:ext cx="7240044" cy="2246769"/>
+            <a:off x="901873" y="2176769"/>
+            <a:ext cx="7290148" cy="2246769"/>
           </a:xfrm>
           <a:prstGeom prst="rect">
             <a:avLst/>
@@ -17488,7 +17883,7 @@
           <a:p>
             <a:r>
               <a:rPr lang="pt-BR" sz="2800" dirty="0"/>
-              <a:t>3. Crie uma função PHP que receba um número e imprima os números em sequência seguidos por um traço (o último número não deve conter traço). Exemplo: 1-2-3-4-5-6-7-8-9-10, sendo passado 10 como parâmetro neste caso.</a:t>
+              <a:t>2. Crie um formulário HTML que contenha um campo para informação de um nome. Este nome deverá ser submetido para o PHP, que deverá imprimir: Boa noite, $nome! Realizar a submissão utilizando GET e depois POST.</a:t>
             </a:r>
           </a:p>
         </p:txBody>
@@ -17496,7 +17891,7 @@
     </p:spTree>
     <p:extLst>
       <p:ext uri="{BB962C8B-B14F-4D97-AF65-F5344CB8AC3E}">
-        <p14:creationId xmlns:p14="http://schemas.microsoft.com/office/powerpoint/2010/main" val="169343556"/>
+        <p14:creationId xmlns:p14="http://schemas.microsoft.com/office/powerpoint/2010/main" val="3933247708"/>
       </p:ext>
     </p:extLst>
   </p:cSld>
@@ -17549,7 +17944,7 @@
           <p:cNvPr id="7" name="Título 1">
             <a:extLst>
               <a:ext uri="{FF2B5EF4-FFF2-40B4-BE49-F238E27FC236}">
-                <a16:creationId xmlns="" xmlns:a16="http://schemas.microsoft.com/office/drawing/2014/main" id="{489F5D36-DFC3-5141-9F8E-6FACABCF76D1}"/>
+                <a16:creationId xmlns:a16="http://schemas.microsoft.com/office/drawing/2014/main" id="{489F5D36-DFC3-5141-9F8E-6FACABCF76D1}"/>
               </a:ext>
             </a:extLst>
           </p:cNvPr>
@@ -17601,7 +17996,7 @@
                 <a:latin typeface="+mn-lt"/>
                 <a:cs typeface="Calibri" panose="020F0502020204030204" pitchFamily="34" charset="0"/>
               </a:rPr>
-              <a:t>Exercício 04 </a:t>
+              <a:t>Exercício 03</a:t>
             </a:r>
             <a:endParaRPr lang="pt-BR" sz="3600" b="1" dirty="0">
               <a:solidFill>
@@ -17623,8 +18018,8 @@
         </p:nvSpPr>
         <p:spPr>
           <a:xfrm>
-            <a:off x="1377862" y="2466294"/>
-            <a:ext cx="6125227" cy="1569660"/>
+            <a:off x="1039661" y="2179529"/>
+            <a:ext cx="7240044" cy="2246769"/>
           </a:xfrm>
           <a:prstGeom prst="rect">
             <a:avLst/>
@@ -17637,8 +18032,8 @@
           <a:lstStyle/>
           <a:p>
             <a:r>
-              <a:rPr lang="pt-BR" sz="3200" dirty="0"/>
-              <a:t>4. Faça com que o número passado para a função do exercício anterior venha de um formulário HTML.</a:t>
+              <a:rPr lang="pt-BR" sz="2800" dirty="0"/>
+              <a:t>3. Crie uma função PHP que receba um número e imprima os números em sequência seguidos por um traço (o último número não deve conter traço). Exemplo: 1-2-3-4-5-6-7-8-9-10, sendo passado 10 como parâmetro neste caso.</a:t>
             </a:r>
           </a:p>
         </p:txBody>
@@ -17646,7 +18041,7 @@
     </p:spTree>
     <p:extLst>
       <p:ext uri="{BB962C8B-B14F-4D97-AF65-F5344CB8AC3E}">
-        <p14:creationId xmlns:p14="http://schemas.microsoft.com/office/powerpoint/2010/main" val="4203247213"/>
+        <p14:creationId xmlns:p14="http://schemas.microsoft.com/office/powerpoint/2010/main" val="169343556"/>
       </p:ext>
     </p:extLst>
   </p:cSld>
@@ -17699,7 +18094,7 @@
           <p:cNvPr id="7" name="Título 1">
             <a:extLst>
               <a:ext uri="{FF2B5EF4-FFF2-40B4-BE49-F238E27FC236}">
-                <a16:creationId xmlns="" xmlns:a16="http://schemas.microsoft.com/office/drawing/2014/main" id="{489F5D36-DFC3-5141-9F8E-6FACABCF76D1}"/>
+                <a16:creationId xmlns:a16="http://schemas.microsoft.com/office/drawing/2014/main" id="{489F5D36-DFC3-5141-9F8E-6FACABCF76D1}"/>
               </a:ext>
             </a:extLst>
           </p:cNvPr>
@@ -17751,7 +18146,7 @@
                 <a:latin typeface="+mn-lt"/>
                 <a:cs typeface="Calibri" panose="020F0502020204030204" pitchFamily="34" charset="0"/>
               </a:rPr>
-              <a:t>Exercício 05 </a:t>
+              <a:t>Exercício 04 </a:t>
             </a:r>
             <a:endParaRPr lang="pt-BR" sz="3600" b="1" dirty="0">
               <a:solidFill>
@@ -17773,8 +18168,8 @@
         </p:nvSpPr>
         <p:spPr>
           <a:xfrm>
-            <a:off x="1578279" y="2492679"/>
-            <a:ext cx="5549031" cy="1754326"/>
+            <a:off x="1377862" y="2466294"/>
+            <a:ext cx="6125227" cy="1569660"/>
           </a:xfrm>
           <a:prstGeom prst="rect">
             <a:avLst/>
@@ -17787,8 +18182,8 @@
           <a:lstStyle/>
           <a:p>
             <a:r>
-              <a:rPr lang="pt-BR" sz="3600" dirty="0"/>
-              <a:t>5. Crie um script PHP que imprima as tabuadas de 1 a 10 em uma tabela. </a:t>
+              <a:rPr lang="pt-BR" sz="3200" dirty="0"/>
+              <a:t>4. Faça com que o número passado para a função do exercício anterior venha de um formulário HTML.</a:t>
             </a:r>
           </a:p>
         </p:txBody>
@@ -17796,7 +18191,7 @@
     </p:spTree>
     <p:extLst>
       <p:ext uri="{BB962C8B-B14F-4D97-AF65-F5344CB8AC3E}">
-        <p14:creationId xmlns:p14="http://schemas.microsoft.com/office/powerpoint/2010/main" val="1437378375"/>
+        <p14:creationId xmlns:p14="http://schemas.microsoft.com/office/powerpoint/2010/main" val="4203247213"/>
       </p:ext>
     </p:extLst>
   </p:cSld>
@@ -17849,7 +18244,7 @@
           <p:cNvPr id="7" name="Título 1">
             <a:extLst>
               <a:ext uri="{FF2B5EF4-FFF2-40B4-BE49-F238E27FC236}">
-                <a16:creationId xmlns="" xmlns:a16="http://schemas.microsoft.com/office/drawing/2014/main" id="{489F5D36-DFC3-5141-9F8E-6FACABCF76D1}"/>
+                <a16:creationId xmlns:a16="http://schemas.microsoft.com/office/drawing/2014/main" id="{489F5D36-DFC3-5141-9F8E-6FACABCF76D1}"/>
               </a:ext>
             </a:extLst>
           </p:cNvPr>
@@ -17901,7 +18296,7 @@
                 <a:latin typeface="+mn-lt"/>
                 <a:cs typeface="Calibri" panose="020F0502020204030204" pitchFamily="34" charset="0"/>
               </a:rPr>
-              <a:t>Exercício 06 </a:t>
+              <a:t>Exercício 05 </a:t>
             </a:r>
             <a:endParaRPr lang="pt-BR" sz="3600" b="1" dirty="0">
               <a:solidFill>
@@ -17923,8 +18318,8 @@
         </p:nvSpPr>
         <p:spPr>
           <a:xfrm>
-            <a:off x="1277655" y="1859340"/>
-            <a:ext cx="6751529" cy="3416320"/>
+            <a:off x="1578279" y="2492679"/>
+            <a:ext cx="5549031" cy="1754326"/>
           </a:xfrm>
           <a:prstGeom prst="rect">
             <a:avLst/>
@@ -17937,8 +18332,8 @@
           <a:lstStyle/>
           <a:p>
             <a:r>
-              <a:rPr lang="pt-BR" sz="2400" dirty="0"/>
-              <a:t>6. Considerando o array declarado abaixo, o qual é referente a medições de temperatura de um mês faça um algoritmo que percorra este array e calcule a média de temperaturas. $aTemperaturas = Array(38, 20, 22, 28, 31, 28, 33, 35, 26, 24, 36, 23, 35, 36, 33, 28, 22, 33, 32, 25, 34, 22, 22, 25, 24, 28, 33, 35, 39, 33); * Inicialmente faça utilizando foreach. Depois utilize for ou while e utilize a função count() para saber a quantidade de elementos do array.</a:t>
+              <a:rPr lang="pt-BR" sz="3600" dirty="0"/>
+              <a:t>5. Crie um script PHP que imprima as tabuadas de 1 a 10 em uma tabela. </a:t>
             </a:r>
           </a:p>
         </p:txBody>
@@ -17946,7 +18341,7 @@
     </p:spTree>
     <p:extLst>
       <p:ext uri="{BB962C8B-B14F-4D97-AF65-F5344CB8AC3E}">
-        <p14:creationId xmlns:p14="http://schemas.microsoft.com/office/powerpoint/2010/main" val="2654289288"/>
+        <p14:creationId xmlns:p14="http://schemas.microsoft.com/office/powerpoint/2010/main" val="1437378375"/>
       </p:ext>
     </p:extLst>
   </p:cSld>
@@ -17999,7 +18394,7 @@
           <p:cNvPr id="7" name="Título 1">
             <a:extLst>
               <a:ext uri="{FF2B5EF4-FFF2-40B4-BE49-F238E27FC236}">
-                <a16:creationId xmlns="" xmlns:a16="http://schemas.microsoft.com/office/drawing/2014/main" id="{489F5D36-DFC3-5141-9F8E-6FACABCF76D1}"/>
+                <a16:creationId xmlns:a16="http://schemas.microsoft.com/office/drawing/2014/main" id="{489F5D36-DFC3-5141-9F8E-6FACABCF76D1}"/>
               </a:ext>
             </a:extLst>
           </p:cNvPr>
@@ -18051,7 +18446,7 @@
                 <a:latin typeface="+mn-lt"/>
                 <a:cs typeface="Calibri" panose="020F0502020204030204" pitchFamily="34" charset="0"/>
               </a:rPr>
-              <a:t>Exercício 07</a:t>
+              <a:t>Exercício 06 </a:t>
             </a:r>
             <a:endParaRPr lang="pt-BR" sz="3600" b="1" dirty="0">
               <a:solidFill>
@@ -18073,8 +18468,8 @@
         </p:nvSpPr>
         <p:spPr>
           <a:xfrm>
-            <a:off x="1177447" y="1859340"/>
-            <a:ext cx="6851737" cy="3046988"/>
+            <a:off x="1277655" y="1859340"/>
+            <a:ext cx="6751529" cy="3416320"/>
           </a:xfrm>
           <a:prstGeom prst="rect">
             <a:avLst/>
@@ -18088,7 +18483,7 @@
           <a:p>
             <a:r>
               <a:rPr lang="pt-BR" sz="2400" dirty="0"/>
-              <a:t>7. Desenvolva uma função que receba como parâmetros dois argumentos: um array e um inteiro. Para o parâmetro inteiro, será passado os valores 1 ou 2. A função deve percorrer o array e se foi passado 1 para o segundo parâmetro deverá colocar todos os elementos em maiúsculos, se foi passado 2 em minúsculos. * Utilize constantes para as possibilidades do segundo parâmetro. </a:t>
+              <a:t>6. Considerando o array declarado abaixo, o qual é referente a medições de temperatura de um mês faça um algoritmo que percorra este array e calcule a média de temperaturas. $aTemperaturas = Array(38, 20, 22, 28, 31, 28, 33, 35, 26, 24, 36, 23, 35, 36, 33, 28, 22, 33, 32, 25, 34, 22, 22, 25, 24, 28, 33, 35, 39, 33); * Inicialmente faça utilizando foreach. Depois utilize for ou while e utilize a função count() para saber a quantidade de elementos do array.</a:t>
             </a:r>
           </a:p>
         </p:txBody>
@@ -18096,7 +18491,7 @@
     </p:spTree>
     <p:extLst>
       <p:ext uri="{BB962C8B-B14F-4D97-AF65-F5344CB8AC3E}">
-        <p14:creationId xmlns:p14="http://schemas.microsoft.com/office/powerpoint/2010/main" val="2043605314"/>
+        <p14:creationId xmlns:p14="http://schemas.microsoft.com/office/powerpoint/2010/main" val="2654289288"/>
       </p:ext>
     </p:extLst>
   </p:cSld>
@@ -18149,7 +18544,7 @@
           <p:cNvPr id="7" name="Título 1">
             <a:extLst>
               <a:ext uri="{FF2B5EF4-FFF2-40B4-BE49-F238E27FC236}">
-                <a16:creationId xmlns="" xmlns:a16="http://schemas.microsoft.com/office/drawing/2014/main" id="{489F5D36-DFC3-5141-9F8E-6FACABCF76D1}"/>
+                <a16:creationId xmlns:a16="http://schemas.microsoft.com/office/drawing/2014/main" id="{489F5D36-DFC3-5141-9F8E-6FACABCF76D1}"/>
               </a:ext>
             </a:extLst>
           </p:cNvPr>
@@ -18201,7 +18596,7 @@
                 <a:latin typeface="+mn-lt"/>
                 <a:cs typeface="Calibri" panose="020F0502020204030204" pitchFamily="34" charset="0"/>
               </a:rPr>
-              <a:t>Exercício 08 </a:t>
+              <a:t>Exercício 07</a:t>
             </a:r>
             <a:endParaRPr lang="pt-BR" sz="3600" b="1" dirty="0">
               <a:solidFill>
@@ -18223,8 +18618,8 @@
         </p:nvSpPr>
         <p:spPr>
           <a:xfrm>
-            <a:off x="1089765" y="1929007"/>
-            <a:ext cx="6989523" cy="2677656"/>
+            <a:off x="1177447" y="1859340"/>
+            <a:ext cx="6851737" cy="3046988"/>
           </a:xfrm>
           <a:prstGeom prst="rect">
             <a:avLst/>
@@ -18237,8 +18632,8 @@
           <a:lstStyle/>
           <a:p>
             <a:r>
-              <a:rPr lang="pt-BR" sz="2800" dirty="0"/>
-              <a:t>8. Crie um script PHP que receba o código JSON abaixo, transforme ele em um array, e exiba suas informações na tela (Não utilizar print_r). {"Title": "The Cuckoos Calling", "Author": "Robert Galbraith", "Detail": { "Publisher": "Little Brown" }}</a:t>
+              <a:rPr lang="pt-BR" sz="2400" dirty="0"/>
+              <a:t>7. Desenvolva uma função que receba como parâmetros dois argumentos: um array e um inteiro. Para o parâmetro inteiro, será passado os valores 1 ou 2. A função deve percorrer o array e se foi passado 1 para o segundo parâmetro deverá colocar todos os elementos em maiúsculos, se foi passado 2 em minúsculos. * Utilize constantes para as possibilidades do segundo parâmetro. </a:t>
             </a:r>
           </a:p>
         </p:txBody>
@@ -18246,7 +18641,7 @@
     </p:spTree>
     <p:extLst>
       <p:ext uri="{BB962C8B-B14F-4D97-AF65-F5344CB8AC3E}">
-        <p14:creationId xmlns:p14="http://schemas.microsoft.com/office/powerpoint/2010/main" val="224748337"/>
+        <p14:creationId xmlns:p14="http://schemas.microsoft.com/office/powerpoint/2010/main" val="2043605314"/>
       </p:ext>
     </p:extLst>
   </p:cSld>
@@ -18299,7 +18694,7 @@
           <p:cNvPr id="7" name="Título 1">
             <a:extLst>
               <a:ext uri="{FF2B5EF4-FFF2-40B4-BE49-F238E27FC236}">
-                <a16:creationId xmlns="" xmlns:a16="http://schemas.microsoft.com/office/drawing/2014/main" id="{489F5D36-DFC3-5141-9F8E-6FACABCF76D1}"/>
+                <a16:creationId xmlns:a16="http://schemas.microsoft.com/office/drawing/2014/main" id="{489F5D36-DFC3-5141-9F8E-6FACABCF76D1}"/>
               </a:ext>
             </a:extLst>
           </p:cNvPr>
@@ -18351,7 +18746,7 @@
                 <a:latin typeface="+mn-lt"/>
                 <a:cs typeface="Calibri" panose="020F0502020204030204" pitchFamily="34" charset="0"/>
               </a:rPr>
-              <a:t>Exercício 09</a:t>
+              <a:t>Exercício 08 </a:t>
             </a:r>
             <a:endParaRPr lang="pt-BR" sz="3600" b="1" dirty="0">
               <a:solidFill>
@@ -18373,8 +18768,8 @@
         </p:nvSpPr>
         <p:spPr>
           <a:xfrm>
-            <a:off x="997054" y="2140618"/>
-            <a:ext cx="6668875" cy="3046988"/>
+            <a:off x="1089765" y="1929007"/>
+            <a:ext cx="6989523" cy="2677656"/>
           </a:xfrm>
           <a:prstGeom prst="rect">
             <a:avLst/>
@@ -18387,45 +18782,8 @@
           <a:lstStyle/>
           <a:p>
             <a:r>
-              <a:rPr lang="pt-BR" sz="3200" dirty="0"/>
-              <a:t>9. Crie um script PHP que escreve a data atual nos formatos abaixo listados abaixo: </a:t>
-            </a:r>
-            <a:endParaRPr lang="pt-BR" sz="3200" dirty="0" smtClean="0"/>
-          </a:p>
-          <a:p>
-            <a:pPr marL="514350" indent="-514350">
-              <a:buAutoNum type="alphaLcParenR"/>
-            </a:pPr>
-            <a:r>
-              <a:rPr lang="pt-BR" sz="3200" dirty="0" smtClean="0"/>
-              <a:t>AAAA/MM/DD </a:t>
-            </a:r>
-          </a:p>
-          <a:p>
-            <a:pPr marL="514350" indent="-514350">
-              <a:buAutoNum type="alphaLcParenR"/>
-            </a:pPr>
-            <a:r>
-              <a:rPr lang="pt-BR" sz="3200" dirty="0" smtClean="0"/>
-              <a:t>b</a:t>
-            </a:r>
-            <a:r>
-              <a:rPr lang="pt-BR" sz="3200" dirty="0"/>
-              <a:t>) AA. MM.DD </a:t>
-            </a:r>
-            <a:endParaRPr lang="pt-BR" sz="3200" dirty="0" smtClean="0"/>
-          </a:p>
-          <a:p>
-            <a:pPr marL="514350" indent="-514350">
-              <a:buAutoNum type="alphaLcParenR"/>
-            </a:pPr>
-            <a:r>
-              <a:rPr lang="pt-BR" sz="3200" dirty="0" smtClean="0"/>
-              <a:t>c</a:t>
-            </a:r>
-            <a:r>
-              <a:rPr lang="pt-BR" sz="3200" dirty="0"/>
-              <a:t>) DD-MM-AA </a:t>
+              <a:rPr lang="pt-BR" sz="2800" dirty="0"/>
+              <a:t>8. Crie um script PHP que receba o código JSON abaixo, transforme ele em um array, e exiba suas informações na tela (Não utilizar print_r). {"Title": "The Cuckoos Calling", "Author": "Robert Galbraith", "Detail": { "Publisher": "Little Brown" }}</a:t>
             </a:r>
           </a:p>
         </p:txBody>
@@ -18433,7 +18791,7 @@
     </p:spTree>
     <p:extLst>
       <p:ext uri="{BB962C8B-B14F-4D97-AF65-F5344CB8AC3E}">
-        <p14:creationId xmlns:p14="http://schemas.microsoft.com/office/powerpoint/2010/main" val="4211498133"/>
+        <p14:creationId xmlns:p14="http://schemas.microsoft.com/office/powerpoint/2010/main" val="224748337"/>
       </p:ext>
     </p:extLst>
   </p:cSld>
@@ -18486,7 +18844,194 @@
           <p:cNvPr id="7" name="Título 1">
             <a:extLst>
               <a:ext uri="{FF2B5EF4-FFF2-40B4-BE49-F238E27FC236}">
-                <a16:creationId xmlns="" xmlns:a16="http://schemas.microsoft.com/office/drawing/2014/main" id="{489F5D36-DFC3-5141-9F8E-6FACABCF76D1}"/>
+                <a16:creationId xmlns:a16="http://schemas.microsoft.com/office/drawing/2014/main" id="{489F5D36-DFC3-5141-9F8E-6FACABCF76D1}"/>
+              </a:ext>
+            </a:extLst>
+          </p:cNvPr>
+          <p:cNvSpPr txBox="1">
+            <a:spLocks/>
+          </p:cNvSpPr>
+          <p:nvPr/>
+        </p:nvSpPr>
+        <p:spPr>
+          <a:xfrm>
+            <a:off x="796637" y="471050"/>
+            <a:ext cx="6089071" cy="692729"/>
+          </a:xfrm>
+          <a:prstGeom prst="rect">
+            <a:avLst/>
+          </a:prstGeom>
+        </p:spPr>
+        <p:txBody>
+          <a:bodyPr vert="horz" lIns="91440" tIns="45720" rIns="91440" bIns="45720" rtlCol="0" anchor="ctr">
+            <a:noAutofit/>
+          </a:bodyPr>
+          <a:lstStyle>
+            <a:lvl1pPr algn="l" defTabSz="914400" rtl="0" eaLnBrk="1" latinLnBrk="0" hangingPunct="1">
+              <a:lnSpc>
+                <a:spcPct val="90000"/>
+              </a:lnSpc>
+              <a:spcBef>
+                <a:spcPct val="0"/>
+              </a:spcBef>
+              <a:buNone/>
+              <a:defRPr sz="4400" kern="1200">
+                <a:solidFill>
+                  <a:schemeClr val="tx1"/>
+                </a:solidFill>
+                <a:latin typeface="+mj-lt"/>
+                <a:ea typeface="+mj-ea"/>
+                <a:cs typeface="+mj-cs"/>
+              </a:defRPr>
+            </a:lvl1pPr>
+          </a:lstStyle>
+          <a:p>
+            <a:r>
+              <a:rPr lang="pt-BR" sz="3600" b="1" dirty="0" smtClean="0">
+                <a:solidFill>
+                  <a:schemeClr val="bg2">
+                    <a:lumMod val="75000"/>
+                  </a:schemeClr>
+                </a:solidFill>
+                <a:latin typeface="+mn-lt"/>
+                <a:cs typeface="Calibri" panose="020F0502020204030204" pitchFamily="34" charset="0"/>
+              </a:rPr>
+              <a:t>Exercício 09</a:t>
+            </a:r>
+            <a:endParaRPr lang="pt-BR" sz="3600" b="1" dirty="0">
+              <a:solidFill>
+                <a:schemeClr val="bg2">
+                  <a:lumMod val="75000"/>
+                </a:schemeClr>
+              </a:solidFill>
+              <a:latin typeface="+mn-lt"/>
+              <a:cs typeface="Calibri" panose="020F0502020204030204" pitchFamily="34" charset="0"/>
+            </a:endParaRPr>
+          </a:p>
+        </p:txBody>
+      </p:sp>
+      <p:sp>
+        <p:nvSpPr>
+          <p:cNvPr id="2" name="Retângulo 1"/>
+          <p:cNvSpPr/>
+          <p:nvPr/>
+        </p:nvSpPr>
+        <p:spPr>
+          <a:xfrm>
+            <a:off x="997054" y="2140618"/>
+            <a:ext cx="6668875" cy="3046988"/>
+          </a:xfrm>
+          <a:prstGeom prst="rect">
+            <a:avLst/>
+          </a:prstGeom>
+        </p:spPr>
+        <p:txBody>
+          <a:bodyPr wrap="square">
+            <a:spAutoFit/>
+          </a:bodyPr>
+          <a:lstStyle/>
+          <a:p>
+            <a:r>
+              <a:rPr lang="pt-BR" sz="3200" dirty="0"/>
+              <a:t>9. Crie um script PHP que escreve a data atual nos formatos abaixo listados abaixo: </a:t>
+            </a:r>
+            <a:endParaRPr lang="pt-BR" sz="3200" dirty="0" smtClean="0"/>
+          </a:p>
+          <a:p>
+            <a:pPr marL="514350" indent="-514350">
+              <a:buAutoNum type="alphaLcParenR"/>
+            </a:pPr>
+            <a:r>
+              <a:rPr lang="pt-BR" sz="3200" dirty="0" smtClean="0"/>
+              <a:t>AAAA/MM/DD </a:t>
+            </a:r>
+          </a:p>
+          <a:p>
+            <a:pPr marL="514350" indent="-514350">
+              <a:buAutoNum type="alphaLcParenR"/>
+            </a:pPr>
+            <a:r>
+              <a:rPr lang="pt-BR" sz="3200" dirty="0" smtClean="0"/>
+              <a:t>b</a:t>
+            </a:r>
+            <a:r>
+              <a:rPr lang="pt-BR" sz="3200" dirty="0"/>
+              <a:t>) AA. MM.DD </a:t>
+            </a:r>
+            <a:endParaRPr lang="pt-BR" sz="3200" dirty="0" smtClean="0"/>
+          </a:p>
+          <a:p>
+            <a:pPr marL="514350" indent="-514350">
+              <a:buAutoNum type="alphaLcParenR"/>
+            </a:pPr>
+            <a:r>
+              <a:rPr lang="pt-BR" sz="3200" dirty="0" smtClean="0"/>
+              <a:t>c</a:t>
+            </a:r>
+            <a:r>
+              <a:rPr lang="pt-BR" sz="3200" dirty="0"/>
+              <a:t>) DD-MM-AA </a:t>
+            </a:r>
+          </a:p>
+        </p:txBody>
+      </p:sp>
+    </p:spTree>
+    <p:extLst>
+      <p:ext uri="{BB962C8B-B14F-4D97-AF65-F5344CB8AC3E}">
+        <p14:creationId xmlns:p14="http://schemas.microsoft.com/office/powerpoint/2010/main" val="4211498133"/>
+      </p:ext>
+    </p:extLst>
+  </p:cSld>
+  <p:clrMapOvr>
+    <a:masterClrMapping/>
+  </p:clrMapOvr>
+  <p:timing>
+    <p:tnLst>
+      <p:par>
+        <p:cTn id="1" dur="indefinite" restart="never" nodeType="tmRoot"/>
+      </p:par>
+    </p:tnLst>
+  </p:timing>
+</p:sld>
+</file>
+
+<file path=ppt/slides/slide48.xml><?xml version="1.0" encoding="utf-8"?>
+<p:sld xmlns:a="http://schemas.openxmlformats.org/drawingml/2006/main" xmlns:r="http://schemas.openxmlformats.org/officeDocument/2006/relationships" xmlns:p="http://schemas.openxmlformats.org/presentationml/2006/main">
+  <p:cSld>
+    <p:bg>
+      <p:bgPr>
+        <a:blipFill dpi="0" rotWithShape="1">
+          <a:blip r:embed="rId3">
+            <a:lum/>
+          </a:blip>
+          <a:srcRect/>
+          <a:stretch>
+            <a:fillRect/>
+          </a:stretch>
+        </a:blipFill>
+        <a:effectLst/>
+      </p:bgPr>
+    </p:bg>
+    <p:spTree>
+      <p:nvGrpSpPr>
+        <p:cNvPr id="1" name=""/>
+        <p:cNvGrpSpPr/>
+        <p:nvPr/>
+      </p:nvGrpSpPr>
+      <p:grpSpPr>
+        <a:xfrm>
+          <a:off x="0" y="0"/>
+          <a:ext cx="0" cy="0"/>
+          <a:chOff x="0" y="0"/>
+          <a:chExt cx="0" cy="0"/>
+        </a:xfrm>
+      </p:grpSpPr>
+      <p:sp>
+        <p:nvSpPr>
+          <p:cNvPr id="7" name="Título 1">
+            <a:extLst>
+              <a:ext uri="{FF2B5EF4-FFF2-40B4-BE49-F238E27FC236}">
+                <a16:creationId xmlns:a16="http://schemas.microsoft.com/office/drawing/2014/main" id="{489F5D36-DFC3-5141-9F8E-6FACABCF76D1}"/>
               </a:ext>
             </a:extLst>
           </p:cNvPr>
@@ -18736,229 +19281,6 @@
 </p:sld>
 </file>
 
-<file path=ppt/slides/slide48.xml><?xml version="1.0" encoding="utf-8"?>
-<p:sld xmlns:a="http://schemas.openxmlformats.org/drawingml/2006/main" xmlns:r="http://schemas.openxmlformats.org/officeDocument/2006/relationships" xmlns:p="http://schemas.openxmlformats.org/presentationml/2006/main">
-  <p:cSld>
-    <p:bg>
-      <p:bgPr>
-        <a:blipFill dpi="0" rotWithShape="1">
-          <a:blip r:embed="rId3">
-            <a:lum/>
-          </a:blip>
-          <a:srcRect/>
-          <a:stretch>
-            <a:fillRect/>
-          </a:stretch>
-        </a:blipFill>
-        <a:effectLst/>
-      </p:bgPr>
-    </p:bg>
-    <p:spTree>
-      <p:nvGrpSpPr>
-        <p:cNvPr id="1" name=""/>
-        <p:cNvGrpSpPr/>
-        <p:nvPr/>
-      </p:nvGrpSpPr>
-      <p:grpSpPr>
-        <a:xfrm>
-          <a:off x="0" y="0"/>
-          <a:ext cx="0" cy="0"/>
-          <a:chOff x="0" y="0"/>
-          <a:chExt cx="0" cy="0"/>
-        </a:xfrm>
-      </p:grpSpPr>
-      <p:sp>
-        <p:nvSpPr>
-          <p:cNvPr id="7" name="Título 1">
-            <a:extLst>
-              <a:ext uri="{FF2B5EF4-FFF2-40B4-BE49-F238E27FC236}">
-                <a16:creationId xmlns="" xmlns:a16="http://schemas.microsoft.com/office/drawing/2014/main" id="{489F5D36-DFC3-5141-9F8E-6FACABCF76D1}"/>
-              </a:ext>
-            </a:extLst>
-          </p:cNvPr>
-          <p:cNvSpPr txBox="1">
-            <a:spLocks/>
-          </p:cNvSpPr>
-          <p:nvPr/>
-        </p:nvSpPr>
-        <p:spPr>
-          <a:xfrm>
-            <a:off x="796637" y="471050"/>
-            <a:ext cx="6089071" cy="692729"/>
-          </a:xfrm>
-          <a:prstGeom prst="rect">
-            <a:avLst/>
-          </a:prstGeom>
-        </p:spPr>
-        <p:txBody>
-          <a:bodyPr vert="horz" lIns="91440" tIns="45720" rIns="91440" bIns="45720" rtlCol="0" anchor="ctr">
-            <a:noAutofit/>
-          </a:bodyPr>
-          <a:lstStyle>
-            <a:lvl1pPr algn="l" defTabSz="914400" rtl="0" eaLnBrk="1" latinLnBrk="0" hangingPunct="1">
-              <a:lnSpc>
-                <a:spcPct val="90000"/>
-              </a:lnSpc>
-              <a:spcBef>
-                <a:spcPct val="0"/>
-              </a:spcBef>
-              <a:buNone/>
-              <a:defRPr sz="4400" kern="1200">
-                <a:solidFill>
-                  <a:schemeClr val="tx1"/>
-                </a:solidFill>
-                <a:latin typeface="+mj-lt"/>
-                <a:ea typeface="+mj-ea"/>
-                <a:cs typeface="+mj-cs"/>
-              </a:defRPr>
-            </a:lvl1pPr>
-          </a:lstStyle>
-          <a:p>
-            <a:r>
-              <a:rPr lang="pt-BR" sz="3600" b="1" dirty="0" smtClean="0">
-                <a:solidFill>
-                  <a:schemeClr val="bg2">
-                    <a:lumMod val="75000"/>
-                  </a:schemeClr>
-                </a:solidFill>
-                <a:latin typeface="+mn-lt"/>
-                <a:cs typeface="Calibri" panose="020F0502020204030204" pitchFamily="34" charset="0"/>
-              </a:rPr>
-              <a:t>Exercício 10 </a:t>
-            </a:r>
-            <a:endParaRPr lang="pt-BR" sz="3600" b="1" dirty="0">
-              <a:solidFill>
-                <a:schemeClr val="bg2">
-                  <a:lumMod val="75000"/>
-                </a:schemeClr>
-              </a:solidFill>
-              <a:latin typeface="+mn-lt"/>
-              <a:cs typeface="Calibri" panose="020F0502020204030204" pitchFamily="34" charset="0"/>
-            </a:endParaRPr>
-          </a:p>
-        </p:txBody>
-      </p:sp>
-      <p:sp>
-        <p:nvSpPr>
-          <p:cNvPr id="2" name="Retângulo 1"/>
-          <p:cNvSpPr/>
-          <p:nvPr/>
-        </p:nvSpPr>
-        <p:spPr>
-          <a:xfrm>
-            <a:off x="731492" y="1711167"/>
-            <a:ext cx="7645905" cy="4154984"/>
-          </a:xfrm>
-          <a:prstGeom prst="rect">
-            <a:avLst/>
-          </a:prstGeom>
-        </p:spPr>
-        <p:txBody>
-          <a:bodyPr wrap="square">
-            <a:spAutoFit/>
-          </a:bodyPr>
-          <a:lstStyle/>
-          <a:p>
-            <a:pPr marL="457200" indent="-457200">
-              <a:buAutoNum type="alphaLcParenR"/>
-            </a:pPr>
-            <a:r>
-              <a:rPr lang="pt-BR" sz="2400" dirty="0" smtClean="0"/>
-              <a:t>Transcreva </a:t>
-            </a:r>
-            <a:r>
-              <a:rPr lang="pt-BR" sz="2400" dirty="0"/>
-              <a:t>os dados da tabela em um array</a:t>
-            </a:r>
-            <a:r>
-              <a:rPr lang="pt-BR" sz="2400" dirty="0" smtClean="0"/>
-              <a:t>;</a:t>
-            </a:r>
-          </a:p>
-          <a:p>
-            <a:pPr marL="457200" indent="-457200">
-              <a:buAutoNum type="alphaLcParenR"/>
-            </a:pPr>
-            <a:endParaRPr lang="pt-BR" sz="2400" dirty="0" smtClean="0"/>
-          </a:p>
-          <a:p>
-            <a:pPr marL="457200" indent="-457200">
-              <a:buAutoNum type="alphaLcParenR"/>
-            </a:pPr>
-            <a:r>
-              <a:rPr lang="pt-BR" sz="2400" dirty="0" smtClean="0"/>
-              <a:t>  </a:t>
-            </a:r>
-            <a:r>
-              <a:rPr lang="pt-BR" sz="2400" dirty="0"/>
-              <a:t>Percorra este array e para cada time gere um objeto JSON com seus dados</a:t>
-            </a:r>
-            <a:r>
-              <a:rPr lang="pt-BR" sz="2400" dirty="0" smtClean="0"/>
-              <a:t>;</a:t>
-            </a:r>
-          </a:p>
-          <a:p>
-            <a:pPr marL="457200" indent="-457200">
-              <a:buAutoNum type="alphaLcParenR"/>
-            </a:pPr>
-            <a:endParaRPr lang="pt-BR" sz="2400" dirty="0" smtClean="0"/>
-          </a:p>
-          <a:p>
-            <a:pPr marL="457200" indent="-457200">
-              <a:buAutoNum type="alphaLcParenR"/>
-            </a:pPr>
-            <a:r>
-              <a:rPr lang="pt-BR" sz="2400" dirty="0" smtClean="0"/>
-              <a:t>  </a:t>
-            </a:r>
-            <a:r>
-              <a:rPr lang="pt-BR" sz="2400" dirty="0"/>
-              <a:t>Grave estes dados em um arquivo, de forma que cada time seja uma linha; </a:t>
-            </a:r>
-            <a:endParaRPr lang="pt-BR" sz="2400" dirty="0" smtClean="0"/>
-          </a:p>
-          <a:p>
-            <a:pPr marL="457200" indent="-457200">
-              <a:buAutoNum type="alphaLcParenR"/>
-            </a:pPr>
-            <a:endParaRPr lang="pt-BR" sz="2400" dirty="0" smtClean="0"/>
-          </a:p>
-          <a:p>
-            <a:pPr marL="457200" indent="-457200">
-              <a:buAutoNum type="alphaLcParenR"/>
-            </a:pPr>
-            <a:r>
-              <a:rPr lang="pt-BR" sz="2400" dirty="0" smtClean="0"/>
-              <a:t> </a:t>
-            </a:r>
-            <a:r>
-              <a:rPr lang="pt-BR" sz="2400" dirty="0"/>
-              <a:t>Leia as informações deste arquivo, transcreva novamente em um array e imprima uma tabela com a classificação do campeonato.</a:t>
-            </a:r>
-          </a:p>
-        </p:txBody>
-      </p:sp>
-    </p:spTree>
-    <p:extLst>
-      <p:ext uri="{BB962C8B-B14F-4D97-AF65-F5344CB8AC3E}">
-        <p14:creationId xmlns:p14="http://schemas.microsoft.com/office/powerpoint/2010/main" val="1495503815"/>
-      </p:ext>
-    </p:extLst>
-  </p:cSld>
-  <p:clrMapOvr>
-    <a:masterClrMapping/>
-  </p:clrMapOvr>
-  <p:timing>
-    <p:tnLst>
-      <p:par>
-        <p:cTn id="1" dur="indefinite" restart="never" nodeType="tmRoot"/>
-      </p:par>
-    </p:tnLst>
-  </p:timing>
-</p:sld>
-</file>
-
 <file path=ppt/slides/slide49.xml><?xml version="1.0" encoding="utf-8"?>
 <p:sld xmlns:a="http://schemas.openxmlformats.org/drawingml/2006/main" xmlns:r="http://schemas.openxmlformats.org/officeDocument/2006/relationships" xmlns:p="http://schemas.openxmlformats.org/presentationml/2006/main">
   <p:cSld>
@@ -18995,7 +19317,412 @@
           <p:cNvPr id="7" name="Título 1">
             <a:extLst>
               <a:ext uri="{FF2B5EF4-FFF2-40B4-BE49-F238E27FC236}">
-                <a16:creationId xmlns="" xmlns:a16="http://schemas.microsoft.com/office/drawing/2014/main" id="{489F5D36-DFC3-5141-9F8E-6FACABCF76D1}"/>
+                <a16:creationId xmlns:a16="http://schemas.microsoft.com/office/drawing/2014/main" id="{489F5D36-DFC3-5141-9F8E-6FACABCF76D1}"/>
+              </a:ext>
+            </a:extLst>
+          </p:cNvPr>
+          <p:cNvSpPr txBox="1">
+            <a:spLocks/>
+          </p:cNvSpPr>
+          <p:nvPr/>
+        </p:nvSpPr>
+        <p:spPr>
+          <a:xfrm>
+            <a:off x="796637" y="471050"/>
+            <a:ext cx="6089071" cy="692729"/>
+          </a:xfrm>
+          <a:prstGeom prst="rect">
+            <a:avLst/>
+          </a:prstGeom>
+        </p:spPr>
+        <p:txBody>
+          <a:bodyPr vert="horz" lIns="91440" tIns="45720" rIns="91440" bIns="45720" rtlCol="0" anchor="ctr">
+            <a:noAutofit/>
+          </a:bodyPr>
+          <a:lstStyle>
+            <a:lvl1pPr algn="l" defTabSz="914400" rtl="0" eaLnBrk="1" latinLnBrk="0" hangingPunct="1">
+              <a:lnSpc>
+                <a:spcPct val="90000"/>
+              </a:lnSpc>
+              <a:spcBef>
+                <a:spcPct val="0"/>
+              </a:spcBef>
+              <a:buNone/>
+              <a:defRPr sz="4400" kern="1200">
+                <a:solidFill>
+                  <a:schemeClr val="tx1"/>
+                </a:solidFill>
+                <a:latin typeface="+mj-lt"/>
+                <a:ea typeface="+mj-ea"/>
+                <a:cs typeface="+mj-cs"/>
+              </a:defRPr>
+            </a:lvl1pPr>
+          </a:lstStyle>
+          <a:p>
+            <a:r>
+              <a:rPr lang="pt-BR" sz="3600" b="1" dirty="0" smtClean="0">
+                <a:solidFill>
+                  <a:schemeClr val="bg2">
+                    <a:lumMod val="75000"/>
+                  </a:schemeClr>
+                </a:solidFill>
+                <a:latin typeface="+mn-lt"/>
+                <a:cs typeface="Calibri" panose="020F0502020204030204" pitchFamily="34" charset="0"/>
+              </a:rPr>
+              <a:t>Exercício 10 </a:t>
+            </a:r>
+            <a:endParaRPr lang="pt-BR" sz="3600" b="1" dirty="0">
+              <a:solidFill>
+                <a:schemeClr val="bg2">
+                  <a:lumMod val="75000"/>
+                </a:schemeClr>
+              </a:solidFill>
+              <a:latin typeface="+mn-lt"/>
+              <a:cs typeface="Calibri" panose="020F0502020204030204" pitchFamily="34" charset="0"/>
+            </a:endParaRPr>
+          </a:p>
+        </p:txBody>
+      </p:sp>
+      <p:sp>
+        <p:nvSpPr>
+          <p:cNvPr id="2" name="Retângulo 1"/>
+          <p:cNvSpPr/>
+          <p:nvPr/>
+        </p:nvSpPr>
+        <p:spPr>
+          <a:xfrm>
+            <a:off x="731492" y="1711167"/>
+            <a:ext cx="7645905" cy="4154984"/>
+          </a:xfrm>
+          <a:prstGeom prst="rect">
+            <a:avLst/>
+          </a:prstGeom>
+        </p:spPr>
+        <p:txBody>
+          <a:bodyPr wrap="square">
+            <a:spAutoFit/>
+          </a:bodyPr>
+          <a:lstStyle/>
+          <a:p>
+            <a:pPr marL="457200" indent="-457200">
+              <a:buAutoNum type="alphaLcParenR"/>
+            </a:pPr>
+            <a:r>
+              <a:rPr lang="pt-BR" sz="2400" dirty="0" smtClean="0"/>
+              <a:t>Transcreva </a:t>
+            </a:r>
+            <a:r>
+              <a:rPr lang="pt-BR" sz="2400" dirty="0"/>
+              <a:t>os dados da tabela em um array</a:t>
+            </a:r>
+            <a:r>
+              <a:rPr lang="pt-BR" sz="2400" dirty="0" smtClean="0"/>
+              <a:t>;</a:t>
+            </a:r>
+          </a:p>
+          <a:p>
+            <a:pPr marL="457200" indent="-457200">
+              <a:buAutoNum type="alphaLcParenR"/>
+            </a:pPr>
+            <a:endParaRPr lang="pt-BR" sz="2400" dirty="0" smtClean="0"/>
+          </a:p>
+          <a:p>
+            <a:pPr marL="457200" indent="-457200">
+              <a:buAutoNum type="alphaLcParenR"/>
+            </a:pPr>
+            <a:r>
+              <a:rPr lang="pt-BR" sz="2400" dirty="0" smtClean="0"/>
+              <a:t>  </a:t>
+            </a:r>
+            <a:r>
+              <a:rPr lang="pt-BR" sz="2400" dirty="0"/>
+              <a:t>Percorra este array e para cada time gere um objeto JSON com seus dados</a:t>
+            </a:r>
+            <a:r>
+              <a:rPr lang="pt-BR" sz="2400" dirty="0" smtClean="0"/>
+              <a:t>;</a:t>
+            </a:r>
+          </a:p>
+          <a:p>
+            <a:pPr marL="457200" indent="-457200">
+              <a:buAutoNum type="alphaLcParenR"/>
+            </a:pPr>
+            <a:endParaRPr lang="pt-BR" sz="2400" dirty="0" smtClean="0"/>
+          </a:p>
+          <a:p>
+            <a:pPr marL="457200" indent="-457200">
+              <a:buAutoNum type="alphaLcParenR"/>
+            </a:pPr>
+            <a:r>
+              <a:rPr lang="pt-BR" sz="2400" dirty="0" smtClean="0"/>
+              <a:t>  </a:t>
+            </a:r>
+            <a:r>
+              <a:rPr lang="pt-BR" sz="2400" dirty="0"/>
+              <a:t>Grave estes dados em um arquivo, de forma que cada time seja uma linha; </a:t>
+            </a:r>
+            <a:endParaRPr lang="pt-BR" sz="2400" dirty="0" smtClean="0"/>
+          </a:p>
+          <a:p>
+            <a:pPr marL="457200" indent="-457200">
+              <a:buAutoNum type="alphaLcParenR"/>
+            </a:pPr>
+            <a:endParaRPr lang="pt-BR" sz="2400" dirty="0" smtClean="0"/>
+          </a:p>
+          <a:p>
+            <a:pPr marL="457200" indent="-457200">
+              <a:buAutoNum type="alphaLcParenR"/>
+            </a:pPr>
+            <a:r>
+              <a:rPr lang="pt-BR" sz="2400" dirty="0" smtClean="0"/>
+              <a:t> </a:t>
+            </a:r>
+            <a:r>
+              <a:rPr lang="pt-BR" sz="2400" dirty="0"/>
+              <a:t>Leia as informações deste arquivo, transcreva novamente em um array e imprima uma tabela com a classificação do campeonato.</a:t>
+            </a:r>
+          </a:p>
+        </p:txBody>
+      </p:sp>
+    </p:spTree>
+    <p:extLst>
+      <p:ext uri="{BB962C8B-B14F-4D97-AF65-F5344CB8AC3E}">
+        <p14:creationId xmlns:p14="http://schemas.microsoft.com/office/powerpoint/2010/main" val="1495503815"/>
+      </p:ext>
+    </p:extLst>
+  </p:cSld>
+  <p:clrMapOvr>
+    <a:masterClrMapping/>
+  </p:clrMapOvr>
+  <p:timing>
+    <p:tnLst>
+      <p:par>
+        <p:cTn id="1" dur="indefinite" restart="never" nodeType="tmRoot"/>
+      </p:par>
+    </p:tnLst>
+  </p:timing>
+</p:sld>
+</file>
+
+<file path=ppt/slides/slide5.xml><?xml version="1.0" encoding="utf-8"?>
+<p:sld xmlns:a="http://schemas.openxmlformats.org/drawingml/2006/main" xmlns:r="http://schemas.openxmlformats.org/officeDocument/2006/relationships" xmlns:p="http://schemas.openxmlformats.org/presentationml/2006/main">
+  <p:cSld>
+    <p:bg>
+      <p:bgPr>
+        <a:blipFill dpi="0" rotWithShape="1">
+          <a:blip r:embed="rId3">
+            <a:lum/>
+          </a:blip>
+          <a:srcRect/>
+          <a:stretch>
+            <a:fillRect/>
+          </a:stretch>
+        </a:blipFill>
+        <a:effectLst/>
+      </p:bgPr>
+    </p:bg>
+    <p:spTree>
+      <p:nvGrpSpPr>
+        <p:cNvPr id="1" name=""/>
+        <p:cNvGrpSpPr/>
+        <p:nvPr/>
+      </p:nvGrpSpPr>
+      <p:grpSpPr>
+        <a:xfrm>
+          <a:off x="0" y="0"/>
+          <a:ext cx="0" cy="0"/>
+          <a:chOff x="0" y="0"/>
+          <a:chExt cx="0" cy="0"/>
+        </a:xfrm>
+      </p:grpSpPr>
+      <p:sp>
+        <p:nvSpPr>
+          <p:cNvPr id="7" name="Título 1">
+            <a:extLst>
+              <a:ext uri="{FF2B5EF4-FFF2-40B4-BE49-F238E27FC236}">
+                <a16:creationId xmlns:a16="http://schemas.microsoft.com/office/drawing/2014/main" id="{489F5D36-DFC3-5141-9F8E-6FACABCF76D1}"/>
+              </a:ext>
+            </a:extLst>
+          </p:cNvPr>
+          <p:cNvSpPr txBox="1">
+            <a:spLocks/>
+          </p:cNvSpPr>
+          <p:nvPr/>
+        </p:nvSpPr>
+        <p:spPr>
+          <a:xfrm>
+            <a:off x="796637" y="471050"/>
+            <a:ext cx="6089071" cy="692729"/>
+          </a:xfrm>
+          <a:prstGeom prst="rect">
+            <a:avLst/>
+          </a:prstGeom>
+        </p:spPr>
+        <p:txBody>
+          <a:bodyPr vert="horz" lIns="91440" tIns="45720" rIns="91440" bIns="45720" rtlCol="0" anchor="ctr">
+            <a:noAutofit/>
+          </a:bodyPr>
+          <a:lstStyle>
+            <a:lvl1pPr algn="l" defTabSz="914400" rtl="0" eaLnBrk="1" latinLnBrk="0" hangingPunct="1">
+              <a:lnSpc>
+                <a:spcPct val="90000"/>
+              </a:lnSpc>
+              <a:spcBef>
+                <a:spcPct val="0"/>
+              </a:spcBef>
+              <a:buNone/>
+              <a:defRPr sz="4400" kern="1200">
+                <a:solidFill>
+                  <a:schemeClr val="tx1"/>
+                </a:solidFill>
+                <a:latin typeface="+mj-lt"/>
+                <a:ea typeface="+mj-ea"/>
+                <a:cs typeface="+mj-cs"/>
+              </a:defRPr>
+            </a:lvl1pPr>
+          </a:lstStyle>
+          <a:p>
+            <a:r>
+              <a:rPr lang="pt-BR" sz="3600" b="1" dirty="0" smtClean="0">
+                <a:solidFill>
+                  <a:schemeClr val="bg2">
+                    <a:lumMod val="75000"/>
+                  </a:schemeClr>
+                </a:solidFill>
+                <a:latin typeface="+mn-lt"/>
+                <a:cs typeface="Calibri" panose="020F0502020204030204" pitchFamily="34" charset="0"/>
+              </a:rPr>
+              <a:t>Utilização de includes em PHP</a:t>
+            </a:r>
+            <a:endParaRPr lang="pt-BR" sz="3600" b="1" dirty="0">
+              <a:solidFill>
+                <a:schemeClr val="bg2">
+                  <a:lumMod val="75000"/>
+                </a:schemeClr>
+              </a:solidFill>
+              <a:latin typeface="+mn-lt"/>
+              <a:cs typeface="Calibri" panose="020F0502020204030204" pitchFamily="34" charset="0"/>
+            </a:endParaRPr>
+          </a:p>
+        </p:txBody>
+      </p:sp>
+      <p:sp>
+        <p:nvSpPr>
+          <p:cNvPr id="3" name="Marcador de Posição de Conteúdo 2"/>
+          <p:cNvSpPr>
+            <a:spLocks noGrp="1"/>
+          </p:cNvSpPr>
+          <p:nvPr>
+            <p:ph idx="1"/>
+          </p:nvPr>
+        </p:nvSpPr>
+        <p:spPr>
+          <a:xfrm>
+            <a:off x="457200" y="1600200"/>
+            <a:ext cx="8229600" cy="4525963"/>
+          </a:xfrm>
+        </p:spPr>
+        <p:txBody>
+          <a:bodyPr/>
+          <a:lstStyle/>
+          <a:p>
+            <a:r>
+              <a:rPr lang="pt-BR" dirty="0" smtClean="0"/>
+              <a:t>O PHP oferece algumas funções para realização da inclusão destes arquivos</a:t>
+            </a:r>
+          </a:p>
+          <a:p>
+            <a:pPr lvl="1"/>
+            <a:endParaRPr lang="pt-BR" dirty="0" smtClean="0"/>
+          </a:p>
+          <a:p>
+            <a:pPr lvl="1"/>
+            <a:r>
+              <a:rPr lang="pt-BR" dirty="0" smtClean="0"/>
+              <a:t>Include</a:t>
+            </a:r>
+          </a:p>
+          <a:p>
+            <a:pPr lvl="1"/>
+            <a:r>
+              <a:rPr lang="pt-BR" dirty="0" smtClean="0"/>
+              <a:t>Include_once</a:t>
+            </a:r>
+          </a:p>
+          <a:p>
+            <a:pPr lvl="1"/>
+            <a:r>
+              <a:rPr lang="pt-BR" dirty="0" smtClean="0"/>
+              <a:t>Require</a:t>
+            </a:r>
+          </a:p>
+          <a:p>
+            <a:pPr lvl="1"/>
+            <a:r>
+              <a:rPr lang="pt-BR" dirty="0" smtClean="0"/>
+              <a:t>Require_once</a:t>
+            </a:r>
+            <a:endParaRPr lang="pt-BR" dirty="0"/>
+          </a:p>
+        </p:txBody>
+      </p:sp>
+    </p:spTree>
+    <p:extLst>
+      <p:ext uri="{BB962C8B-B14F-4D97-AF65-F5344CB8AC3E}">
+        <p14:creationId xmlns:p14="http://schemas.microsoft.com/office/powerpoint/2010/main" val="970616642"/>
+      </p:ext>
+    </p:extLst>
+  </p:cSld>
+  <p:clrMapOvr>
+    <a:masterClrMapping/>
+  </p:clrMapOvr>
+  <p:timing>
+    <p:tnLst>
+      <p:par>
+        <p:cTn id="1" dur="indefinite" restart="never" nodeType="tmRoot"/>
+      </p:par>
+    </p:tnLst>
+  </p:timing>
+</p:sld>
+</file>
+
+<file path=ppt/slides/slide50.xml><?xml version="1.0" encoding="utf-8"?>
+<p:sld xmlns:a="http://schemas.openxmlformats.org/drawingml/2006/main" xmlns:r="http://schemas.openxmlformats.org/officeDocument/2006/relationships" xmlns:p="http://schemas.openxmlformats.org/presentationml/2006/main">
+  <p:cSld>
+    <p:bg>
+      <p:bgPr>
+        <a:blipFill dpi="0" rotWithShape="1">
+          <a:blip r:embed="rId3">
+            <a:lum/>
+          </a:blip>
+          <a:srcRect/>
+          <a:stretch>
+            <a:fillRect/>
+          </a:stretch>
+        </a:blipFill>
+        <a:effectLst/>
+      </p:bgPr>
+    </p:bg>
+    <p:spTree>
+      <p:nvGrpSpPr>
+        <p:cNvPr id="1" name=""/>
+        <p:cNvGrpSpPr/>
+        <p:nvPr/>
+      </p:nvGrpSpPr>
+      <p:grpSpPr>
+        <a:xfrm>
+          <a:off x="0" y="0"/>
+          <a:ext cx="0" cy="0"/>
+          <a:chOff x="0" y="0"/>
+          <a:chExt cx="0" cy="0"/>
+        </a:xfrm>
+      </p:grpSpPr>
+      <p:sp>
+        <p:nvSpPr>
+          <p:cNvPr id="7" name="Título 1">
+            <a:extLst>
+              <a:ext uri="{FF2B5EF4-FFF2-40B4-BE49-F238E27FC236}">
+                <a16:creationId xmlns:a16="http://schemas.microsoft.com/office/drawing/2014/main" id="{489F5D36-DFC3-5141-9F8E-6FACABCF76D1}"/>
               </a:ext>
             </a:extLst>
           </p:cNvPr>
@@ -19122,189 +19849,7 @@
 </p:sld>
 </file>
 
-<file path=ppt/slides/slide5.xml><?xml version="1.0" encoding="utf-8"?>
-<p:sld xmlns:a="http://schemas.openxmlformats.org/drawingml/2006/main" xmlns:r="http://schemas.openxmlformats.org/officeDocument/2006/relationships" xmlns:p="http://schemas.openxmlformats.org/presentationml/2006/main">
-  <p:cSld>
-    <p:bg>
-      <p:bgPr>
-        <a:blipFill dpi="0" rotWithShape="1">
-          <a:blip r:embed="rId3">
-            <a:lum/>
-          </a:blip>
-          <a:srcRect/>
-          <a:stretch>
-            <a:fillRect/>
-          </a:stretch>
-        </a:blipFill>
-        <a:effectLst/>
-      </p:bgPr>
-    </p:bg>
-    <p:spTree>
-      <p:nvGrpSpPr>
-        <p:cNvPr id="1" name=""/>
-        <p:cNvGrpSpPr/>
-        <p:nvPr/>
-      </p:nvGrpSpPr>
-      <p:grpSpPr>
-        <a:xfrm>
-          <a:off x="0" y="0"/>
-          <a:ext cx="0" cy="0"/>
-          <a:chOff x="0" y="0"/>
-          <a:chExt cx="0" cy="0"/>
-        </a:xfrm>
-      </p:grpSpPr>
-      <p:sp>
-        <p:nvSpPr>
-          <p:cNvPr id="7" name="Título 1">
-            <a:extLst>
-              <a:ext uri="{FF2B5EF4-FFF2-40B4-BE49-F238E27FC236}">
-                <a16:creationId xmlns="" xmlns:a16="http://schemas.microsoft.com/office/drawing/2014/main" id="{489F5D36-DFC3-5141-9F8E-6FACABCF76D1}"/>
-              </a:ext>
-            </a:extLst>
-          </p:cNvPr>
-          <p:cNvSpPr txBox="1">
-            <a:spLocks/>
-          </p:cNvSpPr>
-          <p:nvPr/>
-        </p:nvSpPr>
-        <p:spPr>
-          <a:xfrm>
-            <a:off x="796637" y="471050"/>
-            <a:ext cx="6089071" cy="692729"/>
-          </a:xfrm>
-          <a:prstGeom prst="rect">
-            <a:avLst/>
-          </a:prstGeom>
-        </p:spPr>
-        <p:txBody>
-          <a:bodyPr vert="horz" lIns="91440" tIns="45720" rIns="91440" bIns="45720" rtlCol="0" anchor="ctr">
-            <a:noAutofit/>
-          </a:bodyPr>
-          <a:lstStyle>
-            <a:lvl1pPr algn="l" defTabSz="914400" rtl="0" eaLnBrk="1" latinLnBrk="0" hangingPunct="1">
-              <a:lnSpc>
-                <a:spcPct val="90000"/>
-              </a:lnSpc>
-              <a:spcBef>
-                <a:spcPct val="0"/>
-              </a:spcBef>
-              <a:buNone/>
-              <a:defRPr sz="4400" kern="1200">
-                <a:solidFill>
-                  <a:schemeClr val="tx1"/>
-                </a:solidFill>
-                <a:latin typeface="+mj-lt"/>
-                <a:ea typeface="+mj-ea"/>
-                <a:cs typeface="+mj-cs"/>
-              </a:defRPr>
-            </a:lvl1pPr>
-          </a:lstStyle>
-          <a:p>
-            <a:r>
-              <a:rPr lang="pt-BR" sz="3600" b="1" dirty="0" smtClean="0">
-                <a:solidFill>
-                  <a:schemeClr val="bg2">
-                    <a:lumMod val="75000"/>
-                  </a:schemeClr>
-                </a:solidFill>
-                <a:latin typeface="+mn-lt"/>
-                <a:cs typeface="Calibri" panose="020F0502020204030204" pitchFamily="34" charset="0"/>
-              </a:rPr>
-              <a:t>Utilização de includes em PHP</a:t>
-            </a:r>
-            <a:endParaRPr lang="pt-BR" sz="3600" b="1" dirty="0">
-              <a:solidFill>
-                <a:schemeClr val="bg2">
-                  <a:lumMod val="75000"/>
-                </a:schemeClr>
-              </a:solidFill>
-              <a:latin typeface="+mn-lt"/>
-              <a:cs typeface="Calibri" panose="020F0502020204030204" pitchFamily="34" charset="0"/>
-            </a:endParaRPr>
-          </a:p>
-        </p:txBody>
-      </p:sp>
-      <p:sp>
-        <p:nvSpPr>
-          <p:cNvPr id="3" name="Marcador de Posição de Conteúdo 2"/>
-          <p:cNvSpPr>
-            <a:spLocks noGrp="1"/>
-          </p:cNvSpPr>
-          <p:nvPr>
-            <p:ph idx="1"/>
-          </p:nvPr>
-        </p:nvSpPr>
-        <p:spPr>
-          <a:xfrm>
-            <a:off x="457200" y="1600200"/>
-            <a:ext cx="8229600" cy="4525963"/>
-          </a:xfrm>
-        </p:spPr>
-        <p:txBody>
-          <a:bodyPr/>
-          <a:lstStyle/>
-          <a:p>
-            <a:r>
-              <a:rPr lang="pt-BR" dirty="0" smtClean="0"/>
-              <a:t>O PHP oferece algumas funções para realização da inclusão destes arquivos</a:t>
-            </a:r>
-          </a:p>
-          <a:p>
-            <a:pPr lvl="1"/>
-            <a:endParaRPr lang="pt-BR" dirty="0" smtClean="0"/>
-          </a:p>
-          <a:p>
-            <a:pPr lvl="1"/>
-            <a:r>
-              <a:rPr lang="pt-BR" dirty="0" smtClean="0"/>
-              <a:t>Include</a:t>
-            </a:r>
-          </a:p>
-          <a:p>
-            <a:pPr lvl="1"/>
-            <a:r>
-              <a:rPr lang="pt-BR" dirty="0" smtClean="0"/>
-              <a:t>Include_once</a:t>
-            </a:r>
-          </a:p>
-          <a:p>
-            <a:pPr lvl="1"/>
-            <a:r>
-              <a:rPr lang="pt-BR" dirty="0" smtClean="0"/>
-              <a:t>Require</a:t>
-            </a:r>
-          </a:p>
-          <a:p>
-            <a:pPr lvl="1"/>
-            <a:r>
-              <a:rPr lang="pt-BR" dirty="0" smtClean="0"/>
-              <a:t>Require_once</a:t>
-            </a:r>
-            <a:endParaRPr lang="pt-BR" dirty="0"/>
-          </a:p>
-        </p:txBody>
-      </p:sp>
-    </p:spTree>
-    <p:extLst>
-      <p:ext uri="{BB962C8B-B14F-4D97-AF65-F5344CB8AC3E}">
-        <p14:creationId xmlns:p14="http://schemas.microsoft.com/office/powerpoint/2010/main" val="970616642"/>
-      </p:ext>
-    </p:extLst>
-  </p:cSld>
-  <p:clrMapOvr>
-    <a:masterClrMapping/>
-  </p:clrMapOvr>
-  <p:timing>
-    <p:tnLst>
-      <p:par>
-        <p:cTn id="1" dur="indefinite" restart="never" nodeType="tmRoot"/>
-      </p:par>
-    </p:tnLst>
-  </p:timing>
-</p:sld>
-</file>
-
-<file path=ppt/slides/slide50.xml><?xml version="1.0" encoding="utf-8"?>
+<file path=ppt/slides/slide51.xml><?xml version="1.0" encoding="utf-8"?>
 <p:sld xmlns:a="http://schemas.openxmlformats.org/drawingml/2006/main" xmlns:r="http://schemas.openxmlformats.org/officeDocument/2006/relationships" xmlns:p="http://schemas.openxmlformats.org/presentationml/2006/main">
   <p:cSld>
     <p:bg>
@@ -19384,7 +19929,7 @@
           <p:cNvPr id="7" name="Título 1">
             <a:extLst>
               <a:ext uri="{FF2B5EF4-FFF2-40B4-BE49-F238E27FC236}">
-                <a16:creationId xmlns="" xmlns:a16="http://schemas.microsoft.com/office/drawing/2014/main" id="{489F5D36-DFC3-5141-9F8E-6FACABCF76D1}"/>
+                <a16:creationId xmlns:a16="http://schemas.microsoft.com/office/drawing/2014/main" id="{489F5D36-DFC3-5141-9F8E-6FACABCF76D1}"/>
               </a:ext>
             </a:extLst>
           </p:cNvPr>
@@ -19571,7 +20116,7 @@
           <p:cNvPr id="7" name="Título 1">
             <a:extLst>
               <a:ext uri="{FF2B5EF4-FFF2-40B4-BE49-F238E27FC236}">
-                <a16:creationId xmlns="" xmlns:a16="http://schemas.microsoft.com/office/drawing/2014/main" id="{489F5D36-DFC3-5141-9F8E-6FACABCF76D1}"/>
+                <a16:creationId xmlns:a16="http://schemas.microsoft.com/office/drawing/2014/main" id="{489F5D36-DFC3-5141-9F8E-6FACABCF76D1}"/>
               </a:ext>
             </a:extLst>
           </p:cNvPr>
@@ -19663,7 +20208,13 @@
                 <a:tableStyleId>{5C22544A-7EE6-4342-B048-85BDC9FD1C3A}</a:tableStyleId>
               </a:tblPr>
               <a:tblGrid>
-                <a:gridCol w="7459249"/>
+                <a:gridCol w="7459249">
+                  <a:extLst>
+                    <a:ext uri="{9D8B030D-6E8A-4147-A177-3AD203B41FA5}">
+                      <a16:colId xmlns:a16="http://schemas.microsoft.com/office/drawing/2014/main" val="20000"/>
+                    </a:ext>
+                  </a:extLst>
+                </a:gridCol>
               </a:tblGrid>
               <a:tr h="370840">
                 <a:tc>
@@ -19781,6 +20332,11 @@
                     </a:lnB>
                   </a:tcPr>
                 </a:tc>
+                <a:extLst>
+                  <a:ext uri="{0D108BD9-81ED-4DB2-BD59-A6C34878D82A}">
+                    <a16:rowId xmlns:a16="http://schemas.microsoft.com/office/drawing/2014/main" val="10000"/>
+                  </a:ext>
+                </a:extLst>
               </a:tr>
             </a:tbl>
           </a:graphicData>
@@ -19811,8 +20367,20 @@
                 <a:tableStyleId>{5C22544A-7EE6-4342-B048-85BDC9FD1C3A}</a:tableStyleId>
               </a:tblPr>
               <a:tblGrid>
-                <a:gridCol w="4119570"/>
-                <a:gridCol w="4119570"/>
+                <a:gridCol w="4119570">
+                  <a:extLst>
+                    <a:ext uri="{9D8B030D-6E8A-4147-A177-3AD203B41FA5}">
+                      <a16:colId xmlns:a16="http://schemas.microsoft.com/office/drawing/2014/main" val="20000"/>
+                    </a:ext>
+                  </a:extLst>
+                </a:gridCol>
+                <a:gridCol w="4119570">
+                  <a:extLst>
+                    <a:ext uri="{9D8B030D-6E8A-4147-A177-3AD203B41FA5}">
+                      <a16:colId xmlns:a16="http://schemas.microsoft.com/office/drawing/2014/main" val="20001"/>
+                    </a:ext>
+                  </a:extLst>
+                </a:gridCol>
               </a:tblGrid>
               <a:tr h="370840">
                 <a:tc>
@@ -19990,6 +20558,11 @@
                     </a:lnB>
                   </a:tcPr>
                 </a:tc>
+                <a:extLst>
+                  <a:ext uri="{0D108BD9-81ED-4DB2-BD59-A6C34878D82A}">
+                    <a16:rowId xmlns:a16="http://schemas.microsoft.com/office/drawing/2014/main" val="10000"/>
+                  </a:ext>
+                </a:extLst>
               </a:tr>
             </a:tbl>
           </a:graphicData>
@@ -20051,7 +20624,7 @@
           <p:cNvPr id="7" name="Título 1">
             <a:extLst>
               <a:ext uri="{FF2B5EF4-FFF2-40B4-BE49-F238E27FC236}">
-                <a16:creationId xmlns="" xmlns:a16="http://schemas.microsoft.com/office/drawing/2014/main" id="{489F5D36-DFC3-5141-9F8E-6FACABCF76D1}"/>
+                <a16:creationId xmlns:a16="http://schemas.microsoft.com/office/drawing/2014/main" id="{489F5D36-DFC3-5141-9F8E-6FACABCF76D1}"/>
               </a:ext>
             </a:extLst>
           </p:cNvPr>
@@ -20177,7 +20750,13 @@
                 <a:tableStyleId>{5C22544A-7EE6-4342-B048-85BDC9FD1C3A}</a:tableStyleId>
               </a:tblPr>
               <a:tblGrid>
-                <a:gridCol w="6913028"/>
+                <a:gridCol w="6913028">
+                  <a:extLst>
+                    <a:ext uri="{9D8B030D-6E8A-4147-A177-3AD203B41FA5}">
+                      <a16:colId xmlns:a16="http://schemas.microsoft.com/office/drawing/2014/main" val="20000"/>
+                    </a:ext>
+                  </a:extLst>
+                </a:gridCol>
               </a:tblGrid>
               <a:tr h="3500462">
                 <a:tc>
@@ -20298,6 +20877,11 @@
                   </a:txBody>
                   <a:tcPr/>
                 </a:tc>
+                <a:extLst>
+                  <a:ext uri="{0D108BD9-81ED-4DB2-BD59-A6C34878D82A}">
+                    <a16:rowId xmlns:a16="http://schemas.microsoft.com/office/drawing/2014/main" val="10000"/>
+                  </a:ext>
+                </a:extLst>
               </a:tr>
             </a:tbl>
           </a:graphicData>
@@ -20359,7 +20943,7 @@
           <p:cNvPr id="7" name="Título 1">
             <a:extLst>
               <a:ext uri="{FF2B5EF4-FFF2-40B4-BE49-F238E27FC236}">
-                <a16:creationId xmlns="" xmlns:a16="http://schemas.microsoft.com/office/drawing/2014/main" id="{489F5D36-DFC3-5141-9F8E-6FACABCF76D1}"/>
+                <a16:creationId xmlns:a16="http://schemas.microsoft.com/office/drawing/2014/main" id="{489F5D36-DFC3-5141-9F8E-6FACABCF76D1}"/>
               </a:ext>
             </a:extLst>
           </p:cNvPr>
@@ -20739,7 +21323,7 @@
   <a:extraClrSchemeLst/>
   <a:extLst>
     <a:ext uri="{05A4C25C-085E-4340-85A3-A5531E510DB2}">
-      <thm15:themeFamily xmlns="" xmlns:thm15="http://schemas.microsoft.com/office/thememl/2012/main" name="Office Theme" id="{62F939B6-93AF-4DB8-9C6B-D6C7DFDC589F}" vid="{4A3C46E8-61CC-4603-A589-7422A47A8E4A}"/>
+      <thm15:themeFamily xmlns:thm15="http://schemas.microsoft.com/office/thememl/2012/main" name="Office Theme" id="{62F939B6-93AF-4DB8-9C6B-D6C7DFDC589F}" vid="{4A3C46E8-61CC-4603-A589-7422A47A8E4A}"/>
     </a:ext>
   </a:extLst>
 </a:theme>
@@ -21034,7 +21618,7 @@
   <a:extraClrSchemeLst/>
   <a:extLst>
     <a:ext uri="{05A4C25C-085E-4340-85A3-A5531E510DB2}">
-      <thm15:themeFamily xmlns="" xmlns:thm15="http://schemas.microsoft.com/office/thememl/2012/main" name="Office Theme" id="{62F939B6-93AF-4DB8-9C6B-D6C7DFDC589F}" vid="{4A3C46E8-61CC-4603-A589-7422A47A8E4A}"/>
+      <thm15:themeFamily xmlns:thm15="http://schemas.microsoft.com/office/thememl/2012/main" name="Office Theme" id="{62F939B6-93AF-4DB8-9C6B-D6C7DFDC589F}" vid="{4A3C46E8-61CC-4603-A589-7422A47A8E4A}"/>
     </a:ext>
   </a:extLst>
 </a:theme>

--- a/slides/SLIDE 05 - NOCOES BASICAS PHP 03.pptx
+++ b/slides/SLIDE 05 - NOCOES BASICAS PHP 03.pptx
@@ -5,7 +5,7 @@
     <p:sldMasterId id="2147483660" r:id="rId1"/>
   </p:sldMasterIdLst>
   <p:notesMasterIdLst>
-    <p:notesMasterId r:id="rId53"/>
+    <p:notesMasterId r:id="rId58"/>
   </p:notesMasterIdLst>
   <p:sldIdLst>
     <p:sldId id="256" r:id="rId2"/>
@@ -22,43 +22,48 @@
     <p:sldId id="295" r:id="rId13"/>
     <p:sldId id="294" r:id="rId14"/>
     <p:sldId id="293" r:id="rId15"/>
-    <p:sldId id="292" r:id="rId16"/>
-    <p:sldId id="291" r:id="rId17"/>
-    <p:sldId id="290" r:id="rId18"/>
-    <p:sldId id="289" r:id="rId19"/>
-    <p:sldId id="288" r:id="rId20"/>
-    <p:sldId id="287" r:id="rId21"/>
-    <p:sldId id="286" r:id="rId22"/>
-    <p:sldId id="285" r:id="rId23"/>
-    <p:sldId id="284" r:id="rId24"/>
-    <p:sldId id="283" r:id="rId25"/>
-    <p:sldId id="282" r:id="rId26"/>
-    <p:sldId id="281" r:id="rId27"/>
-    <p:sldId id="280" r:id="rId28"/>
-    <p:sldId id="279" r:id="rId29"/>
-    <p:sldId id="278" r:id="rId30"/>
-    <p:sldId id="277" r:id="rId31"/>
-    <p:sldId id="276" r:id="rId32"/>
-    <p:sldId id="275" r:id="rId33"/>
-    <p:sldId id="274" r:id="rId34"/>
-    <p:sldId id="273" r:id="rId35"/>
-    <p:sldId id="272" r:id="rId36"/>
-    <p:sldId id="271" r:id="rId37"/>
-    <p:sldId id="270" r:id="rId38"/>
-    <p:sldId id="269" r:id="rId39"/>
-    <p:sldId id="268" r:id="rId40"/>
-    <p:sldId id="302" r:id="rId41"/>
-    <p:sldId id="303" r:id="rId42"/>
-    <p:sldId id="309" r:id="rId43"/>
-    <p:sldId id="308" r:id="rId44"/>
-    <p:sldId id="307" r:id="rId45"/>
-    <p:sldId id="306" r:id="rId46"/>
-    <p:sldId id="305" r:id="rId47"/>
-    <p:sldId id="304" r:id="rId48"/>
-    <p:sldId id="301" r:id="rId49"/>
-    <p:sldId id="310" r:id="rId50"/>
-    <p:sldId id="311" r:id="rId51"/>
-    <p:sldId id="260" r:id="rId52"/>
+    <p:sldId id="313" r:id="rId16"/>
+    <p:sldId id="292" r:id="rId17"/>
+    <p:sldId id="291" r:id="rId18"/>
+    <p:sldId id="290" r:id="rId19"/>
+    <p:sldId id="289" r:id="rId20"/>
+    <p:sldId id="288" r:id="rId21"/>
+    <p:sldId id="287" r:id="rId22"/>
+    <p:sldId id="286" r:id="rId23"/>
+    <p:sldId id="314" r:id="rId24"/>
+    <p:sldId id="285" r:id="rId25"/>
+    <p:sldId id="284" r:id="rId26"/>
+    <p:sldId id="283" r:id="rId27"/>
+    <p:sldId id="282" r:id="rId28"/>
+    <p:sldId id="281" r:id="rId29"/>
+    <p:sldId id="315" r:id="rId30"/>
+    <p:sldId id="280" r:id="rId31"/>
+    <p:sldId id="279" r:id="rId32"/>
+    <p:sldId id="278" r:id="rId33"/>
+    <p:sldId id="277" r:id="rId34"/>
+    <p:sldId id="276" r:id="rId35"/>
+    <p:sldId id="316" r:id="rId36"/>
+    <p:sldId id="275" r:id="rId37"/>
+    <p:sldId id="274" r:id="rId38"/>
+    <p:sldId id="273" r:id="rId39"/>
+    <p:sldId id="272" r:id="rId40"/>
+    <p:sldId id="271" r:id="rId41"/>
+    <p:sldId id="270" r:id="rId42"/>
+    <p:sldId id="317" r:id="rId43"/>
+    <p:sldId id="269" r:id="rId44"/>
+    <p:sldId id="268" r:id="rId45"/>
+    <p:sldId id="302" r:id="rId46"/>
+    <p:sldId id="303" r:id="rId47"/>
+    <p:sldId id="309" r:id="rId48"/>
+    <p:sldId id="308" r:id="rId49"/>
+    <p:sldId id="307" r:id="rId50"/>
+    <p:sldId id="306" r:id="rId51"/>
+    <p:sldId id="305" r:id="rId52"/>
+    <p:sldId id="304" r:id="rId53"/>
+    <p:sldId id="301" r:id="rId54"/>
+    <p:sldId id="310" r:id="rId55"/>
+    <p:sldId id="311" r:id="rId56"/>
+    <p:sldId id="260" r:id="rId57"/>
   </p:sldIdLst>
   <p:sldSz cx="9144000" cy="6858000" type="screen4x3"/>
   <p:notesSz cx="6858000" cy="9144000"/>
@@ -1019,7 +1024,7 @@
     </p:spTree>
     <p:extLst>
       <p:ext uri="{BB962C8B-B14F-4D97-AF65-F5344CB8AC3E}">
-        <p14:creationId xmlns:p14="http://schemas.microsoft.com/office/powerpoint/2010/main" val="3572812287"/>
+        <p14:creationId xmlns:p14="http://schemas.microsoft.com/office/powerpoint/2010/main" val="3968620185"/>
       </p:ext>
     </p:extLst>
   </p:cSld>
@@ -1775,7 +1780,7 @@
     </p:spTree>
     <p:extLst>
       <p:ext uri="{BB962C8B-B14F-4D97-AF65-F5344CB8AC3E}">
-        <p14:creationId xmlns:p14="http://schemas.microsoft.com/office/powerpoint/2010/main" val="3572812287"/>
+        <p14:creationId xmlns:p14="http://schemas.microsoft.com/office/powerpoint/2010/main" val="2903579428"/>
       </p:ext>
     </p:extLst>
   </p:cSld>
@@ -2279,7 +2284,7 @@
     </p:spTree>
     <p:extLst>
       <p:ext uri="{BB962C8B-B14F-4D97-AF65-F5344CB8AC3E}">
-        <p14:creationId xmlns:p14="http://schemas.microsoft.com/office/powerpoint/2010/main" val="3572812287"/>
+        <p14:creationId xmlns:p14="http://schemas.microsoft.com/office/powerpoint/2010/main" val="1971482633"/>
       </p:ext>
     </p:extLst>
   </p:cSld>
@@ -2867,7 +2872,7 @@
     </p:spTree>
     <p:extLst>
       <p:ext uri="{BB962C8B-B14F-4D97-AF65-F5344CB8AC3E}">
-        <p14:creationId xmlns:p14="http://schemas.microsoft.com/office/powerpoint/2010/main" val="3572812287"/>
+        <p14:creationId xmlns:p14="http://schemas.microsoft.com/office/powerpoint/2010/main" val="159162538"/>
       </p:ext>
     </p:extLst>
   </p:cSld>
@@ -3539,7 +3544,7 @@
     </p:spTree>
     <p:extLst>
       <p:ext uri="{BB962C8B-B14F-4D97-AF65-F5344CB8AC3E}">
-        <p14:creationId xmlns:p14="http://schemas.microsoft.com/office/powerpoint/2010/main" val="3572812287"/>
+        <p14:creationId xmlns:p14="http://schemas.microsoft.com/office/powerpoint/2010/main" val="3960412320"/>
       </p:ext>
     </p:extLst>
   </p:cSld>
@@ -4360,7 +4365,7 @@
             <a:spLocks noGrp="1"/>
           </p:cNvSpPr>
           <p:nvPr>
-            <p:ph type="sldNum" sz="quarter" idx="5"/>
+            <p:ph type="sldNum" sz="quarter" idx="10"/>
           </p:nvPr>
         </p:nvSpPr>
         <p:spPr/>
@@ -4371,6 +4376,426 @@
             <a:fld id="{E4012006-13B0-9343-974D-D1B6F7856FE8}" type="slidenum">
               <a:rPr lang="pt-BR" smtClean="0"/>
               <a:t>51</a:t>
+            </a:fld>
+            <a:endParaRPr lang="pt-BR"/>
+          </a:p>
+        </p:txBody>
+      </p:sp>
+    </p:spTree>
+    <p:extLst>
+      <p:ext uri="{BB962C8B-B14F-4D97-AF65-F5344CB8AC3E}">
+        <p14:creationId xmlns:p14="http://schemas.microsoft.com/office/powerpoint/2010/main" val="3572812287"/>
+      </p:ext>
+    </p:extLst>
+  </p:cSld>
+  <p:clrMapOvr>
+    <a:masterClrMapping/>
+  </p:clrMapOvr>
+</p:notes>
+</file>
+
+<file path=ppt/notesSlides/notesSlide51.xml><?xml version="1.0" encoding="utf-8"?>
+<p:notes xmlns:a="http://schemas.openxmlformats.org/drawingml/2006/main" xmlns:r="http://schemas.openxmlformats.org/officeDocument/2006/relationships" xmlns:p="http://schemas.openxmlformats.org/presentationml/2006/main">
+  <p:cSld>
+    <p:spTree>
+      <p:nvGrpSpPr>
+        <p:cNvPr id="1" name=""/>
+        <p:cNvGrpSpPr/>
+        <p:nvPr/>
+      </p:nvGrpSpPr>
+      <p:grpSpPr>
+        <a:xfrm>
+          <a:off x="0" y="0"/>
+          <a:ext cx="0" cy="0"/>
+          <a:chOff x="0" y="0"/>
+          <a:chExt cx="0" cy="0"/>
+        </a:xfrm>
+      </p:grpSpPr>
+      <p:sp>
+        <p:nvSpPr>
+          <p:cNvPr id="2" name="Espaço Reservado para Imagem de Slide 1"/>
+          <p:cNvSpPr>
+            <a:spLocks noGrp="1" noRot="1" noChangeAspect="1"/>
+          </p:cNvSpPr>
+          <p:nvPr>
+            <p:ph type="sldImg"/>
+          </p:nvPr>
+        </p:nvSpPr>
+        <p:spPr/>
+      </p:sp>
+      <p:sp>
+        <p:nvSpPr>
+          <p:cNvPr id="3" name="Espaço Reservado para Anotações 2"/>
+          <p:cNvSpPr>
+            <a:spLocks noGrp="1"/>
+          </p:cNvSpPr>
+          <p:nvPr>
+            <p:ph type="body" idx="1"/>
+          </p:nvPr>
+        </p:nvSpPr>
+        <p:spPr/>
+        <p:txBody>
+          <a:bodyPr/>
+          <a:lstStyle/>
+          <a:p>
+            <a:endParaRPr lang="pt-BR" dirty="0"/>
+          </a:p>
+        </p:txBody>
+      </p:sp>
+      <p:sp>
+        <p:nvSpPr>
+          <p:cNvPr id="4" name="Espaço Reservado para Número de Slide 3"/>
+          <p:cNvSpPr>
+            <a:spLocks noGrp="1"/>
+          </p:cNvSpPr>
+          <p:nvPr>
+            <p:ph type="sldNum" sz="quarter" idx="10"/>
+          </p:nvPr>
+        </p:nvSpPr>
+        <p:spPr/>
+        <p:txBody>
+          <a:bodyPr/>
+          <a:lstStyle/>
+          <a:p>
+            <a:fld id="{E4012006-13B0-9343-974D-D1B6F7856FE8}" type="slidenum">
+              <a:rPr lang="pt-BR" smtClean="0"/>
+              <a:t>52</a:t>
+            </a:fld>
+            <a:endParaRPr lang="pt-BR"/>
+          </a:p>
+        </p:txBody>
+      </p:sp>
+    </p:spTree>
+    <p:extLst>
+      <p:ext uri="{BB962C8B-B14F-4D97-AF65-F5344CB8AC3E}">
+        <p14:creationId xmlns:p14="http://schemas.microsoft.com/office/powerpoint/2010/main" val="3572812287"/>
+      </p:ext>
+    </p:extLst>
+  </p:cSld>
+  <p:clrMapOvr>
+    <a:masterClrMapping/>
+  </p:clrMapOvr>
+</p:notes>
+</file>
+
+<file path=ppt/notesSlides/notesSlide52.xml><?xml version="1.0" encoding="utf-8"?>
+<p:notes xmlns:a="http://schemas.openxmlformats.org/drawingml/2006/main" xmlns:r="http://schemas.openxmlformats.org/officeDocument/2006/relationships" xmlns:p="http://schemas.openxmlformats.org/presentationml/2006/main">
+  <p:cSld>
+    <p:spTree>
+      <p:nvGrpSpPr>
+        <p:cNvPr id="1" name=""/>
+        <p:cNvGrpSpPr/>
+        <p:nvPr/>
+      </p:nvGrpSpPr>
+      <p:grpSpPr>
+        <a:xfrm>
+          <a:off x="0" y="0"/>
+          <a:ext cx="0" cy="0"/>
+          <a:chOff x="0" y="0"/>
+          <a:chExt cx="0" cy="0"/>
+        </a:xfrm>
+      </p:grpSpPr>
+      <p:sp>
+        <p:nvSpPr>
+          <p:cNvPr id="2" name="Espaço Reservado para Imagem de Slide 1"/>
+          <p:cNvSpPr>
+            <a:spLocks noGrp="1" noRot="1" noChangeAspect="1"/>
+          </p:cNvSpPr>
+          <p:nvPr>
+            <p:ph type="sldImg"/>
+          </p:nvPr>
+        </p:nvSpPr>
+        <p:spPr/>
+      </p:sp>
+      <p:sp>
+        <p:nvSpPr>
+          <p:cNvPr id="3" name="Espaço Reservado para Anotações 2"/>
+          <p:cNvSpPr>
+            <a:spLocks noGrp="1"/>
+          </p:cNvSpPr>
+          <p:nvPr>
+            <p:ph type="body" idx="1"/>
+          </p:nvPr>
+        </p:nvSpPr>
+        <p:spPr/>
+        <p:txBody>
+          <a:bodyPr/>
+          <a:lstStyle/>
+          <a:p>
+            <a:endParaRPr lang="pt-BR" dirty="0"/>
+          </a:p>
+        </p:txBody>
+      </p:sp>
+      <p:sp>
+        <p:nvSpPr>
+          <p:cNvPr id="4" name="Espaço Reservado para Número de Slide 3"/>
+          <p:cNvSpPr>
+            <a:spLocks noGrp="1"/>
+          </p:cNvSpPr>
+          <p:nvPr>
+            <p:ph type="sldNum" sz="quarter" idx="10"/>
+          </p:nvPr>
+        </p:nvSpPr>
+        <p:spPr/>
+        <p:txBody>
+          <a:bodyPr/>
+          <a:lstStyle/>
+          <a:p>
+            <a:fld id="{E4012006-13B0-9343-974D-D1B6F7856FE8}" type="slidenum">
+              <a:rPr lang="pt-BR" smtClean="0"/>
+              <a:t>53</a:t>
+            </a:fld>
+            <a:endParaRPr lang="pt-BR"/>
+          </a:p>
+        </p:txBody>
+      </p:sp>
+    </p:spTree>
+    <p:extLst>
+      <p:ext uri="{BB962C8B-B14F-4D97-AF65-F5344CB8AC3E}">
+        <p14:creationId xmlns:p14="http://schemas.microsoft.com/office/powerpoint/2010/main" val="3572812287"/>
+      </p:ext>
+    </p:extLst>
+  </p:cSld>
+  <p:clrMapOvr>
+    <a:masterClrMapping/>
+  </p:clrMapOvr>
+</p:notes>
+</file>
+
+<file path=ppt/notesSlides/notesSlide53.xml><?xml version="1.0" encoding="utf-8"?>
+<p:notes xmlns:a="http://schemas.openxmlformats.org/drawingml/2006/main" xmlns:r="http://schemas.openxmlformats.org/officeDocument/2006/relationships" xmlns:p="http://schemas.openxmlformats.org/presentationml/2006/main">
+  <p:cSld>
+    <p:spTree>
+      <p:nvGrpSpPr>
+        <p:cNvPr id="1" name=""/>
+        <p:cNvGrpSpPr/>
+        <p:nvPr/>
+      </p:nvGrpSpPr>
+      <p:grpSpPr>
+        <a:xfrm>
+          <a:off x="0" y="0"/>
+          <a:ext cx="0" cy="0"/>
+          <a:chOff x="0" y="0"/>
+          <a:chExt cx="0" cy="0"/>
+        </a:xfrm>
+      </p:grpSpPr>
+      <p:sp>
+        <p:nvSpPr>
+          <p:cNvPr id="2" name="Espaço Reservado para Imagem de Slide 1"/>
+          <p:cNvSpPr>
+            <a:spLocks noGrp="1" noRot="1" noChangeAspect="1"/>
+          </p:cNvSpPr>
+          <p:nvPr>
+            <p:ph type="sldImg"/>
+          </p:nvPr>
+        </p:nvSpPr>
+        <p:spPr/>
+      </p:sp>
+      <p:sp>
+        <p:nvSpPr>
+          <p:cNvPr id="3" name="Espaço Reservado para Anotações 2"/>
+          <p:cNvSpPr>
+            <a:spLocks noGrp="1"/>
+          </p:cNvSpPr>
+          <p:nvPr>
+            <p:ph type="body" idx="1"/>
+          </p:nvPr>
+        </p:nvSpPr>
+        <p:spPr/>
+        <p:txBody>
+          <a:bodyPr/>
+          <a:lstStyle/>
+          <a:p>
+            <a:endParaRPr lang="pt-BR" dirty="0"/>
+          </a:p>
+        </p:txBody>
+      </p:sp>
+      <p:sp>
+        <p:nvSpPr>
+          <p:cNvPr id="4" name="Espaço Reservado para Número de Slide 3"/>
+          <p:cNvSpPr>
+            <a:spLocks noGrp="1"/>
+          </p:cNvSpPr>
+          <p:nvPr>
+            <p:ph type="sldNum" sz="quarter" idx="10"/>
+          </p:nvPr>
+        </p:nvSpPr>
+        <p:spPr/>
+        <p:txBody>
+          <a:bodyPr/>
+          <a:lstStyle/>
+          <a:p>
+            <a:fld id="{E4012006-13B0-9343-974D-D1B6F7856FE8}" type="slidenum">
+              <a:rPr lang="pt-BR" smtClean="0"/>
+              <a:t>54</a:t>
+            </a:fld>
+            <a:endParaRPr lang="pt-BR"/>
+          </a:p>
+        </p:txBody>
+      </p:sp>
+    </p:spTree>
+    <p:extLst>
+      <p:ext uri="{BB962C8B-B14F-4D97-AF65-F5344CB8AC3E}">
+        <p14:creationId xmlns:p14="http://schemas.microsoft.com/office/powerpoint/2010/main" val="3572812287"/>
+      </p:ext>
+    </p:extLst>
+  </p:cSld>
+  <p:clrMapOvr>
+    <a:masterClrMapping/>
+  </p:clrMapOvr>
+</p:notes>
+</file>
+
+<file path=ppt/notesSlides/notesSlide54.xml><?xml version="1.0" encoding="utf-8"?>
+<p:notes xmlns:a="http://schemas.openxmlformats.org/drawingml/2006/main" xmlns:r="http://schemas.openxmlformats.org/officeDocument/2006/relationships" xmlns:p="http://schemas.openxmlformats.org/presentationml/2006/main">
+  <p:cSld>
+    <p:spTree>
+      <p:nvGrpSpPr>
+        <p:cNvPr id="1" name=""/>
+        <p:cNvGrpSpPr/>
+        <p:nvPr/>
+      </p:nvGrpSpPr>
+      <p:grpSpPr>
+        <a:xfrm>
+          <a:off x="0" y="0"/>
+          <a:ext cx="0" cy="0"/>
+          <a:chOff x="0" y="0"/>
+          <a:chExt cx="0" cy="0"/>
+        </a:xfrm>
+      </p:grpSpPr>
+      <p:sp>
+        <p:nvSpPr>
+          <p:cNvPr id="2" name="Espaço Reservado para Imagem de Slide 1"/>
+          <p:cNvSpPr>
+            <a:spLocks noGrp="1" noRot="1" noChangeAspect="1"/>
+          </p:cNvSpPr>
+          <p:nvPr>
+            <p:ph type="sldImg"/>
+          </p:nvPr>
+        </p:nvSpPr>
+        <p:spPr/>
+      </p:sp>
+      <p:sp>
+        <p:nvSpPr>
+          <p:cNvPr id="3" name="Espaço Reservado para Anotações 2"/>
+          <p:cNvSpPr>
+            <a:spLocks noGrp="1"/>
+          </p:cNvSpPr>
+          <p:nvPr>
+            <p:ph type="body" idx="1"/>
+          </p:nvPr>
+        </p:nvSpPr>
+        <p:spPr/>
+        <p:txBody>
+          <a:bodyPr/>
+          <a:lstStyle/>
+          <a:p>
+            <a:endParaRPr lang="pt-BR" dirty="0"/>
+          </a:p>
+        </p:txBody>
+      </p:sp>
+      <p:sp>
+        <p:nvSpPr>
+          <p:cNvPr id="4" name="Espaço Reservado para Número de Slide 3"/>
+          <p:cNvSpPr>
+            <a:spLocks noGrp="1"/>
+          </p:cNvSpPr>
+          <p:nvPr>
+            <p:ph type="sldNum" sz="quarter" idx="10"/>
+          </p:nvPr>
+        </p:nvSpPr>
+        <p:spPr/>
+        <p:txBody>
+          <a:bodyPr/>
+          <a:lstStyle/>
+          <a:p>
+            <a:fld id="{E4012006-13B0-9343-974D-D1B6F7856FE8}" type="slidenum">
+              <a:rPr lang="pt-BR" smtClean="0"/>
+              <a:t>55</a:t>
+            </a:fld>
+            <a:endParaRPr lang="pt-BR"/>
+          </a:p>
+        </p:txBody>
+      </p:sp>
+    </p:spTree>
+    <p:extLst>
+      <p:ext uri="{BB962C8B-B14F-4D97-AF65-F5344CB8AC3E}">
+        <p14:creationId xmlns:p14="http://schemas.microsoft.com/office/powerpoint/2010/main" val="3572812287"/>
+      </p:ext>
+    </p:extLst>
+  </p:cSld>
+  <p:clrMapOvr>
+    <a:masterClrMapping/>
+  </p:clrMapOvr>
+</p:notes>
+</file>
+
+<file path=ppt/notesSlides/notesSlide55.xml><?xml version="1.0" encoding="utf-8"?>
+<p:notes xmlns:a="http://schemas.openxmlformats.org/drawingml/2006/main" xmlns:r="http://schemas.openxmlformats.org/officeDocument/2006/relationships" xmlns:p="http://schemas.openxmlformats.org/presentationml/2006/main">
+  <p:cSld>
+    <p:spTree>
+      <p:nvGrpSpPr>
+        <p:cNvPr id="1" name=""/>
+        <p:cNvGrpSpPr/>
+        <p:nvPr/>
+      </p:nvGrpSpPr>
+      <p:grpSpPr>
+        <a:xfrm>
+          <a:off x="0" y="0"/>
+          <a:ext cx="0" cy="0"/>
+          <a:chOff x="0" y="0"/>
+          <a:chExt cx="0" cy="0"/>
+        </a:xfrm>
+      </p:grpSpPr>
+      <p:sp>
+        <p:nvSpPr>
+          <p:cNvPr id="2" name="Espaço Reservado para Imagem de Slide 1"/>
+          <p:cNvSpPr>
+            <a:spLocks noGrp="1" noRot="1" noChangeAspect="1"/>
+          </p:cNvSpPr>
+          <p:nvPr>
+            <p:ph type="sldImg"/>
+          </p:nvPr>
+        </p:nvSpPr>
+        <p:spPr/>
+      </p:sp>
+      <p:sp>
+        <p:nvSpPr>
+          <p:cNvPr id="3" name="Espaço Reservado para Anotações 2"/>
+          <p:cNvSpPr>
+            <a:spLocks noGrp="1"/>
+          </p:cNvSpPr>
+          <p:nvPr>
+            <p:ph type="body" idx="1"/>
+          </p:nvPr>
+        </p:nvSpPr>
+        <p:spPr/>
+        <p:txBody>
+          <a:bodyPr/>
+          <a:lstStyle/>
+          <a:p>
+            <a:endParaRPr lang="pt-BR" dirty="0"/>
+          </a:p>
+        </p:txBody>
+      </p:sp>
+      <p:sp>
+        <p:nvSpPr>
+          <p:cNvPr id="4" name="Espaço Reservado para Número de Slide 3"/>
+          <p:cNvSpPr>
+            <a:spLocks noGrp="1"/>
+          </p:cNvSpPr>
+          <p:nvPr>
+            <p:ph type="sldNum" sz="quarter" idx="5"/>
+          </p:nvPr>
+        </p:nvSpPr>
+        <p:spPr/>
+        <p:txBody>
+          <a:bodyPr/>
+          <a:lstStyle/>
+          <a:p>
+            <a:fld id="{E4012006-13B0-9343-974D-D1B6F7856FE8}" type="slidenum">
+              <a:rPr lang="pt-BR" smtClean="0"/>
+              <a:t>56</a:t>
             </a:fld>
             <a:endParaRPr lang="pt-BR"/>
           </a:p>
@@ -7853,7 +8278,7 @@
               <a:t>Fixação na pasta </a:t>
             </a:r>
             <a:r>
-              <a:rPr lang="pt-BR" b="1" dirty="0" err="1" smtClean="0">
+              <a:rPr lang="pt-BR" b="1" dirty="0" smtClean="0">
                 <a:solidFill>
                   <a:schemeClr val="bg2">
                     <a:lumMod val="75000"/>
@@ -7861,10 +8286,28 @@
                 </a:solidFill>
                 <a:cs typeface="Calibri" panose="020F0502020204030204" pitchFamily="34" charset="0"/>
               </a:rPr>
-              <a:t>Exercicios</a:t>
-            </a:r>
-            <a:r>
-              <a:rPr lang="pt-BR" b="1" smtClean="0">
+              <a:t>Exercícios.</a:t>
+            </a:r>
+          </a:p>
+          <a:p>
+            <a:pPr marL="0" indent="0">
+              <a:buNone/>
+            </a:pPr>
+            <a:endParaRPr lang="pt-BR" b="1" dirty="0">
+              <a:solidFill>
+                <a:schemeClr val="bg2">
+                  <a:lumMod val="75000"/>
+                </a:schemeClr>
+              </a:solidFill>
+              <a:cs typeface="Calibri" panose="020F0502020204030204" pitchFamily="34" charset="0"/>
+            </a:endParaRPr>
+          </a:p>
+          <a:p>
+            <a:pPr marL="0" indent="0">
+              <a:buNone/>
+            </a:pPr>
+            <a:r>
+              <a:rPr lang="pt-BR" b="1" dirty="0" smtClean="0">
                 <a:solidFill>
                   <a:schemeClr val="bg2">
                     <a:lumMod val="75000"/>
@@ -7872,7 +8315,7 @@
                 </a:solidFill>
                 <a:cs typeface="Calibri" panose="020F0502020204030204" pitchFamily="34" charset="0"/>
               </a:rPr>
-              <a:t>.</a:t>
+              <a:t>INCLUDE E REQUIRE</a:t>
             </a:r>
             <a:endParaRPr lang="pt-BR" b="1" dirty="0">
               <a:solidFill>
@@ -8993,7 +9436,7 @@
         <p:spPr>
           <a:xfrm>
             <a:off x="796637" y="471050"/>
-            <a:ext cx="6089071" cy="692729"/>
+            <a:ext cx="6232236" cy="1129150"/>
           </a:xfrm>
           <a:prstGeom prst="rect">
             <a:avLst/>
@@ -9033,6 +9476,213 @@
                 <a:latin typeface="+mn-lt"/>
                 <a:cs typeface="Calibri" panose="020F0502020204030204" pitchFamily="34" charset="0"/>
               </a:rPr>
+              <a:t>Atividades de </a:t>
+            </a:r>
+            <a:r>
+              <a:rPr lang="pt-BR" sz="3600" b="1" dirty="0" smtClean="0">
+                <a:solidFill>
+                  <a:schemeClr val="bg2">
+                    <a:lumMod val="75000"/>
+                  </a:schemeClr>
+                </a:solidFill>
+                <a:latin typeface="+mn-lt"/>
+                <a:cs typeface="Calibri" panose="020F0502020204030204" pitchFamily="34" charset="0"/>
+              </a:rPr>
+              <a:t>Fixação - Formulários</a:t>
+            </a:r>
+            <a:endParaRPr lang="pt-BR" sz="3600" b="1" dirty="0">
+              <a:solidFill>
+                <a:schemeClr val="bg2">
+                  <a:lumMod val="75000"/>
+                </a:schemeClr>
+              </a:solidFill>
+              <a:latin typeface="+mn-lt"/>
+              <a:cs typeface="Calibri" panose="020F0502020204030204" pitchFamily="34" charset="0"/>
+            </a:endParaRPr>
+          </a:p>
+        </p:txBody>
+      </p:sp>
+      <p:sp>
+        <p:nvSpPr>
+          <p:cNvPr id="3" name="Marcador de Posição de Conteúdo 2"/>
+          <p:cNvSpPr>
+            <a:spLocks noGrp="1"/>
+          </p:cNvSpPr>
+          <p:nvPr>
+            <p:ph idx="1"/>
+          </p:nvPr>
+        </p:nvSpPr>
+        <p:spPr>
+          <a:xfrm>
+            <a:off x="457200" y="1600200"/>
+            <a:ext cx="8229600" cy="4525963"/>
+          </a:xfrm>
+        </p:spPr>
+        <p:txBody>
+          <a:bodyPr/>
+          <a:lstStyle/>
+          <a:p>
+            <a:pPr marL="0" indent="0">
+              <a:buNone/>
+            </a:pPr>
+            <a:r>
+              <a:rPr lang="pt-BR" b="1" dirty="0">
+                <a:solidFill>
+                  <a:schemeClr val="bg2">
+                    <a:lumMod val="75000"/>
+                  </a:schemeClr>
+                </a:solidFill>
+                <a:cs typeface="Calibri" panose="020F0502020204030204" pitchFamily="34" charset="0"/>
+              </a:rPr>
+              <a:t>Atividades de </a:t>
+            </a:r>
+            <a:r>
+              <a:rPr lang="pt-BR" b="1" dirty="0" smtClean="0">
+                <a:solidFill>
+                  <a:schemeClr val="bg2">
+                    <a:lumMod val="75000"/>
+                  </a:schemeClr>
+                </a:solidFill>
+                <a:cs typeface="Calibri" panose="020F0502020204030204" pitchFamily="34" charset="0"/>
+              </a:rPr>
+              <a:t>Fixação na pasta </a:t>
+            </a:r>
+            <a:r>
+              <a:rPr lang="pt-BR" b="1" dirty="0" smtClean="0">
+                <a:solidFill>
+                  <a:schemeClr val="bg2">
+                    <a:lumMod val="75000"/>
+                  </a:schemeClr>
+                </a:solidFill>
+                <a:cs typeface="Calibri" panose="020F0502020204030204" pitchFamily="34" charset="0"/>
+              </a:rPr>
+              <a:t>Exercícios.</a:t>
+            </a:r>
+            <a:endParaRPr lang="pt-BR" b="1" dirty="0">
+              <a:solidFill>
+                <a:schemeClr val="bg2">
+                  <a:lumMod val="75000"/>
+                </a:schemeClr>
+              </a:solidFill>
+              <a:cs typeface="Calibri" panose="020F0502020204030204" pitchFamily="34" charset="0"/>
+            </a:endParaRPr>
+          </a:p>
+          <a:p>
+            <a:pPr marL="0" indent="0">
+              <a:buNone/>
+            </a:pPr>
+            <a:endParaRPr lang="pt-BR" dirty="0"/>
+          </a:p>
+        </p:txBody>
+      </p:sp>
+    </p:spTree>
+    <p:extLst>
+      <p:ext uri="{BB962C8B-B14F-4D97-AF65-F5344CB8AC3E}">
+        <p14:creationId xmlns:p14="http://schemas.microsoft.com/office/powerpoint/2010/main" val="3661406241"/>
+      </p:ext>
+    </p:extLst>
+  </p:cSld>
+  <p:clrMapOvr>
+    <a:masterClrMapping/>
+  </p:clrMapOvr>
+  <p:timing>
+    <p:tnLst>
+      <p:par>
+        <p:cTn id="1" dur="indefinite" restart="never" nodeType="tmRoot"/>
+      </p:par>
+    </p:tnLst>
+  </p:timing>
+</p:sld>
+</file>
+
+<file path=ppt/slides/slide16.xml><?xml version="1.0" encoding="utf-8"?>
+<p:sld xmlns:a="http://schemas.openxmlformats.org/drawingml/2006/main" xmlns:r="http://schemas.openxmlformats.org/officeDocument/2006/relationships" xmlns:p="http://schemas.openxmlformats.org/presentationml/2006/main">
+  <p:cSld>
+    <p:bg>
+      <p:bgPr>
+        <a:blipFill dpi="0" rotWithShape="1">
+          <a:blip r:embed="rId3">
+            <a:lum/>
+          </a:blip>
+          <a:srcRect/>
+          <a:stretch>
+            <a:fillRect/>
+          </a:stretch>
+        </a:blipFill>
+        <a:effectLst/>
+      </p:bgPr>
+    </p:bg>
+    <p:spTree>
+      <p:nvGrpSpPr>
+        <p:cNvPr id="1" name=""/>
+        <p:cNvGrpSpPr/>
+        <p:nvPr/>
+      </p:nvGrpSpPr>
+      <p:grpSpPr>
+        <a:xfrm>
+          <a:off x="0" y="0"/>
+          <a:ext cx="0" cy="0"/>
+          <a:chOff x="0" y="0"/>
+          <a:chExt cx="0" cy="0"/>
+        </a:xfrm>
+      </p:grpSpPr>
+      <p:sp>
+        <p:nvSpPr>
+          <p:cNvPr id="7" name="Título 1">
+            <a:extLst>
+              <a:ext uri="{FF2B5EF4-FFF2-40B4-BE49-F238E27FC236}">
+                <a16:creationId xmlns:a16="http://schemas.microsoft.com/office/drawing/2014/main" id="{489F5D36-DFC3-5141-9F8E-6FACABCF76D1}"/>
+              </a:ext>
+            </a:extLst>
+          </p:cNvPr>
+          <p:cNvSpPr txBox="1">
+            <a:spLocks/>
+          </p:cNvSpPr>
+          <p:nvPr/>
+        </p:nvSpPr>
+        <p:spPr>
+          <a:xfrm>
+            <a:off x="796637" y="471050"/>
+            <a:ext cx="6089071" cy="692729"/>
+          </a:xfrm>
+          <a:prstGeom prst="rect">
+            <a:avLst/>
+          </a:prstGeom>
+        </p:spPr>
+        <p:txBody>
+          <a:bodyPr vert="horz" lIns="91440" tIns="45720" rIns="91440" bIns="45720" rtlCol="0" anchor="ctr">
+            <a:noAutofit/>
+          </a:bodyPr>
+          <a:lstStyle>
+            <a:lvl1pPr algn="l" defTabSz="914400" rtl="0" eaLnBrk="1" latinLnBrk="0" hangingPunct="1">
+              <a:lnSpc>
+                <a:spcPct val="90000"/>
+              </a:lnSpc>
+              <a:spcBef>
+                <a:spcPct val="0"/>
+              </a:spcBef>
+              <a:buNone/>
+              <a:defRPr sz="4400" kern="1200">
+                <a:solidFill>
+                  <a:schemeClr val="tx1"/>
+                </a:solidFill>
+                <a:latin typeface="+mj-lt"/>
+                <a:ea typeface="+mj-ea"/>
+                <a:cs typeface="+mj-cs"/>
+              </a:defRPr>
+            </a:lvl1pPr>
+          </a:lstStyle>
+          <a:p>
+            <a:r>
+              <a:rPr lang="pt-BR" sz="3600" b="1" dirty="0" smtClean="0">
+                <a:solidFill>
+                  <a:schemeClr val="bg2">
+                    <a:lumMod val="75000"/>
+                  </a:schemeClr>
+                </a:solidFill>
+                <a:latin typeface="+mn-lt"/>
+                <a:cs typeface="Calibri" panose="020F0502020204030204" pitchFamily="34" charset="0"/>
+              </a:rPr>
               <a:t>Estruturas de Repetição</a:t>
             </a:r>
             <a:endParaRPr lang="pt-BR" sz="3600" b="1" dirty="0">
@@ -9128,7 +9778,7 @@
 </p:sld>
 </file>
 
-<file path=ppt/slides/slide16.xml><?xml version="1.0" encoding="utf-8"?>
+<file path=ppt/slides/slide17.xml><?xml version="1.0" encoding="utf-8"?>
 <p:sld xmlns:a="http://schemas.openxmlformats.org/drawingml/2006/main" xmlns:r="http://schemas.openxmlformats.org/officeDocument/2006/relationships" xmlns:p="http://schemas.openxmlformats.org/presentationml/2006/main">
   <p:cSld>
     <p:bg>
@@ -9429,7 +10079,7 @@
 </p:sld>
 </file>
 
-<file path=ppt/slides/slide17.xml><?xml version="1.0" encoding="utf-8"?>
+<file path=ppt/slides/slide18.xml><?xml version="1.0" encoding="utf-8"?>
 <p:sld xmlns:a="http://schemas.openxmlformats.org/drawingml/2006/main" xmlns:r="http://schemas.openxmlformats.org/officeDocument/2006/relationships" xmlns:p="http://schemas.openxmlformats.org/presentationml/2006/main">
   <p:cSld>
     <p:bg>
@@ -9723,7 +10373,7 @@
 </p:sld>
 </file>
 
-<file path=ppt/slides/slide18.xml><?xml version="1.0" encoding="utf-8"?>
+<file path=ppt/slides/slide19.xml><?xml version="1.0" encoding="utf-8"?>
 <p:sld xmlns:a="http://schemas.openxmlformats.org/drawingml/2006/main" xmlns:r="http://schemas.openxmlformats.org/officeDocument/2006/relationships" xmlns:p="http://schemas.openxmlformats.org/presentationml/2006/main">
   <p:cSld>
     <p:bg>
@@ -9991,178 +10641,6 @@
     <p:extLst>
       <p:ext uri="{BB962C8B-B14F-4D97-AF65-F5344CB8AC3E}">
         <p14:creationId xmlns:p14="http://schemas.microsoft.com/office/powerpoint/2010/main" val="2874049575"/>
-      </p:ext>
-    </p:extLst>
-  </p:cSld>
-  <p:clrMapOvr>
-    <a:masterClrMapping/>
-  </p:clrMapOvr>
-  <p:timing>
-    <p:tnLst>
-      <p:par>
-        <p:cTn id="1" dur="indefinite" restart="never" nodeType="tmRoot"/>
-      </p:par>
-    </p:tnLst>
-  </p:timing>
-</p:sld>
-</file>
-
-<file path=ppt/slides/slide19.xml><?xml version="1.0" encoding="utf-8"?>
-<p:sld xmlns:a="http://schemas.openxmlformats.org/drawingml/2006/main" xmlns:r="http://schemas.openxmlformats.org/officeDocument/2006/relationships" xmlns:p="http://schemas.openxmlformats.org/presentationml/2006/main">
-  <p:cSld>
-    <p:bg>
-      <p:bgPr>
-        <a:blipFill dpi="0" rotWithShape="1">
-          <a:blip r:embed="rId3">
-            <a:lum/>
-          </a:blip>
-          <a:srcRect/>
-          <a:stretch>
-            <a:fillRect/>
-          </a:stretch>
-        </a:blipFill>
-        <a:effectLst/>
-      </p:bgPr>
-    </p:bg>
-    <p:spTree>
-      <p:nvGrpSpPr>
-        <p:cNvPr id="1" name=""/>
-        <p:cNvGrpSpPr/>
-        <p:nvPr/>
-      </p:nvGrpSpPr>
-      <p:grpSpPr>
-        <a:xfrm>
-          <a:off x="0" y="0"/>
-          <a:ext cx="0" cy="0"/>
-          <a:chOff x="0" y="0"/>
-          <a:chExt cx="0" cy="0"/>
-        </a:xfrm>
-      </p:grpSpPr>
-      <p:sp>
-        <p:nvSpPr>
-          <p:cNvPr id="3" name="Título 1">
-            <a:extLst>
-              <a:ext uri="{FF2B5EF4-FFF2-40B4-BE49-F238E27FC236}">
-                <a16:creationId xmlns:a16="http://schemas.microsoft.com/office/drawing/2014/main" id="{489F5D36-DFC3-5141-9F8E-6FACABCF76D1}"/>
-              </a:ext>
-            </a:extLst>
-          </p:cNvPr>
-          <p:cNvSpPr txBox="1">
-            <a:spLocks/>
-          </p:cNvSpPr>
-          <p:nvPr/>
-        </p:nvSpPr>
-        <p:spPr>
-          <a:xfrm>
-            <a:off x="796637" y="471050"/>
-            <a:ext cx="6089071" cy="692729"/>
-          </a:xfrm>
-          <a:prstGeom prst="rect">
-            <a:avLst/>
-          </a:prstGeom>
-        </p:spPr>
-        <p:txBody>
-          <a:bodyPr vert="horz" lIns="91440" tIns="45720" rIns="91440" bIns="45720" rtlCol="0" anchor="ctr">
-            <a:noAutofit/>
-          </a:bodyPr>
-          <a:lstStyle>
-            <a:lvl1pPr algn="l" defTabSz="914400" rtl="0" eaLnBrk="1" latinLnBrk="0" hangingPunct="1">
-              <a:lnSpc>
-                <a:spcPct val="90000"/>
-              </a:lnSpc>
-              <a:spcBef>
-                <a:spcPct val="0"/>
-              </a:spcBef>
-              <a:buNone/>
-              <a:defRPr sz="4400" kern="1200">
-                <a:solidFill>
-                  <a:schemeClr val="tx1"/>
-                </a:solidFill>
-                <a:latin typeface="+mj-lt"/>
-                <a:ea typeface="+mj-ea"/>
-                <a:cs typeface="+mj-cs"/>
-              </a:defRPr>
-            </a:lvl1pPr>
-          </a:lstStyle>
-          <a:p>
-            <a:r>
-              <a:rPr lang="pt-BR" sz="3600" b="1" dirty="0" smtClean="0">
-                <a:solidFill>
-                  <a:schemeClr val="bg2">
-                    <a:lumMod val="75000"/>
-                  </a:schemeClr>
-                </a:solidFill>
-                <a:latin typeface="+mn-lt"/>
-                <a:cs typeface="Calibri" panose="020F0502020204030204" pitchFamily="34" charset="0"/>
-              </a:rPr>
-              <a:t>Estruturas de Repetição</a:t>
-            </a:r>
-            <a:endParaRPr lang="pt-BR" sz="3600" b="1" dirty="0">
-              <a:solidFill>
-                <a:schemeClr val="bg2">
-                  <a:lumMod val="75000"/>
-                </a:schemeClr>
-              </a:solidFill>
-              <a:latin typeface="+mn-lt"/>
-              <a:cs typeface="Calibri" panose="020F0502020204030204" pitchFamily="34" charset="0"/>
-            </a:endParaRPr>
-          </a:p>
-        </p:txBody>
-      </p:sp>
-      <p:sp>
-        <p:nvSpPr>
-          <p:cNvPr id="4" name="Marcador de Posição de Conteúdo 2"/>
-          <p:cNvSpPr>
-            <a:spLocks noGrp="1"/>
-          </p:cNvSpPr>
-          <p:nvPr>
-            <p:ph idx="1"/>
-          </p:nvPr>
-        </p:nvSpPr>
-        <p:spPr>
-          <a:xfrm>
-            <a:off x="457200" y="1600200"/>
-            <a:ext cx="8229600" cy="4525963"/>
-          </a:xfrm>
-        </p:spPr>
-        <p:txBody>
-          <a:bodyPr/>
-          <a:lstStyle/>
-          <a:p>
-            <a:r>
-              <a:rPr lang="pt-BR" dirty="0" smtClean="0"/>
-              <a:t>Foreach</a:t>
-            </a:r>
-          </a:p>
-          <a:p>
-            <a:pPr lvl="1"/>
-            <a:r>
-              <a:rPr lang="pt-BR" dirty="0" smtClean="0"/>
-              <a:t>Através desta função pode-se percorrer um array sem a necessidade de estabelecer regras para parada</a:t>
-            </a:r>
-          </a:p>
-          <a:p>
-            <a:pPr lvl="1"/>
-            <a:endParaRPr lang="pt-BR" dirty="0" smtClean="0"/>
-          </a:p>
-          <a:p>
-            <a:pPr lvl="1"/>
-            <a:endParaRPr lang="pt-BR" dirty="0" smtClean="0"/>
-          </a:p>
-          <a:p>
-            <a:pPr lvl="1"/>
-            <a:r>
-              <a:rPr lang="pt-BR" dirty="0" smtClean="0"/>
-              <a:t>Ele vai iterar sobre cada elemento do array até não existir mais valor</a:t>
-            </a:r>
-            <a:endParaRPr lang="pt-BR" dirty="0"/>
-          </a:p>
-        </p:txBody>
-      </p:sp>
-    </p:spTree>
-    <p:extLst>
-      <p:ext uri="{BB962C8B-B14F-4D97-AF65-F5344CB8AC3E}">
-        <p14:creationId xmlns:p14="http://schemas.microsoft.com/office/powerpoint/2010/main" val="581839689"/>
       </p:ext>
     </p:extLst>
   </p:cSld>
@@ -10629,6 +11107,178 @@
           </a:p>
         </p:txBody>
       </p:sp>
+      <p:sp>
+        <p:nvSpPr>
+          <p:cNvPr id="4" name="Marcador de Posição de Conteúdo 2"/>
+          <p:cNvSpPr>
+            <a:spLocks noGrp="1"/>
+          </p:cNvSpPr>
+          <p:nvPr>
+            <p:ph idx="1"/>
+          </p:nvPr>
+        </p:nvSpPr>
+        <p:spPr>
+          <a:xfrm>
+            <a:off x="457200" y="1600200"/>
+            <a:ext cx="8229600" cy="4525963"/>
+          </a:xfrm>
+        </p:spPr>
+        <p:txBody>
+          <a:bodyPr/>
+          <a:lstStyle/>
+          <a:p>
+            <a:r>
+              <a:rPr lang="pt-BR" dirty="0" smtClean="0"/>
+              <a:t>Foreach</a:t>
+            </a:r>
+          </a:p>
+          <a:p>
+            <a:pPr lvl="1"/>
+            <a:r>
+              <a:rPr lang="pt-BR" dirty="0" smtClean="0"/>
+              <a:t>Através desta função pode-se percorrer um array sem a necessidade de estabelecer regras para parada</a:t>
+            </a:r>
+          </a:p>
+          <a:p>
+            <a:pPr lvl="1"/>
+            <a:endParaRPr lang="pt-BR" dirty="0" smtClean="0"/>
+          </a:p>
+          <a:p>
+            <a:pPr lvl="1"/>
+            <a:endParaRPr lang="pt-BR" dirty="0" smtClean="0"/>
+          </a:p>
+          <a:p>
+            <a:pPr lvl="1"/>
+            <a:r>
+              <a:rPr lang="pt-BR" dirty="0" smtClean="0"/>
+              <a:t>Ele vai iterar sobre cada elemento do array até não existir mais valor</a:t>
+            </a:r>
+            <a:endParaRPr lang="pt-BR" dirty="0"/>
+          </a:p>
+        </p:txBody>
+      </p:sp>
+    </p:spTree>
+    <p:extLst>
+      <p:ext uri="{BB962C8B-B14F-4D97-AF65-F5344CB8AC3E}">
+        <p14:creationId xmlns:p14="http://schemas.microsoft.com/office/powerpoint/2010/main" val="581839689"/>
+      </p:ext>
+    </p:extLst>
+  </p:cSld>
+  <p:clrMapOvr>
+    <a:masterClrMapping/>
+  </p:clrMapOvr>
+  <p:timing>
+    <p:tnLst>
+      <p:par>
+        <p:cTn id="1" dur="indefinite" restart="never" nodeType="tmRoot"/>
+      </p:par>
+    </p:tnLst>
+  </p:timing>
+</p:sld>
+</file>
+
+<file path=ppt/slides/slide21.xml><?xml version="1.0" encoding="utf-8"?>
+<p:sld xmlns:a="http://schemas.openxmlformats.org/drawingml/2006/main" xmlns:r="http://schemas.openxmlformats.org/officeDocument/2006/relationships" xmlns:p="http://schemas.openxmlformats.org/presentationml/2006/main">
+  <p:cSld>
+    <p:bg>
+      <p:bgPr>
+        <a:blipFill dpi="0" rotWithShape="1">
+          <a:blip r:embed="rId3">
+            <a:lum/>
+          </a:blip>
+          <a:srcRect/>
+          <a:stretch>
+            <a:fillRect/>
+          </a:stretch>
+        </a:blipFill>
+        <a:effectLst/>
+      </p:bgPr>
+    </p:bg>
+    <p:spTree>
+      <p:nvGrpSpPr>
+        <p:cNvPr id="1" name=""/>
+        <p:cNvGrpSpPr/>
+        <p:nvPr/>
+      </p:nvGrpSpPr>
+      <p:grpSpPr>
+        <a:xfrm>
+          <a:off x="0" y="0"/>
+          <a:ext cx="0" cy="0"/>
+          <a:chOff x="0" y="0"/>
+          <a:chExt cx="0" cy="0"/>
+        </a:xfrm>
+      </p:grpSpPr>
+      <p:sp>
+        <p:nvSpPr>
+          <p:cNvPr id="3" name="Título 1">
+            <a:extLst>
+              <a:ext uri="{FF2B5EF4-FFF2-40B4-BE49-F238E27FC236}">
+                <a16:creationId xmlns:a16="http://schemas.microsoft.com/office/drawing/2014/main" id="{489F5D36-DFC3-5141-9F8E-6FACABCF76D1}"/>
+              </a:ext>
+            </a:extLst>
+          </p:cNvPr>
+          <p:cNvSpPr txBox="1">
+            <a:spLocks/>
+          </p:cNvSpPr>
+          <p:nvPr/>
+        </p:nvSpPr>
+        <p:spPr>
+          <a:xfrm>
+            <a:off x="796637" y="471050"/>
+            <a:ext cx="6089071" cy="692729"/>
+          </a:xfrm>
+          <a:prstGeom prst="rect">
+            <a:avLst/>
+          </a:prstGeom>
+        </p:spPr>
+        <p:txBody>
+          <a:bodyPr vert="horz" lIns="91440" tIns="45720" rIns="91440" bIns="45720" rtlCol="0" anchor="ctr">
+            <a:noAutofit/>
+          </a:bodyPr>
+          <a:lstStyle>
+            <a:lvl1pPr algn="l" defTabSz="914400" rtl="0" eaLnBrk="1" latinLnBrk="0" hangingPunct="1">
+              <a:lnSpc>
+                <a:spcPct val="90000"/>
+              </a:lnSpc>
+              <a:spcBef>
+                <a:spcPct val="0"/>
+              </a:spcBef>
+              <a:buNone/>
+              <a:defRPr sz="4400" kern="1200">
+                <a:solidFill>
+                  <a:schemeClr val="tx1"/>
+                </a:solidFill>
+                <a:latin typeface="+mj-lt"/>
+                <a:ea typeface="+mj-ea"/>
+                <a:cs typeface="+mj-cs"/>
+              </a:defRPr>
+            </a:lvl1pPr>
+          </a:lstStyle>
+          <a:p>
+            <a:r>
+              <a:rPr lang="pt-BR" sz="3600" b="1" dirty="0" smtClean="0">
+                <a:solidFill>
+                  <a:schemeClr val="bg2">
+                    <a:lumMod val="75000"/>
+                  </a:schemeClr>
+                </a:solidFill>
+                <a:latin typeface="+mn-lt"/>
+                <a:cs typeface="Calibri" panose="020F0502020204030204" pitchFamily="34" charset="0"/>
+              </a:rPr>
+              <a:t>Estruturas de Repetição</a:t>
+            </a:r>
+            <a:endParaRPr lang="pt-BR" sz="3600" b="1" dirty="0">
+              <a:solidFill>
+                <a:schemeClr val="bg2">
+                  <a:lumMod val="75000"/>
+                </a:schemeClr>
+              </a:solidFill>
+              <a:latin typeface="+mn-lt"/>
+              <a:cs typeface="Calibri" panose="020F0502020204030204" pitchFamily="34" charset="0"/>
+            </a:endParaRPr>
+          </a:p>
+        </p:txBody>
+      </p:sp>
       <p:graphicFrame>
         <p:nvGraphicFramePr>
           <p:cNvPr id="4" name="Marcador de Posição de Conteúdo 3"/>
@@ -10799,7 +11449,7 @@
 </p:sld>
 </file>
 
-<file path=ppt/slides/slide21.xml><?xml version="1.0" encoding="utf-8"?>
+<file path=ppt/slides/slide22.xml><?xml version="1.0" encoding="utf-8"?>
 <p:sld xmlns:a="http://schemas.openxmlformats.org/drawingml/2006/main" xmlns:r="http://schemas.openxmlformats.org/officeDocument/2006/relationships" xmlns:p="http://schemas.openxmlformats.org/presentationml/2006/main">
   <p:cSld>
     <p:bg>
@@ -10977,7 +11627,214 @@
 </p:sld>
 </file>
 
-<file path=ppt/slides/slide22.xml><?xml version="1.0" encoding="utf-8"?>
+<file path=ppt/slides/slide23.xml><?xml version="1.0" encoding="utf-8"?>
+<p:sld xmlns:a="http://schemas.openxmlformats.org/drawingml/2006/main" xmlns:r="http://schemas.openxmlformats.org/officeDocument/2006/relationships" xmlns:p="http://schemas.openxmlformats.org/presentationml/2006/main">
+  <p:cSld>
+    <p:bg>
+      <p:bgPr>
+        <a:blipFill dpi="0" rotWithShape="1">
+          <a:blip r:embed="rId3">
+            <a:lum/>
+          </a:blip>
+          <a:srcRect/>
+          <a:stretch>
+            <a:fillRect/>
+          </a:stretch>
+        </a:blipFill>
+        <a:effectLst/>
+      </p:bgPr>
+    </p:bg>
+    <p:spTree>
+      <p:nvGrpSpPr>
+        <p:cNvPr id="1" name=""/>
+        <p:cNvGrpSpPr/>
+        <p:nvPr/>
+      </p:nvGrpSpPr>
+      <p:grpSpPr>
+        <a:xfrm>
+          <a:off x="0" y="0"/>
+          <a:ext cx="0" cy="0"/>
+          <a:chOff x="0" y="0"/>
+          <a:chExt cx="0" cy="0"/>
+        </a:xfrm>
+      </p:grpSpPr>
+      <p:sp>
+        <p:nvSpPr>
+          <p:cNvPr id="7" name="Título 1">
+            <a:extLst>
+              <a:ext uri="{FF2B5EF4-FFF2-40B4-BE49-F238E27FC236}">
+                <a16:creationId xmlns:a16="http://schemas.microsoft.com/office/drawing/2014/main" id="{489F5D36-DFC3-5141-9F8E-6FACABCF76D1}"/>
+              </a:ext>
+            </a:extLst>
+          </p:cNvPr>
+          <p:cNvSpPr txBox="1">
+            <a:spLocks/>
+          </p:cNvSpPr>
+          <p:nvPr/>
+        </p:nvSpPr>
+        <p:spPr>
+          <a:xfrm>
+            <a:off x="796637" y="471050"/>
+            <a:ext cx="6232236" cy="1129150"/>
+          </a:xfrm>
+          <a:prstGeom prst="rect">
+            <a:avLst/>
+          </a:prstGeom>
+        </p:spPr>
+        <p:txBody>
+          <a:bodyPr vert="horz" lIns="91440" tIns="45720" rIns="91440" bIns="45720" rtlCol="0" anchor="ctr">
+            <a:noAutofit/>
+          </a:bodyPr>
+          <a:lstStyle>
+            <a:lvl1pPr algn="l" defTabSz="914400" rtl="0" eaLnBrk="1" latinLnBrk="0" hangingPunct="1">
+              <a:lnSpc>
+                <a:spcPct val="90000"/>
+              </a:lnSpc>
+              <a:spcBef>
+                <a:spcPct val="0"/>
+              </a:spcBef>
+              <a:buNone/>
+              <a:defRPr sz="4400" kern="1200">
+                <a:solidFill>
+                  <a:schemeClr val="tx1"/>
+                </a:solidFill>
+                <a:latin typeface="+mj-lt"/>
+                <a:ea typeface="+mj-ea"/>
+                <a:cs typeface="+mj-cs"/>
+              </a:defRPr>
+            </a:lvl1pPr>
+          </a:lstStyle>
+          <a:p>
+            <a:r>
+              <a:rPr lang="pt-BR" sz="3600" b="1" dirty="0" smtClean="0">
+                <a:solidFill>
+                  <a:schemeClr val="bg2">
+                    <a:lumMod val="75000"/>
+                  </a:schemeClr>
+                </a:solidFill>
+                <a:latin typeface="+mn-lt"/>
+                <a:cs typeface="Calibri" panose="020F0502020204030204" pitchFamily="34" charset="0"/>
+              </a:rPr>
+              <a:t>Atividades de </a:t>
+            </a:r>
+            <a:r>
+              <a:rPr lang="pt-BR" sz="3600" b="1" dirty="0" smtClean="0">
+                <a:solidFill>
+                  <a:schemeClr val="bg2">
+                    <a:lumMod val="75000"/>
+                  </a:schemeClr>
+                </a:solidFill>
+                <a:latin typeface="+mn-lt"/>
+                <a:cs typeface="Calibri" panose="020F0502020204030204" pitchFamily="34" charset="0"/>
+              </a:rPr>
+              <a:t>Fixação - Repetição</a:t>
+            </a:r>
+            <a:endParaRPr lang="pt-BR" sz="3600" b="1" dirty="0">
+              <a:solidFill>
+                <a:schemeClr val="bg2">
+                  <a:lumMod val="75000"/>
+                </a:schemeClr>
+              </a:solidFill>
+              <a:latin typeface="+mn-lt"/>
+              <a:cs typeface="Calibri" panose="020F0502020204030204" pitchFamily="34" charset="0"/>
+            </a:endParaRPr>
+          </a:p>
+        </p:txBody>
+      </p:sp>
+      <p:sp>
+        <p:nvSpPr>
+          <p:cNvPr id="3" name="Marcador de Posição de Conteúdo 2"/>
+          <p:cNvSpPr>
+            <a:spLocks noGrp="1"/>
+          </p:cNvSpPr>
+          <p:nvPr>
+            <p:ph idx="1"/>
+          </p:nvPr>
+        </p:nvSpPr>
+        <p:spPr>
+          <a:xfrm>
+            <a:off x="457200" y="1600200"/>
+            <a:ext cx="8229600" cy="4525963"/>
+          </a:xfrm>
+        </p:spPr>
+        <p:txBody>
+          <a:bodyPr/>
+          <a:lstStyle/>
+          <a:p>
+            <a:pPr marL="0" indent="0">
+              <a:buNone/>
+            </a:pPr>
+            <a:r>
+              <a:rPr lang="pt-BR" b="1" dirty="0">
+                <a:solidFill>
+                  <a:schemeClr val="bg2">
+                    <a:lumMod val="75000"/>
+                  </a:schemeClr>
+                </a:solidFill>
+                <a:cs typeface="Calibri" panose="020F0502020204030204" pitchFamily="34" charset="0"/>
+              </a:rPr>
+              <a:t>Atividades de </a:t>
+            </a:r>
+            <a:r>
+              <a:rPr lang="pt-BR" b="1" dirty="0" smtClean="0">
+                <a:solidFill>
+                  <a:schemeClr val="bg2">
+                    <a:lumMod val="75000"/>
+                  </a:schemeClr>
+                </a:solidFill>
+                <a:cs typeface="Calibri" panose="020F0502020204030204" pitchFamily="34" charset="0"/>
+              </a:rPr>
+              <a:t>Fixação na pasta </a:t>
+            </a:r>
+            <a:r>
+              <a:rPr lang="pt-BR" b="1" dirty="0" smtClean="0">
+                <a:solidFill>
+                  <a:schemeClr val="bg2">
+                    <a:lumMod val="75000"/>
+                  </a:schemeClr>
+                </a:solidFill>
+                <a:cs typeface="Calibri" panose="020F0502020204030204" pitchFamily="34" charset="0"/>
+              </a:rPr>
+              <a:t>Exercícios.</a:t>
+            </a:r>
+            <a:endParaRPr lang="pt-BR" b="1" dirty="0">
+              <a:solidFill>
+                <a:schemeClr val="bg2">
+                  <a:lumMod val="75000"/>
+                </a:schemeClr>
+              </a:solidFill>
+              <a:cs typeface="Calibri" panose="020F0502020204030204" pitchFamily="34" charset="0"/>
+            </a:endParaRPr>
+          </a:p>
+          <a:p>
+            <a:pPr marL="0" indent="0">
+              <a:buNone/>
+            </a:pPr>
+            <a:endParaRPr lang="pt-BR" dirty="0"/>
+          </a:p>
+        </p:txBody>
+      </p:sp>
+    </p:spTree>
+    <p:extLst>
+      <p:ext uri="{BB962C8B-B14F-4D97-AF65-F5344CB8AC3E}">
+        <p14:creationId xmlns:p14="http://schemas.microsoft.com/office/powerpoint/2010/main" val="701510321"/>
+      </p:ext>
+    </p:extLst>
+  </p:cSld>
+  <p:clrMapOvr>
+    <a:masterClrMapping/>
+  </p:clrMapOvr>
+  <p:timing>
+    <p:tnLst>
+      <p:par>
+        <p:cTn id="1" dur="indefinite" restart="never" nodeType="tmRoot"/>
+      </p:par>
+    </p:tnLst>
+  </p:timing>
+</p:sld>
+</file>
+
+<file path=ppt/slides/slide24.xml><?xml version="1.0" encoding="utf-8"?>
 <p:sld xmlns:a="http://schemas.openxmlformats.org/drawingml/2006/main" xmlns:r="http://schemas.openxmlformats.org/officeDocument/2006/relationships" xmlns:p="http://schemas.openxmlformats.org/presentationml/2006/main">
   <p:cSld>
     <p:bg>
@@ -11566,7 +12423,7 @@
 </p:sld>
 </file>
 
-<file path=ppt/slides/slide23.xml><?xml version="1.0" encoding="utf-8"?>
+<file path=ppt/slides/slide25.xml><?xml version="1.0" encoding="utf-8"?>
 <p:sld xmlns:a="http://schemas.openxmlformats.org/drawingml/2006/main" xmlns:r="http://schemas.openxmlformats.org/officeDocument/2006/relationships" xmlns:p="http://schemas.openxmlformats.org/presentationml/2006/main">
   <p:cSld>
     <p:bg>
@@ -11847,7 +12704,7 @@
 </p:sld>
 </file>
 
-<file path=ppt/slides/slide24.xml><?xml version="1.0" encoding="utf-8"?>
+<file path=ppt/slides/slide26.xml><?xml version="1.0" encoding="utf-8"?>
 <p:sld xmlns:a="http://schemas.openxmlformats.org/drawingml/2006/main" xmlns:r="http://schemas.openxmlformats.org/officeDocument/2006/relationships" xmlns:p="http://schemas.openxmlformats.org/presentationml/2006/main">
   <p:cSld>
     <p:bg>
@@ -12108,7 +12965,7 @@
 </p:sld>
 </file>
 
-<file path=ppt/slides/slide25.xml><?xml version="1.0" encoding="utf-8"?>
+<file path=ppt/slides/slide27.xml><?xml version="1.0" encoding="utf-8"?>
 <p:sld xmlns:a="http://schemas.openxmlformats.org/drawingml/2006/main" xmlns:r="http://schemas.openxmlformats.org/officeDocument/2006/relationships" xmlns:p="http://schemas.openxmlformats.org/presentationml/2006/main">
   <p:cSld>
     <p:bg>
@@ -12422,7 +13279,7 @@
 </p:sld>
 </file>
 
-<file path=ppt/slides/slide26.xml><?xml version="1.0" encoding="utf-8"?>
+<file path=ppt/slides/slide28.xml><?xml version="1.0" encoding="utf-8"?>
 <p:sld xmlns:a="http://schemas.openxmlformats.org/drawingml/2006/main" xmlns:r="http://schemas.openxmlformats.org/officeDocument/2006/relationships" xmlns:p="http://schemas.openxmlformats.org/presentationml/2006/main">
   <p:cSld>
     <p:bg>
@@ -12675,7 +13532,7 @@
 </p:sld>
 </file>
 
-<file path=ppt/slides/slide27.xml><?xml version="1.0" encoding="utf-8"?>
+<file path=ppt/slides/slide29.xml><?xml version="1.0" encoding="utf-8"?>
 <p:sld xmlns:a="http://schemas.openxmlformats.org/drawingml/2006/main" xmlns:r="http://schemas.openxmlformats.org/officeDocument/2006/relationships" xmlns:p="http://schemas.openxmlformats.org/presentationml/2006/main">
   <p:cSld>
     <p:bg>
@@ -12723,7 +13580,7 @@
         <p:spPr>
           <a:xfrm>
             <a:off x="796637" y="471050"/>
-            <a:ext cx="6089071" cy="692729"/>
+            <a:ext cx="6232236" cy="1129150"/>
           </a:xfrm>
           <a:prstGeom prst="rect">
             <a:avLst/>
@@ -12763,7 +13620,19 @@
                 <a:latin typeface="+mn-lt"/>
                 <a:cs typeface="Calibri" panose="020F0502020204030204" pitchFamily="34" charset="0"/>
               </a:rPr>
-              <a:t>Gravando em Arquivos</a:t>
+              <a:t>Atividades de </a:t>
+            </a:r>
+            <a:r>
+              <a:rPr lang="pt-BR" sz="3600" b="1" dirty="0" smtClean="0">
+                <a:solidFill>
+                  <a:schemeClr val="bg2">
+                    <a:lumMod val="75000"/>
+                  </a:schemeClr>
+                </a:solidFill>
+                <a:latin typeface="+mn-lt"/>
+                <a:cs typeface="Calibri" panose="020F0502020204030204" pitchFamily="34" charset="0"/>
+              </a:rPr>
+              <a:t>Fixação - JSON</a:t>
             </a:r>
             <a:endParaRPr lang="pt-BR" sz="3600" b="1" dirty="0">
               <a:solidFill>
@@ -12797,24 +13666,55 @@
           <a:bodyPr/>
           <a:lstStyle/>
           <a:p>
-            <a:r>
-              <a:rPr lang="pt-BR" dirty="0" smtClean="0"/>
-              <a:t>PHP oferece algumas funções para gravação de dados em arquivos</a:t>
-            </a:r>
-          </a:p>
-          <a:p>
-            <a:pPr lvl="1"/>
-            <a:r>
-              <a:rPr lang="pt-BR" dirty="0" smtClean="0"/>
-              <a:t>File_put_contents;</a:t>
-            </a:r>
-          </a:p>
-          <a:p>
-            <a:pPr lvl="1"/>
-            <a:r>
-              <a:rPr lang="pt-BR" dirty="0" smtClean="0"/>
-              <a:t>File_get_contents;</a:t>
-            </a:r>
+            <a:pPr marL="0" indent="0">
+              <a:buNone/>
+            </a:pPr>
+            <a:r>
+              <a:rPr lang="pt-BR" b="1" dirty="0">
+                <a:solidFill>
+                  <a:schemeClr val="bg2">
+                    <a:lumMod val="75000"/>
+                  </a:schemeClr>
+                </a:solidFill>
+                <a:cs typeface="Calibri" panose="020F0502020204030204" pitchFamily="34" charset="0"/>
+              </a:rPr>
+              <a:t>Atividades de </a:t>
+            </a:r>
+            <a:r>
+              <a:rPr lang="pt-BR" b="1" dirty="0" smtClean="0">
+                <a:solidFill>
+                  <a:schemeClr val="bg2">
+                    <a:lumMod val="75000"/>
+                  </a:schemeClr>
+                </a:solidFill>
+                <a:cs typeface="Calibri" panose="020F0502020204030204" pitchFamily="34" charset="0"/>
+              </a:rPr>
+              <a:t>Fixação na pasta </a:t>
+            </a:r>
+            <a:r>
+              <a:rPr lang="pt-BR" b="1" dirty="0" smtClean="0">
+                <a:solidFill>
+                  <a:schemeClr val="bg2">
+                    <a:lumMod val="75000"/>
+                  </a:schemeClr>
+                </a:solidFill>
+                <a:cs typeface="Calibri" panose="020F0502020204030204" pitchFamily="34" charset="0"/>
+              </a:rPr>
+              <a:t>Exercícios.</a:t>
+            </a:r>
+            <a:endParaRPr lang="pt-BR" b="1" dirty="0">
+              <a:solidFill>
+                <a:schemeClr val="bg2">
+                  <a:lumMod val="75000"/>
+                </a:schemeClr>
+              </a:solidFill>
+              <a:cs typeface="Calibri" panose="020F0502020204030204" pitchFamily="34" charset="0"/>
+            </a:endParaRPr>
+          </a:p>
+          <a:p>
+            <a:pPr marL="0" indent="0">
+              <a:buNone/>
+            </a:pPr>
             <a:endParaRPr lang="pt-BR" dirty="0"/>
           </a:p>
         </p:txBody>
@@ -12822,7 +13722,7 @@
     </p:spTree>
     <p:extLst>
       <p:ext uri="{BB962C8B-B14F-4D97-AF65-F5344CB8AC3E}">
-        <p14:creationId xmlns:p14="http://schemas.microsoft.com/office/powerpoint/2010/main" val="3476044938"/>
+        <p14:creationId xmlns:p14="http://schemas.microsoft.com/office/powerpoint/2010/main" val="1845943987"/>
       </p:ext>
     </p:extLst>
   </p:cSld>
@@ -12839,7 +13739,7 @@
 </p:sld>
 </file>
 
-<file path=ppt/slides/slide28.xml><?xml version="1.0" encoding="utf-8"?>
+<file path=ppt/slides/slide3.xml><?xml version="1.0" encoding="utf-8"?>
 <p:sld xmlns:a="http://schemas.openxmlformats.org/drawingml/2006/main" xmlns:r="http://schemas.openxmlformats.org/officeDocument/2006/relationships" xmlns:p="http://schemas.openxmlformats.org/presentationml/2006/main">
   <p:cSld>
     <p:bg>
@@ -12872,7 +13772,7 @@
       </p:grpSpPr>
       <p:sp>
         <p:nvSpPr>
-          <p:cNvPr id="3" name="Título 1">
+          <p:cNvPr id="7" name="Título 1">
             <a:extLst>
               <a:ext uri="{FF2B5EF4-FFF2-40B4-BE49-F238E27FC236}">
                 <a16:creationId xmlns:a16="http://schemas.microsoft.com/office/drawing/2014/main" id="{489F5D36-DFC3-5141-9F8E-6FACABCF76D1}"/>
@@ -12918,6 +13818,349 @@
           </a:lstStyle>
           <a:p>
             <a:r>
+              <a:rPr lang="pt-BR" b="1" dirty="0" smtClean="0">
+                <a:solidFill>
+                  <a:schemeClr val="bg2">
+                    <a:lumMod val="75000"/>
+                  </a:schemeClr>
+                </a:solidFill>
+                <a:latin typeface="+mn-lt"/>
+                <a:cs typeface="Calibri" panose="020F0502020204030204" pitchFamily="34" charset="0"/>
+              </a:rPr>
+              <a:t>Tópicos</a:t>
+            </a:r>
+            <a:endParaRPr lang="pt-BR" b="1" dirty="0">
+              <a:solidFill>
+                <a:schemeClr val="bg2">
+                  <a:lumMod val="75000"/>
+                </a:schemeClr>
+              </a:solidFill>
+              <a:latin typeface="+mn-lt"/>
+              <a:cs typeface="Calibri" panose="020F0502020204030204" pitchFamily="34" charset="0"/>
+            </a:endParaRPr>
+          </a:p>
+        </p:txBody>
+      </p:sp>
+      <p:sp>
+        <p:nvSpPr>
+          <p:cNvPr id="4" name="Marcador de Posição de Conteúdo 2"/>
+          <p:cNvSpPr>
+            <a:spLocks noGrp="1"/>
+          </p:cNvSpPr>
+          <p:nvPr>
+            <p:ph idx="1"/>
+          </p:nvPr>
+        </p:nvSpPr>
+        <p:spPr>
+          <a:xfrm>
+            <a:off x="796637" y="1600200"/>
+            <a:ext cx="7545697" cy="4525963"/>
+          </a:xfrm>
+        </p:spPr>
+        <p:txBody>
+          <a:bodyPr/>
+          <a:lstStyle/>
+          <a:p>
+            <a:r>
+              <a:rPr lang="pt-BR" dirty="0" smtClean="0"/>
+              <a:t>Utilização de includes/requires</a:t>
+            </a:r>
+          </a:p>
+          <a:p>
+            <a:r>
+              <a:rPr lang="pt-BR" dirty="0" smtClean="0"/>
+              <a:t>PHP e formulários HTML</a:t>
+            </a:r>
+          </a:p>
+          <a:p>
+            <a:r>
+              <a:rPr lang="pt-BR" dirty="0" smtClean="0"/>
+              <a:t>Estrutura de repetição</a:t>
+            </a:r>
+          </a:p>
+          <a:p>
+            <a:r>
+              <a:rPr lang="pt-BR" dirty="0" smtClean="0"/>
+              <a:t>JSON</a:t>
+            </a:r>
+          </a:p>
+          <a:p>
+            <a:r>
+              <a:rPr lang="pt-BR" dirty="0" smtClean="0"/>
+              <a:t>Gravando em arquivos</a:t>
+            </a:r>
+          </a:p>
+          <a:p>
+            <a:r>
+              <a:rPr lang="pt-BR" dirty="0" smtClean="0"/>
+              <a:t>Trabalhando com datas</a:t>
+            </a:r>
+          </a:p>
+        </p:txBody>
+      </p:sp>
+    </p:spTree>
+    <p:extLst>
+      <p:ext uri="{BB962C8B-B14F-4D97-AF65-F5344CB8AC3E}">
+        <p14:creationId xmlns:p14="http://schemas.microsoft.com/office/powerpoint/2010/main" val="4167269810"/>
+      </p:ext>
+    </p:extLst>
+  </p:cSld>
+  <p:clrMapOvr>
+    <a:masterClrMapping/>
+  </p:clrMapOvr>
+  <p:timing>
+    <p:tnLst>
+      <p:par>
+        <p:cTn id="1" dur="indefinite" restart="never" nodeType="tmRoot"/>
+      </p:par>
+    </p:tnLst>
+  </p:timing>
+</p:sld>
+</file>
+
+<file path=ppt/slides/slide30.xml><?xml version="1.0" encoding="utf-8"?>
+<p:sld xmlns:a="http://schemas.openxmlformats.org/drawingml/2006/main" xmlns:r="http://schemas.openxmlformats.org/officeDocument/2006/relationships" xmlns:p="http://schemas.openxmlformats.org/presentationml/2006/main">
+  <p:cSld>
+    <p:bg>
+      <p:bgPr>
+        <a:blipFill dpi="0" rotWithShape="1">
+          <a:blip r:embed="rId3">
+            <a:lum/>
+          </a:blip>
+          <a:srcRect/>
+          <a:stretch>
+            <a:fillRect/>
+          </a:stretch>
+        </a:blipFill>
+        <a:effectLst/>
+      </p:bgPr>
+    </p:bg>
+    <p:spTree>
+      <p:nvGrpSpPr>
+        <p:cNvPr id="1" name=""/>
+        <p:cNvGrpSpPr/>
+        <p:nvPr/>
+      </p:nvGrpSpPr>
+      <p:grpSpPr>
+        <a:xfrm>
+          <a:off x="0" y="0"/>
+          <a:ext cx="0" cy="0"/>
+          <a:chOff x="0" y="0"/>
+          <a:chExt cx="0" cy="0"/>
+        </a:xfrm>
+      </p:grpSpPr>
+      <p:sp>
+        <p:nvSpPr>
+          <p:cNvPr id="7" name="Título 1">
+            <a:extLst>
+              <a:ext uri="{FF2B5EF4-FFF2-40B4-BE49-F238E27FC236}">
+                <a16:creationId xmlns:a16="http://schemas.microsoft.com/office/drawing/2014/main" id="{489F5D36-DFC3-5141-9F8E-6FACABCF76D1}"/>
+              </a:ext>
+            </a:extLst>
+          </p:cNvPr>
+          <p:cNvSpPr txBox="1">
+            <a:spLocks/>
+          </p:cNvSpPr>
+          <p:nvPr/>
+        </p:nvSpPr>
+        <p:spPr>
+          <a:xfrm>
+            <a:off x="796637" y="471050"/>
+            <a:ext cx="6089071" cy="692729"/>
+          </a:xfrm>
+          <a:prstGeom prst="rect">
+            <a:avLst/>
+          </a:prstGeom>
+        </p:spPr>
+        <p:txBody>
+          <a:bodyPr vert="horz" lIns="91440" tIns="45720" rIns="91440" bIns="45720" rtlCol="0" anchor="ctr">
+            <a:noAutofit/>
+          </a:bodyPr>
+          <a:lstStyle>
+            <a:lvl1pPr algn="l" defTabSz="914400" rtl="0" eaLnBrk="1" latinLnBrk="0" hangingPunct="1">
+              <a:lnSpc>
+                <a:spcPct val="90000"/>
+              </a:lnSpc>
+              <a:spcBef>
+                <a:spcPct val="0"/>
+              </a:spcBef>
+              <a:buNone/>
+              <a:defRPr sz="4400" kern="1200">
+                <a:solidFill>
+                  <a:schemeClr val="tx1"/>
+                </a:solidFill>
+                <a:latin typeface="+mj-lt"/>
+                <a:ea typeface="+mj-ea"/>
+                <a:cs typeface="+mj-cs"/>
+              </a:defRPr>
+            </a:lvl1pPr>
+          </a:lstStyle>
+          <a:p>
+            <a:r>
+              <a:rPr lang="pt-BR" sz="3600" b="1" dirty="0" smtClean="0">
+                <a:solidFill>
+                  <a:schemeClr val="bg2">
+                    <a:lumMod val="75000"/>
+                  </a:schemeClr>
+                </a:solidFill>
+                <a:latin typeface="+mn-lt"/>
+                <a:cs typeface="Calibri" panose="020F0502020204030204" pitchFamily="34" charset="0"/>
+              </a:rPr>
+              <a:t>Gravando em Arquivos</a:t>
+            </a:r>
+            <a:endParaRPr lang="pt-BR" sz="3600" b="1" dirty="0">
+              <a:solidFill>
+                <a:schemeClr val="bg2">
+                  <a:lumMod val="75000"/>
+                </a:schemeClr>
+              </a:solidFill>
+              <a:latin typeface="+mn-lt"/>
+              <a:cs typeface="Calibri" panose="020F0502020204030204" pitchFamily="34" charset="0"/>
+            </a:endParaRPr>
+          </a:p>
+        </p:txBody>
+      </p:sp>
+      <p:sp>
+        <p:nvSpPr>
+          <p:cNvPr id="3" name="Marcador de Posição de Conteúdo 2"/>
+          <p:cNvSpPr>
+            <a:spLocks noGrp="1"/>
+          </p:cNvSpPr>
+          <p:nvPr>
+            <p:ph idx="1"/>
+          </p:nvPr>
+        </p:nvSpPr>
+        <p:spPr>
+          <a:xfrm>
+            <a:off x="457200" y="1600200"/>
+            <a:ext cx="8229600" cy="4525963"/>
+          </a:xfrm>
+        </p:spPr>
+        <p:txBody>
+          <a:bodyPr/>
+          <a:lstStyle/>
+          <a:p>
+            <a:r>
+              <a:rPr lang="pt-BR" dirty="0" smtClean="0"/>
+              <a:t>PHP oferece algumas funções para gravação de dados em arquivos</a:t>
+            </a:r>
+          </a:p>
+          <a:p>
+            <a:pPr lvl="1"/>
+            <a:r>
+              <a:rPr lang="pt-BR" dirty="0" smtClean="0"/>
+              <a:t>File_put_contents;</a:t>
+            </a:r>
+          </a:p>
+          <a:p>
+            <a:pPr lvl="1"/>
+            <a:r>
+              <a:rPr lang="pt-BR" dirty="0" smtClean="0"/>
+              <a:t>File_get_contents;</a:t>
+            </a:r>
+            <a:endParaRPr lang="pt-BR" dirty="0"/>
+          </a:p>
+        </p:txBody>
+      </p:sp>
+    </p:spTree>
+    <p:extLst>
+      <p:ext uri="{BB962C8B-B14F-4D97-AF65-F5344CB8AC3E}">
+        <p14:creationId xmlns:p14="http://schemas.microsoft.com/office/powerpoint/2010/main" val="3476044938"/>
+      </p:ext>
+    </p:extLst>
+  </p:cSld>
+  <p:clrMapOvr>
+    <a:masterClrMapping/>
+  </p:clrMapOvr>
+  <p:timing>
+    <p:tnLst>
+      <p:par>
+        <p:cTn id="1" dur="indefinite" restart="never" nodeType="tmRoot"/>
+      </p:par>
+    </p:tnLst>
+  </p:timing>
+</p:sld>
+</file>
+
+<file path=ppt/slides/slide31.xml><?xml version="1.0" encoding="utf-8"?>
+<p:sld xmlns:a="http://schemas.openxmlformats.org/drawingml/2006/main" xmlns:r="http://schemas.openxmlformats.org/officeDocument/2006/relationships" xmlns:p="http://schemas.openxmlformats.org/presentationml/2006/main">
+  <p:cSld>
+    <p:bg>
+      <p:bgPr>
+        <a:blipFill dpi="0" rotWithShape="1">
+          <a:blip r:embed="rId3">
+            <a:lum/>
+          </a:blip>
+          <a:srcRect/>
+          <a:stretch>
+            <a:fillRect/>
+          </a:stretch>
+        </a:blipFill>
+        <a:effectLst/>
+      </p:bgPr>
+    </p:bg>
+    <p:spTree>
+      <p:nvGrpSpPr>
+        <p:cNvPr id="1" name=""/>
+        <p:cNvGrpSpPr/>
+        <p:nvPr/>
+      </p:nvGrpSpPr>
+      <p:grpSpPr>
+        <a:xfrm>
+          <a:off x="0" y="0"/>
+          <a:ext cx="0" cy="0"/>
+          <a:chOff x="0" y="0"/>
+          <a:chExt cx="0" cy="0"/>
+        </a:xfrm>
+      </p:grpSpPr>
+      <p:sp>
+        <p:nvSpPr>
+          <p:cNvPr id="3" name="Título 1">
+            <a:extLst>
+              <a:ext uri="{FF2B5EF4-FFF2-40B4-BE49-F238E27FC236}">
+                <a16:creationId xmlns:a16="http://schemas.microsoft.com/office/drawing/2014/main" id="{489F5D36-DFC3-5141-9F8E-6FACABCF76D1}"/>
+              </a:ext>
+            </a:extLst>
+          </p:cNvPr>
+          <p:cNvSpPr txBox="1">
+            <a:spLocks/>
+          </p:cNvSpPr>
+          <p:nvPr/>
+        </p:nvSpPr>
+        <p:spPr>
+          <a:xfrm>
+            <a:off x="796637" y="471050"/>
+            <a:ext cx="6089071" cy="692729"/>
+          </a:xfrm>
+          <a:prstGeom prst="rect">
+            <a:avLst/>
+          </a:prstGeom>
+        </p:spPr>
+        <p:txBody>
+          <a:bodyPr vert="horz" lIns="91440" tIns="45720" rIns="91440" bIns="45720" rtlCol="0" anchor="ctr">
+            <a:noAutofit/>
+          </a:bodyPr>
+          <a:lstStyle>
+            <a:lvl1pPr algn="l" defTabSz="914400" rtl="0" eaLnBrk="1" latinLnBrk="0" hangingPunct="1">
+              <a:lnSpc>
+                <a:spcPct val="90000"/>
+              </a:lnSpc>
+              <a:spcBef>
+                <a:spcPct val="0"/>
+              </a:spcBef>
+              <a:buNone/>
+              <a:defRPr sz="4400" kern="1200">
+                <a:solidFill>
+                  <a:schemeClr val="tx1"/>
+                </a:solidFill>
+                <a:latin typeface="+mj-lt"/>
+                <a:ea typeface="+mj-ea"/>
+                <a:cs typeface="+mj-cs"/>
+              </a:defRPr>
+            </a:lvl1pPr>
+          </a:lstStyle>
+          <a:p>
+            <a:r>
               <a:rPr lang="pt-BR" sz="3600" b="1" dirty="0" smtClean="0">
                 <a:solidFill>
                   <a:schemeClr val="bg2">
@@ -13039,7 +14282,7 @@
 </p:sld>
 </file>
 
-<file path=ppt/slides/slide29.xml><?xml version="1.0" encoding="utf-8"?>
+<file path=ppt/slides/slide32.xml><?xml version="1.0" encoding="utf-8"?>
 <p:sld xmlns:a="http://schemas.openxmlformats.org/drawingml/2006/main" xmlns:r="http://schemas.openxmlformats.org/officeDocument/2006/relationships" xmlns:p="http://schemas.openxmlformats.org/presentationml/2006/main">
   <p:cSld>
     <p:bg>
@@ -13301,186 +14544,7 @@
 </p:sld>
 </file>
 
-<file path=ppt/slides/slide3.xml><?xml version="1.0" encoding="utf-8"?>
-<p:sld xmlns:a="http://schemas.openxmlformats.org/drawingml/2006/main" xmlns:r="http://schemas.openxmlformats.org/officeDocument/2006/relationships" xmlns:p="http://schemas.openxmlformats.org/presentationml/2006/main">
-  <p:cSld>
-    <p:bg>
-      <p:bgPr>
-        <a:blipFill dpi="0" rotWithShape="1">
-          <a:blip r:embed="rId3">
-            <a:lum/>
-          </a:blip>
-          <a:srcRect/>
-          <a:stretch>
-            <a:fillRect/>
-          </a:stretch>
-        </a:blipFill>
-        <a:effectLst/>
-      </p:bgPr>
-    </p:bg>
-    <p:spTree>
-      <p:nvGrpSpPr>
-        <p:cNvPr id="1" name=""/>
-        <p:cNvGrpSpPr/>
-        <p:nvPr/>
-      </p:nvGrpSpPr>
-      <p:grpSpPr>
-        <a:xfrm>
-          <a:off x="0" y="0"/>
-          <a:ext cx="0" cy="0"/>
-          <a:chOff x="0" y="0"/>
-          <a:chExt cx="0" cy="0"/>
-        </a:xfrm>
-      </p:grpSpPr>
-      <p:sp>
-        <p:nvSpPr>
-          <p:cNvPr id="7" name="Título 1">
-            <a:extLst>
-              <a:ext uri="{FF2B5EF4-FFF2-40B4-BE49-F238E27FC236}">
-                <a16:creationId xmlns:a16="http://schemas.microsoft.com/office/drawing/2014/main" id="{489F5D36-DFC3-5141-9F8E-6FACABCF76D1}"/>
-              </a:ext>
-            </a:extLst>
-          </p:cNvPr>
-          <p:cNvSpPr txBox="1">
-            <a:spLocks/>
-          </p:cNvSpPr>
-          <p:nvPr/>
-        </p:nvSpPr>
-        <p:spPr>
-          <a:xfrm>
-            <a:off x="796637" y="471050"/>
-            <a:ext cx="6089071" cy="692729"/>
-          </a:xfrm>
-          <a:prstGeom prst="rect">
-            <a:avLst/>
-          </a:prstGeom>
-        </p:spPr>
-        <p:txBody>
-          <a:bodyPr vert="horz" lIns="91440" tIns="45720" rIns="91440" bIns="45720" rtlCol="0" anchor="ctr">
-            <a:noAutofit/>
-          </a:bodyPr>
-          <a:lstStyle>
-            <a:lvl1pPr algn="l" defTabSz="914400" rtl="0" eaLnBrk="1" latinLnBrk="0" hangingPunct="1">
-              <a:lnSpc>
-                <a:spcPct val="90000"/>
-              </a:lnSpc>
-              <a:spcBef>
-                <a:spcPct val="0"/>
-              </a:spcBef>
-              <a:buNone/>
-              <a:defRPr sz="4400" kern="1200">
-                <a:solidFill>
-                  <a:schemeClr val="tx1"/>
-                </a:solidFill>
-                <a:latin typeface="+mj-lt"/>
-                <a:ea typeface="+mj-ea"/>
-                <a:cs typeface="+mj-cs"/>
-              </a:defRPr>
-            </a:lvl1pPr>
-          </a:lstStyle>
-          <a:p>
-            <a:r>
-              <a:rPr lang="pt-BR" b="1" dirty="0" smtClean="0">
-                <a:solidFill>
-                  <a:schemeClr val="bg2">
-                    <a:lumMod val="75000"/>
-                  </a:schemeClr>
-                </a:solidFill>
-                <a:latin typeface="+mn-lt"/>
-                <a:cs typeface="Calibri" panose="020F0502020204030204" pitchFamily="34" charset="0"/>
-              </a:rPr>
-              <a:t>Tópicos</a:t>
-            </a:r>
-            <a:endParaRPr lang="pt-BR" b="1" dirty="0">
-              <a:solidFill>
-                <a:schemeClr val="bg2">
-                  <a:lumMod val="75000"/>
-                </a:schemeClr>
-              </a:solidFill>
-              <a:latin typeface="+mn-lt"/>
-              <a:cs typeface="Calibri" panose="020F0502020204030204" pitchFamily="34" charset="0"/>
-            </a:endParaRPr>
-          </a:p>
-        </p:txBody>
-      </p:sp>
-      <p:sp>
-        <p:nvSpPr>
-          <p:cNvPr id="4" name="Marcador de Posição de Conteúdo 2"/>
-          <p:cNvSpPr>
-            <a:spLocks noGrp="1"/>
-          </p:cNvSpPr>
-          <p:nvPr>
-            <p:ph idx="1"/>
-          </p:nvPr>
-        </p:nvSpPr>
-        <p:spPr>
-          <a:xfrm>
-            <a:off x="796637" y="1600200"/>
-            <a:ext cx="7545697" cy="4525963"/>
-          </a:xfrm>
-        </p:spPr>
-        <p:txBody>
-          <a:bodyPr/>
-          <a:lstStyle/>
-          <a:p>
-            <a:r>
-              <a:rPr lang="pt-BR" dirty="0" smtClean="0"/>
-              <a:t>Utilização de includes/requires</a:t>
-            </a:r>
-          </a:p>
-          <a:p>
-            <a:r>
-              <a:rPr lang="pt-BR" dirty="0" smtClean="0"/>
-              <a:t>PHP e formulários HTML</a:t>
-            </a:r>
-          </a:p>
-          <a:p>
-            <a:r>
-              <a:rPr lang="pt-BR" dirty="0" smtClean="0"/>
-              <a:t>Estrutura de repetição</a:t>
-            </a:r>
-          </a:p>
-          <a:p>
-            <a:r>
-              <a:rPr lang="pt-BR" dirty="0" smtClean="0"/>
-              <a:t>JSON</a:t>
-            </a:r>
-          </a:p>
-          <a:p>
-            <a:r>
-              <a:rPr lang="pt-BR" dirty="0" smtClean="0"/>
-              <a:t>Gravando em arquivos</a:t>
-            </a:r>
-          </a:p>
-          <a:p>
-            <a:r>
-              <a:rPr lang="pt-BR" dirty="0" smtClean="0"/>
-              <a:t>Trabalhando com datas</a:t>
-            </a:r>
-          </a:p>
-        </p:txBody>
-      </p:sp>
-    </p:spTree>
-    <p:extLst>
-      <p:ext uri="{BB962C8B-B14F-4D97-AF65-F5344CB8AC3E}">
-        <p14:creationId xmlns:p14="http://schemas.microsoft.com/office/powerpoint/2010/main" val="4167269810"/>
-      </p:ext>
-    </p:extLst>
-  </p:cSld>
-  <p:clrMapOvr>
-    <a:masterClrMapping/>
-  </p:clrMapOvr>
-  <p:timing>
-    <p:tnLst>
-      <p:par>
-        <p:cTn id="1" dur="indefinite" restart="never" nodeType="tmRoot"/>
-      </p:par>
-    </p:tnLst>
-  </p:timing>
-</p:sld>
-</file>
-
-<file path=ppt/slides/slide30.xml><?xml version="1.0" encoding="utf-8"?>
+<file path=ppt/slides/slide33.xml><?xml version="1.0" encoding="utf-8"?>
 <p:sld xmlns:a="http://schemas.openxmlformats.org/drawingml/2006/main" xmlns:r="http://schemas.openxmlformats.org/officeDocument/2006/relationships" xmlns:p="http://schemas.openxmlformats.org/presentationml/2006/main">
   <p:cSld>
     <p:bg>
@@ -13838,7 +14902,7 @@
 </p:sld>
 </file>
 
-<file path=ppt/slides/slide31.xml><?xml version="1.0" encoding="utf-8"?>
+<file path=ppt/slides/slide34.xml><?xml version="1.0" encoding="utf-8"?>
 <p:sld xmlns:a="http://schemas.openxmlformats.org/drawingml/2006/main" xmlns:r="http://schemas.openxmlformats.org/officeDocument/2006/relationships" xmlns:p="http://schemas.openxmlformats.org/presentationml/2006/main">
   <p:cSld>
     <p:bg>
@@ -14115,7 +15179,7 @@
 </p:sld>
 </file>
 
-<file path=ppt/slides/slide32.xml><?xml version="1.0" encoding="utf-8"?>
+<file path=ppt/slides/slide35.xml><?xml version="1.0" encoding="utf-8"?>
 <p:sld xmlns:a="http://schemas.openxmlformats.org/drawingml/2006/main" xmlns:r="http://schemas.openxmlformats.org/officeDocument/2006/relationships" xmlns:p="http://schemas.openxmlformats.org/presentationml/2006/main">
   <p:cSld>
     <p:bg>
@@ -14163,7 +15227,7 @@
         <p:spPr>
           <a:xfrm>
             <a:off x="796637" y="471050"/>
-            <a:ext cx="6089071" cy="692729"/>
+            <a:ext cx="6232236" cy="1129150"/>
           </a:xfrm>
           <a:prstGeom prst="rect">
             <a:avLst/>
@@ -14203,6 +15267,213 @@
                 <a:latin typeface="+mn-lt"/>
                 <a:cs typeface="Calibri" panose="020F0502020204030204" pitchFamily="34" charset="0"/>
               </a:rPr>
+              <a:t>Atividades de </a:t>
+            </a:r>
+            <a:r>
+              <a:rPr lang="pt-BR" sz="3600" b="1" dirty="0" smtClean="0">
+                <a:solidFill>
+                  <a:schemeClr val="bg2">
+                    <a:lumMod val="75000"/>
+                  </a:schemeClr>
+                </a:solidFill>
+                <a:latin typeface="+mn-lt"/>
+                <a:cs typeface="Calibri" panose="020F0502020204030204" pitchFamily="34" charset="0"/>
+              </a:rPr>
+              <a:t>Fixação – GRAVANDO ARQUIVO</a:t>
+            </a:r>
+            <a:endParaRPr lang="pt-BR" sz="3600" b="1" dirty="0">
+              <a:solidFill>
+                <a:schemeClr val="bg2">
+                  <a:lumMod val="75000"/>
+                </a:schemeClr>
+              </a:solidFill>
+              <a:latin typeface="+mn-lt"/>
+              <a:cs typeface="Calibri" panose="020F0502020204030204" pitchFamily="34" charset="0"/>
+            </a:endParaRPr>
+          </a:p>
+        </p:txBody>
+      </p:sp>
+      <p:sp>
+        <p:nvSpPr>
+          <p:cNvPr id="3" name="Marcador de Posição de Conteúdo 2"/>
+          <p:cNvSpPr>
+            <a:spLocks noGrp="1"/>
+          </p:cNvSpPr>
+          <p:nvPr>
+            <p:ph idx="1"/>
+          </p:nvPr>
+        </p:nvSpPr>
+        <p:spPr>
+          <a:xfrm>
+            <a:off x="457200" y="1600200"/>
+            <a:ext cx="8229600" cy="4525963"/>
+          </a:xfrm>
+        </p:spPr>
+        <p:txBody>
+          <a:bodyPr/>
+          <a:lstStyle/>
+          <a:p>
+            <a:pPr marL="0" indent="0">
+              <a:buNone/>
+            </a:pPr>
+            <a:r>
+              <a:rPr lang="pt-BR" b="1" dirty="0">
+                <a:solidFill>
+                  <a:schemeClr val="bg2">
+                    <a:lumMod val="75000"/>
+                  </a:schemeClr>
+                </a:solidFill>
+                <a:cs typeface="Calibri" panose="020F0502020204030204" pitchFamily="34" charset="0"/>
+              </a:rPr>
+              <a:t>Atividades de </a:t>
+            </a:r>
+            <a:r>
+              <a:rPr lang="pt-BR" b="1" dirty="0" smtClean="0">
+                <a:solidFill>
+                  <a:schemeClr val="bg2">
+                    <a:lumMod val="75000"/>
+                  </a:schemeClr>
+                </a:solidFill>
+                <a:cs typeface="Calibri" panose="020F0502020204030204" pitchFamily="34" charset="0"/>
+              </a:rPr>
+              <a:t>Fixação na pasta </a:t>
+            </a:r>
+            <a:r>
+              <a:rPr lang="pt-BR" b="1" dirty="0" smtClean="0">
+                <a:solidFill>
+                  <a:schemeClr val="bg2">
+                    <a:lumMod val="75000"/>
+                  </a:schemeClr>
+                </a:solidFill>
+                <a:cs typeface="Calibri" panose="020F0502020204030204" pitchFamily="34" charset="0"/>
+              </a:rPr>
+              <a:t>Exercícios.</a:t>
+            </a:r>
+            <a:endParaRPr lang="pt-BR" b="1" dirty="0">
+              <a:solidFill>
+                <a:schemeClr val="bg2">
+                  <a:lumMod val="75000"/>
+                </a:schemeClr>
+              </a:solidFill>
+              <a:cs typeface="Calibri" panose="020F0502020204030204" pitchFamily="34" charset="0"/>
+            </a:endParaRPr>
+          </a:p>
+          <a:p>
+            <a:pPr marL="0" indent="0">
+              <a:buNone/>
+            </a:pPr>
+            <a:endParaRPr lang="pt-BR" dirty="0"/>
+          </a:p>
+        </p:txBody>
+      </p:sp>
+    </p:spTree>
+    <p:extLst>
+      <p:ext uri="{BB962C8B-B14F-4D97-AF65-F5344CB8AC3E}">
+        <p14:creationId xmlns:p14="http://schemas.microsoft.com/office/powerpoint/2010/main" val="4250822529"/>
+      </p:ext>
+    </p:extLst>
+  </p:cSld>
+  <p:clrMapOvr>
+    <a:masterClrMapping/>
+  </p:clrMapOvr>
+  <p:timing>
+    <p:tnLst>
+      <p:par>
+        <p:cTn id="1" dur="indefinite" restart="never" nodeType="tmRoot"/>
+      </p:par>
+    </p:tnLst>
+  </p:timing>
+</p:sld>
+</file>
+
+<file path=ppt/slides/slide36.xml><?xml version="1.0" encoding="utf-8"?>
+<p:sld xmlns:a="http://schemas.openxmlformats.org/drawingml/2006/main" xmlns:r="http://schemas.openxmlformats.org/officeDocument/2006/relationships" xmlns:p="http://schemas.openxmlformats.org/presentationml/2006/main">
+  <p:cSld>
+    <p:bg>
+      <p:bgPr>
+        <a:blipFill dpi="0" rotWithShape="1">
+          <a:blip r:embed="rId3">
+            <a:lum/>
+          </a:blip>
+          <a:srcRect/>
+          <a:stretch>
+            <a:fillRect/>
+          </a:stretch>
+        </a:blipFill>
+        <a:effectLst/>
+      </p:bgPr>
+    </p:bg>
+    <p:spTree>
+      <p:nvGrpSpPr>
+        <p:cNvPr id="1" name=""/>
+        <p:cNvGrpSpPr/>
+        <p:nvPr/>
+      </p:nvGrpSpPr>
+      <p:grpSpPr>
+        <a:xfrm>
+          <a:off x="0" y="0"/>
+          <a:ext cx="0" cy="0"/>
+          <a:chOff x="0" y="0"/>
+          <a:chExt cx="0" cy="0"/>
+        </a:xfrm>
+      </p:grpSpPr>
+      <p:sp>
+        <p:nvSpPr>
+          <p:cNvPr id="7" name="Título 1">
+            <a:extLst>
+              <a:ext uri="{FF2B5EF4-FFF2-40B4-BE49-F238E27FC236}">
+                <a16:creationId xmlns:a16="http://schemas.microsoft.com/office/drawing/2014/main" id="{489F5D36-DFC3-5141-9F8E-6FACABCF76D1}"/>
+              </a:ext>
+            </a:extLst>
+          </p:cNvPr>
+          <p:cNvSpPr txBox="1">
+            <a:spLocks/>
+          </p:cNvSpPr>
+          <p:nvPr/>
+        </p:nvSpPr>
+        <p:spPr>
+          <a:xfrm>
+            <a:off x="796637" y="471050"/>
+            <a:ext cx="6089071" cy="692729"/>
+          </a:xfrm>
+          <a:prstGeom prst="rect">
+            <a:avLst/>
+          </a:prstGeom>
+        </p:spPr>
+        <p:txBody>
+          <a:bodyPr vert="horz" lIns="91440" tIns="45720" rIns="91440" bIns="45720" rtlCol="0" anchor="ctr">
+            <a:noAutofit/>
+          </a:bodyPr>
+          <a:lstStyle>
+            <a:lvl1pPr algn="l" defTabSz="914400" rtl="0" eaLnBrk="1" latinLnBrk="0" hangingPunct="1">
+              <a:lnSpc>
+                <a:spcPct val="90000"/>
+              </a:lnSpc>
+              <a:spcBef>
+                <a:spcPct val="0"/>
+              </a:spcBef>
+              <a:buNone/>
+              <a:defRPr sz="4400" kern="1200">
+                <a:solidFill>
+                  <a:schemeClr val="tx1"/>
+                </a:solidFill>
+                <a:latin typeface="+mj-lt"/>
+                <a:ea typeface="+mj-ea"/>
+                <a:cs typeface="+mj-cs"/>
+              </a:defRPr>
+            </a:lvl1pPr>
+          </a:lstStyle>
+          <a:p>
+            <a:r>
+              <a:rPr lang="pt-BR" sz="3600" b="1" dirty="0" smtClean="0">
+                <a:solidFill>
+                  <a:schemeClr val="bg2">
+                    <a:lumMod val="75000"/>
+                  </a:schemeClr>
+                </a:solidFill>
+                <a:latin typeface="+mn-lt"/>
+                <a:cs typeface="Calibri" panose="020F0502020204030204" pitchFamily="34" charset="0"/>
+              </a:rPr>
               <a:t>Funções com datas</a:t>
             </a:r>
             <a:endParaRPr lang="pt-BR" sz="3600" b="1" dirty="0">
@@ -14285,7 +15556,7 @@
 </p:sld>
 </file>
 
-<file path=ppt/slides/slide33.xml><?xml version="1.0" encoding="utf-8"?>
+<file path=ppt/slides/slide37.xml><?xml version="1.0" encoding="utf-8"?>
 <p:sld xmlns:a="http://schemas.openxmlformats.org/drawingml/2006/main" xmlns:r="http://schemas.openxmlformats.org/officeDocument/2006/relationships" xmlns:p="http://schemas.openxmlformats.org/presentationml/2006/main">
   <p:cSld>
     <p:bg>
@@ -14582,7 +15853,7 @@
 </p:sld>
 </file>
 
-<file path=ppt/slides/slide34.xml><?xml version="1.0" encoding="utf-8"?>
+<file path=ppt/slides/slide38.xml><?xml version="1.0" encoding="utf-8"?>
 <p:sld xmlns:a="http://schemas.openxmlformats.org/drawingml/2006/main" xmlns:r="http://schemas.openxmlformats.org/officeDocument/2006/relationships" xmlns:p="http://schemas.openxmlformats.org/presentationml/2006/main">
   <p:cSld>
     <p:bg>
@@ -16538,7 +17809,7 @@
 </p:sld>
 </file>
 
-<file path=ppt/slides/slide35.xml><?xml version="1.0" encoding="utf-8"?>
+<file path=ppt/slides/slide39.xml><?xml version="1.0" encoding="utf-8"?>
 <p:sld xmlns:a="http://schemas.openxmlformats.org/drawingml/2006/main" xmlns:r="http://schemas.openxmlformats.org/officeDocument/2006/relationships" xmlns:p="http://schemas.openxmlformats.org/presentationml/2006/main">
   <p:cSld>
     <p:bg>
@@ -16826,7 +18097,7 @@
 </p:sld>
 </file>
 
-<file path=ppt/slides/slide36.xml><?xml version="1.0" encoding="utf-8"?>
+<file path=ppt/slides/slide4.xml><?xml version="1.0" encoding="utf-8"?>
 <p:sld xmlns:a="http://schemas.openxmlformats.org/drawingml/2006/main" xmlns:r="http://schemas.openxmlformats.org/officeDocument/2006/relationships" xmlns:p="http://schemas.openxmlformats.org/presentationml/2006/main">
   <p:cSld>
     <p:bg>
@@ -16859,7 +18130,7 @@
       </p:grpSpPr>
       <p:sp>
         <p:nvSpPr>
-          <p:cNvPr id="3" name="Título 1">
+          <p:cNvPr id="7" name="Título 1">
             <a:extLst>
               <a:ext uri="{FF2B5EF4-FFF2-40B4-BE49-F238E27FC236}">
                 <a16:creationId xmlns:a16="http://schemas.microsoft.com/office/drawing/2014/main" id="{489F5D36-DFC3-5141-9F8E-6FACABCF76D1}"/>
@@ -16914,6 +18185,165 @@
                 <a:latin typeface="+mn-lt"/>
                 <a:cs typeface="Calibri" panose="020F0502020204030204" pitchFamily="34" charset="0"/>
               </a:rPr>
+              <a:t>Utilização de includes em PHP</a:t>
+            </a:r>
+            <a:endParaRPr lang="pt-BR" sz="3600" b="1" dirty="0">
+              <a:solidFill>
+                <a:schemeClr val="bg2">
+                  <a:lumMod val="75000"/>
+                </a:schemeClr>
+              </a:solidFill>
+              <a:latin typeface="+mn-lt"/>
+              <a:cs typeface="Calibri" panose="020F0502020204030204" pitchFamily="34" charset="0"/>
+            </a:endParaRPr>
+          </a:p>
+        </p:txBody>
+      </p:sp>
+      <p:sp>
+        <p:nvSpPr>
+          <p:cNvPr id="4" name="Marcador de Posição de Conteúdo 2"/>
+          <p:cNvSpPr>
+            <a:spLocks noGrp="1"/>
+          </p:cNvSpPr>
+          <p:nvPr>
+            <p:ph idx="1"/>
+          </p:nvPr>
+        </p:nvSpPr>
+        <p:spPr>
+          <a:xfrm>
+            <a:off x="457200" y="1600200"/>
+            <a:ext cx="8229600" cy="4525963"/>
+          </a:xfrm>
+        </p:spPr>
+        <p:txBody>
+          <a:bodyPr/>
+          <a:lstStyle/>
+          <a:p>
+            <a:r>
+              <a:rPr lang="pt-BR" dirty="0" smtClean="0"/>
+              <a:t>Para facilitar a manutenção e que o código seja replicado existem funções que permitem incluir outros arquivos dentre dele</a:t>
+            </a:r>
+          </a:p>
+          <a:p>
+            <a:endParaRPr lang="pt-BR" dirty="0" smtClean="0"/>
+          </a:p>
+          <a:p>
+            <a:r>
+              <a:rPr lang="pt-BR" dirty="0" smtClean="0"/>
+              <a:t>Assim, por exemplo, em páginas que tiverem o mesmo cabeçalho, basta criar um arquivo cabecalho e incluí-lo nos demais</a:t>
+            </a:r>
+            <a:endParaRPr lang="pt-BR" dirty="0"/>
+          </a:p>
+        </p:txBody>
+      </p:sp>
+    </p:spTree>
+    <p:extLst>
+      <p:ext uri="{BB962C8B-B14F-4D97-AF65-F5344CB8AC3E}">
+        <p14:creationId xmlns:p14="http://schemas.microsoft.com/office/powerpoint/2010/main" val="1873917029"/>
+      </p:ext>
+    </p:extLst>
+  </p:cSld>
+  <p:clrMapOvr>
+    <a:masterClrMapping/>
+  </p:clrMapOvr>
+  <p:timing>
+    <p:tnLst>
+      <p:par>
+        <p:cTn id="1" dur="indefinite" restart="never" nodeType="tmRoot"/>
+      </p:par>
+    </p:tnLst>
+  </p:timing>
+</p:sld>
+</file>
+
+<file path=ppt/slides/slide40.xml><?xml version="1.0" encoding="utf-8"?>
+<p:sld xmlns:a="http://schemas.openxmlformats.org/drawingml/2006/main" xmlns:r="http://schemas.openxmlformats.org/officeDocument/2006/relationships" xmlns:p="http://schemas.openxmlformats.org/presentationml/2006/main">
+  <p:cSld>
+    <p:bg>
+      <p:bgPr>
+        <a:blipFill dpi="0" rotWithShape="1">
+          <a:blip r:embed="rId3">
+            <a:lum/>
+          </a:blip>
+          <a:srcRect/>
+          <a:stretch>
+            <a:fillRect/>
+          </a:stretch>
+        </a:blipFill>
+        <a:effectLst/>
+      </p:bgPr>
+    </p:bg>
+    <p:spTree>
+      <p:nvGrpSpPr>
+        <p:cNvPr id="1" name=""/>
+        <p:cNvGrpSpPr/>
+        <p:nvPr/>
+      </p:nvGrpSpPr>
+      <p:grpSpPr>
+        <a:xfrm>
+          <a:off x="0" y="0"/>
+          <a:ext cx="0" cy="0"/>
+          <a:chOff x="0" y="0"/>
+          <a:chExt cx="0" cy="0"/>
+        </a:xfrm>
+      </p:grpSpPr>
+      <p:sp>
+        <p:nvSpPr>
+          <p:cNvPr id="3" name="Título 1">
+            <a:extLst>
+              <a:ext uri="{FF2B5EF4-FFF2-40B4-BE49-F238E27FC236}">
+                <a16:creationId xmlns:a16="http://schemas.microsoft.com/office/drawing/2014/main" id="{489F5D36-DFC3-5141-9F8E-6FACABCF76D1}"/>
+              </a:ext>
+            </a:extLst>
+          </p:cNvPr>
+          <p:cNvSpPr txBox="1">
+            <a:spLocks/>
+          </p:cNvSpPr>
+          <p:nvPr/>
+        </p:nvSpPr>
+        <p:spPr>
+          <a:xfrm>
+            <a:off x="796637" y="471050"/>
+            <a:ext cx="6089071" cy="692729"/>
+          </a:xfrm>
+          <a:prstGeom prst="rect">
+            <a:avLst/>
+          </a:prstGeom>
+        </p:spPr>
+        <p:txBody>
+          <a:bodyPr vert="horz" lIns="91440" tIns="45720" rIns="91440" bIns="45720" rtlCol="0" anchor="ctr">
+            <a:noAutofit/>
+          </a:bodyPr>
+          <a:lstStyle>
+            <a:lvl1pPr algn="l" defTabSz="914400" rtl="0" eaLnBrk="1" latinLnBrk="0" hangingPunct="1">
+              <a:lnSpc>
+                <a:spcPct val="90000"/>
+              </a:lnSpc>
+              <a:spcBef>
+                <a:spcPct val="0"/>
+              </a:spcBef>
+              <a:buNone/>
+              <a:defRPr sz="4400" kern="1200">
+                <a:solidFill>
+                  <a:schemeClr val="tx1"/>
+                </a:solidFill>
+                <a:latin typeface="+mj-lt"/>
+                <a:ea typeface="+mj-ea"/>
+                <a:cs typeface="+mj-cs"/>
+              </a:defRPr>
+            </a:lvl1pPr>
+          </a:lstStyle>
+          <a:p>
+            <a:r>
+              <a:rPr lang="pt-BR" sz="3600" b="1" dirty="0" smtClean="0">
+                <a:solidFill>
+                  <a:schemeClr val="bg2">
+                    <a:lumMod val="75000"/>
+                  </a:schemeClr>
+                </a:solidFill>
+                <a:latin typeface="+mn-lt"/>
+                <a:cs typeface="Calibri" panose="020F0502020204030204" pitchFamily="34" charset="0"/>
+              </a:rPr>
               <a:t>Funções com datas</a:t>
             </a:r>
             <a:endParaRPr lang="pt-BR" sz="3600" b="1" dirty="0">
@@ -17048,7 +18478,7 @@
 </p:sld>
 </file>
 
-<file path=ppt/slides/slide37.xml><?xml version="1.0" encoding="utf-8"?>
+<file path=ppt/slides/slide41.xml><?xml version="1.0" encoding="utf-8"?>
 <p:sld xmlns:a="http://schemas.openxmlformats.org/drawingml/2006/main" xmlns:r="http://schemas.openxmlformats.org/officeDocument/2006/relationships" xmlns:p="http://schemas.openxmlformats.org/presentationml/2006/main">
   <p:cSld>
     <p:bg>
@@ -17296,7 +18726,214 @@
 </p:sld>
 </file>
 
-<file path=ppt/slides/slide38.xml><?xml version="1.0" encoding="utf-8"?>
+<file path=ppt/slides/slide42.xml><?xml version="1.0" encoding="utf-8"?>
+<p:sld xmlns:a="http://schemas.openxmlformats.org/drawingml/2006/main" xmlns:r="http://schemas.openxmlformats.org/officeDocument/2006/relationships" xmlns:p="http://schemas.openxmlformats.org/presentationml/2006/main">
+  <p:cSld>
+    <p:bg>
+      <p:bgPr>
+        <a:blipFill dpi="0" rotWithShape="1">
+          <a:blip r:embed="rId3">
+            <a:lum/>
+          </a:blip>
+          <a:srcRect/>
+          <a:stretch>
+            <a:fillRect/>
+          </a:stretch>
+        </a:blipFill>
+        <a:effectLst/>
+      </p:bgPr>
+    </p:bg>
+    <p:spTree>
+      <p:nvGrpSpPr>
+        <p:cNvPr id="1" name=""/>
+        <p:cNvGrpSpPr/>
+        <p:nvPr/>
+      </p:nvGrpSpPr>
+      <p:grpSpPr>
+        <a:xfrm>
+          <a:off x="0" y="0"/>
+          <a:ext cx="0" cy="0"/>
+          <a:chOff x="0" y="0"/>
+          <a:chExt cx="0" cy="0"/>
+        </a:xfrm>
+      </p:grpSpPr>
+      <p:sp>
+        <p:nvSpPr>
+          <p:cNvPr id="7" name="Título 1">
+            <a:extLst>
+              <a:ext uri="{FF2B5EF4-FFF2-40B4-BE49-F238E27FC236}">
+                <a16:creationId xmlns:a16="http://schemas.microsoft.com/office/drawing/2014/main" id="{489F5D36-DFC3-5141-9F8E-6FACABCF76D1}"/>
+              </a:ext>
+            </a:extLst>
+          </p:cNvPr>
+          <p:cNvSpPr txBox="1">
+            <a:spLocks/>
+          </p:cNvSpPr>
+          <p:nvPr/>
+        </p:nvSpPr>
+        <p:spPr>
+          <a:xfrm>
+            <a:off x="796637" y="471050"/>
+            <a:ext cx="6232236" cy="1129150"/>
+          </a:xfrm>
+          <a:prstGeom prst="rect">
+            <a:avLst/>
+          </a:prstGeom>
+        </p:spPr>
+        <p:txBody>
+          <a:bodyPr vert="horz" lIns="91440" tIns="45720" rIns="91440" bIns="45720" rtlCol="0" anchor="ctr">
+            <a:noAutofit/>
+          </a:bodyPr>
+          <a:lstStyle>
+            <a:lvl1pPr algn="l" defTabSz="914400" rtl="0" eaLnBrk="1" latinLnBrk="0" hangingPunct="1">
+              <a:lnSpc>
+                <a:spcPct val="90000"/>
+              </a:lnSpc>
+              <a:spcBef>
+                <a:spcPct val="0"/>
+              </a:spcBef>
+              <a:buNone/>
+              <a:defRPr sz="4400" kern="1200">
+                <a:solidFill>
+                  <a:schemeClr val="tx1"/>
+                </a:solidFill>
+                <a:latin typeface="+mj-lt"/>
+                <a:ea typeface="+mj-ea"/>
+                <a:cs typeface="+mj-cs"/>
+              </a:defRPr>
+            </a:lvl1pPr>
+          </a:lstStyle>
+          <a:p>
+            <a:r>
+              <a:rPr lang="pt-BR" sz="3600" b="1" dirty="0" smtClean="0">
+                <a:solidFill>
+                  <a:schemeClr val="bg2">
+                    <a:lumMod val="75000"/>
+                  </a:schemeClr>
+                </a:solidFill>
+                <a:latin typeface="+mn-lt"/>
+                <a:cs typeface="Calibri" panose="020F0502020204030204" pitchFamily="34" charset="0"/>
+              </a:rPr>
+              <a:t>Atividades de </a:t>
+            </a:r>
+            <a:r>
+              <a:rPr lang="pt-BR" sz="3600" b="1" dirty="0" smtClean="0">
+                <a:solidFill>
+                  <a:schemeClr val="bg2">
+                    <a:lumMod val="75000"/>
+                  </a:schemeClr>
+                </a:solidFill>
+                <a:latin typeface="+mn-lt"/>
+                <a:cs typeface="Calibri" panose="020F0502020204030204" pitchFamily="34" charset="0"/>
+              </a:rPr>
+              <a:t>Fixação – ATIVIDADE COM DATA</a:t>
+            </a:r>
+            <a:endParaRPr lang="pt-BR" sz="3600" b="1" dirty="0">
+              <a:solidFill>
+                <a:schemeClr val="bg2">
+                  <a:lumMod val="75000"/>
+                </a:schemeClr>
+              </a:solidFill>
+              <a:latin typeface="+mn-lt"/>
+              <a:cs typeface="Calibri" panose="020F0502020204030204" pitchFamily="34" charset="0"/>
+            </a:endParaRPr>
+          </a:p>
+        </p:txBody>
+      </p:sp>
+      <p:sp>
+        <p:nvSpPr>
+          <p:cNvPr id="3" name="Marcador de Posição de Conteúdo 2"/>
+          <p:cNvSpPr>
+            <a:spLocks noGrp="1"/>
+          </p:cNvSpPr>
+          <p:nvPr>
+            <p:ph idx="1"/>
+          </p:nvPr>
+        </p:nvSpPr>
+        <p:spPr>
+          <a:xfrm>
+            <a:off x="457200" y="1600200"/>
+            <a:ext cx="8229600" cy="4525963"/>
+          </a:xfrm>
+        </p:spPr>
+        <p:txBody>
+          <a:bodyPr/>
+          <a:lstStyle/>
+          <a:p>
+            <a:pPr marL="0" indent="0">
+              <a:buNone/>
+            </a:pPr>
+            <a:r>
+              <a:rPr lang="pt-BR" b="1" dirty="0">
+                <a:solidFill>
+                  <a:schemeClr val="bg2">
+                    <a:lumMod val="75000"/>
+                  </a:schemeClr>
+                </a:solidFill>
+                <a:cs typeface="Calibri" panose="020F0502020204030204" pitchFamily="34" charset="0"/>
+              </a:rPr>
+              <a:t>Atividades de </a:t>
+            </a:r>
+            <a:r>
+              <a:rPr lang="pt-BR" b="1" dirty="0" smtClean="0">
+                <a:solidFill>
+                  <a:schemeClr val="bg2">
+                    <a:lumMod val="75000"/>
+                  </a:schemeClr>
+                </a:solidFill>
+                <a:cs typeface="Calibri" panose="020F0502020204030204" pitchFamily="34" charset="0"/>
+              </a:rPr>
+              <a:t>Fixação na pasta </a:t>
+            </a:r>
+            <a:r>
+              <a:rPr lang="pt-BR" b="1" dirty="0" smtClean="0">
+                <a:solidFill>
+                  <a:schemeClr val="bg2">
+                    <a:lumMod val="75000"/>
+                  </a:schemeClr>
+                </a:solidFill>
+                <a:cs typeface="Calibri" panose="020F0502020204030204" pitchFamily="34" charset="0"/>
+              </a:rPr>
+              <a:t>Exercícios.</a:t>
+            </a:r>
+            <a:endParaRPr lang="pt-BR" b="1" dirty="0">
+              <a:solidFill>
+                <a:schemeClr val="bg2">
+                  <a:lumMod val="75000"/>
+                </a:schemeClr>
+              </a:solidFill>
+              <a:cs typeface="Calibri" panose="020F0502020204030204" pitchFamily="34" charset="0"/>
+            </a:endParaRPr>
+          </a:p>
+          <a:p>
+            <a:pPr marL="0" indent="0">
+              <a:buNone/>
+            </a:pPr>
+            <a:endParaRPr lang="pt-BR" dirty="0"/>
+          </a:p>
+        </p:txBody>
+      </p:sp>
+    </p:spTree>
+    <p:extLst>
+      <p:ext uri="{BB962C8B-B14F-4D97-AF65-F5344CB8AC3E}">
+        <p14:creationId xmlns:p14="http://schemas.microsoft.com/office/powerpoint/2010/main" val="3124834073"/>
+      </p:ext>
+    </p:extLst>
+  </p:cSld>
+  <p:clrMapOvr>
+    <a:masterClrMapping/>
+  </p:clrMapOvr>
+  <p:timing>
+    <p:tnLst>
+      <p:par>
+        <p:cTn id="1" dur="indefinite" restart="never" nodeType="tmRoot"/>
+      </p:par>
+    </p:tnLst>
+  </p:timing>
+</p:sld>
+</file>
+
+<file path=ppt/slides/slide43.xml><?xml version="1.0" encoding="utf-8"?>
 <p:sld xmlns:a="http://schemas.openxmlformats.org/drawingml/2006/main" xmlns:r="http://schemas.openxmlformats.org/officeDocument/2006/relationships" xmlns:p="http://schemas.openxmlformats.org/presentationml/2006/main">
   <p:cSld>
     <p:bg>
@@ -17449,915 +19086,6 @@
 </p:sld>
 </file>
 
-<file path=ppt/slides/slide39.xml><?xml version="1.0" encoding="utf-8"?>
-<p:sld xmlns:a="http://schemas.openxmlformats.org/drawingml/2006/main" xmlns:r="http://schemas.openxmlformats.org/officeDocument/2006/relationships" xmlns:p="http://schemas.openxmlformats.org/presentationml/2006/main">
-  <p:cSld>
-    <p:bg>
-      <p:bgPr>
-        <a:blipFill dpi="0" rotWithShape="1">
-          <a:blip r:embed="rId3">
-            <a:lum/>
-          </a:blip>
-          <a:srcRect/>
-          <a:stretch>
-            <a:fillRect/>
-          </a:stretch>
-        </a:blipFill>
-        <a:effectLst/>
-      </p:bgPr>
-    </p:bg>
-    <p:spTree>
-      <p:nvGrpSpPr>
-        <p:cNvPr id="1" name=""/>
-        <p:cNvGrpSpPr/>
-        <p:nvPr/>
-      </p:nvGrpSpPr>
-      <p:grpSpPr>
-        <a:xfrm>
-          <a:off x="0" y="0"/>
-          <a:ext cx="0" cy="0"/>
-          <a:chOff x="0" y="0"/>
-          <a:chExt cx="0" cy="0"/>
-        </a:xfrm>
-      </p:grpSpPr>
-      <p:sp>
-        <p:nvSpPr>
-          <p:cNvPr id="7" name="Título 1">
-            <a:extLst>
-              <a:ext uri="{FF2B5EF4-FFF2-40B4-BE49-F238E27FC236}">
-                <a16:creationId xmlns:a16="http://schemas.microsoft.com/office/drawing/2014/main" id="{489F5D36-DFC3-5141-9F8E-6FACABCF76D1}"/>
-              </a:ext>
-            </a:extLst>
-          </p:cNvPr>
-          <p:cNvSpPr txBox="1">
-            <a:spLocks/>
-          </p:cNvSpPr>
-          <p:nvPr/>
-        </p:nvSpPr>
-        <p:spPr>
-          <a:xfrm>
-            <a:off x="796637" y="471050"/>
-            <a:ext cx="6089071" cy="692729"/>
-          </a:xfrm>
-          <a:prstGeom prst="rect">
-            <a:avLst/>
-          </a:prstGeom>
-        </p:spPr>
-        <p:txBody>
-          <a:bodyPr vert="horz" lIns="91440" tIns="45720" rIns="91440" bIns="45720" rtlCol="0" anchor="ctr">
-            <a:noAutofit/>
-          </a:bodyPr>
-          <a:lstStyle>
-            <a:lvl1pPr algn="l" defTabSz="914400" rtl="0" eaLnBrk="1" latinLnBrk="0" hangingPunct="1">
-              <a:lnSpc>
-                <a:spcPct val="90000"/>
-              </a:lnSpc>
-              <a:spcBef>
-                <a:spcPct val="0"/>
-              </a:spcBef>
-              <a:buNone/>
-              <a:defRPr sz="4400" kern="1200">
-                <a:solidFill>
-                  <a:schemeClr val="tx1"/>
-                </a:solidFill>
-                <a:latin typeface="+mj-lt"/>
-                <a:ea typeface="+mj-ea"/>
-                <a:cs typeface="+mj-cs"/>
-              </a:defRPr>
-            </a:lvl1pPr>
-          </a:lstStyle>
-          <a:p>
-            <a:r>
-              <a:rPr lang="pt-BR" sz="3600" b="1" dirty="0" smtClean="0">
-                <a:solidFill>
-                  <a:schemeClr val="bg2">
-                    <a:lumMod val="75000"/>
-                  </a:schemeClr>
-                </a:solidFill>
-                <a:latin typeface="+mn-lt"/>
-                <a:cs typeface="Calibri" panose="020F0502020204030204" pitchFamily="34" charset="0"/>
-              </a:rPr>
-              <a:t>Exercício 01 </a:t>
-            </a:r>
-            <a:endParaRPr lang="pt-BR" sz="3600" b="1" dirty="0">
-              <a:solidFill>
-                <a:schemeClr val="bg2">
-                  <a:lumMod val="75000"/>
-                </a:schemeClr>
-              </a:solidFill>
-              <a:latin typeface="+mn-lt"/>
-              <a:cs typeface="Calibri" panose="020F0502020204030204" pitchFamily="34" charset="0"/>
-            </a:endParaRPr>
-          </a:p>
-        </p:txBody>
-      </p:sp>
-      <p:sp>
-        <p:nvSpPr>
-          <p:cNvPr id="4" name="Retângulo 3"/>
-          <p:cNvSpPr/>
-          <p:nvPr/>
-        </p:nvSpPr>
-        <p:spPr>
-          <a:xfrm>
-            <a:off x="526093" y="1853851"/>
-            <a:ext cx="7979080" cy="2677656"/>
-          </a:xfrm>
-          <a:prstGeom prst="rect">
-            <a:avLst/>
-          </a:prstGeom>
-        </p:spPr>
-        <p:txBody>
-          <a:bodyPr wrap="square">
-            <a:spAutoFit/>
-          </a:bodyPr>
-          <a:lstStyle/>
-          <a:p>
-            <a:r>
-              <a:rPr lang="pt-BR" sz="2800" dirty="0"/>
-              <a:t>1. Crie um arquivo chamado funcao.php. Neste arquivo implemente uma função que calcule uma potenciação. Serão passados como parâmetros: a base e o expoente. Feito isso, crie o arquivo potenciacao.php, inclua o arquivo função.php e realize chamadas para a sua função</a:t>
-            </a:r>
-          </a:p>
-        </p:txBody>
-      </p:sp>
-    </p:spTree>
-    <p:extLst>
-      <p:ext uri="{BB962C8B-B14F-4D97-AF65-F5344CB8AC3E}">
-        <p14:creationId xmlns:p14="http://schemas.microsoft.com/office/powerpoint/2010/main" val="2229845613"/>
-      </p:ext>
-    </p:extLst>
-  </p:cSld>
-  <p:clrMapOvr>
-    <a:masterClrMapping/>
-  </p:clrMapOvr>
-  <p:timing>
-    <p:tnLst>
-      <p:par>
-        <p:cTn id="1" dur="indefinite" restart="never" nodeType="tmRoot"/>
-      </p:par>
-    </p:tnLst>
-  </p:timing>
-</p:sld>
-</file>
-
-<file path=ppt/slides/slide4.xml><?xml version="1.0" encoding="utf-8"?>
-<p:sld xmlns:a="http://schemas.openxmlformats.org/drawingml/2006/main" xmlns:r="http://schemas.openxmlformats.org/officeDocument/2006/relationships" xmlns:p="http://schemas.openxmlformats.org/presentationml/2006/main">
-  <p:cSld>
-    <p:bg>
-      <p:bgPr>
-        <a:blipFill dpi="0" rotWithShape="1">
-          <a:blip r:embed="rId3">
-            <a:lum/>
-          </a:blip>
-          <a:srcRect/>
-          <a:stretch>
-            <a:fillRect/>
-          </a:stretch>
-        </a:blipFill>
-        <a:effectLst/>
-      </p:bgPr>
-    </p:bg>
-    <p:spTree>
-      <p:nvGrpSpPr>
-        <p:cNvPr id="1" name=""/>
-        <p:cNvGrpSpPr/>
-        <p:nvPr/>
-      </p:nvGrpSpPr>
-      <p:grpSpPr>
-        <a:xfrm>
-          <a:off x="0" y="0"/>
-          <a:ext cx="0" cy="0"/>
-          <a:chOff x="0" y="0"/>
-          <a:chExt cx="0" cy="0"/>
-        </a:xfrm>
-      </p:grpSpPr>
-      <p:sp>
-        <p:nvSpPr>
-          <p:cNvPr id="7" name="Título 1">
-            <a:extLst>
-              <a:ext uri="{FF2B5EF4-FFF2-40B4-BE49-F238E27FC236}">
-                <a16:creationId xmlns:a16="http://schemas.microsoft.com/office/drawing/2014/main" id="{489F5D36-DFC3-5141-9F8E-6FACABCF76D1}"/>
-              </a:ext>
-            </a:extLst>
-          </p:cNvPr>
-          <p:cNvSpPr txBox="1">
-            <a:spLocks/>
-          </p:cNvSpPr>
-          <p:nvPr/>
-        </p:nvSpPr>
-        <p:spPr>
-          <a:xfrm>
-            <a:off x="796637" y="471050"/>
-            <a:ext cx="6089071" cy="692729"/>
-          </a:xfrm>
-          <a:prstGeom prst="rect">
-            <a:avLst/>
-          </a:prstGeom>
-        </p:spPr>
-        <p:txBody>
-          <a:bodyPr vert="horz" lIns="91440" tIns="45720" rIns="91440" bIns="45720" rtlCol="0" anchor="ctr">
-            <a:noAutofit/>
-          </a:bodyPr>
-          <a:lstStyle>
-            <a:lvl1pPr algn="l" defTabSz="914400" rtl="0" eaLnBrk="1" latinLnBrk="0" hangingPunct="1">
-              <a:lnSpc>
-                <a:spcPct val="90000"/>
-              </a:lnSpc>
-              <a:spcBef>
-                <a:spcPct val="0"/>
-              </a:spcBef>
-              <a:buNone/>
-              <a:defRPr sz="4400" kern="1200">
-                <a:solidFill>
-                  <a:schemeClr val="tx1"/>
-                </a:solidFill>
-                <a:latin typeface="+mj-lt"/>
-                <a:ea typeface="+mj-ea"/>
-                <a:cs typeface="+mj-cs"/>
-              </a:defRPr>
-            </a:lvl1pPr>
-          </a:lstStyle>
-          <a:p>
-            <a:r>
-              <a:rPr lang="pt-BR" sz="3600" b="1" dirty="0" smtClean="0">
-                <a:solidFill>
-                  <a:schemeClr val="bg2">
-                    <a:lumMod val="75000"/>
-                  </a:schemeClr>
-                </a:solidFill>
-                <a:latin typeface="+mn-lt"/>
-                <a:cs typeface="Calibri" panose="020F0502020204030204" pitchFamily="34" charset="0"/>
-              </a:rPr>
-              <a:t>Utilização de includes em PHP</a:t>
-            </a:r>
-            <a:endParaRPr lang="pt-BR" sz="3600" b="1" dirty="0">
-              <a:solidFill>
-                <a:schemeClr val="bg2">
-                  <a:lumMod val="75000"/>
-                </a:schemeClr>
-              </a:solidFill>
-              <a:latin typeface="+mn-lt"/>
-              <a:cs typeface="Calibri" panose="020F0502020204030204" pitchFamily="34" charset="0"/>
-            </a:endParaRPr>
-          </a:p>
-        </p:txBody>
-      </p:sp>
-      <p:sp>
-        <p:nvSpPr>
-          <p:cNvPr id="4" name="Marcador de Posição de Conteúdo 2"/>
-          <p:cNvSpPr>
-            <a:spLocks noGrp="1"/>
-          </p:cNvSpPr>
-          <p:nvPr>
-            <p:ph idx="1"/>
-          </p:nvPr>
-        </p:nvSpPr>
-        <p:spPr>
-          <a:xfrm>
-            <a:off x="457200" y="1600200"/>
-            <a:ext cx="8229600" cy="4525963"/>
-          </a:xfrm>
-        </p:spPr>
-        <p:txBody>
-          <a:bodyPr/>
-          <a:lstStyle/>
-          <a:p>
-            <a:r>
-              <a:rPr lang="pt-BR" dirty="0" smtClean="0"/>
-              <a:t>Para facilitar a manutenção e que o código seja replicado existem funções que permitem incluir outros arquivos dentre dele</a:t>
-            </a:r>
-          </a:p>
-          <a:p>
-            <a:endParaRPr lang="pt-BR" dirty="0" smtClean="0"/>
-          </a:p>
-          <a:p>
-            <a:r>
-              <a:rPr lang="pt-BR" dirty="0" smtClean="0"/>
-              <a:t>Assim, por exemplo, em páginas que tiverem o mesmo cabeçalho, basta criar um arquivo cabecalho e incluí-lo nos demais</a:t>
-            </a:r>
-            <a:endParaRPr lang="pt-BR" dirty="0"/>
-          </a:p>
-        </p:txBody>
-      </p:sp>
-    </p:spTree>
-    <p:extLst>
-      <p:ext uri="{BB962C8B-B14F-4D97-AF65-F5344CB8AC3E}">
-        <p14:creationId xmlns:p14="http://schemas.microsoft.com/office/powerpoint/2010/main" val="1873917029"/>
-      </p:ext>
-    </p:extLst>
-  </p:cSld>
-  <p:clrMapOvr>
-    <a:masterClrMapping/>
-  </p:clrMapOvr>
-  <p:timing>
-    <p:tnLst>
-      <p:par>
-        <p:cTn id="1" dur="indefinite" restart="never" nodeType="tmRoot"/>
-      </p:par>
-    </p:tnLst>
-  </p:timing>
-</p:sld>
-</file>
-
-<file path=ppt/slides/slide40.xml><?xml version="1.0" encoding="utf-8"?>
-<p:sld xmlns:a="http://schemas.openxmlformats.org/drawingml/2006/main" xmlns:r="http://schemas.openxmlformats.org/officeDocument/2006/relationships" xmlns:p="http://schemas.openxmlformats.org/presentationml/2006/main">
-  <p:cSld>
-    <p:bg>
-      <p:bgPr>
-        <a:blipFill dpi="0" rotWithShape="1">
-          <a:blip r:embed="rId3">
-            <a:lum/>
-          </a:blip>
-          <a:srcRect/>
-          <a:stretch>
-            <a:fillRect/>
-          </a:stretch>
-        </a:blipFill>
-        <a:effectLst/>
-      </p:bgPr>
-    </p:bg>
-    <p:spTree>
-      <p:nvGrpSpPr>
-        <p:cNvPr id="1" name=""/>
-        <p:cNvGrpSpPr/>
-        <p:nvPr/>
-      </p:nvGrpSpPr>
-      <p:grpSpPr>
-        <a:xfrm>
-          <a:off x="0" y="0"/>
-          <a:ext cx="0" cy="0"/>
-          <a:chOff x="0" y="0"/>
-          <a:chExt cx="0" cy="0"/>
-        </a:xfrm>
-      </p:grpSpPr>
-      <p:sp>
-        <p:nvSpPr>
-          <p:cNvPr id="7" name="Título 1">
-            <a:extLst>
-              <a:ext uri="{FF2B5EF4-FFF2-40B4-BE49-F238E27FC236}">
-                <a16:creationId xmlns:a16="http://schemas.microsoft.com/office/drawing/2014/main" id="{489F5D36-DFC3-5141-9F8E-6FACABCF76D1}"/>
-              </a:ext>
-            </a:extLst>
-          </p:cNvPr>
-          <p:cNvSpPr txBox="1">
-            <a:spLocks/>
-          </p:cNvSpPr>
-          <p:nvPr/>
-        </p:nvSpPr>
-        <p:spPr>
-          <a:xfrm>
-            <a:off x="796637" y="471050"/>
-            <a:ext cx="6089071" cy="692729"/>
-          </a:xfrm>
-          <a:prstGeom prst="rect">
-            <a:avLst/>
-          </a:prstGeom>
-        </p:spPr>
-        <p:txBody>
-          <a:bodyPr vert="horz" lIns="91440" tIns="45720" rIns="91440" bIns="45720" rtlCol="0" anchor="ctr">
-            <a:noAutofit/>
-          </a:bodyPr>
-          <a:lstStyle>
-            <a:lvl1pPr algn="l" defTabSz="914400" rtl="0" eaLnBrk="1" latinLnBrk="0" hangingPunct="1">
-              <a:lnSpc>
-                <a:spcPct val="90000"/>
-              </a:lnSpc>
-              <a:spcBef>
-                <a:spcPct val="0"/>
-              </a:spcBef>
-              <a:buNone/>
-              <a:defRPr sz="4400" kern="1200">
-                <a:solidFill>
-                  <a:schemeClr val="tx1"/>
-                </a:solidFill>
-                <a:latin typeface="+mj-lt"/>
-                <a:ea typeface="+mj-ea"/>
-                <a:cs typeface="+mj-cs"/>
-              </a:defRPr>
-            </a:lvl1pPr>
-          </a:lstStyle>
-          <a:p>
-            <a:r>
-              <a:rPr lang="pt-BR" sz="3600" b="1" dirty="0" smtClean="0">
-                <a:solidFill>
-                  <a:schemeClr val="bg2">
-                    <a:lumMod val="75000"/>
-                  </a:schemeClr>
-                </a:solidFill>
-                <a:latin typeface="+mn-lt"/>
-                <a:cs typeface="Calibri" panose="020F0502020204030204" pitchFamily="34" charset="0"/>
-              </a:rPr>
-              <a:t>Exercício 02 </a:t>
-            </a:r>
-            <a:endParaRPr lang="pt-BR" sz="3600" b="1" dirty="0">
-              <a:solidFill>
-                <a:schemeClr val="bg2">
-                  <a:lumMod val="75000"/>
-                </a:schemeClr>
-              </a:solidFill>
-              <a:latin typeface="+mn-lt"/>
-              <a:cs typeface="Calibri" panose="020F0502020204030204" pitchFamily="34" charset="0"/>
-            </a:endParaRPr>
-          </a:p>
-        </p:txBody>
-      </p:sp>
-      <p:sp>
-        <p:nvSpPr>
-          <p:cNvPr id="2" name="Retângulo 1"/>
-          <p:cNvSpPr/>
-          <p:nvPr/>
-        </p:nvSpPr>
-        <p:spPr>
-          <a:xfrm>
-            <a:off x="901873" y="2176769"/>
-            <a:ext cx="7290148" cy="2246769"/>
-          </a:xfrm>
-          <a:prstGeom prst="rect">
-            <a:avLst/>
-          </a:prstGeom>
-        </p:spPr>
-        <p:txBody>
-          <a:bodyPr wrap="square">
-            <a:spAutoFit/>
-          </a:bodyPr>
-          <a:lstStyle/>
-          <a:p>
-            <a:r>
-              <a:rPr lang="pt-BR" sz="2800" dirty="0"/>
-              <a:t>2. Crie um formulário HTML que contenha um campo para informação de um nome. Este nome deverá ser submetido para o PHP, que deverá imprimir: Boa noite, $nome! Realizar a submissão utilizando GET e depois POST.</a:t>
-            </a:r>
-          </a:p>
-        </p:txBody>
-      </p:sp>
-    </p:spTree>
-    <p:extLst>
-      <p:ext uri="{BB962C8B-B14F-4D97-AF65-F5344CB8AC3E}">
-        <p14:creationId xmlns:p14="http://schemas.microsoft.com/office/powerpoint/2010/main" val="3933247708"/>
-      </p:ext>
-    </p:extLst>
-  </p:cSld>
-  <p:clrMapOvr>
-    <a:masterClrMapping/>
-  </p:clrMapOvr>
-  <p:timing>
-    <p:tnLst>
-      <p:par>
-        <p:cTn id="1" dur="indefinite" restart="never" nodeType="tmRoot"/>
-      </p:par>
-    </p:tnLst>
-  </p:timing>
-</p:sld>
-</file>
-
-<file path=ppt/slides/slide41.xml><?xml version="1.0" encoding="utf-8"?>
-<p:sld xmlns:a="http://schemas.openxmlformats.org/drawingml/2006/main" xmlns:r="http://schemas.openxmlformats.org/officeDocument/2006/relationships" xmlns:p="http://schemas.openxmlformats.org/presentationml/2006/main">
-  <p:cSld>
-    <p:bg>
-      <p:bgPr>
-        <a:blipFill dpi="0" rotWithShape="1">
-          <a:blip r:embed="rId3">
-            <a:lum/>
-          </a:blip>
-          <a:srcRect/>
-          <a:stretch>
-            <a:fillRect/>
-          </a:stretch>
-        </a:blipFill>
-        <a:effectLst/>
-      </p:bgPr>
-    </p:bg>
-    <p:spTree>
-      <p:nvGrpSpPr>
-        <p:cNvPr id="1" name=""/>
-        <p:cNvGrpSpPr/>
-        <p:nvPr/>
-      </p:nvGrpSpPr>
-      <p:grpSpPr>
-        <a:xfrm>
-          <a:off x="0" y="0"/>
-          <a:ext cx="0" cy="0"/>
-          <a:chOff x="0" y="0"/>
-          <a:chExt cx="0" cy="0"/>
-        </a:xfrm>
-      </p:grpSpPr>
-      <p:sp>
-        <p:nvSpPr>
-          <p:cNvPr id="7" name="Título 1">
-            <a:extLst>
-              <a:ext uri="{FF2B5EF4-FFF2-40B4-BE49-F238E27FC236}">
-                <a16:creationId xmlns:a16="http://schemas.microsoft.com/office/drawing/2014/main" id="{489F5D36-DFC3-5141-9F8E-6FACABCF76D1}"/>
-              </a:ext>
-            </a:extLst>
-          </p:cNvPr>
-          <p:cNvSpPr txBox="1">
-            <a:spLocks/>
-          </p:cNvSpPr>
-          <p:nvPr/>
-        </p:nvSpPr>
-        <p:spPr>
-          <a:xfrm>
-            <a:off x="796637" y="471050"/>
-            <a:ext cx="6089071" cy="692729"/>
-          </a:xfrm>
-          <a:prstGeom prst="rect">
-            <a:avLst/>
-          </a:prstGeom>
-        </p:spPr>
-        <p:txBody>
-          <a:bodyPr vert="horz" lIns="91440" tIns="45720" rIns="91440" bIns="45720" rtlCol="0" anchor="ctr">
-            <a:noAutofit/>
-          </a:bodyPr>
-          <a:lstStyle>
-            <a:lvl1pPr algn="l" defTabSz="914400" rtl="0" eaLnBrk="1" latinLnBrk="0" hangingPunct="1">
-              <a:lnSpc>
-                <a:spcPct val="90000"/>
-              </a:lnSpc>
-              <a:spcBef>
-                <a:spcPct val="0"/>
-              </a:spcBef>
-              <a:buNone/>
-              <a:defRPr sz="4400" kern="1200">
-                <a:solidFill>
-                  <a:schemeClr val="tx1"/>
-                </a:solidFill>
-                <a:latin typeface="+mj-lt"/>
-                <a:ea typeface="+mj-ea"/>
-                <a:cs typeface="+mj-cs"/>
-              </a:defRPr>
-            </a:lvl1pPr>
-          </a:lstStyle>
-          <a:p>
-            <a:r>
-              <a:rPr lang="pt-BR" sz="3600" b="1" dirty="0" smtClean="0">
-                <a:solidFill>
-                  <a:schemeClr val="bg2">
-                    <a:lumMod val="75000"/>
-                  </a:schemeClr>
-                </a:solidFill>
-                <a:latin typeface="+mn-lt"/>
-                <a:cs typeface="Calibri" panose="020F0502020204030204" pitchFamily="34" charset="0"/>
-              </a:rPr>
-              <a:t>Exercício 03</a:t>
-            </a:r>
-            <a:endParaRPr lang="pt-BR" sz="3600" b="1" dirty="0">
-              <a:solidFill>
-                <a:schemeClr val="bg2">
-                  <a:lumMod val="75000"/>
-                </a:schemeClr>
-              </a:solidFill>
-              <a:latin typeface="+mn-lt"/>
-              <a:cs typeface="Calibri" panose="020F0502020204030204" pitchFamily="34" charset="0"/>
-            </a:endParaRPr>
-          </a:p>
-        </p:txBody>
-      </p:sp>
-      <p:sp>
-        <p:nvSpPr>
-          <p:cNvPr id="2" name="Retângulo 1"/>
-          <p:cNvSpPr/>
-          <p:nvPr/>
-        </p:nvSpPr>
-        <p:spPr>
-          <a:xfrm>
-            <a:off x="1039661" y="2179529"/>
-            <a:ext cx="7240044" cy="2246769"/>
-          </a:xfrm>
-          <a:prstGeom prst="rect">
-            <a:avLst/>
-          </a:prstGeom>
-        </p:spPr>
-        <p:txBody>
-          <a:bodyPr wrap="square">
-            <a:spAutoFit/>
-          </a:bodyPr>
-          <a:lstStyle/>
-          <a:p>
-            <a:r>
-              <a:rPr lang="pt-BR" sz="2800" dirty="0"/>
-              <a:t>3. Crie uma função PHP que receba um número e imprima os números em sequência seguidos por um traço (o último número não deve conter traço). Exemplo: 1-2-3-4-5-6-7-8-9-10, sendo passado 10 como parâmetro neste caso.</a:t>
-            </a:r>
-          </a:p>
-        </p:txBody>
-      </p:sp>
-    </p:spTree>
-    <p:extLst>
-      <p:ext uri="{BB962C8B-B14F-4D97-AF65-F5344CB8AC3E}">
-        <p14:creationId xmlns:p14="http://schemas.microsoft.com/office/powerpoint/2010/main" val="169343556"/>
-      </p:ext>
-    </p:extLst>
-  </p:cSld>
-  <p:clrMapOvr>
-    <a:masterClrMapping/>
-  </p:clrMapOvr>
-  <p:timing>
-    <p:tnLst>
-      <p:par>
-        <p:cTn id="1" dur="indefinite" restart="never" nodeType="tmRoot"/>
-      </p:par>
-    </p:tnLst>
-  </p:timing>
-</p:sld>
-</file>
-
-<file path=ppt/slides/slide42.xml><?xml version="1.0" encoding="utf-8"?>
-<p:sld xmlns:a="http://schemas.openxmlformats.org/drawingml/2006/main" xmlns:r="http://schemas.openxmlformats.org/officeDocument/2006/relationships" xmlns:p="http://schemas.openxmlformats.org/presentationml/2006/main">
-  <p:cSld>
-    <p:bg>
-      <p:bgPr>
-        <a:blipFill dpi="0" rotWithShape="1">
-          <a:blip r:embed="rId3">
-            <a:lum/>
-          </a:blip>
-          <a:srcRect/>
-          <a:stretch>
-            <a:fillRect/>
-          </a:stretch>
-        </a:blipFill>
-        <a:effectLst/>
-      </p:bgPr>
-    </p:bg>
-    <p:spTree>
-      <p:nvGrpSpPr>
-        <p:cNvPr id="1" name=""/>
-        <p:cNvGrpSpPr/>
-        <p:nvPr/>
-      </p:nvGrpSpPr>
-      <p:grpSpPr>
-        <a:xfrm>
-          <a:off x="0" y="0"/>
-          <a:ext cx="0" cy="0"/>
-          <a:chOff x="0" y="0"/>
-          <a:chExt cx="0" cy="0"/>
-        </a:xfrm>
-      </p:grpSpPr>
-      <p:sp>
-        <p:nvSpPr>
-          <p:cNvPr id="7" name="Título 1">
-            <a:extLst>
-              <a:ext uri="{FF2B5EF4-FFF2-40B4-BE49-F238E27FC236}">
-                <a16:creationId xmlns:a16="http://schemas.microsoft.com/office/drawing/2014/main" id="{489F5D36-DFC3-5141-9F8E-6FACABCF76D1}"/>
-              </a:ext>
-            </a:extLst>
-          </p:cNvPr>
-          <p:cNvSpPr txBox="1">
-            <a:spLocks/>
-          </p:cNvSpPr>
-          <p:nvPr/>
-        </p:nvSpPr>
-        <p:spPr>
-          <a:xfrm>
-            <a:off x="796637" y="471050"/>
-            <a:ext cx="6089071" cy="692729"/>
-          </a:xfrm>
-          <a:prstGeom prst="rect">
-            <a:avLst/>
-          </a:prstGeom>
-        </p:spPr>
-        <p:txBody>
-          <a:bodyPr vert="horz" lIns="91440" tIns="45720" rIns="91440" bIns="45720" rtlCol="0" anchor="ctr">
-            <a:noAutofit/>
-          </a:bodyPr>
-          <a:lstStyle>
-            <a:lvl1pPr algn="l" defTabSz="914400" rtl="0" eaLnBrk="1" latinLnBrk="0" hangingPunct="1">
-              <a:lnSpc>
-                <a:spcPct val="90000"/>
-              </a:lnSpc>
-              <a:spcBef>
-                <a:spcPct val="0"/>
-              </a:spcBef>
-              <a:buNone/>
-              <a:defRPr sz="4400" kern="1200">
-                <a:solidFill>
-                  <a:schemeClr val="tx1"/>
-                </a:solidFill>
-                <a:latin typeface="+mj-lt"/>
-                <a:ea typeface="+mj-ea"/>
-                <a:cs typeface="+mj-cs"/>
-              </a:defRPr>
-            </a:lvl1pPr>
-          </a:lstStyle>
-          <a:p>
-            <a:r>
-              <a:rPr lang="pt-BR" sz="3600" b="1" dirty="0" smtClean="0">
-                <a:solidFill>
-                  <a:schemeClr val="bg2">
-                    <a:lumMod val="75000"/>
-                  </a:schemeClr>
-                </a:solidFill>
-                <a:latin typeface="+mn-lt"/>
-                <a:cs typeface="Calibri" panose="020F0502020204030204" pitchFamily="34" charset="0"/>
-              </a:rPr>
-              <a:t>Exercício 04 </a:t>
-            </a:r>
-            <a:endParaRPr lang="pt-BR" sz="3600" b="1" dirty="0">
-              <a:solidFill>
-                <a:schemeClr val="bg2">
-                  <a:lumMod val="75000"/>
-                </a:schemeClr>
-              </a:solidFill>
-              <a:latin typeface="+mn-lt"/>
-              <a:cs typeface="Calibri" panose="020F0502020204030204" pitchFamily="34" charset="0"/>
-            </a:endParaRPr>
-          </a:p>
-        </p:txBody>
-      </p:sp>
-      <p:sp>
-        <p:nvSpPr>
-          <p:cNvPr id="2" name="Retângulo 1"/>
-          <p:cNvSpPr/>
-          <p:nvPr/>
-        </p:nvSpPr>
-        <p:spPr>
-          <a:xfrm>
-            <a:off x="1377862" y="2466294"/>
-            <a:ext cx="6125227" cy="1569660"/>
-          </a:xfrm>
-          <a:prstGeom prst="rect">
-            <a:avLst/>
-          </a:prstGeom>
-        </p:spPr>
-        <p:txBody>
-          <a:bodyPr wrap="square">
-            <a:spAutoFit/>
-          </a:bodyPr>
-          <a:lstStyle/>
-          <a:p>
-            <a:r>
-              <a:rPr lang="pt-BR" sz="3200" dirty="0"/>
-              <a:t>4. Faça com que o número passado para a função do exercício anterior venha de um formulário HTML.</a:t>
-            </a:r>
-          </a:p>
-        </p:txBody>
-      </p:sp>
-    </p:spTree>
-    <p:extLst>
-      <p:ext uri="{BB962C8B-B14F-4D97-AF65-F5344CB8AC3E}">
-        <p14:creationId xmlns:p14="http://schemas.microsoft.com/office/powerpoint/2010/main" val="4203247213"/>
-      </p:ext>
-    </p:extLst>
-  </p:cSld>
-  <p:clrMapOvr>
-    <a:masterClrMapping/>
-  </p:clrMapOvr>
-  <p:timing>
-    <p:tnLst>
-      <p:par>
-        <p:cTn id="1" dur="indefinite" restart="never" nodeType="tmRoot"/>
-      </p:par>
-    </p:tnLst>
-  </p:timing>
-</p:sld>
-</file>
-
-<file path=ppt/slides/slide43.xml><?xml version="1.0" encoding="utf-8"?>
-<p:sld xmlns:a="http://schemas.openxmlformats.org/drawingml/2006/main" xmlns:r="http://schemas.openxmlformats.org/officeDocument/2006/relationships" xmlns:p="http://schemas.openxmlformats.org/presentationml/2006/main">
-  <p:cSld>
-    <p:bg>
-      <p:bgPr>
-        <a:blipFill dpi="0" rotWithShape="1">
-          <a:blip r:embed="rId3">
-            <a:lum/>
-          </a:blip>
-          <a:srcRect/>
-          <a:stretch>
-            <a:fillRect/>
-          </a:stretch>
-        </a:blipFill>
-        <a:effectLst/>
-      </p:bgPr>
-    </p:bg>
-    <p:spTree>
-      <p:nvGrpSpPr>
-        <p:cNvPr id="1" name=""/>
-        <p:cNvGrpSpPr/>
-        <p:nvPr/>
-      </p:nvGrpSpPr>
-      <p:grpSpPr>
-        <a:xfrm>
-          <a:off x="0" y="0"/>
-          <a:ext cx="0" cy="0"/>
-          <a:chOff x="0" y="0"/>
-          <a:chExt cx="0" cy="0"/>
-        </a:xfrm>
-      </p:grpSpPr>
-      <p:sp>
-        <p:nvSpPr>
-          <p:cNvPr id="7" name="Título 1">
-            <a:extLst>
-              <a:ext uri="{FF2B5EF4-FFF2-40B4-BE49-F238E27FC236}">
-                <a16:creationId xmlns:a16="http://schemas.microsoft.com/office/drawing/2014/main" id="{489F5D36-DFC3-5141-9F8E-6FACABCF76D1}"/>
-              </a:ext>
-            </a:extLst>
-          </p:cNvPr>
-          <p:cNvSpPr txBox="1">
-            <a:spLocks/>
-          </p:cNvSpPr>
-          <p:nvPr/>
-        </p:nvSpPr>
-        <p:spPr>
-          <a:xfrm>
-            <a:off x="796637" y="471050"/>
-            <a:ext cx="6089071" cy="692729"/>
-          </a:xfrm>
-          <a:prstGeom prst="rect">
-            <a:avLst/>
-          </a:prstGeom>
-        </p:spPr>
-        <p:txBody>
-          <a:bodyPr vert="horz" lIns="91440" tIns="45720" rIns="91440" bIns="45720" rtlCol="0" anchor="ctr">
-            <a:noAutofit/>
-          </a:bodyPr>
-          <a:lstStyle>
-            <a:lvl1pPr algn="l" defTabSz="914400" rtl="0" eaLnBrk="1" latinLnBrk="0" hangingPunct="1">
-              <a:lnSpc>
-                <a:spcPct val="90000"/>
-              </a:lnSpc>
-              <a:spcBef>
-                <a:spcPct val="0"/>
-              </a:spcBef>
-              <a:buNone/>
-              <a:defRPr sz="4400" kern="1200">
-                <a:solidFill>
-                  <a:schemeClr val="tx1"/>
-                </a:solidFill>
-                <a:latin typeface="+mj-lt"/>
-                <a:ea typeface="+mj-ea"/>
-                <a:cs typeface="+mj-cs"/>
-              </a:defRPr>
-            </a:lvl1pPr>
-          </a:lstStyle>
-          <a:p>
-            <a:r>
-              <a:rPr lang="pt-BR" sz="3600" b="1" dirty="0" smtClean="0">
-                <a:solidFill>
-                  <a:schemeClr val="bg2">
-                    <a:lumMod val="75000"/>
-                  </a:schemeClr>
-                </a:solidFill>
-                <a:latin typeface="+mn-lt"/>
-                <a:cs typeface="Calibri" panose="020F0502020204030204" pitchFamily="34" charset="0"/>
-              </a:rPr>
-              <a:t>Exercício 05 </a:t>
-            </a:r>
-            <a:endParaRPr lang="pt-BR" sz="3600" b="1" dirty="0">
-              <a:solidFill>
-                <a:schemeClr val="bg2">
-                  <a:lumMod val="75000"/>
-                </a:schemeClr>
-              </a:solidFill>
-              <a:latin typeface="+mn-lt"/>
-              <a:cs typeface="Calibri" panose="020F0502020204030204" pitchFamily="34" charset="0"/>
-            </a:endParaRPr>
-          </a:p>
-        </p:txBody>
-      </p:sp>
-      <p:sp>
-        <p:nvSpPr>
-          <p:cNvPr id="2" name="Retângulo 1"/>
-          <p:cNvSpPr/>
-          <p:nvPr/>
-        </p:nvSpPr>
-        <p:spPr>
-          <a:xfrm>
-            <a:off x="1578279" y="2492679"/>
-            <a:ext cx="5549031" cy="1754326"/>
-          </a:xfrm>
-          <a:prstGeom prst="rect">
-            <a:avLst/>
-          </a:prstGeom>
-        </p:spPr>
-        <p:txBody>
-          <a:bodyPr wrap="square">
-            <a:spAutoFit/>
-          </a:bodyPr>
-          <a:lstStyle/>
-          <a:p>
-            <a:r>
-              <a:rPr lang="pt-BR" sz="3600" dirty="0"/>
-              <a:t>5. Crie um script PHP que imprima as tabuadas de 1 a 10 em uma tabela. </a:t>
-            </a:r>
-          </a:p>
-        </p:txBody>
-      </p:sp>
-    </p:spTree>
-    <p:extLst>
-      <p:ext uri="{BB962C8B-B14F-4D97-AF65-F5344CB8AC3E}">
-        <p14:creationId xmlns:p14="http://schemas.microsoft.com/office/powerpoint/2010/main" val="1437378375"/>
-      </p:ext>
-    </p:extLst>
-  </p:cSld>
-  <p:clrMapOvr>
-    <a:masterClrMapping/>
-  </p:clrMapOvr>
-  <p:timing>
-    <p:tnLst>
-      <p:par>
-        <p:cTn id="1" dur="indefinite" restart="never" nodeType="tmRoot"/>
-      </p:par>
-    </p:tnLst>
-  </p:timing>
-</p:sld>
-</file>
-
 <file path=ppt/slides/slide44.xml><?xml version="1.0" encoding="utf-8"?>
 <p:sld xmlns:a="http://schemas.openxmlformats.org/drawingml/2006/main" xmlns:r="http://schemas.openxmlformats.org/officeDocument/2006/relationships" xmlns:p="http://schemas.openxmlformats.org/presentationml/2006/main">
   <p:cSld>
@@ -18446,7 +19174,7 @@
                 <a:latin typeface="+mn-lt"/>
                 <a:cs typeface="Calibri" panose="020F0502020204030204" pitchFamily="34" charset="0"/>
               </a:rPr>
-              <a:t>Exercício 06 </a:t>
+              <a:t>Exercício 01 </a:t>
             </a:r>
             <a:endParaRPr lang="pt-BR" sz="3600" b="1" dirty="0">
               <a:solidFill>
@@ -18462,14 +19190,14 @@
       </p:sp>
       <p:sp>
         <p:nvSpPr>
-          <p:cNvPr id="2" name="Retângulo 1"/>
+          <p:cNvPr id="4" name="Retângulo 3"/>
           <p:cNvSpPr/>
           <p:nvPr/>
         </p:nvSpPr>
         <p:spPr>
           <a:xfrm>
-            <a:off x="1277655" y="1859340"/>
-            <a:ext cx="6751529" cy="3416320"/>
+            <a:off x="526093" y="1853851"/>
+            <a:ext cx="7979080" cy="2677656"/>
           </a:xfrm>
           <a:prstGeom prst="rect">
             <a:avLst/>
@@ -18482,8 +19210,8 @@
           <a:lstStyle/>
           <a:p>
             <a:r>
-              <a:rPr lang="pt-BR" sz="2400" dirty="0"/>
-              <a:t>6. Considerando o array declarado abaixo, o qual é referente a medições de temperatura de um mês faça um algoritmo que percorra este array e calcule a média de temperaturas. $aTemperaturas = Array(38, 20, 22, 28, 31, 28, 33, 35, 26, 24, 36, 23, 35, 36, 33, 28, 22, 33, 32, 25, 34, 22, 22, 25, 24, 28, 33, 35, 39, 33); * Inicialmente faça utilizando foreach. Depois utilize for ou while e utilize a função count() para saber a quantidade de elementos do array.</a:t>
+              <a:rPr lang="pt-BR" sz="2800" dirty="0"/>
+              <a:t>1. Crie um arquivo chamado funcao.php. Neste arquivo implemente uma função que calcule uma potenciação. Serão passados como parâmetros: a base e o expoente. Feito isso, crie o arquivo potenciacao.php, inclua o arquivo função.php e realize chamadas para a sua função</a:t>
             </a:r>
           </a:p>
         </p:txBody>
@@ -18491,7 +19219,7 @@
     </p:spTree>
     <p:extLst>
       <p:ext uri="{BB962C8B-B14F-4D97-AF65-F5344CB8AC3E}">
-        <p14:creationId xmlns:p14="http://schemas.microsoft.com/office/powerpoint/2010/main" val="2654289288"/>
+        <p14:creationId xmlns:p14="http://schemas.microsoft.com/office/powerpoint/2010/main" val="2229845613"/>
       </p:ext>
     </p:extLst>
   </p:cSld>
@@ -18596,7 +19324,7 @@
                 <a:latin typeface="+mn-lt"/>
                 <a:cs typeface="Calibri" panose="020F0502020204030204" pitchFamily="34" charset="0"/>
               </a:rPr>
-              <a:t>Exercício 07</a:t>
+              <a:t>Exercício 02 </a:t>
             </a:r>
             <a:endParaRPr lang="pt-BR" sz="3600" b="1" dirty="0">
               <a:solidFill>
@@ -18618,8 +19346,8 @@
         </p:nvSpPr>
         <p:spPr>
           <a:xfrm>
-            <a:off x="1177447" y="1859340"/>
-            <a:ext cx="6851737" cy="3046988"/>
+            <a:off x="901873" y="2176769"/>
+            <a:ext cx="7290148" cy="2246769"/>
           </a:xfrm>
           <a:prstGeom prst="rect">
             <a:avLst/>
@@ -18632,8 +19360,8 @@
           <a:lstStyle/>
           <a:p>
             <a:r>
-              <a:rPr lang="pt-BR" sz="2400" dirty="0"/>
-              <a:t>7. Desenvolva uma função que receba como parâmetros dois argumentos: um array e um inteiro. Para o parâmetro inteiro, será passado os valores 1 ou 2. A função deve percorrer o array e se foi passado 1 para o segundo parâmetro deverá colocar todos os elementos em maiúsculos, se foi passado 2 em minúsculos. * Utilize constantes para as possibilidades do segundo parâmetro. </a:t>
+              <a:rPr lang="pt-BR" sz="2800" dirty="0"/>
+              <a:t>2. Crie um formulário HTML que contenha um campo para informação de um nome. Este nome deverá ser submetido para o PHP, que deverá imprimir: Boa noite, $nome! Realizar a submissão utilizando GET e depois POST.</a:t>
             </a:r>
           </a:p>
         </p:txBody>
@@ -18641,7 +19369,7 @@
     </p:spTree>
     <p:extLst>
       <p:ext uri="{BB962C8B-B14F-4D97-AF65-F5344CB8AC3E}">
-        <p14:creationId xmlns:p14="http://schemas.microsoft.com/office/powerpoint/2010/main" val="2043605314"/>
+        <p14:creationId xmlns:p14="http://schemas.microsoft.com/office/powerpoint/2010/main" val="3933247708"/>
       </p:ext>
     </p:extLst>
   </p:cSld>
@@ -18746,7 +19474,7 @@
                 <a:latin typeface="+mn-lt"/>
                 <a:cs typeface="Calibri" panose="020F0502020204030204" pitchFamily="34" charset="0"/>
               </a:rPr>
-              <a:t>Exercício 08 </a:t>
+              <a:t>Exercício 03</a:t>
             </a:r>
             <a:endParaRPr lang="pt-BR" sz="3600" b="1" dirty="0">
               <a:solidFill>
@@ -18768,8 +19496,8 @@
         </p:nvSpPr>
         <p:spPr>
           <a:xfrm>
-            <a:off x="1089765" y="1929007"/>
-            <a:ext cx="6989523" cy="2677656"/>
+            <a:off x="1039661" y="2179529"/>
+            <a:ext cx="7240044" cy="2246769"/>
           </a:xfrm>
           <a:prstGeom prst="rect">
             <a:avLst/>
@@ -18783,7 +19511,7 @@
           <a:p>
             <a:r>
               <a:rPr lang="pt-BR" sz="2800" dirty="0"/>
-              <a:t>8. Crie um script PHP que receba o código JSON abaixo, transforme ele em um array, e exiba suas informações na tela (Não utilizar print_r). {"Title": "The Cuckoos Calling", "Author": "Robert Galbraith", "Detail": { "Publisher": "Little Brown" }}</a:t>
+              <a:t>3. Crie uma função PHP que receba um número e imprima os números em sequência seguidos por um traço (o último número não deve conter traço). Exemplo: 1-2-3-4-5-6-7-8-9-10, sendo passado 10 como parâmetro neste caso.</a:t>
             </a:r>
           </a:p>
         </p:txBody>
@@ -18791,7 +19519,7 @@
     </p:spTree>
     <p:extLst>
       <p:ext uri="{BB962C8B-B14F-4D97-AF65-F5344CB8AC3E}">
-        <p14:creationId xmlns:p14="http://schemas.microsoft.com/office/powerpoint/2010/main" val="224748337"/>
+        <p14:creationId xmlns:p14="http://schemas.microsoft.com/office/powerpoint/2010/main" val="169343556"/>
       </p:ext>
     </p:extLst>
   </p:cSld>
@@ -18896,6 +19624,938 @@
                 <a:latin typeface="+mn-lt"/>
                 <a:cs typeface="Calibri" panose="020F0502020204030204" pitchFamily="34" charset="0"/>
               </a:rPr>
+              <a:t>Exercício 04 </a:t>
+            </a:r>
+            <a:endParaRPr lang="pt-BR" sz="3600" b="1" dirty="0">
+              <a:solidFill>
+                <a:schemeClr val="bg2">
+                  <a:lumMod val="75000"/>
+                </a:schemeClr>
+              </a:solidFill>
+              <a:latin typeface="+mn-lt"/>
+              <a:cs typeface="Calibri" panose="020F0502020204030204" pitchFamily="34" charset="0"/>
+            </a:endParaRPr>
+          </a:p>
+        </p:txBody>
+      </p:sp>
+      <p:sp>
+        <p:nvSpPr>
+          <p:cNvPr id="2" name="Retângulo 1"/>
+          <p:cNvSpPr/>
+          <p:nvPr/>
+        </p:nvSpPr>
+        <p:spPr>
+          <a:xfrm>
+            <a:off x="1377862" y="2466294"/>
+            <a:ext cx="6125227" cy="1569660"/>
+          </a:xfrm>
+          <a:prstGeom prst="rect">
+            <a:avLst/>
+          </a:prstGeom>
+        </p:spPr>
+        <p:txBody>
+          <a:bodyPr wrap="square">
+            <a:spAutoFit/>
+          </a:bodyPr>
+          <a:lstStyle/>
+          <a:p>
+            <a:r>
+              <a:rPr lang="pt-BR" sz="3200" dirty="0"/>
+              <a:t>4. Faça com que o número passado para a função do exercício anterior venha de um formulário HTML.</a:t>
+            </a:r>
+          </a:p>
+        </p:txBody>
+      </p:sp>
+    </p:spTree>
+    <p:extLst>
+      <p:ext uri="{BB962C8B-B14F-4D97-AF65-F5344CB8AC3E}">
+        <p14:creationId xmlns:p14="http://schemas.microsoft.com/office/powerpoint/2010/main" val="4203247213"/>
+      </p:ext>
+    </p:extLst>
+  </p:cSld>
+  <p:clrMapOvr>
+    <a:masterClrMapping/>
+  </p:clrMapOvr>
+  <p:timing>
+    <p:tnLst>
+      <p:par>
+        <p:cTn id="1" dur="indefinite" restart="never" nodeType="tmRoot"/>
+      </p:par>
+    </p:tnLst>
+  </p:timing>
+</p:sld>
+</file>
+
+<file path=ppt/slides/slide48.xml><?xml version="1.0" encoding="utf-8"?>
+<p:sld xmlns:a="http://schemas.openxmlformats.org/drawingml/2006/main" xmlns:r="http://schemas.openxmlformats.org/officeDocument/2006/relationships" xmlns:p="http://schemas.openxmlformats.org/presentationml/2006/main">
+  <p:cSld>
+    <p:bg>
+      <p:bgPr>
+        <a:blipFill dpi="0" rotWithShape="1">
+          <a:blip r:embed="rId3">
+            <a:lum/>
+          </a:blip>
+          <a:srcRect/>
+          <a:stretch>
+            <a:fillRect/>
+          </a:stretch>
+        </a:blipFill>
+        <a:effectLst/>
+      </p:bgPr>
+    </p:bg>
+    <p:spTree>
+      <p:nvGrpSpPr>
+        <p:cNvPr id="1" name=""/>
+        <p:cNvGrpSpPr/>
+        <p:nvPr/>
+      </p:nvGrpSpPr>
+      <p:grpSpPr>
+        <a:xfrm>
+          <a:off x="0" y="0"/>
+          <a:ext cx="0" cy="0"/>
+          <a:chOff x="0" y="0"/>
+          <a:chExt cx="0" cy="0"/>
+        </a:xfrm>
+      </p:grpSpPr>
+      <p:sp>
+        <p:nvSpPr>
+          <p:cNvPr id="7" name="Título 1">
+            <a:extLst>
+              <a:ext uri="{FF2B5EF4-FFF2-40B4-BE49-F238E27FC236}">
+                <a16:creationId xmlns:a16="http://schemas.microsoft.com/office/drawing/2014/main" id="{489F5D36-DFC3-5141-9F8E-6FACABCF76D1}"/>
+              </a:ext>
+            </a:extLst>
+          </p:cNvPr>
+          <p:cNvSpPr txBox="1">
+            <a:spLocks/>
+          </p:cNvSpPr>
+          <p:nvPr/>
+        </p:nvSpPr>
+        <p:spPr>
+          <a:xfrm>
+            <a:off x="796637" y="471050"/>
+            <a:ext cx="6089071" cy="692729"/>
+          </a:xfrm>
+          <a:prstGeom prst="rect">
+            <a:avLst/>
+          </a:prstGeom>
+        </p:spPr>
+        <p:txBody>
+          <a:bodyPr vert="horz" lIns="91440" tIns="45720" rIns="91440" bIns="45720" rtlCol="0" anchor="ctr">
+            <a:noAutofit/>
+          </a:bodyPr>
+          <a:lstStyle>
+            <a:lvl1pPr algn="l" defTabSz="914400" rtl="0" eaLnBrk="1" latinLnBrk="0" hangingPunct="1">
+              <a:lnSpc>
+                <a:spcPct val="90000"/>
+              </a:lnSpc>
+              <a:spcBef>
+                <a:spcPct val="0"/>
+              </a:spcBef>
+              <a:buNone/>
+              <a:defRPr sz="4400" kern="1200">
+                <a:solidFill>
+                  <a:schemeClr val="tx1"/>
+                </a:solidFill>
+                <a:latin typeface="+mj-lt"/>
+                <a:ea typeface="+mj-ea"/>
+                <a:cs typeface="+mj-cs"/>
+              </a:defRPr>
+            </a:lvl1pPr>
+          </a:lstStyle>
+          <a:p>
+            <a:r>
+              <a:rPr lang="pt-BR" sz="3600" b="1" dirty="0" smtClean="0">
+                <a:solidFill>
+                  <a:schemeClr val="bg2">
+                    <a:lumMod val="75000"/>
+                  </a:schemeClr>
+                </a:solidFill>
+                <a:latin typeface="+mn-lt"/>
+                <a:cs typeface="Calibri" panose="020F0502020204030204" pitchFamily="34" charset="0"/>
+              </a:rPr>
+              <a:t>Exercício 05 </a:t>
+            </a:r>
+            <a:endParaRPr lang="pt-BR" sz="3600" b="1" dirty="0">
+              <a:solidFill>
+                <a:schemeClr val="bg2">
+                  <a:lumMod val="75000"/>
+                </a:schemeClr>
+              </a:solidFill>
+              <a:latin typeface="+mn-lt"/>
+              <a:cs typeface="Calibri" panose="020F0502020204030204" pitchFamily="34" charset="0"/>
+            </a:endParaRPr>
+          </a:p>
+        </p:txBody>
+      </p:sp>
+      <p:sp>
+        <p:nvSpPr>
+          <p:cNvPr id="2" name="Retângulo 1"/>
+          <p:cNvSpPr/>
+          <p:nvPr/>
+        </p:nvSpPr>
+        <p:spPr>
+          <a:xfrm>
+            <a:off x="1578279" y="2492679"/>
+            <a:ext cx="5549031" cy="1754326"/>
+          </a:xfrm>
+          <a:prstGeom prst="rect">
+            <a:avLst/>
+          </a:prstGeom>
+        </p:spPr>
+        <p:txBody>
+          <a:bodyPr wrap="square">
+            <a:spAutoFit/>
+          </a:bodyPr>
+          <a:lstStyle/>
+          <a:p>
+            <a:r>
+              <a:rPr lang="pt-BR" sz="3600" dirty="0"/>
+              <a:t>5. Crie um script PHP que imprima as tabuadas de 1 a 10 em uma tabela. </a:t>
+            </a:r>
+          </a:p>
+        </p:txBody>
+      </p:sp>
+    </p:spTree>
+    <p:extLst>
+      <p:ext uri="{BB962C8B-B14F-4D97-AF65-F5344CB8AC3E}">
+        <p14:creationId xmlns:p14="http://schemas.microsoft.com/office/powerpoint/2010/main" val="1437378375"/>
+      </p:ext>
+    </p:extLst>
+  </p:cSld>
+  <p:clrMapOvr>
+    <a:masterClrMapping/>
+  </p:clrMapOvr>
+  <p:timing>
+    <p:tnLst>
+      <p:par>
+        <p:cTn id="1" dur="indefinite" restart="never" nodeType="tmRoot"/>
+      </p:par>
+    </p:tnLst>
+  </p:timing>
+</p:sld>
+</file>
+
+<file path=ppt/slides/slide49.xml><?xml version="1.0" encoding="utf-8"?>
+<p:sld xmlns:a="http://schemas.openxmlformats.org/drawingml/2006/main" xmlns:r="http://schemas.openxmlformats.org/officeDocument/2006/relationships" xmlns:p="http://schemas.openxmlformats.org/presentationml/2006/main">
+  <p:cSld>
+    <p:bg>
+      <p:bgPr>
+        <a:blipFill dpi="0" rotWithShape="1">
+          <a:blip r:embed="rId3">
+            <a:lum/>
+          </a:blip>
+          <a:srcRect/>
+          <a:stretch>
+            <a:fillRect/>
+          </a:stretch>
+        </a:blipFill>
+        <a:effectLst/>
+      </p:bgPr>
+    </p:bg>
+    <p:spTree>
+      <p:nvGrpSpPr>
+        <p:cNvPr id="1" name=""/>
+        <p:cNvGrpSpPr/>
+        <p:nvPr/>
+      </p:nvGrpSpPr>
+      <p:grpSpPr>
+        <a:xfrm>
+          <a:off x="0" y="0"/>
+          <a:ext cx="0" cy="0"/>
+          <a:chOff x="0" y="0"/>
+          <a:chExt cx="0" cy="0"/>
+        </a:xfrm>
+      </p:grpSpPr>
+      <p:sp>
+        <p:nvSpPr>
+          <p:cNvPr id="7" name="Título 1">
+            <a:extLst>
+              <a:ext uri="{FF2B5EF4-FFF2-40B4-BE49-F238E27FC236}">
+                <a16:creationId xmlns:a16="http://schemas.microsoft.com/office/drawing/2014/main" id="{489F5D36-DFC3-5141-9F8E-6FACABCF76D1}"/>
+              </a:ext>
+            </a:extLst>
+          </p:cNvPr>
+          <p:cNvSpPr txBox="1">
+            <a:spLocks/>
+          </p:cNvSpPr>
+          <p:nvPr/>
+        </p:nvSpPr>
+        <p:spPr>
+          <a:xfrm>
+            <a:off x="796637" y="471050"/>
+            <a:ext cx="6089071" cy="692729"/>
+          </a:xfrm>
+          <a:prstGeom prst="rect">
+            <a:avLst/>
+          </a:prstGeom>
+        </p:spPr>
+        <p:txBody>
+          <a:bodyPr vert="horz" lIns="91440" tIns="45720" rIns="91440" bIns="45720" rtlCol="0" anchor="ctr">
+            <a:noAutofit/>
+          </a:bodyPr>
+          <a:lstStyle>
+            <a:lvl1pPr algn="l" defTabSz="914400" rtl="0" eaLnBrk="1" latinLnBrk="0" hangingPunct="1">
+              <a:lnSpc>
+                <a:spcPct val="90000"/>
+              </a:lnSpc>
+              <a:spcBef>
+                <a:spcPct val="0"/>
+              </a:spcBef>
+              <a:buNone/>
+              <a:defRPr sz="4400" kern="1200">
+                <a:solidFill>
+                  <a:schemeClr val="tx1"/>
+                </a:solidFill>
+                <a:latin typeface="+mj-lt"/>
+                <a:ea typeface="+mj-ea"/>
+                <a:cs typeface="+mj-cs"/>
+              </a:defRPr>
+            </a:lvl1pPr>
+          </a:lstStyle>
+          <a:p>
+            <a:r>
+              <a:rPr lang="pt-BR" sz="3600" b="1" dirty="0" smtClean="0">
+                <a:solidFill>
+                  <a:schemeClr val="bg2">
+                    <a:lumMod val="75000"/>
+                  </a:schemeClr>
+                </a:solidFill>
+                <a:latin typeface="+mn-lt"/>
+                <a:cs typeface="Calibri" panose="020F0502020204030204" pitchFamily="34" charset="0"/>
+              </a:rPr>
+              <a:t>Exercício 06 </a:t>
+            </a:r>
+            <a:endParaRPr lang="pt-BR" sz="3600" b="1" dirty="0">
+              <a:solidFill>
+                <a:schemeClr val="bg2">
+                  <a:lumMod val="75000"/>
+                </a:schemeClr>
+              </a:solidFill>
+              <a:latin typeface="+mn-lt"/>
+              <a:cs typeface="Calibri" panose="020F0502020204030204" pitchFamily="34" charset="0"/>
+            </a:endParaRPr>
+          </a:p>
+        </p:txBody>
+      </p:sp>
+      <p:sp>
+        <p:nvSpPr>
+          <p:cNvPr id="2" name="Retângulo 1"/>
+          <p:cNvSpPr/>
+          <p:nvPr/>
+        </p:nvSpPr>
+        <p:spPr>
+          <a:xfrm>
+            <a:off x="1277655" y="1859340"/>
+            <a:ext cx="6751529" cy="3416320"/>
+          </a:xfrm>
+          <a:prstGeom prst="rect">
+            <a:avLst/>
+          </a:prstGeom>
+        </p:spPr>
+        <p:txBody>
+          <a:bodyPr wrap="square">
+            <a:spAutoFit/>
+          </a:bodyPr>
+          <a:lstStyle/>
+          <a:p>
+            <a:r>
+              <a:rPr lang="pt-BR" sz="2400" dirty="0"/>
+              <a:t>6. Considerando o array declarado abaixo, o qual é referente a medições de temperatura de um mês faça um algoritmo que percorra este array e calcule a média de temperaturas. $aTemperaturas = Array(38, 20, 22, 28, 31, 28, 33, 35, 26, 24, 36, 23, 35, 36, 33, 28, 22, 33, 32, 25, 34, 22, 22, 25, 24, 28, 33, 35, 39, 33); * Inicialmente faça utilizando foreach. Depois utilize for ou while e utilize a função count() para saber a quantidade de elementos do array.</a:t>
+            </a:r>
+          </a:p>
+        </p:txBody>
+      </p:sp>
+    </p:spTree>
+    <p:extLst>
+      <p:ext uri="{BB962C8B-B14F-4D97-AF65-F5344CB8AC3E}">
+        <p14:creationId xmlns:p14="http://schemas.microsoft.com/office/powerpoint/2010/main" val="2654289288"/>
+      </p:ext>
+    </p:extLst>
+  </p:cSld>
+  <p:clrMapOvr>
+    <a:masterClrMapping/>
+  </p:clrMapOvr>
+  <p:timing>
+    <p:tnLst>
+      <p:par>
+        <p:cTn id="1" dur="indefinite" restart="never" nodeType="tmRoot"/>
+      </p:par>
+    </p:tnLst>
+  </p:timing>
+</p:sld>
+</file>
+
+<file path=ppt/slides/slide5.xml><?xml version="1.0" encoding="utf-8"?>
+<p:sld xmlns:a="http://schemas.openxmlformats.org/drawingml/2006/main" xmlns:r="http://schemas.openxmlformats.org/officeDocument/2006/relationships" xmlns:p="http://schemas.openxmlformats.org/presentationml/2006/main">
+  <p:cSld>
+    <p:bg>
+      <p:bgPr>
+        <a:blipFill dpi="0" rotWithShape="1">
+          <a:blip r:embed="rId3">
+            <a:lum/>
+          </a:blip>
+          <a:srcRect/>
+          <a:stretch>
+            <a:fillRect/>
+          </a:stretch>
+        </a:blipFill>
+        <a:effectLst/>
+      </p:bgPr>
+    </p:bg>
+    <p:spTree>
+      <p:nvGrpSpPr>
+        <p:cNvPr id="1" name=""/>
+        <p:cNvGrpSpPr/>
+        <p:nvPr/>
+      </p:nvGrpSpPr>
+      <p:grpSpPr>
+        <a:xfrm>
+          <a:off x="0" y="0"/>
+          <a:ext cx="0" cy="0"/>
+          <a:chOff x="0" y="0"/>
+          <a:chExt cx="0" cy="0"/>
+        </a:xfrm>
+      </p:grpSpPr>
+      <p:sp>
+        <p:nvSpPr>
+          <p:cNvPr id="7" name="Título 1">
+            <a:extLst>
+              <a:ext uri="{FF2B5EF4-FFF2-40B4-BE49-F238E27FC236}">
+                <a16:creationId xmlns:a16="http://schemas.microsoft.com/office/drawing/2014/main" id="{489F5D36-DFC3-5141-9F8E-6FACABCF76D1}"/>
+              </a:ext>
+            </a:extLst>
+          </p:cNvPr>
+          <p:cNvSpPr txBox="1">
+            <a:spLocks/>
+          </p:cNvSpPr>
+          <p:nvPr/>
+        </p:nvSpPr>
+        <p:spPr>
+          <a:xfrm>
+            <a:off x="796637" y="471050"/>
+            <a:ext cx="6089071" cy="692729"/>
+          </a:xfrm>
+          <a:prstGeom prst="rect">
+            <a:avLst/>
+          </a:prstGeom>
+        </p:spPr>
+        <p:txBody>
+          <a:bodyPr vert="horz" lIns="91440" tIns="45720" rIns="91440" bIns="45720" rtlCol="0" anchor="ctr">
+            <a:noAutofit/>
+          </a:bodyPr>
+          <a:lstStyle>
+            <a:lvl1pPr algn="l" defTabSz="914400" rtl="0" eaLnBrk="1" latinLnBrk="0" hangingPunct="1">
+              <a:lnSpc>
+                <a:spcPct val="90000"/>
+              </a:lnSpc>
+              <a:spcBef>
+                <a:spcPct val="0"/>
+              </a:spcBef>
+              <a:buNone/>
+              <a:defRPr sz="4400" kern="1200">
+                <a:solidFill>
+                  <a:schemeClr val="tx1"/>
+                </a:solidFill>
+                <a:latin typeface="+mj-lt"/>
+                <a:ea typeface="+mj-ea"/>
+                <a:cs typeface="+mj-cs"/>
+              </a:defRPr>
+            </a:lvl1pPr>
+          </a:lstStyle>
+          <a:p>
+            <a:r>
+              <a:rPr lang="pt-BR" sz="3600" b="1" dirty="0" smtClean="0">
+                <a:solidFill>
+                  <a:schemeClr val="bg2">
+                    <a:lumMod val="75000"/>
+                  </a:schemeClr>
+                </a:solidFill>
+                <a:latin typeface="+mn-lt"/>
+                <a:cs typeface="Calibri" panose="020F0502020204030204" pitchFamily="34" charset="0"/>
+              </a:rPr>
+              <a:t>Utilização de includes em PHP</a:t>
+            </a:r>
+            <a:endParaRPr lang="pt-BR" sz="3600" b="1" dirty="0">
+              <a:solidFill>
+                <a:schemeClr val="bg2">
+                  <a:lumMod val="75000"/>
+                </a:schemeClr>
+              </a:solidFill>
+              <a:latin typeface="+mn-lt"/>
+              <a:cs typeface="Calibri" panose="020F0502020204030204" pitchFamily="34" charset="0"/>
+            </a:endParaRPr>
+          </a:p>
+        </p:txBody>
+      </p:sp>
+      <p:sp>
+        <p:nvSpPr>
+          <p:cNvPr id="3" name="Marcador de Posição de Conteúdo 2"/>
+          <p:cNvSpPr>
+            <a:spLocks noGrp="1"/>
+          </p:cNvSpPr>
+          <p:nvPr>
+            <p:ph idx="1"/>
+          </p:nvPr>
+        </p:nvSpPr>
+        <p:spPr>
+          <a:xfrm>
+            <a:off x="457200" y="1600200"/>
+            <a:ext cx="8229600" cy="4525963"/>
+          </a:xfrm>
+        </p:spPr>
+        <p:txBody>
+          <a:bodyPr/>
+          <a:lstStyle/>
+          <a:p>
+            <a:r>
+              <a:rPr lang="pt-BR" dirty="0" smtClean="0"/>
+              <a:t>O PHP oferece algumas funções para realização da inclusão destes arquivos</a:t>
+            </a:r>
+          </a:p>
+          <a:p>
+            <a:pPr lvl="1"/>
+            <a:endParaRPr lang="pt-BR" dirty="0" smtClean="0"/>
+          </a:p>
+          <a:p>
+            <a:pPr lvl="1"/>
+            <a:r>
+              <a:rPr lang="pt-BR" dirty="0" smtClean="0"/>
+              <a:t>Include</a:t>
+            </a:r>
+          </a:p>
+          <a:p>
+            <a:pPr lvl="1"/>
+            <a:r>
+              <a:rPr lang="pt-BR" dirty="0" smtClean="0"/>
+              <a:t>Include_once</a:t>
+            </a:r>
+          </a:p>
+          <a:p>
+            <a:pPr lvl="1"/>
+            <a:r>
+              <a:rPr lang="pt-BR" dirty="0" smtClean="0"/>
+              <a:t>Require</a:t>
+            </a:r>
+          </a:p>
+          <a:p>
+            <a:pPr lvl="1"/>
+            <a:r>
+              <a:rPr lang="pt-BR" dirty="0" smtClean="0"/>
+              <a:t>Require_once</a:t>
+            </a:r>
+            <a:endParaRPr lang="pt-BR" dirty="0"/>
+          </a:p>
+        </p:txBody>
+      </p:sp>
+    </p:spTree>
+    <p:extLst>
+      <p:ext uri="{BB962C8B-B14F-4D97-AF65-F5344CB8AC3E}">
+        <p14:creationId xmlns:p14="http://schemas.microsoft.com/office/powerpoint/2010/main" val="970616642"/>
+      </p:ext>
+    </p:extLst>
+  </p:cSld>
+  <p:clrMapOvr>
+    <a:masterClrMapping/>
+  </p:clrMapOvr>
+  <p:timing>
+    <p:tnLst>
+      <p:par>
+        <p:cTn id="1" dur="indefinite" restart="never" nodeType="tmRoot"/>
+      </p:par>
+    </p:tnLst>
+  </p:timing>
+</p:sld>
+</file>
+
+<file path=ppt/slides/slide50.xml><?xml version="1.0" encoding="utf-8"?>
+<p:sld xmlns:a="http://schemas.openxmlformats.org/drawingml/2006/main" xmlns:r="http://schemas.openxmlformats.org/officeDocument/2006/relationships" xmlns:p="http://schemas.openxmlformats.org/presentationml/2006/main">
+  <p:cSld>
+    <p:bg>
+      <p:bgPr>
+        <a:blipFill dpi="0" rotWithShape="1">
+          <a:blip r:embed="rId3">
+            <a:lum/>
+          </a:blip>
+          <a:srcRect/>
+          <a:stretch>
+            <a:fillRect/>
+          </a:stretch>
+        </a:blipFill>
+        <a:effectLst/>
+      </p:bgPr>
+    </p:bg>
+    <p:spTree>
+      <p:nvGrpSpPr>
+        <p:cNvPr id="1" name=""/>
+        <p:cNvGrpSpPr/>
+        <p:nvPr/>
+      </p:nvGrpSpPr>
+      <p:grpSpPr>
+        <a:xfrm>
+          <a:off x="0" y="0"/>
+          <a:ext cx="0" cy="0"/>
+          <a:chOff x="0" y="0"/>
+          <a:chExt cx="0" cy="0"/>
+        </a:xfrm>
+      </p:grpSpPr>
+      <p:sp>
+        <p:nvSpPr>
+          <p:cNvPr id="7" name="Título 1">
+            <a:extLst>
+              <a:ext uri="{FF2B5EF4-FFF2-40B4-BE49-F238E27FC236}">
+                <a16:creationId xmlns:a16="http://schemas.microsoft.com/office/drawing/2014/main" id="{489F5D36-DFC3-5141-9F8E-6FACABCF76D1}"/>
+              </a:ext>
+            </a:extLst>
+          </p:cNvPr>
+          <p:cNvSpPr txBox="1">
+            <a:spLocks/>
+          </p:cNvSpPr>
+          <p:nvPr/>
+        </p:nvSpPr>
+        <p:spPr>
+          <a:xfrm>
+            <a:off x="796637" y="471050"/>
+            <a:ext cx="6089071" cy="692729"/>
+          </a:xfrm>
+          <a:prstGeom prst="rect">
+            <a:avLst/>
+          </a:prstGeom>
+        </p:spPr>
+        <p:txBody>
+          <a:bodyPr vert="horz" lIns="91440" tIns="45720" rIns="91440" bIns="45720" rtlCol="0" anchor="ctr">
+            <a:noAutofit/>
+          </a:bodyPr>
+          <a:lstStyle>
+            <a:lvl1pPr algn="l" defTabSz="914400" rtl="0" eaLnBrk="1" latinLnBrk="0" hangingPunct="1">
+              <a:lnSpc>
+                <a:spcPct val="90000"/>
+              </a:lnSpc>
+              <a:spcBef>
+                <a:spcPct val="0"/>
+              </a:spcBef>
+              <a:buNone/>
+              <a:defRPr sz="4400" kern="1200">
+                <a:solidFill>
+                  <a:schemeClr val="tx1"/>
+                </a:solidFill>
+                <a:latin typeface="+mj-lt"/>
+                <a:ea typeface="+mj-ea"/>
+                <a:cs typeface="+mj-cs"/>
+              </a:defRPr>
+            </a:lvl1pPr>
+          </a:lstStyle>
+          <a:p>
+            <a:r>
+              <a:rPr lang="pt-BR" sz="3600" b="1" dirty="0" smtClean="0">
+                <a:solidFill>
+                  <a:schemeClr val="bg2">
+                    <a:lumMod val="75000"/>
+                  </a:schemeClr>
+                </a:solidFill>
+                <a:latin typeface="+mn-lt"/>
+                <a:cs typeface="Calibri" panose="020F0502020204030204" pitchFamily="34" charset="0"/>
+              </a:rPr>
+              <a:t>Exercício 07</a:t>
+            </a:r>
+            <a:endParaRPr lang="pt-BR" sz="3600" b="1" dirty="0">
+              <a:solidFill>
+                <a:schemeClr val="bg2">
+                  <a:lumMod val="75000"/>
+                </a:schemeClr>
+              </a:solidFill>
+              <a:latin typeface="+mn-lt"/>
+              <a:cs typeface="Calibri" panose="020F0502020204030204" pitchFamily="34" charset="0"/>
+            </a:endParaRPr>
+          </a:p>
+        </p:txBody>
+      </p:sp>
+      <p:sp>
+        <p:nvSpPr>
+          <p:cNvPr id="2" name="Retângulo 1"/>
+          <p:cNvSpPr/>
+          <p:nvPr/>
+        </p:nvSpPr>
+        <p:spPr>
+          <a:xfrm>
+            <a:off x="1177447" y="1859340"/>
+            <a:ext cx="6851737" cy="3046988"/>
+          </a:xfrm>
+          <a:prstGeom prst="rect">
+            <a:avLst/>
+          </a:prstGeom>
+        </p:spPr>
+        <p:txBody>
+          <a:bodyPr wrap="square">
+            <a:spAutoFit/>
+          </a:bodyPr>
+          <a:lstStyle/>
+          <a:p>
+            <a:r>
+              <a:rPr lang="pt-BR" sz="2400" dirty="0"/>
+              <a:t>7. Desenvolva uma função que receba como parâmetros dois argumentos: um array e um inteiro. Para o parâmetro inteiro, será passado os valores 1 ou 2. A função deve percorrer o array e se foi passado 1 para o segundo parâmetro deverá colocar todos os elementos em maiúsculos, se foi passado 2 em minúsculos. * Utilize constantes para as possibilidades do segundo parâmetro. </a:t>
+            </a:r>
+          </a:p>
+        </p:txBody>
+      </p:sp>
+    </p:spTree>
+    <p:extLst>
+      <p:ext uri="{BB962C8B-B14F-4D97-AF65-F5344CB8AC3E}">
+        <p14:creationId xmlns:p14="http://schemas.microsoft.com/office/powerpoint/2010/main" val="2043605314"/>
+      </p:ext>
+    </p:extLst>
+  </p:cSld>
+  <p:clrMapOvr>
+    <a:masterClrMapping/>
+  </p:clrMapOvr>
+  <p:timing>
+    <p:tnLst>
+      <p:par>
+        <p:cTn id="1" dur="indefinite" restart="never" nodeType="tmRoot"/>
+      </p:par>
+    </p:tnLst>
+  </p:timing>
+</p:sld>
+</file>
+
+<file path=ppt/slides/slide51.xml><?xml version="1.0" encoding="utf-8"?>
+<p:sld xmlns:a="http://schemas.openxmlformats.org/drawingml/2006/main" xmlns:r="http://schemas.openxmlformats.org/officeDocument/2006/relationships" xmlns:p="http://schemas.openxmlformats.org/presentationml/2006/main">
+  <p:cSld>
+    <p:bg>
+      <p:bgPr>
+        <a:blipFill dpi="0" rotWithShape="1">
+          <a:blip r:embed="rId3">
+            <a:lum/>
+          </a:blip>
+          <a:srcRect/>
+          <a:stretch>
+            <a:fillRect/>
+          </a:stretch>
+        </a:blipFill>
+        <a:effectLst/>
+      </p:bgPr>
+    </p:bg>
+    <p:spTree>
+      <p:nvGrpSpPr>
+        <p:cNvPr id="1" name=""/>
+        <p:cNvGrpSpPr/>
+        <p:nvPr/>
+      </p:nvGrpSpPr>
+      <p:grpSpPr>
+        <a:xfrm>
+          <a:off x="0" y="0"/>
+          <a:ext cx="0" cy="0"/>
+          <a:chOff x="0" y="0"/>
+          <a:chExt cx="0" cy="0"/>
+        </a:xfrm>
+      </p:grpSpPr>
+      <p:sp>
+        <p:nvSpPr>
+          <p:cNvPr id="7" name="Título 1">
+            <a:extLst>
+              <a:ext uri="{FF2B5EF4-FFF2-40B4-BE49-F238E27FC236}">
+                <a16:creationId xmlns:a16="http://schemas.microsoft.com/office/drawing/2014/main" id="{489F5D36-DFC3-5141-9F8E-6FACABCF76D1}"/>
+              </a:ext>
+            </a:extLst>
+          </p:cNvPr>
+          <p:cNvSpPr txBox="1">
+            <a:spLocks/>
+          </p:cNvSpPr>
+          <p:nvPr/>
+        </p:nvSpPr>
+        <p:spPr>
+          <a:xfrm>
+            <a:off x="796637" y="471050"/>
+            <a:ext cx="6089071" cy="692729"/>
+          </a:xfrm>
+          <a:prstGeom prst="rect">
+            <a:avLst/>
+          </a:prstGeom>
+        </p:spPr>
+        <p:txBody>
+          <a:bodyPr vert="horz" lIns="91440" tIns="45720" rIns="91440" bIns="45720" rtlCol="0" anchor="ctr">
+            <a:noAutofit/>
+          </a:bodyPr>
+          <a:lstStyle>
+            <a:lvl1pPr algn="l" defTabSz="914400" rtl="0" eaLnBrk="1" latinLnBrk="0" hangingPunct="1">
+              <a:lnSpc>
+                <a:spcPct val="90000"/>
+              </a:lnSpc>
+              <a:spcBef>
+                <a:spcPct val="0"/>
+              </a:spcBef>
+              <a:buNone/>
+              <a:defRPr sz="4400" kern="1200">
+                <a:solidFill>
+                  <a:schemeClr val="tx1"/>
+                </a:solidFill>
+                <a:latin typeface="+mj-lt"/>
+                <a:ea typeface="+mj-ea"/>
+                <a:cs typeface="+mj-cs"/>
+              </a:defRPr>
+            </a:lvl1pPr>
+          </a:lstStyle>
+          <a:p>
+            <a:r>
+              <a:rPr lang="pt-BR" sz="3600" b="1" dirty="0" smtClean="0">
+                <a:solidFill>
+                  <a:schemeClr val="bg2">
+                    <a:lumMod val="75000"/>
+                  </a:schemeClr>
+                </a:solidFill>
+                <a:latin typeface="+mn-lt"/>
+                <a:cs typeface="Calibri" panose="020F0502020204030204" pitchFamily="34" charset="0"/>
+              </a:rPr>
+              <a:t>Exercício 08 </a:t>
+            </a:r>
+            <a:endParaRPr lang="pt-BR" sz="3600" b="1" dirty="0">
+              <a:solidFill>
+                <a:schemeClr val="bg2">
+                  <a:lumMod val="75000"/>
+                </a:schemeClr>
+              </a:solidFill>
+              <a:latin typeface="+mn-lt"/>
+              <a:cs typeface="Calibri" panose="020F0502020204030204" pitchFamily="34" charset="0"/>
+            </a:endParaRPr>
+          </a:p>
+        </p:txBody>
+      </p:sp>
+      <p:sp>
+        <p:nvSpPr>
+          <p:cNvPr id="2" name="Retângulo 1"/>
+          <p:cNvSpPr/>
+          <p:nvPr/>
+        </p:nvSpPr>
+        <p:spPr>
+          <a:xfrm>
+            <a:off x="1089765" y="1929007"/>
+            <a:ext cx="6989523" cy="2677656"/>
+          </a:xfrm>
+          <a:prstGeom prst="rect">
+            <a:avLst/>
+          </a:prstGeom>
+        </p:spPr>
+        <p:txBody>
+          <a:bodyPr wrap="square">
+            <a:spAutoFit/>
+          </a:bodyPr>
+          <a:lstStyle/>
+          <a:p>
+            <a:r>
+              <a:rPr lang="pt-BR" sz="2800" dirty="0"/>
+              <a:t>8. Crie um script PHP que receba o código JSON abaixo, transforme ele em um array, e exiba suas informações na tela (Não utilizar print_r). {"Title": "The Cuckoos Calling", "Author": "Robert Galbraith", "Detail": { "Publisher": "Little Brown" }}</a:t>
+            </a:r>
+          </a:p>
+        </p:txBody>
+      </p:sp>
+    </p:spTree>
+    <p:extLst>
+      <p:ext uri="{BB962C8B-B14F-4D97-AF65-F5344CB8AC3E}">
+        <p14:creationId xmlns:p14="http://schemas.microsoft.com/office/powerpoint/2010/main" val="224748337"/>
+      </p:ext>
+    </p:extLst>
+  </p:cSld>
+  <p:clrMapOvr>
+    <a:masterClrMapping/>
+  </p:clrMapOvr>
+  <p:timing>
+    <p:tnLst>
+      <p:par>
+        <p:cTn id="1" dur="indefinite" restart="never" nodeType="tmRoot"/>
+      </p:par>
+    </p:tnLst>
+  </p:timing>
+</p:sld>
+</file>
+
+<file path=ppt/slides/slide52.xml><?xml version="1.0" encoding="utf-8"?>
+<p:sld xmlns:a="http://schemas.openxmlformats.org/drawingml/2006/main" xmlns:r="http://schemas.openxmlformats.org/officeDocument/2006/relationships" xmlns:p="http://schemas.openxmlformats.org/presentationml/2006/main">
+  <p:cSld>
+    <p:bg>
+      <p:bgPr>
+        <a:blipFill dpi="0" rotWithShape="1">
+          <a:blip r:embed="rId3">
+            <a:lum/>
+          </a:blip>
+          <a:srcRect/>
+          <a:stretch>
+            <a:fillRect/>
+          </a:stretch>
+        </a:blipFill>
+        <a:effectLst/>
+      </p:bgPr>
+    </p:bg>
+    <p:spTree>
+      <p:nvGrpSpPr>
+        <p:cNvPr id="1" name=""/>
+        <p:cNvGrpSpPr/>
+        <p:nvPr/>
+      </p:nvGrpSpPr>
+      <p:grpSpPr>
+        <a:xfrm>
+          <a:off x="0" y="0"/>
+          <a:ext cx="0" cy="0"/>
+          <a:chOff x="0" y="0"/>
+          <a:chExt cx="0" cy="0"/>
+        </a:xfrm>
+      </p:grpSpPr>
+      <p:sp>
+        <p:nvSpPr>
+          <p:cNvPr id="7" name="Título 1">
+            <a:extLst>
+              <a:ext uri="{FF2B5EF4-FFF2-40B4-BE49-F238E27FC236}">
+                <a16:creationId xmlns:a16="http://schemas.microsoft.com/office/drawing/2014/main" id="{489F5D36-DFC3-5141-9F8E-6FACABCF76D1}"/>
+              </a:ext>
+            </a:extLst>
+          </p:cNvPr>
+          <p:cNvSpPr txBox="1">
+            <a:spLocks/>
+          </p:cNvSpPr>
+          <p:nvPr/>
+        </p:nvSpPr>
+        <p:spPr>
+          <a:xfrm>
+            <a:off x="796637" y="471050"/>
+            <a:ext cx="6089071" cy="692729"/>
+          </a:xfrm>
+          <a:prstGeom prst="rect">
+            <a:avLst/>
+          </a:prstGeom>
+        </p:spPr>
+        <p:txBody>
+          <a:bodyPr vert="horz" lIns="91440" tIns="45720" rIns="91440" bIns="45720" rtlCol="0" anchor="ctr">
+            <a:noAutofit/>
+          </a:bodyPr>
+          <a:lstStyle>
+            <a:lvl1pPr algn="l" defTabSz="914400" rtl="0" eaLnBrk="1" latinLnBrk="0" hangingPunct="1">
+              <a:lnSpc>
+                <a:spcPct val="90000"/>
+              </a:lnSpc>
+              <a:spcBef>
+                <a:spcPct val="0"/>
+              </a:spcBef>
+              <a:buNone/>
+              <a:defRPr sz="4400" kern="1200">
+                <a:solidFill>
+                  <a:schemeClr val="tx1"/>
+                </a:solidFill>
+                <a:latin typeface="+mj-lt"/>
+                <a:ea typeface="+mj-ea"/>
+                <a:cs typeface="+mj-cs"/>
+              </a:defRPr>
+            </a:lvl1pPr>
+          </a:lstStyle>
+          <a:p>
+            <a:r>
+              <a:rPr lang="pt-BR" sz="3600" b="1" dirty="0" smtClean="0">
+                <a:solidFill>
+                  <a:schemeClr val="bg2">
+                    <a:lumMod val="75000"/>
+                  </a:schemeClr>
+                </a:solidFill>
+                <a:latin typeface="+mn-lt"/>
+                <a:cs typeface="Calibri" panose="020F0502020204030204" pitchFamily="34" charset="0"/>
+              </a:rPr>
               <a:t>Exercício 09</a:t>
             </a:r>
             <a:endParaRPr lang="pt-BR" sz="3600" b="1" dirty="0">
@@ -18995,7 +20655,7 @@
 </p:sld>
 </file>
 
-<file path=ppt/slides/slide48.xml><?xml version="1.0" encoding="utf-8"?>
+<file path=ppt/slides/slide53.xml><?xml version="1.0" encoding="utf-8"?>
 <p:sld xmlns:a="http://schemas.openxmlformats.org/drawingml/2006/main" xmlns:r="http://schemas.openxmlformats.org/officeDocument/2006/relationships" xmlns:p="http://schemas.openxmlformats.org/presentationml/2006/main">
   <p:cSld>
     <p:bg>
@@ -19281,7 +20941,7 @@
 </p:sld>
 </file>
 
-<file path=ppt/slides/slide49.xml><?xml version="1.0" encoding="utf-8"?>
+<file path=ppt/slides/slide54.xml><?xml version="1.0" encoding="utf-8"?>
 <p:sld xmlns:a="http://schemas.openxmlformats.org/drawingml/2006/main" xmlns:r="http://schemas.openxmlformats.org/officeDocument/2006/relationships" xmlns:p="http://schemas.openxmlformats.org/presentationml/2006/main">
   <p:cSld>
     <p:bg>
@@ -19504,189 +21164,7 @@
 </p:sld>
 </file>
 
-<file path=ppt/slides/slide5.xml><?xml version="1.0" encoding="utf-8"?>
-<p:sld xmlns:a="http://schemas.openxmlformats.org/drawingml/2006/main" xmlns:r="http://schemas.openxmlformats.org/officeDocument/2006/relationships" xmlns:p="http://schemas.openxmlformats.org/presentationml/2006/main">
-  <p:cSld>
-    <p:bg>
-      <p:bgPr>
-        <a:blipFill dpi="0" rotWithShape="1">
-          <a:blip r:embed="rId3">
-            <a:lum/>
-          </a:blip>
-          <a:srcRect/>
-          <a:stretch>
-            <a:fillRect/>
-          </a:stretch>
-        </a:blipFill>
-        <a:effectLst/>
-      </p:bgPr>
-    </p:bg>
-    <p:spTree>
-      <p:nvGrpSpPr>
-        <p:cNvPr id="1" name=""/>
-        <p:cNvGrpSpPr/>
-        <p:nvPr/>
-      </p:nvGrpSpPr>
-      <p:grpSpPr>
-        <a:xfrm>
-          <a:off x="0" y="0"/>
-          <a:ext cx="0" cy="0"/>
-          <a:chOff x="0" y="0"/>
-          <a:chExt cx="0" cy="0"/>
-        </a:xfrm>
-      </p:grpSpPr>
-      <p:sp>
-        <p:nvSpPr>
-          <p:cNvPr id="7" name="Título 1">
-            <a:extLst>
-              <a:ext uri="{FF2B5EF4-FFF2-40B4-BE49-F238E27FC236}">
-                <a16:creationId xmlns:a16="http://schemas.microsoft.com/office/drawing/2014/main" id="{489F5D36-DFC3-5141-9F8E-6FACABCF76D1}"/>
-              </a:ext>
-            </a:extLst>
-          </p:cNvPr>
-          <p:cNvSpPr txBox="1">
-            <a:spLocks/>
-          </p:cNvSpPr>
-          <p:nvPr/>
-        </p:nvSpPr>
-        <p:spPr>
-          <a:xfrm>
-            <a:off x="796637" y="471050"/>
-            <a:ext cx="6089071" cy="692729"/>
-          </a:xfrm>
-          <a:prstGeom prst="rect">
-            <a:avLst/>
-          </a:prstGeom>
-        </p:spPr>
-        <p:txBody>
-          <a:bodyPr vert="horz" lIns="91440" tIns="45720" rIns="91440" bIns="45720" rtlCol="0" anchor="ctr">
-            <a:noAutofit/>
-          </a:bodyPr>
-          <a:lstStyle>
-            <a:lvl1pPr algn="l" defTabSz="914400" rtl="0" eaLnBrk="1" latinLnBrk="0" hangingPunct="1">
-              <a:lnSpc>
-                <a:spcPct val="90000"/>
-              </a:lnSpc>
-              <a:spcBef>
-                <a:spcPct val="0"/>
-              </a:spcBef>
-              <a:buNone/>
-              <a:defRPr sz="4400" kern="1200">
-                <a:solidFill>
-                  <a:schemeClr val="tx1"/>
-                </a:solidFill>
-                <a:latin typeface="+mj-lt"/>
-                <a:ea typeface="+mj-ea"/>
-                <a:cs typeface="+mj-cs"/>
-              </a:defRPr>
-            </a:lvl1pPr>
-          </a:lstStyle>
-          <a:p>
-            <a:r>
-              <a:rPr lang="pt-BR" sz="3600" b="1" dirty="0" smtClean="0">
-                <a:solidFill>
-                  <a:schemeClr val="bg2">
-                    <a:lumMod val="75000"/>
-                  </a:schemeClr>
-                </a:solidFill>
-                <a:latin typeface="+mn-lt"/>
-                <a:cs typeface="Calibri" panose="020F0502020204030204" pitchFamily="34" charset="0"/>
-              </a:rPr>
-              <a:t>Utilização de includes em PHP</a:t>
-            </a:r>
-            <a:endParaRPr lang="pt-BR" sz="3600" b="1" dirty="0">
-              <a:solidFill>
-                <a:schemeClr val="bg2">
-                  <a:lumMod val="75000"/>
-                </a:schemeClr>
-              </a:solidFill>
-              <a:latin typeface="+mn-lt"/>
-              <a:cs typeface="Calibri" panose="020F0502020204030204" pitchFamily="34" charset="0"/>
-            </a:endParaRPr>
-          </a:p>
-        </p:txBody>
-      </p:sp>
-      <p:sp>
-        <p:nvSpPr>
-          <p:cNvPr id="3" name="Marcador de Posição de Conteúdo 2"/>
-          <p:cNvSpPr>
-            <a:spLocks noGrp="1"/>
-          </p:cNvSpPr>
-          <p:nvPr>
-            <p:ph idx="1"/>
-          </p:nvPr>
-        </p:nvSpPr>
-        <p:spPr>
-          <a:xfrm>
-            <a:off x="457200" y="1600200"/>
-            <a:ext cx="8229600" cy="4525963"/>
-          </a:xfrm>
-        </p:spPr>
-        <p:txBody>
-          <a:bodyPr/>
-          <a:lstStyle/>
-          <a:p>
-            <a:r>
-              <a:rPr lang="pt-BR" dirty="0" smtClean="0"/>
-              <a:t>O PHP oferece algumas funções para realização da inclusão destes arquivos</a:t>
-            </a:r>
-          </a:p>
-          <a:p>
-            <a:pPr lvl="1"/>
-            <a:endParaRPr lang="pt-BR" dirty="0" smtClean="0"/>
-          </a:p>
-          <a:p>
-            <a:pPr lvl="1"/>
-            <a:r>
-              <a:rPr lang="pt-BR" dirty="0" smtClean="0"/>
-              <a:t>Include</a:t>
-            </a:r>
-          </a:p>
-          <a:p>
-            <a:pPr lvl="1"/>
-            <a:r>
-              <a:rPr lang="pt-BR" dirty="0" smtClean="0"/>
-              <a:t>Include_once</a:t>
-            </a:r>
-          </a:p>
-          <a:p>
-            <a:pPr lvl="1"/>
-            <a:r>
-              <a:rPr lang="pt-BR" dirty="0" smtClean="0"/>
-              <a:t>Require</a:t>
-            </a:r>
-          </a:p>
-          <a:p>
-            <a:pPr lvl="1"/>
-            <a:r>
-              <a:rPr lang="pt-BR" dirty="0" smtClean="0"/>
-              <a:t>Require_once</a:t>
-            </a:r>
-            <a:endParaRPr lang="pt-BR" dirty="0"/>
-          </a:p>
-        </p:txBody>
-      </p:sp>
-    </p:spTree>
-    <p:extLst>
-      <p:ext uri="{BB962C8B-B14F-4D97-AF65-F5344CB8AC3E}">
-        <p14:creationId xmlns:p14="http://schemas.microsoft.com/office/powerpoint/2010/main" val="970616642"/>
-      </p:ext>
-    </p:extLst>
-  </p:cSld>
-  <p:clrMapOvr>
-    <a:masterClrMapping/>
-  </p:clrMapOvr>
-  <p:timing>
-    <p:tnLst>
-      <p:par>
-        <p:cTn id="1" dur="indefinite" restart="never" nodeType="tmRoot"/>
-      </p:par>
-    </p:tnLst>
-  </p:timing>
-</p:sld>
-</file>
-
-<file path=ppt/slides/slide50.xml><?xml version="1.0" encoding="utf-8"?>
+<file path=ppt/slides/slide55.xml><?xml version="1.0" encoding="utf-8"?>
 <p:sld xmlns:a="http://schemas.openxmlformats.org/drawingml/2006/main" xmlns:r="http://schemas.openxmlformats.org/officeDocument/2006/relationships" xmlns:p="http://schemas.openxmlformats.org/presentationml/2006/main">
   <p:cSld>
     <p:bg>
@@ -19849,7 +21327,7 @@
 </p:sld>
 </file>
 
-<file path=ppt/slides/slide51.xml><?xml version="1.0" encoding="utf-8"?>
+<file path=ppt/slides/slide56.xml><?xml version="1.0" encoding="utf-8"?>
 <p:sld xmlns:a="http://schemas.openxmlformats.org/drawingml/2006/main" xmlns:r="http://schemas.openxmlformats.org/officeDocument/2006/relationships" xmlns:p="http://schemas.openxmlformats.org/presentationml/2006/main">
   <p:cSld>
     <p:bg>

--- a/slides/SLIDE 05 - NOCOES BASICAS PHP 03.pptx
+++ b/slides/SLIDE 05 - NOCOES BASICAS PHP 03.pptx
@@ -8275,18 +8275,7 @@
                 </a:solidFill>
                 <a:cs typeface="Calibri" panose="020F0502020204030204" pitchFamily="34" charset="0"/>
               </a:rPr>
-              <a:t>Fixação na pasta </a:t>
-            </a:r>
-            <a:r>
-              <a:rPr lang="pt-BR" b="1" dirty="0" smtClean="0">
-                <a:solidFill>
-                  <a:schemeClr val="bg2">
-                    <a:lumMod val="75000"/>
-                  </a:schemeClr>
-                </a:solidFill>
-                <a:cs typeface="Calibri" panose="020F0502020204030204" pitchFamily="34" charset="0"/>
-              </a:rPr>
-              <a:t>Exercícios.</a:t>
+              <a:t>Fixação na pasta Exercícios.</a:t>
             </a:r>
           </a:p>
           <a:p>
@@ -9476,19 +9465,7 @@
                 <a:latin typeface="+mn-lt"/>
                 <a:cs typeface="Calibri" panose="020F0502020204030204" pitchFamily="34" charset="0"/>
               </a:rPr>
-              <a:t>Atividades de </a:t>
-            </a:r>
-            <a:r>
-              <a:rPr lang="pt-BR" sz="3600" b="1" dirty="0" smtClean="0">
-                <a:solidFill>
-                  <a:schemeClr val="bg2">
-                    <a:lumMod val="75000"/>
-                  </a:schemeClr>
-                </a:solidFill>
-                <a:latin typeface="+mn-lt"/>
-                <a:cs typeface="Calibri" panose="020F0502020204030204" pitchFamily="34" charset="0"/>
-              </a:rPr>
-              <a:t>Fixação - Formulários</a:t>
+              <a:t>Atividades de Fixação - Formulários</a:t>
             </a:r>
             <a:endParaRPr lang="pt-BR" sz="3600" b="1" dirty="0">
               <a:solidFill>
@@ -9545,10 +9522,10 @@
                 </a:solidFill>
                 <a:cs typeface="Calibri" panose="020F0502020204030204" pitchFamily="34" charset="0"/>
               </a:rPr>
-              <a:t>Fixação na pasta </a:t>
-            </a:r>
-            <a:r>
-              <a:rPr lang="pt-BR" b="1" dirty="0" smtClean="0">
+              <a:t>Fixação na </a:t>
+            </a:r>
+            <a:r>
+              <a:rPr lang="pt-BR" b="1" smtClean="0">
                 <a:solidFill>
                   <a:schemeClr val="bg2">
                     <a:lumMod val="75000"/>
@@ -9556,7 +9533,18 @@
                 </a:solidFill>
                 <a:cs typeface="Calibri" panose="020F0502020204030204" pitchFamily="34" charset="0"/>
               </a:rPr>
-              <a:t>Exercícios.</a:t>
+              <a:t>pasta </a:t>
+            </a:r>
+            <a:r>
+              <a:rPr lang="pt-BR" b="1" smtClean="0">
+                <a:solidFill>
+                  <a:schemeClr val="bg2">
+                    <a:lumMod val="75000"/>
+                  </a:schemeClr>
+                </a:solidFill>
+                <a:cs typeface="Calibri" panose="020F0502020204030204" pitchFamily="34" charset="0"/>
+              </a:rPr>
+              <a:t>Exercícios02-formulario.</a:t>
             </a:r>
             <a:endParaRPr lang="pt-BR" b="1" dirty="0">
               <a:solidFill>
@@ -11715,19 +11703,7 @@
                 <a:latin typeface="+mn-lt"/>
                 <a:cs typeface="Calibri" panose="020F0502020204030204" pitchFamily="34" charset="0"/>
               </a:rPr>
-              <a:t>Atividades de </a:t>
-            </a:r>
-            <a:r>
-              <a:rPr lang="pt-BR" sz="3600" b="1" dirty="0" smtClean="0">
-                <a:solidFill>
-                  <a:schemeClr val="bg2">
-                    <a:lumMod val="75000"/>
-                  </a:schemeClr>
-                </a:solidFill>
-                <a:latin typeface="+mn-lt"/>
-                <a:cs typeface="Calibri" panose="020F0502020204030204" pitchFamily="34" charset="0"/>
-              </a:rPr>
-              <a:t>Fixação - Repetição</a:t>
+              <a:t>Atividades de Fixação - Repetição</a:t>
             </a:r>
             <a:endParaRPr lang="pt-BR" sz="3600" b="1" dirty="0">
               <a:solidFill>
@@ -11784,18 +11760,7 @@
                 </a:solidFill>
                 <a:cs typeface="Calibri" panose="020F0502020204030204" pitchFamily="34" charset="0"/>
               </a:rPr>
-              <a:t>Fixação na pasta </a:t>
-            </a:r>
-            <a:r>
-              <a:rPr lang="pt-BR" b="1" dirty="0" smtClean="0">
-                <a:solidFill>
-                  <a:schemeClr val="bg2">
-                    <a:lumMod val="75000"/>
-                  </a:schemeClr>
-                </a:solidFill>
-                <a:cs typeface="Calibri" panose="020F0502020204030204" pitchFamily="34" charset="0"/>
-              </a:rPr>
-              <a:t>Exercícios.</a:t>
+              <a:t>Fixação na pasta Exercícios.</a:t>
             </a:r>
             <a:endParaRPr lang="pt-BR" b="1" dirty="0">
               <a:solidFill>
@@ -13620,19 +13585,7 @@
                 <a:latin typeface="+mn-lt"/>
                 <a:cs typeface="Calibri" panose="020F0502020204030204" pitchFamily="34" charset="0"/>
               </a:rPr>
-              <a:t>Atividades de </a:t>
-            </a:r>
-            <a:r>
-              <a:rPr lang="pt-BR" sz="3600" b="1" dirty="0" smtClean="0">
-                <a:solidFill>
-                  <a:schemeClr val="bg2">
-                    <a:lumMod val="75000"/>
-                  </a:schemeClr>
-                </a:solidFill>
-                <a:latin typeface="+mn-lt"/>
-                <a:cs typeface="Calibri" panose="020F0502020204030204" pitchFamily="34" charset="0"/>
-              </a:rPr>
-              <a:t>Fixação - JSON</a:t>
+              <a:t>Atividades de Fixação - JSON</a:t>
             </a:r>
             <a:endParaRPr lang="pt-BR" sz="3600" b="1" dirty="0">
               <a:solidFill>
@@ -13689,18 +13642,7 @@
                 </a:solidFill>
                 <a:cs typeface="Calibri" panose="020F0502020204030204" pitchFamily="34" charset="0"/>
               </a:rPr>
-              <a:t>Fixação na pasta </a:t>
-            </a:r>
-            <a:r>
-              <a:rPr lang="pt-BR" b="1" dirty="0" smtClean="0">
-                <a:solidFill>
-                  <a:schemeClr val="bg2">
-                    <a:lumMod val="75000"/>
-                  </a:schemeClr>
-                </a:solidFill>
-                <a:cs typeface="Calibri" panose="020F0502020204030204" pitchFamily="34" charset="0"/>
-              </a:rPr>
-              <a:t>Exercícios.</a:t>
+              <a:t>Fixação na pasta Exercícios.</a:t>
             </a:r>
             <a:endParaRPr lang="pt-BR" b="1" dirty="0">
               <a:solidFill>
@@ -15267,19 +15209,7 @@
                 <a:latin typeface="+mn-lt"/>
                 <a:cs typeface="Calibri" panose="020F0502020204030204" pitchFamily="34" charset="0"/>
               </a:rPr>
-              <a:t>Atividades de </a:t>
-            </a:r>
-            <a:r>
-              <a:rPr lang="pt-BR" sz="3600" b="1" dirty="0" smtClean="0">
-                <a:solidFill>
-                  <a:schemeClr val="bg2">
-                    <a:lumMod val="75000"/>
-                  </a:schemeClr>
-                </a:solidFill>
-                <a:latin typeface="+mn-lt"/>
-                <a:cs typeface="Calibri" panose="020F0502020204030204" pitchFamily="34" charset="0"/>
-              </a:rPr>
-              <a:t>Fixação – GRAVANDO ARQUIVO</a:t>
+              <a:t>Atividades de Fixação – GRAVANDO ARQUIVO</a:t>
             </a:r>
             <a:endParaRPr lang="pt-BR" sz="3600" b="1" dirty="0">
               <a:solidFill>
@@ -15336,18 +15266,7 @@
                 </a:solidFill>
                 <a:cs typeface="Calibri" panose="020F0502020204030204" pitchFamily="34" charset="0"/>
               </a:rPr>
-              <a:t>Fixação na pasta </a:t>
-            </a:r>
-            <a:r>
-              <a:rPr lang="pt-BR" b="1" dirty="0" smtClean="0">
-                <a:solidFill>
-                  <a:schemeClr val="bg2">
-                    <a:lumMod val="75000"/>
-                  </a:schemeClr>
-                </a:solidFill>
-                <a:cs typeface="Calibri" panose="020F0502020204030204" pitchFamily="34" charset="0"/>
-              </a:rPr>
-              <a:t>Exercícios.</a:t>
+              <a:t>Fixação na pasta Exercícios.</a:t>
             </a:r>
             <a:endParaRPr lang="pt-BR" b="1" dirty="0">
               <a:solidFill>
@@ -18814,19 +18733,7 @@
                 <a:latin typeface="+mn-lt"/>
                 <a:cs typeface="Calibri" panose="020F0502020204030204" pitchFamily="34" charset="0"/>
               </a:rPr>
-              <a:t>Atividades de </a:t>
-            </a:r>
-            <a:r>
-              <a:rPr lang="pt-BR" sz="3600" b="1" dirty="0" smtClean="0">
-                <a:solidFill>
-                  <a:schemeClr val="bg2">
-                    <a:lumMod val="75000"/>
-                  </a:schemeClr>
-                </a:solidFill>
-                <a:latin typeface="+mn-lt"/>
-                <a:cs typeface="Calibri" panose="020F0502020204030204" pitchFamily="34" charset="0"/>
-              </a:rPr>
-              <a:t>Fixação – ATIVIDADE COM DATA</a:t>
+              <a:t>Atividades de Fixação – ATIVIDADE COM DATA</a:t>
             </a:r>
             <a:endParaRPr lang="pt-BR" sz="3600" b="1" dirty="0">
               <a:solidFill>
@@ -18883,18 +18790,7 @@
                 </a:solidFill>
                 <a:cs typeface="Calibri" panose="020F0502020204030204" pitchFamily="34" charset="0"/>
               </a:rPr>
-              <a:t>Fixação na pasta </a:t>
-            </a:r>
-            <a:r>
-              <a:rPr lang="pt-BR" b="1" dirty="0" smtClean="0">
-                <a:solidFill>
-                  <a:schemeClr val="bg2">
-                    <a:lumMod val="75000"/>
-                  </a:schemeClr>
-                </a:solidFill>
-                <a:cs typeface="Calibri" panose="020F0502020204030204" pitchFamily="34" charset="0"/>
-              </a:rPr>
-              <a:t>Exercícios.</a:t>
+              <a:t>Fixação na pasta Exercícios.</a:t>
             </a:r>
             <a:endParaRPr lang="pt-BR" b="1" dirty="0">
               <a:solidFill>
